--- a/lection.pptx
+++ b/lection.pptx
@@ -5,10 +5,10 @@
     <p:sldMasterId id="2147483648" r:id="rId4"/>
   </p:sldMasterIdLst>
   <p:notesMasterIdLst>
-    <p:notesMasterId r:id="rId22"/>
+    <p:notesMasterId r:id="rId23"/>
   </p:notesMasterIdLst>
   <p:handoutMasterIdLst>
-    <p:handoutMasterId r:id="rId23"/>
+    <p:handoutMasterId r:id="rId24"/>
   </p:handoutMasterIdLst>
   <p:sldIdLst>
     <p:sldId id="256" r:id="rId5"/>
@@ -18,16 +18,17 @@
     <p:sldId id="313" r:id="rId9"/>
     <p:sldId id="314" r:id="rId10"/>
     <p:sldId id="315" r:id="rId11"/>
-    <p:sldId id="316" r:id="rId12"/>
-    <p:sldId id="318" r:id="rId13"/>
-    <p:sldId id="319" r:id="rId14"/>
-    <p:sldId id="320" r:id="rId15"/>
-    <p:sldId id="321" r:id="rId16"/>
-    <p:sldId id="317" r:id="rId17"/>
-    <p:sldId id="323" r:id="rId18"/>
-    <p:sldId id="324" r:id="rId19"/>
-    <p:sldId id="322" r:id="rId20"/>
-    <p:sldId id="282" r:id="rId21"/>
+    <p:sldId id="325" r:id="rId12"/>
+    <p:sldId id="316" r:id="rId13"/>
+    <p:sldId id="318" r:id="rId14"/>
+    <p:sldId id="319" r:id="rId15"/>
+    <p:sldId id="320" r:id="rId16"/>
+    <p:sldId id="321" r:id="rId17"/>
+    <p:sldId id="317" r:id="rId18"/>
+    <p:sldId id="323" r:id="rId19"/>
+    <p:sldId id="324" r:id="rId20"/>
+    <p:sldId id="322" r:id="rId21"/>
+    <p:sldId id="282" r:id="rId22"/>
   </p:sldIdLst>
   <p:sldSz cx="12192000" cy="6858000"/>
   <p:notesSz cx="6797675" cy="9872663"/>
@@ -1941,881 +1942,6 @@
 </file>
 
 <file path=ppt/diagrams/colors3.xml><?xml version="1.0" encoding="utf-8"?>
-<dgm:colorsDef xmlns:dgm="http://schemas.openxmlformats.org/drawingml/2006/diagram" xmlns:a="http://schemas.openxmlformats.org/drawingml/2006/main" uniqueId="urn:microsoft.com/office/officeart/2005/8/colors/accent2_3">
-  <dgm:title val=""/>
-  <dgm:desc val=""/>
-  <dgm:catLst>
-    <dgm:cat type="accent2" pri="11300"/>
-  </dgm:catLst>
-  <dgm:styleLbl name="node0">
-    <dgm:fillClrLst meth="repeat">
-      <a:schemeClr val="accent2">
-        <a:shade val="80000"/>
-      </a:schemeClr>
-    </dgm:fillClrLst>
-    <dgm:linClrLst meth="repeat">
-      <a:schemeClr val="lt1"/>
-    </dgm:linClrLst>
-    <dgm:effectClrLst/>
-    <dgm:txLinClrLst/>
-    <dgm:txFillClrLst/>
-    <dgm:txEffectClrLst/>
-  </dgm:styleLbl>
-  <dgm:styleLbl name="node1">
-    <dgm:fillClrLst>
-      <a:schemeClr val="accent2">
-        <a:shade val="80000"/>
-      </a:schemeClr>
-      <a:schemeClr val="accent2">
-        <a:tint val="70000"/>
-      </a:schemeClr>
-    </dgm:fillClrLst>
-    <dgm:linClrLst meth="repeat">
-      <a:schemeClr val="lt1"/>
-    </dgm:linClrLst>
-    <dgm:effectClrLst/>
-    <dgm:txLinClrLst/>
-    <dgm:txFillClrLst/>
-    <dgm:txEffectClrLst/>
-  </dgm:styleLbl>
-  <dgm:styleLbl name="alignNode1">
-    <dgm:fillClrLst>
-      <a:schemeClr val="accent2">
-        <a:shade val="80000"/>
-      </a:schemeClr>
-      <a:schemeClr val="accent2">
-        <a:tint val="70000"/>
-      </a:schemeClr>
-    </dgm:fillClrLst>
-    <dgm:linClrLst>
-      <a:schemeClr val="accent2">
-        <a:shade val="80000"/>
-      </a:schemeClr>
-      <a:schemeClr val="accent2">
-        <a:tint val="70000"/>
-      </a:schemeClr>
-    </dgm:linClrLst>
-    <dgm:effectClrLst/>
-    <dgm:txLinClrLst/>
-    <dgm:txFillClrLst/>
-    <dgm:txEffectClrLst/>
-  </dgm:styleLbl>
-  <dgm:styleLbl name="lnNode1">
-    <dgm:fillClrLst>
-      <a:schemeClr val="accent2">
-        <a:shade val="80000"/>
-      </a:schemeClr>
-      <a:schemeClr val="accent2">
-        <a:tint val="70000"/>
-      </a:schemeClr>
-    </dgm:fillClrLst>
-    <dgm:linClrLst meth="repeat">
-      <a:schemeClr val="lt1"/>
-    </dgm:linClrLst>
-    <dgm:effectClrLst/>
-    <dgm:txLinClrLst/>
-    <dgm:txFillClrLst/>
-    <dgm:txEffectClrLst/>
-  </dgm:styleLbl>
-  <dgm:styleLbl name="vennNode1">
-    <dgm:fillClrLst>
-      <a:schemeClr val="accent2">
-        <a:shade val="80000"/>
-        <a:alpha val="50000"/>
-      </a:schemeClr>
-      <a:schemeClr val="accent2">
-        <a:tint val="70000"/>
-        <a:alpha val="50000"/>
-      </a:schemeClr>
-    </dgm:fillClrLst>
-    <dgm:linClrLst meth="repeat">
-      <a:schemeClr val="lt1"/>
-    </dgm:linClrLst>
-    <dgm:effectClrLst/>
-    <dgm:txLinClrLst/>
-    <dgm:txFillClrLst/>
-    <dgm:txEffectClrLst/>
-  </dgm:styleLbl>
-  <dgm:styleLbl name="node2">
-    <dgm:fillClrLst>
-      <a:schemeClr val="accent2">
-        <a:tint val="99000"/>
-      </a:schemeClr>
-    </dgm:fillClrLst>
-    <dgm:linClrLst meth="repeat">
-      <a:schemeClr val="lt1"/>
-    </dgm:linClrLst>
-    <dgm:effectClrLst/>
-    <dgm:txLinClrLst/>
-    <dgm:txFillClrLst/>
-    <dgm:txEffectClrLst/>
-  </dgm:styleLbl>
-  <dgm:styleLbl name="node3">
-    <dgm:fillClrLst>
-      <a:schemeClr val="accent2">
-        <a:tint val="80000"/>
-      </a:schemeClr>
-    </dgm:fillClrLst>
-    <dgm:linClrLst meth="repeat">
-      <a:schemeClr val="lt1"/>
-    </dgm:linClrLst>
-    <dgm:effectClrLst/>
-    <dgm:txLinClrLst/>
-    <dgm:txFillClrLst/>
-    <dgm:txEffectClrLst/>
-  </dgm:styleLbl>
-  <dgm:styleLbl name="node4">
-    <dgm:fillClrLst>
-      <a:schemeClr val="accent2">
-        <a:tint val="70000"/>
-      </a:schemeClr>
-    </dgm:fillClrLst>
-    <dgm:linClrLst meth="repeat">
-      <a:schemeClr val="lt1"/>
-    </dgm:linClrLst>
-    <dgm:effectClrLst/>
-    <dgm:txLinClrLst/>
-    <dgm:txFillClrLst/>
-    <dgm:txEffectClrLst/>
-  </dgm:styleLbl>
-  <dgm:styleLbl name="fgImgPlace1">
-    <dgm:fillClrLst>
-      <a:schemeClr val="accent2">
-        <a:tint val="50000"/>
-      </a:schemeClr>
-      <a:schemeClr val="accent2">
-        <a:tint val="20000"/>
-      </a:schemeClr>
-    </dgm:fillClrLst>
-    <dgm:linClrLst meth="repeat">
-      <a:schemeClr val="lt1"/>
-    </dgm:linClrLst>
-    <dgm:effectClrLst/>
-    <dgm:txLinClrLst/>
-    <dgm:txFillClrLst meth="repeat">
-      <a:schemeClr val="lt1"/>
-    </dgm:txFillClrLst>
-    <dgm:txEffectClrLst/>
-  </dgm:styleLbl>
-  <dgm:styleLbl name="alignImgPlace1">
-    <dgm:fillClrLst>
-      <a:schemeClr val="accent2">
-        <a:tint val="50000"/>
-      </a:schemeClr>
-      <a:schemeClr val="accent2">
-        <a:tint val="20000"/>
-      </a:schemeClr>
-    </dgm:fillClrLst>
-    <dgm:linClrLst meth="repeat">
-      <a:schemeClr val="lt1"/>
-    </dgm:linClrLst>
-    <dgm:effectClrLst/>
-    <dgm:txLinClrLst/>
-    <dgm:txFillClrLst meth="repeat">
-      <a:schemeClr val="lt1"/>
-    </dgm:txFillClrLst>
-    <dgm:txEffectClrLst/>
-  </dgm:styleLbl>
-  <dgm:styleLbl name="bgImgPlace1">
-    <dgm:fillClrLst>
-      <a:schemeClr val="accent2">
-        <a:tint val="50000"/>
-      </a:schemeClr>
-      <a:schemeClr val="accent2">
-        <a:tint val="20000"/>
-      </a:schemeClr>
-    </dgm:fillClrLst>
-    <dgm:linClrLst meth="repeat">
-      <a:schemeClr val="lt1"/>
-    </dgm:linClrLst>
-    <dgm:effectClrLst/>
-    <dgm:txLinClrLst/>
-    <dgm:txFillClrLst meth="repeat">
-      <a:schemeClr val="lt1"/>
-    </dgm:txFillClrLst>
-    <dgm:txEffectClrLst/>
-  </dgm:styleLbl>
-  <dgm:styleLbl name="sibTrans2D1">
-    <dgm:fillClrLst>
-      <a:schemeClr val="accent2">
-        <a:shade val="90000"/>
-      </a:schemeClr>
-      <a:schemeClr val="accent2">
-        <a:tint val="70000"/>
-      </a:schemeClr>
-    </dgm:fillClrLst>
-    <dgm:linClrLst>
-      <a:schemeClr val="accent2">
-        <a:shade val="90000"/>
-      </a:schemeClr>
-      <a:schemeClr val="accent2">
-        <a:tint val="70000"/>
-      </a:schemeClr>
-    </dgm:linClrLst>
-    <dgm:effectClrLst/>
-    <dgm:txLinClrLst/>
-    <dgm:txFillClrLst/>
-    <dgm:txEffectClrLst/>
-  </dgm:styleLbl>
-  <dgm:styleLbl name="fgSibTrans2D1">
-    <dgm:fillClrLst>
-      <a:schemeClr val="accent2">
-        <a:shade val="90000"/>
-      </a:schemeClr>
-      <a:schemeClr val="accent2">
-        <a:tint val="70000"/>
-      </a:schemeClr>
-    </dgm:fillClrLst>
-    <dgm:linClrLst>
-      <a:schemeClr val="accent2">
-        <a:shade val="90000"/>
-      </a:schemeClr>
-      <a:schemeClr val="accent2">
-        <a:tint val="70000"/>
-      </a:schemeClr>
-    </dgm:linClrLst>
-    <dgm:effectClrLst/>
-    <dgm:txLinClrLst/>
-    <dgm:txFillClrLst meth="repeat">
-      <a:schemeClr val="lt1"/>
-    </dgm:txFillClrLst>
-    <dgm:txEffectClrLst/>
-  </dgm:styleLbl>
-  <dgm:styleLbl name="bgSibTrans2D1">
-    <dgm:fillClrLst>
-      <a:schemeClr val="accent2">
-        <a:shade val="90000"/>
-      </a:schemeClr>
-      <a:schemeClr val="accent2">
-        <a:tint val="70000"/>
-      </a:schemeClr>
-    </dgm:fillClrLst>
-    <dgm:linClrLst>
-      <a:schemeClr val="accent2">
-        <a:shade val="90000"/>
-      </a:schemeClr>
-      <a:schemeClr val="accent2">
-        <a:tint val="70000"/>
-      </a:schemeClr>
-    </dgm:linClrLst>
-    <dgm:effectClrLst/>
-    <dgm:txLinClrLst/>
-    <dgm:txFillClrLst meth="repeat">
-      <a:schemeClr val="lt1"/>
-    </dgm:txFillClrLst>
-    <dgm:txEffectClrLst/>
-  </dgm:styleLbl>
-  <dgm:styleLbl name="sibTrans1D1">
-    <dgm:fillClrLst>
-      <a:schemeClr val="accent2">
-        <a:shade val="90000"/>
-      </a:schemeClr>
-      <a:schemeClr val="accent2">
-        <a:tint val="70000"/>
-      </a:schemeClr>
-    </dgm:fillClrLst>
-    <dgm:linClrLst>
-      <a:schemeClr val="accent2">
-        <a:shade val="90000"/>
-      </a:schemeClr>
-      <a:schemeClr val="accent2">
-        <a:tint val="70000"/>
-      </a:schemeClr>
-    </dgm:linClrLst>
-    <dgm:effectClrLst/>
-    <dgm:txLinClrLst/>
-    <dgm:txFillClrLst meth="repeat">
-      <a:schemeClr val="tx1"/>
-    </dgm:txFillClrLst>
-    <dgm:txEffectClrLst/>
-  </dgm:styleLbl>
-  <dgm:styleLbl name="callout">
-    <dgm:fillClrLst meth="repeat">
-      <a:schemeClr val="accent2"/>
-    </dgm:fillClrLst>
-    <dgm:linClrLst meth="repeat">
-      <a:schemeClr val="accent2"/>
-    </dgm:linClrLst>
-    <dgm:effectClrLst/>
-    <dgm:txLinClrLst/>
-    <dgm:txFillClrLst meth="repeat">
-      <a:schemeClr val="tx1"/>
-    </dgm:txFillClrLst>
-    <dgm:txEffectClrLst/>
-  </dgm:styleLbl>
-  <dgm:styleLbl name="asst0">
-    <dgm:fillClrLst meth="repeat">
-      <a:schemeClr val="accent2">
-        <a:shade val="80000"/>
-      </a:schemeClr>
-    </dgm:fillClrLst>
-    <dgm:linClrLst meth="repeat">
-      <a:schemeClr val="lt1"/>
-    </dgm:linClrLst>
-    <dgm:effectClrLst/>
-    <dgm:txLinClrLst/>
-    <dgm:txFillClrLst/>
-    <dgm:txEffectClrLst/>
-  </dgm:styleLbl>
-  <dgm:styleLbl name="asst1">
-    <dgm:fillClrLst meth="repeat">
-      <a:schemeClr val="accent2">
-        <a:shade val="80000"/>
-      </a:schemeClr>
-    </dgm:fillClrLst>
-    <dgm:linClrLst meth="repeat">
-      <a:schemeClr val="lt1"/>
-    </dgm:linClrLst>
-    <dgm:effectClrLst/>
-    <dgm:txLinClrLst/>
-    <dgm:txFillClrLst/>
-    <dgm:txEffectClrLst/>
-  </dgm:styleLbl>
-  <dgm:styleLbl name="asst2">
-    <dgm:fillClrLst>
-      <a:schemeClr val="accent2">
-        <a:tint val="99000"/>
-      </a:schemeClr>
-    </dgm:fillClrLst>
-    <dgm:linClrLst meth="repeat">
-      <a:schemeClr val="lt1"/>
-    </dgm:linClrLst>
-    <dgm:effectClrLst/>
-    <dgm:txLinClrLst/>
-    <dgm:txFillClrLst/>
-    <dgm:txEffectClrLst/>
-  </dgm:styleLbl>
-  <dgm:styleLbl name="asst3">
-    <dgm:fillClrLst>
-      <a:schemeClr val="accent2">
-        <a:tint val="80000"/>
-      </a:schemeClr>
-    </dgm:fillClrLst>
-    <dgm:linClrLst meth="repeat">
-      <a:schemeClr val="lt1"/>
-    </dgm:linClrLst>
-    <dgm:effectClrLst/>
-    <dgm:txLinClrLst/>
-    <dgm:txFillClrLst/>
-    <dgm:txEffectClrLst/>
-  </dgm:styleLbl>
-  <dgm:styleLbl name="asst4">
-    <dgm:fillClrLst>
-      <a:schemeClr val="accent2">
-        <a:tint val="70000"/>
-      </a:schemeClr>
-    </dgm:fillClrLst>
-    <dgm:linClrLst meth="repeat">
-      <a:schemeClr val="lt1"/>
-    </dgm:linClrLst>
-    <dgm:effectClrLst/>
-    <dgm:txLinClrLst/>
-    <dgm:txFillClrLst/>
-    <dgm:txEffectClrLst/>
-  </dgm:styleLbl>
-  <dgm:styleLbl name="parChTrans2D1">
-    <dgm:fillClrLst meth="repeat">
-      <a:schemeClr val="accent2">
-        <a:tint val="60000"/>
-      </a:schemeClr>
-    </dgm:fillClrLst>
-    <dgm:linClrLst meth="repeat">
-      <a:schemeClr val="accent2">
-        <a:tint val="60000"/>
-      </a:schemeClr>
-    </dgm:linClrLst>
-    <dgm:effectClrLst/>
-    <dgm:txLinClrLst/>
-    <dgm:txFillClrLst meth="repeat">
-      <a:schemeClr val="lt1"/>
-    </dgm:txFillClrLst>
-    <dgm:txEffectClrLst/>
-  </dgm:styleLbl>
-  <dgm:styleLbl name="parChTrans2D2">
-    <dgm:fillClrLst meth="repeat">
-      <a:schemeClr val="accent2">
-        <a:tint val="90000"/>
-      </a:schemeClr>
-    </dgm:fillClrLst>
-    <dgm:linClrLst meth="repeat">
-      <a:schemeClr val="accent2">
-        <a:tint val="90000"/>
-      </a:schemeClr>
-    </dgm:linClrLst>
-    <dgm:effectClrLst/>
-    <dgm:txLinClrLst/>
-    <dgm:txFillClrLst/>
-    <dgm:txEffectClrLst/>
-  </dgm:styleLbl>
-  <dgm:styleLbl name="parChTrans2D3">
-    <dgm:fillClrLst meth="repeat">
-      <a:schemeClr val="accent2">
-        <a:tint val="70000"/>
-      </a:schemeClr>
-    </dgm:fillClrLst>
-    <dgm:linClrLst meth="repeat">
-      <a:schemeClr val="accent2">
-        <a:tint val="70000"/>
-      </a:schemeClr>
-    </dgm:linClrLst>
-    <dgm:effectClrLst/>
-    <dgm:txLinClrLst/>
-    <dgm:txFillClrLst/>
-    <dgm:txEffectClrLst/>
-  </dgm:styleLbl>
-  <dgm:styleLbl name="parChTrans2D4">
-    <dgm:fillClrLst meth="repeat">
-      <a:schemeClr val="accent2">
-        <a:tint val="50000"/>
-      </a:schemeClr>
-    </dgm:fillClrLst>
-    <dgm:linClrLst meth="repeat">
-      <a:schemeClr val="accent2">
-        <a:tint val="50000"/>
-      </a:schemeClr>
-    </dgm:linClrLst>
-    <dgm:effectClrLst/>
-    <dgm:txLinClrLst/>
-    <dgm:txFillClrLst meth="repeat">
-      <a:schemeClr val="lt1"/>
-    </dgm:txFillClrLst>
-    <dgm:txEffectClrLst/>
-  </dgm:styleLbl>
-  <dgm:styleLbl name="parChTrans1D1">
-    <dgm:fillClrLst meth="repeat">
-      <a:schemeClr val="accent2">
-        <a:shade val="80000"/>
-      </a:schemeClr>
-    </dgm:fillClrLst>
-    <dgm:linClrLst meth="repeat">
-      <a:schemeClr val="accent2">
-        <a:shade val="80000"/>
-      </a:schemeClr>
-    </dgm:linClrLst>
-    <dgm:effectClrLst/>
-    <dgm:txLinClrLst/>
-    <dgm:txFillClrLst meth="repeat">
-      <a:schemeClr val="tx1"/>
-    </dgm:txFillClrLst>
-    <dgm:txEffectClrLst/>
-  </dgm:styleLbl>
-  <dgm:styleLbl name="parChTrans1D2">
-    <dgm:fillClrLst meth="repeat">
-      <a:schemeClr val="accent2">
-        <a:tint val="99000"/>
-      </a:schemeClr>
-    </dgm:fillClrLst>
-    <dgm:linClrLst meth="repeat">
-      <a:schemeClr val="accent2">
-        <a:tint val="99000"/>
-      </a:schemeClr>
-    </dgm:linClrLst>
-    <dgm:effectClrLst/>
-    <dgm:txLinClrLst/>
-    <dgm:txFillClrLst meth="repeat">
-      <a:schemeClr val="tx1"/>
-    </dgm:txFillClrLst>
-    <dgm:txEffectClrLst/>
-  </dgm:styleLbl>
-  <dgm:styleLbl name="parChTrans1D3">
-    <dgm:fillClrLst meth="repeat">
-      <a:schemeClr val="accent2">
-        <a:tint val="80000"/>
-      </a:schemeClr>
-    </dgm:fillClrLst>
-    <dgm:linClrLst meth="repeat">
-      <a:schemeClr val="accent2">
-        <a:tint val="80000"/>
-      </a:schemeClr>
-    </dgm:linClrLst>
-    <dgm:effectClrLst/>
-    <dgm:txLinClrLst/>
-    <dgm:txFillClrLst meth="repeat">
-      <a:schemeClr val="tx1"/>
-    </dgm:txFillClrLst>
-    <dgm:txEffectClrLst/>
-  </dgm:styleLbl>
-  <dgm:styleLbl name="parChTrans1D4">
-    <dgm:fillClrLst meth="repeat">
-      <a:schemeClr val="accent2">
-        <a:tint val="70000"/>
-      </a:schemeClr>
-    </dgm:fillClrLst>
-    <dgm:linClrLst meth="repeat">
-      <a:schemeClr val="accent2">
-        <a:tint val="70000"/>
-      </a:schemeClr>
-    </dgm:linClrLst>
-    <dgm:effectClrLst/>
-    <dgm:txLinClrLst/>
-    <dgm:txFillClrLst meth="repeat">
-      <a:schemeClr val="tx1"/>
-    </dgm:txFillClrLst>
-    <dgm:txEffectClrLst/>
-  </dgm:styleLbl>
-  <dgm:styleLbl name="fgAcc1">
-    <dgm:fillClrLst meth="repeat">
-      <a:schemeClr val="lt1">
-        <a:alpha val="90000"/>
-      </a:schemeClr>
-    </dgm:fillClrLst>
-    <dgm:linClrLst>
-      <a:schemeClr val="accent2">
-        <a:shade val="80000"/>
-      </a:schemeClr>
-      <a:schemeClr val="accent2">
-        <a:tint val="70000"/>
-      </a:schemeClr>
-    </dgm:linClrLst>
-    <dgm:effectClrLst/>
-    <dgm:txLinClrLst/>
-    <dgm:txFillClrLst meth="repeat">
-      <a:schemeClr val="dk1"/>
-    </dgm:txFillClrLst>
-    <dgm:txEffectClrLst/>
-  </dgm:styleLbl>
-  <dgm:styleLbl name="conFgAcc1">
-    <dgm:fillClrLst meth="repeat">
-      <a:schemeClr val="lt1">
-        <a:alpha val="90000"/>
-      </a:schemeClr>
-    </dgm:fillClrLst>
-    <dgm:linClrLst>
-      <a:schemeClr val="accent2">
-        <a:shade val="80000"/>
-      </a:schemeClr>
-      <a:schemeClr val="accent2">
-        <a:tint val="70000"/>
-      </a:schemeClr>
-    </dgm:linClrLst>
-    <dgm:effectClrLst/>
-    <dgm:txLinClrLst/>
-    <dgm:txFillClrLst meth="repeat">
-      <a:schemeClr val="dk1"/>
-    </dgm:txFillClrLst>
-    <dgm:txEffectClrLst/>
-  </dgm:styleLbl>
-  <dgm:styleLbl name="alignAcc1">
-    <dgm:fillClrLst meth="repeat">
-      <a:schemeClr val="lt1">
-        <a:alpha val="90000"/>
-      </a:schemeClr>
-    </dgm:fillClrLst>
-    <dgm:linClrLst>
-      <a:schemeClr val="accent2">
-        <a:shade val="80000"/>
-      </a:schemeClr>
-      <a:schemeClr val="accent2">
-        <a:tint val="70000"/>
-      </a:schemeClr>
-    </dgm:linClrLst>
-    <dgm:effectClrLst/>
-    <dgm:txLinClrLst/>
-    <dgm:txFillClrLst meth="repeat">
-      <a:schemeClr val="dk1"/>
-    </dgm:txFillClrLst>
-    <dgm:txEffectClrLst/>
-  </dgm:styleLbl>
-  <dgm:styleLbl name="trAlignAcc1">
-    <dgm:fillClrLst meth="repeat">
-      <a:schemeClr val="lt1">
-        <a:alpha val="40000"/>
-      </a:schemeClr>
-    </dgm:fillClrLst>
-    <dgm:linClrLst meth="repeat">
-      <a:schemeClr val="accent2"/>
-    </dgm:linClrLst>
-    <dgm:effectClrLst/>
-    <dgm:txLinClrLst/>
-    <dgm:txFillClrLst meth="repeat">
-      <a:schemeClr val="dk1"/>
-    </dgm:txFillClrLst>
-    <dgm:txEffectClrLst/>
-  </dgm:styleLbl>
-  <dgm:styleLbl name="bgAcc1">
-    <dgm:fillClrLst meth="repeat">
-      <a:schemeClr val="lt1">
-        <a:alpha val="90000"/>
-      </a:schemeClr>
-    </dgm:fillClrLst>
-    <dgm:linClrLst>
-      <a:schemeClr val="accent2">
-        <a:shade val="80000"/>
-      </a:schemeClr>
-      <a:schemeClr val="accent2">
-        <a:tint val="70000"/>
-      </a:schemeClr>
-    </dgm:linClrLst>
-    <dgm:effectClrLst/>
-    <dgm:txLinClrLst/>
-    <dgm:txFillClrLst meth="repeat">
-      <a:schemeClr val="dk1"/>
-    </dgm:txFillClrLst>
-    <dgm:txEffectClrLst/>
-  </dgm:styleLbl>
-  <dgm:styleLbl name="solidFgAcc1">
-    <dgm:fillClrLst meth="repeat">
-      <a:schemeClr val="lt1"/>
-    </dgm:fillClrLst>
-    <dgm:linClrLst>
-      <a:schemeClr val="accent2">
-        <a:shade val="80000"/>
-      </a:schemeClr>
-      <a:schemeClr val="accent2">
-        <a:tint val="70000"/>
-      </a:schemeClr>
-    </dgm:linClrLst>
-    <dgm:effectClrLst/>
-    <dgm:txLinClrLst/>
-    <dgm:txFillClrLst meth="repeat">
-      <a:schemeClr val="dk1"/>
-    </dgm:txFillClrLst>
-    <dgm:txEffectClrLst/>
-  </dgm:styleLbl>
-  <dgm:styleLbl name="solidAlignAcc1">
-    <dgm:fillClrLst meth="repeat">
-      <a:schemeClr val="lt1"/>
-    </dgm:fillClrLst>
-    <dgm:linClrLst meth="repeat">
-      <a:schemeClr val="accent2"/>
-    </dgm:linClrLst>
-    <dgm:effectClrLst/>
-    <dgm:txLinClrLst/>
-    <dgm:txFillClrLst meth="repeat">
-      <a:schemeClr val="dk1"/>
-    </dgm:txFillClrLst>
-    <dgm:txEffectClrLst/>
-  </dgm:styleLbl>
-  <dgm:styleLbl name="solidBgAcc1">
-    <dgm:fillClrLst meth="repeat">
-      <a:schemeClr val="lt1"/>
-    </dgm:fillClrLst>
-    <dgm:linClrLst meth="repeat">
-      <a:schemeClr val="accent2"/>
-    </dgm:linClrLst>
-    <dgm:effectClrLst/>
-    <dgm:txLinClrLst/>
-    <dgm:txFillClrLst meth="repeat">
-      <a:schemeClr val="dk1"/>
-    </dgm:txFillClrLst>
-    <dgm:txEffectClrLst/>
-  </dgm:styleLbl>
-  <dgm:styleLbl name="fgAccFollowNode1">
-    <dgm:fillClrLst meth="repeat">
-      <a:schemeClr val="accent2">
-        <a:alpha val="90000"/>
-        <a:tint val="40000"/>
-      </a:schemeClr>
-    </dgm:fillClrLst>
-    <dgm:linClrLst meth="repeat">
-      <a:schemeClr val="accent2">
-        <a:alpha val="90000"/>
-        <a:tint val="40000"/>
-      </a:schemeClr>
-    </dgm:linClrLst>
-    <dgm:effectClrLst/>
-    <dgm:txLinClrLst/>
-    <dgm:txFillClrLst meth="repeat">
-      <a:schemeClr val="dk1"/>
-    </dgm:txFillClrLst>
-    <dgm:txEffectClrLst/>
-  </dgm:styleLbl>
-  <dgm:styleLbl name="alignAccFollowNode1">
-    <dgm:fillClrLst meth="repeat">
-      <a:schemeClr val="accent2">
-        <a:alpha val="90000"/>
-        <a:tint val="40000"/>
-      </a:schemeClr>
-    </dgm:fillClrLst>
-    <dgm:linClrLst meth="repeat">
-      <a:schemeClr val="accent2">
-        <a:alpha val="90000"/>
-        <a:tint val="40000"/>
-      </a:schemeClr>
-    </dgm:linClrLst>
-    <dgm:effectClrLst/>
-    <dgm:txLinClrLst/>
-    <dgm:txFillClrLst meth="repeat">
-      <a:schemeClr val="dk1"/>
-    </dgm:txFillClrLst>
-    <dgm:txEffectClrLst/>
-  </dgm:styleLbl>
-  <dgm:styleLbl name="bgAccFollowNode1">
-    <dgm:fillClrLst meth="repeat">
-      <a:schemeClr val="accent2">
-        <a:alpha val="90000"/>
-        <a:tint val="40000"/>
-      </a:schemeClr>
-    </dgm:fillClrLst>
-    <dgm:linClrLst meth="repeat">
-      <a:schemeClr val="lt1"/>
-    </dgm:linClrLst>
-    <dgm:effectClrLst/>
-    <dgm:txLinClrLst/>
-    <dgm:txFillClrLst meth="repeat">
-      <a:schemeClr val="dk1"/>
-    </dgm:txFillClrLst>
-    <dgm:txEffectClrLst/>
-  </dgm:styleLbl>
-  <dgm:styleLbl name="fgAcc0">
-    <dgm:fillClrLst meth="repeat">
-      <a:schemeClr val="lt1">
-        <a:alpha val="90000"/>
-      </a:schemeClr>
-    </dgm:fillClrLst>
-    <dgm:linClrLst meth="repeat">
-      <a:schemeClr val="accent2">
-        <a:shade val="80000"/>
-      </a:schemeClr>
-    </dgm:linClrLst>
-    <dgm:effectClrLst/>
-    <dgm:txLinClrLst/>
-    <dgm:txFillClrLst meth="repeat">
-      <a:schemeClr val="dk1"/>
-    </dgm:txFillClrLst>
-    <dgm:txEffectClrLst/>
-  </dgm:styleLbl>
-  <dgm:styleLbl name="fgAcc2">
-    <dgm:fillClrLst meth="repeat">
-      <a:schemeClr val="lt1">
-        <a:alpha val="90000"/>
-      </a:schemeClr>
-    </dgm:fillClrLst>
-    <dgm:linClrLst meth="repeat">
-      <a:schemeClr val="accent2">
-        <a:tint val="99000"/>
-      </a:schemeClr>
-    </dgm:linClrLst>
-    <dgm:effectClrLst/>
-    <dgm:txLinClrLst/>
-    <dgm:txFillClrLst meth="repeat">
-      <a:schemeClr val="dk1"/>
-    </dgm:txFillClrLst>
-    <dgm:txEffectClrLst/>
-  </dgm:styleLbl>
-  <dgm:styleLbl name="fgAcc3">
-    <dgm:fillClrLst meth="repeat">
-      <a:schemeClr val="lt1">
-        <a:alpha val="90000"/>
-      </a:schemeClr>
-    </dgm:fillClrLst>
-    <dgm:linClrLst meth="repeat">
-      <a:schemeClr val="accent2">
-        <a:tint val="80000"/>
-      </a:schemeClr>
-    </dgm:linClrLst>
-    <dgm:effectClrLst/>
-    <dgm:txLinClrLst/>
-    <dgm:txFillClrLst meth="repeat">
-      <a:schemeClr val="dk1"/>
-    </dgm:txFillClrLst>
-    <dgm:txEffectClrLst/>
-  </dgm:styleLbl>
-  <dgm:styleLbl name="fgAcc4">
-    <dgm:fillClrLst meth="repeat">
-      <a:schemeClr val="lt1">
-        <a:alpha val="90000"/>
-      </a:schemeClr>
-    </dgm:fillClrLst>
-    <dgm:linClrLst meth="repeat">
-      <a:schemeClr val="accent2">
-        <a:tint val="70000"/>
-      </a:schemeClr>
-    </dgm:linClrLst>
-    <dgm:effectClrLst/>
-    <dgm:txLinClrLst/>
-    <dgm:txFillClrLst meth="repeat">
-      <a:schemeClr val="dk1"/>
-    </dgm:txFillClrLst>
-    <dgm:txEffectClrLst/>
-  </dgm:styleLbl>
-  <dgm:styleLbl name="bgShp">
-    <dgm:fillClrLst meth="repeat">
-      <a:schemeClr val="accent2">
-        <a:tint val="40000"/>
-      </a:schemeClr>
-    </dgm:fillClrLst>
-    <dgm:linClrLst meth="repeat">
-      <a:schemeClr val="dk1"/>
-    </dgm:linClrLst>
-    <dgm:effectClrLst/>
-    <dgm:txLinClrLst/>
-    <dgm:txFillClrLst meth="repeat">
-      <a:schemeClr val="dk1"/>
-    </dgm:txFillClrLst>
-    <dgm:txEffectClrLst/>
-  </dgm:styleLbl>
-  <dgm:styleLbl name="dkBgShp">
-    <dgm:fillClrLst meth="repeat">
-      <a:schemeClr val="accent2">
-        <a:shade val="90000"/>
-      </a:schemeClr>
-    </dgm:fillClrLst>
-    <dgm:linClrLst meth="repeat">
-      <a:schemeClr val="dk1"/>
-    </dgm:linClrLst>
-    <dgm:effectClrLst/>
-    <dgm:txLinClrLst/>
-    <dgm:txFillClrLst meth="repeat">
-      <a:schemeClr val="lt1"/>
-    </dgm:txFillClrLst>
-    <dgm:txEffectClrLst/>
-  </dgm:styleLbl>
-  <dgm:styleLbl name="trBgShp">
-    <dgm:fillClrLst meth="repeat">
-      <a:schemeClr val="accent2">
-        <a:tint val="50000"/>
-        <a:alpha val="40000"/>
-      </a:schemeClr>
-    </dgm:fillClrLst>
-    <dgm:linClrLst meth="repeat">
-      <a:schemeClr val="accent2"/>
-    </dgm:linClrLst>
-    <dgm:effectClrLst/>
-    <dgm:txLinClrLst/>
-    <dgm:txFillClrLst meth="repeat">
-      <a:schemeClr val="lt1"/>
-    </dgm:txFillClrLst>
-    <dgm:txEffectClrLst/>
-  </dgm:styleLbl>
-  <dgm:styleLbl name="fgShp">
-    <dgm:fillClrLst meth="repeat">
-      <a:schemeClr val="accent2">
-        <a:tint val="40000"/>
-      </a:schemeClr>
-    </dgm:fillClrLst>
-    <dgm:linClrLst meth="repeat">
-      <a:schemeClr val="lt1"/>
-    </dgm:linClrLst>
-    <dgm:effectClrLst/>
-    <dgm:txLinClrLst/>
-    <dgm:txFillClrLst meth="repeat">
-      <a:schemeClr val="dk1"/>
-    </dgm:txFillClrLst>
-    <dgm:txEffectClrLst/>
-  </dgm:styleLbl>
-  <dgm:styleLbl name="revTx">
-    <dgm:fillClrLst meth="repeat">
-      <a:schemeClr val="lt1">
-        <a:alpha val="0"/>
-      </a:schemeClr>
-    </dgm:fillClrLst>
-    <dgm:linClrLst meth="repeat">
-      <a:schemeClr val="dk1">
-        <a:alpha val="0"/>
-      </a:schemeClr>
-    </dgm:linClrLst>
-    <dgm:effectClrLst/>
-    <dgm:txLinClrLst/>
-    <dgm:txFillClrLst meth="repeat">
-      <a:schemeClr val="tx1"/>
-    </dgm:txFillClrLst>
-    <dgm:txEffectClrLst/>
-  </dgm:styleLbl>
-</dgm:colorsDef>
-</file>
-
-<file path=ppt/diagrams/colors4.xml><?xml version="1.0" encoding="utf-8"?>
 <dgm:colorsDef xmlns:dgm="http://schemas.openxmlformats.org/drawingml/2006/diagram" xmlns:a="http://schemas.openxmlformats.org/drawingml/2006/main" uniqueId="urn:microsoft.com/office/officeart/2005/8/colors/accent2_3">
   <dgm:title val=""/>
   <dgm:desc val=""/>
@@ -4089,7 +3215,7 @@
         <a:p>
           <a:r>
             <a:rPr lang="en-US" dirty="0"/>
-            <a:t>Platform test</a:t>
+            <a:t>Application test</a:t>
           </a:r>
           <a:endParaRPr lang="ru-RU" dirty="0"/>
         </a:p>
@@ -4163,7 +3289,7 @@
         <a:p>
           <a:r>
             <a:rPr lang="en-US" dirty="0"/>
-            <a:t>Staging</a:t>
+            <a:t>Integration test</a:t>
           </a:r>
           <a:endParaRPr lang="ru-RU" dirty="0"/>
         </a:p>
@@ -4383,352 +3509,6 @@
 </file>
 
 <file path=ppt/diagrams/data3.xml><?xml version="1.0" encoding="utf-8"?>
-<dgm:dataModel xmlns:dgm="http://schemas.openxmlformats.org/drawingml/2006/diagram" xmlns:a="http://schemas.openxmlformats.org/drawingml/2006/main">
-  <dgm:ptLst>
-    <dgm:pt modelId="{6A3C3494-E598-4C88-BF36-C090122AC619}" type="doc">
-      <dgm:prSet loTypeId="urn:microsoft.com/office/officeart/2005/8/layout/hChevron3" loCatId="process" qsTypeId="urn:microsoft.com/office/officeart/2005/8/quickstyle/simple1" qsCatId="simple" csTypeId="urn:microsoft.com/office/officeart/2005/8/colors/accent2_3" csCatId="accent2" phldr="1"/>
-      <dgm:spPr/>
-    </dgm:pt>
-    <dgm:pt modelId="{0AA1DFEC-1C43-4764-A0B1-9743D7402674}">
-      <dgm:prSet phldrT="[Text]"/>
-      <dgm:spPr/>
-      <dgm:t>
-        <a:bodyPr/>
-        <a:lstStyle/>
-        <a:p>
-          <a:r>
-            <a:rPr lang="en-US" dirty="0"/>
-            <a:t>Unit test</a:t>
-          </a:r>
-          <a:endParaRPr lang="ru-RU" dirty="0"/>
-        </a:p>
-      </dgm:t>
-    </dgm:pt>
-    <dgm:pt modelId="{CF61252A-350E-4800-BE19-3A203610F74E}" type="parTrans" cxnId="{340847D6-454C-4D23-81EA-E6DF9124AFA4}">
-      <dgm:prSet/>
-      <dgm:spPr/>
-      <dgm:t>
-        <a:bodyPr/>
-        <a:lstStyle/>
-        <a:p>
-          <a:endParaRPr lang="ru-RU"/>
-        </a:p>
-      </dgm:t>
-    </dgm:pt>
-    <dgm:pt modelId="{2E50D25A-C039-4EDF-B2F0-731CC72B23A4}" type="sibTrans" cxnId="{340847D6-454C-4D23-81EA-E6DF9124AFA4}">
-      <dgm:prSet/>
-      <dgm:spPr/>
-      <dgm:t>
-        <a:bodyPr/>
-        <a:lstStyle/>
-        <a:p>
-          <a:endParaRPr lang="ru-RU"/>
-        </a:p>
-      </dgm:t>
-    </dgm:pt>
-    <dgm:pt modelId="{6CE09E38-5E4A-4CB3-9474-27D4BE6D6CDC}">
-      <dgm:prSet phldrT="[Text]"/>
-      <dgm:spPr/>
-      <dgm:t>
-        <a:bodyPr/>
-        <a:lstStyle/>
-        <a:p>
-          <a:r>
-            <a:rPr lang="en-US" dirty="0"/>
-            <a:t>Platform test</a:t>
-          </a:r>
-          <a:endParaRPr lang="ru-RU" dirty="0"/>
-        </a:p>
-      </dgm:t>
-    </dgm:pt>
-    <dgm:pt modelId="{C9DBD7BC-04C3-4D49-B782-B4A8D3381437}" type="parTrans" cxnId="{8525E7AE-ACBF-48FC-A8BD-D971777898A1}">
-      <dgm:prSet/>
-      <dgm:spPr/>
-      <dgm:t>
-        <a:bodyPr/>
-        <a:lstStyle/>
-        <a:p>
-          <a:endParaRPr lang="ru-RU"/>
-        </a:p>
-      </dgm:t>
-    </dgm:pt>
-    <dgm:pt modelId="{75CC6A21-F710-40EA-9537-AD61BBBD0870}" type="sibTrans" cxnId="{8525E7AE-ACBF-48FC-A8BD-D971777898A1}">
-      <dgm:prSet/>
-      <dgm:spPr/>
-      <dgm:t>
-        <a:bodyPr/>
-        <a:lstStyle/>
-        <a:p>
-          <a:endParaRPr lang="ru-RU"/>
-        </a:p>
-      </dgm:t>
-    </dgm:pt>
-    <dgm:pt modelId="{ABC0DCB6-3D79-4917-8B1D-A273C9116364}">
-      <dgm:prSet phldrT="[Text]"/>
-      <dgm:spPr/>
-      <dgm:t>
-        <a:bodyPr/>
-        <a:lstStyle/>
-        <a:p>
-          <a:r>
-            <a:rPr lang="en-US" dirty="0"/>
-            <a:t>Deploy</a:t>
-          </a:r>
-          <a:endParaRPr lang="ru-RU" dirty="0"/>
-        </a:p>
-      </dgm:t>
-    </dgm:pt>
-    <dgm:pt modelId="{E5D682C5-D03E-4532-98C8-F8E93B11E967}" type="parTrans" cxnId="{1652776C-8179-43BD-959B-1E2D0D9ABD4F}">
-      <dgm:prSet/>
-      <dgm:spPr/>
-      <dgm:t>
-        <a:bodyPr/>
-        <a:lstStyle/>
-        <a:p>
-          <a:endParaRPr lang="ru-RU"/>
-        </a:p>
-      </dgm:t>
-    </dgm:pt>
-    <dgm:pt modelId="{DBBFF626-4479-4D62-9D80-013C590A9144}" type="sibTrans" cxnId="{1652776C-8179-43BD-959B-1E2D0D9ABD4F}">
-      <dgm:prSet/>
-      <dgm:spPr/>
-      <dgm:t>
-        <a:bodyPr/>
-        <a:lstStyle/>
-        <a:p>
-          <a:endParaRPr lang="ru-RU"/>
-        </a:p>
-      </dgm:t>
-    </dgm:pt>
-    <dgm:pt modelId="{C98FAEA2-32E8-453D-8E57-BB233C8C3191}">
-      <dgm:prSet phldrT="[Text]"/>
-      <dgm:spPr/>
-      <dgm:t>
-        <a:bodyPr/>
-        <a:lstStyle/>
-        <a:p>
-          <a:r>
-            <a:rPr lang="en-US" dirty="0"/>
-            <a:t>Staging</a:t>
-          </a:r>
-          <a:endParaRPr lang="ru-RU" dirty="0"/>
-        </a:p>
-      </dgm:t>
-    </dgm:pt>
-    <dgm:pt modelId="{0A75BB2D-EAF5-4C16-A2D0-F12FEBAC8FC1}" type="parTrans" cxnId="{FF54F507-A613-4E31-95A5-F579ACCBBFBC}">
-      <dgm:prSet/>
-      <dgm:spPr/>
-      <dgm:t>
-        <a:bodyPr/>
-        <a:lstStyle/>
-        <a:p>
-          <a:endParaRPr lang="ru-RU"/>
-        </a:p>
-      </dgm:t>
-    </dgm:pt>
-    <dgm:pt modelId="{1BF5236D-2FBB-4167-A657-87CAE514A645}" type="sibTrans" cxnId="{FF54F507-A613-4E31-95A5-F579ACCBBFBC}">
-      <dgm:prSet/>
-      <dgm:spPr/>
-      <dgm:t>
-        <a:bodyPr/>
-        <a:lstStyle/>
-        <a:p>
-          <a:endParaRPr lang="ru-RU"/>
-        </a:p>
-      </dgm:t>
-    </dgm:pt>
-    <dgm:pt modelId="{CDC4C5AA-0103-4AAD-88DF-81467DBCC322}">
-      <dgm:prSet phldrT="[Text]"/>
-      <dgm:spPr/>
-      <dgm:t>
-        <a:bodyPr/>
-        <a:lstStyle/>
-        <a:p>
-          <a:r>
-            <a:rPr lang="en-US" dirty="0"/>
-            <a:t>Acceptance test</a:t>
-          </a:r>
-          <a:endParaRPr lang="ru-RU" dirty="0"/>
-        </a:p>
-      </dgm:t>
-    </dgm:pt>
-    <dgm:pt modelId="{E1DBB6D7-04D6-48BC-B76E-CDB6CF821B7A}" type="parTrans" cxnId="{1D5653E9-BAB6-46D3-8D9F-AFC367F88E94}">
-      <dgm:prSet/>
-      <dgm:spPr/>
-      <dgm:t>
-        <a:bodyPr/>
-        <a:lstStyle/>
-        <a:p>
-          <a:endParaRPr lang="ru-RU"/>
-        </a:p>
-      </dgm:t>
-    </dgm:pt>
-    <dgm:pt modelId="{580E90BF-3421-4F02-A14B-6B705E848F52}" type="sibTrans" cxnId="{1D5653E9-BAB6-46D3-8D9F-AFC367F88E94}">
-      <dgm:prSet/>
-      <dgm:spPr/>
-      <dgm:t>
-        <a:bodyPr/>
-        <a:lstStyle/>
-        <a:p>
-          <a:endParaRPr lang="ru-RU"/>
-        </a:p>
-      </dgm:t>
-    </dgm:pt>
-    <dgm:pt modelId="{1194D964-7FB0-40AC-835D-AAA492C086DC}">
-      <dgm:prSet phldrT="[Text]"/>
-      <dgm:spPr/>
-      <dgm:t>
-        <a:bodyPr/>
-        <a:lstStyle/>
-        <a:p>
-          <a:r>
-            <a:rPr lang="en-US" dirty="0"/>
-            <a:t>Post deploy test</a:t>
-          </a:r>
-          <a:endParaRPr lang="ru-RU" dirty="0"/>
-        </a:p>
-      </dgm:t>
-    </dgm:pt>
-    <dgm:pt modelId="{8A7A58FA-C324-42F9-BB9C-85143490D2CA}" type="parTrans" cxnId="{57ECC618-87AC-46AC-8E11-07043F0484A1}">
-      <dgm:prSet/>
-      <dgm:spPr/>
-      <dgm:t>
-        <a:bodyPr/>
-        <a:lstStyle/>
-        <a:p>
-          <a:endParaRPr lang="ru-RU"/>
-        </a:p>
-      </dgm:t>
-    </dgm:pt>
-    <dgm:pt modelId="{AAD50722-8C0F-419D-A6B3-3DFF6B7B41D3}" type="sibTrans" cxnId="{57ECC618-87AC-46AC-8E11-07043F0484A1}">
-      <dgm:prSet/>
-      <dgm:spPr/>
-      <dgm:t>
-        <a:bodyPr/>
-        <a:lstStyle/>
-        <a:p>
-          <a:endParaRPr lang="ru-RU"/>
-        </a:p>
-      </dgm:t>
-    </dgm:pt>
-    <dgm:pt modelId="{1492E770-B040-41A7-BE91-87F93ABFB69A}" type="pres">
-      <dgm:prSet presAssocID="{6A3C3494-E598-4C88-BF36-C090122AC619}" presName="Name0" presStyleCnt="0">
-        <dgm:presLayoutVars>
-          <dgm:dir/>
-          <dgm:resizeHandles val="exact"/>
-        </dgm:presLayoutVars>
-      </dgm:prSet>
-      <dgm:spPr/>
-    </dgm:pt>
-    <dgm:pt modelId="{6CBE9AEB-E1F2-4DE2-8BD6-D7D37EE77DEE}" type="pres">
-      <dgm:prSet presAssocID="{0AA1DFEC-1C43-4764-A0B1-9743D7402674}" presName="parTxOnly" presStyleLbl="node1" presStyleIdx="0" presStyleCnt="6">
-        <dgm:presLayoutVars>
-          <dgm:bulletEnabled val="1"/>
-        </dgm:presLayoutVars>
-      </dgm:prSet>
-      <dgm:spPr/>
-    </dgm:pt>
-    <dgm:pt modelId="{8C49920E-FE04-46A3-B7B2-84ED5A7E5E2D}" type="pres">
-      <dgm:prSet presAssocID="{2E50D25A-C039-4EDF-B2F0-731CC72B23A4}" presName="parSpace" presStyleCnt="0"/>
-      <dgm:spPr/>
-    </dgm:pt>
-    <dgm:pt modelId="{89C03762-27ED-4A02-89F9-5422ECEEEF28}" type="pres">
-      <dgm:prSet presAssocID="{6CE09E38-5E4A-4CB3-9474-27D4BE6D6CDC}" presName="parTxOnly" presStyleLbl="node1" presStyleIdx="1" presStyleCnt="6">
-        <dgm:presLayoutVars>
-          <dgm:bulletEnabled val="1"/>
-        </dgm:presLayoutVars>
-      </dgm:prSet>
-      <dgm:spPr/>
-    </dgm:pt>
-    <dgm:pt modelId="{0A2E44C1-DC5E-40B8-8E8C-F17384EAFF76}" type="pres">
-      <dgm:prSet presAssocID="{75CC6A21-F710-40EA-9537-AD61BBBD0870}" presName="parSpace" presStyleCnt="0"/>
-      <dgm:spPr/>
-    </dgm:pt>
-    <dgm:pt modelId="{61F311F8-5B3B-4A23-B750-7A080925DF42}" type="pres">
-      <dgm:prSet presAssocID="{C98FAEA2-32E8-453D-8E57-BB233C8C3191}" presName="parTxOnly" presStyleLbl="node1" presStyleIdx="2" presStyleCnt="6">
-        <dgm:presLayoutVars>
-          <dgm:bulletEnabled val="1"/>
-        </dgm:presLayoutVars>
-      </dgm:prSet>
-      <dgm:spPr/>
-    </dgm:pt>
-    <dgm:pt modelId="{CDFF4129-504E-4E26-970D-8EA04989C1FA}" type="pres">
-      <dgm:prSet presAssocID="{1BF5236D-2FBB-4167-A657-87CAE514A645}" presName="parSpace" presStyleCnt="0"/>
-      <dgm:spPr/>
-    </dgm:pt>
-    <dgm:pt modelId="{69AB800A-39FA-4D4D-86F0-BC99FE41690A}" type="pres">
-      <dgm:prSet presAssocID="{CDC4C5AA-0103-4AAD-88DF-81467DBCC322}" presName="parTxOnly" presStyleLbl="node1" presStyleIdx="3" presStyleCnt="6">
-        <dgm:presLayoutVars>
-          <dgm:bulletEnabled val="1"/>
-        </dgm:presLayoutVars>
-      </dgm:prSet>
-      <dgm:spPr/>
-    </dgm:pt>
-    <dgm:pt modelId="{97771BF3-9846-47D5-9655-0A5F1CDE8F91}" type="pres">
-      <dgm:prSet presAssocID="{580E90BF-3421-4F02-A14B-6B705E848F52}" presName="parSpace" presStyleCnt="0"/>
-      <dgm:spPr/>
-    </dgm:pt>
-    <dgm:pt modelId="{58E83D1E-002F-4FF2-9EE1-1B24E7872BCF}" type="pres">
-      <dgm:prSet presAssocID="{ABC0DCB6-3D79-4917-8B1D-A273C9116364}" presName="parTxOnly" presStyleLbl="node1" presStyleIdx="4" presStyleCnt="6">
-        <dgm:presLayoutVars>
-          <dgm:bulletEnabled val="1"/>
-        </dgm:presLayoutVars>
-      </dgm:prSet>
-      <dgm:spPr/>
-    </dgm:pt>
-    <dgm:pt modelId="{B2EA97EE-DC1A-484F-8E10-CDC8FE659FED}" type="pres">
-      <dgm:prSet presAssocID="{DBBFF626-4479-4D62-9D80-013C590A9144}" presName="parSpace" presStyleCnt="0"/>
-      <dgm:spPr/>
-    </dgm:pt>
-    <dgm:pt modelId="{AFD36742-321A-4697-975A-47FF8E6B3692}" type="pres">
-      <dgm:prSet presAssocID="{1194D964-7FB0-40AC-835D-AAA492C086DC}" presName="parTxOnly" presStyleLbl="node1" presStyleIdx="5" presStyleCnt="6">
-        <dgm:presLayoutVars>
-          <dgm:bulletEnabled val="1"/>
-        </dgm:presLayoutVars>
-      </dgm:prSet>
-      <dgm:spPr/>
-    </dgm:pt>
-  </dgm:ptLst>
-  <dgm:cxnLst>
-    <dgm:cxn modelId="{31BD0D03-6AFA-4F70-B064-CA5AB75785C6}" type="presOf" srcId="{C98FAEA2-32E8-453D-8E57-BB233C8C3191}" destId="{61F311F8-5B3B-4A23-B750-7A080925DF42}" srcOrd="0" destOrd="0" presId="urn:microsoft.com/office/officeart/2005/8/layout/hChevron3"/>
-    <dgm:cxn modelId="{FF54F507-A613-4E31-95A5-F579ACCBBFBC}" srcId="{6A3C3494-E598-4C88-BF36-C090122AC619}" destId="{C98FAEA2-32E8-453D-8E57-BB233C8C3191}" srcOrd="2" destOrd="0" parTransId="{0A75BB2D-EAF5-4C16-A2D0-F12FEBAC8FC1}" sibTransId="{1BF5236D-2FBB-4167-A657-87CAE514A645}"/>
-    <dgm:cxn modelId="{57ECC618-87AC-46AC-8E11-07043F0484A1}" srcId="{6A3C3494-E598-4C88-BF36-C090122AC619}" destId="{1194D964-7FB0-40AC-835D-AAA492C086DC}" srcOrd="5" destOrd="0" parTransId="{8A7A58FA-C324-42F9-BB9C-85143490D2CA}" sibTransId="{AAD50722-8C0F-419D-A6B3-3DFF6B7B41D3}"/>
-    <dgm:cxn modelId="{1652776C-8179-43BD-959B-1E2D0D9ABD4F}" srcId="{6A3C3494-E598-4C88-BF36-C090122AC619}" destId="{ABC0DCB6-3D79-4917-8B1D-A273C9116364}" srcOrd="4" destOrd="0" parTransId="{E5D682C5-D03E-4532-98C8-F8E93B11E967}" sibTransId="{DBBFF626-4479-4D62-9D80-013C590A9144}"/>
-    <dgm:cxn modelId="{D7BA8A4D-BEEB-4686-8FAB-F387784CBEEA}" type="presOf" srcId="{1194D964-7FB0-40AC-835D-AAA492C086DC}" destId="{AFD36742-321A-4697-975A-47FF8E6B3692}" srcOrd="0" destOrd="0" presId="urn:microsoft.com/office/officeart/2005/8/layout/hChevron3"/>
-    <dgm:cxn modelId="{8525E7AE-ACBF-48FC-A8BD-D971777898A1}" srcId="{6A3C3494-E598-4C88-BF36-C090122AC619}" destId="{6CE09E38-5E4A-4CB3-9474-27D4BE6D6CDC}" srcOrd="1" destOrd="0" parTransId="{C9DBD7BC-04C3-4D49-B782-B4A8D3381437}" sibTransId="{75CC6A21-F710-40EA-9537-AD61BBBD0870}"/>
-    <dgm:cxn modelId="{CD447CB6-799C-4B5E-B553-C828A06DC836}" type="presOf" srcId="{6CE09E38-5E4A-4CB3-9474-27D4BE6D6CDC}" destId="{89C03762-27ED-4A02-89F9-5422ECEEEF28}" srcOrd="0" destOrd="0" presId="urn:microsoft.com/office/officeart/2005/8/layout/hChevron3"/>
-    <dgm:cxn modelId="{A9625AC3-C420-43B7-BEAF-748515B43DD4}" type="presOf" srcId="{6A3C3494-E598-4C88-BF36-C090122AC619}" destId="{1492E770-B040-41A7-BE91-87F93ABFB69A}" srcOrd="0" destOrd="0" presId="urn:microsoft.com/office/officeart/2005/8/layout/hChevron3"/>
-    <dgm:cxn modelId="{340847D6-454C-4D23-81EA-E6DF9124AFA4}" srcId="{6A3C3494-E598-4C88-BF36-C090122AC619}" destId="{0AA1DFEC-1C43-4764-A0B1-9743D7402674}" srcOrd="0" destOrd="0" parTransId="{CF61252A-350E-4800-BE19-3A203610F74E}" sibTransId="{2E50D25A-C039-4EDF-B2F0-731CC72B23A4}"/>
-    <dgm:cxn modelId="{CD7563DF-77C6-4125-BB1D-3B3069C750FF}" type="presOf" srcId="{0AA1DFEC-1C43-4764-A0B1-9743D7402674}" destId="{6CBE9AEB-E1F2-4DE2-8BD6-D7D37EE77DEE}" srcOrd="0" destOrd="0" presId="urn:microsoft.com/office/officeart/2005/8/layout/hChevron3"/>
-    <dgm:cxn modelId="{1C54CFE8-EA25-4871-943C-59C7B847531F}" type="presOf" srcId="{CDC4C5AA-0103-4AAD-88DF-81467DBCC322}" destId="{69AB800A-39FA-4D4D-86F0-BC99FE41690A}" srcOrd="0" destOrd="0" presId="urn:microsoft.com/office/officeart/2005/8/layout/hChevron3"/>
-    <dgm:cxn modelId="{1D5653E9-BAB6-46D3-8D9F-AFC367F88E94}" srcId="{6A3C3494-E598-4C88-BF36-C090122AC619}" destId="{CDC4C5AA-0103-4AAD-88DF-81467DBCC322}" srcOrd="3" destOrd="0" parTransId="{E1DBB6D7-04D6-48BC-B76E-CDB6CF821B7A}" sibTransId="{580E90BF-3421-4F02-A14B-6B705E848F52}"/>
-    <dgm:cxn modelId="{207CE6F6-15BC-4D1D-9D1A-C1781744700D}" type="presOf" srcId="{ABC0DCB6-3D79-4917-8B1D-A273C9116364}" destId="{58E83D1E-002F-4FF2-9EE1-1B24E7872BCF}" srcOrd="0" destOrd="0" presId="urn:microsoft.com/office/officeart/2005/8/layout/hChevron3"/>
-    <dgm:cxn modelId="{E0A47EB2-4555-409A-8EB7-B05478AAD5B7}" type="presParOf" srcId="{1492E770-B040-41A7-BE91-87F93ABFB69A}" destId="{6CBE9AEB-E1F2-4DE2-8BD6-D7D37EE77DEE}" srcOrd="0" destOrd="0" presId="urn:microsoft.com/office/officeart/2005/8/layout/hChevron3"/>
-    <dgm:cxn modelId="{8E35EA5F-37EC-461D-B7AD-03BE353F9688}" type="presParOf" srcId="{1492E770-B040-41A7-BE91-87F93ABFB69A}" destId="{8C49920E-FE04-46A3-B7B2-84ED5A7E5E2D}" srcOrd="1" destOrd="0" presId="urn:microsoft.com/office/officeart/2005/8/layout/hChevron3"/>
-    <dgm:cxn modelId="{F2ECD86D-E01C-469F-A595-17C2F1EAA536}" type="presParOf" srcId="{1492E770-B040-41A7-BE91-87F93ABFB69A}" destId="{89C03762-27ED-4A02-89F9-5422ECEEEF28}" srcOrd="2" destOrd="0" presId="urn:microsoft.com/office/officeart/2005/8/layout/hChevron3"/>
-    <dgm:cxn modelId="{DE39587A-FBAA-4427-A8CC-5A6DEB6437DB}" type="presParOf" srcId="{1492E770-B040-41A7-BE91-87F93ABFB69A}" destId="{0A2E44C1-DC5E-40B8-8E8C-F17384EAFF76}" srcOrd="3" destOrd="0" presId="urn:microsoft.com/office/officeart/2005/8/layout/hChevron3"/>
-    <dgm:cxn modelId="{B184E80F-F4D2-4AAD-BA60-74034B608EF0}" type="presParOf" srcId="{1492E770-B040-41A7-BE91-87F93ABFB69A}" destId="{61F311F8-5B3B-4A23-B750-7A080925DF42}" srcOrd="4" destOrd="0" presId="urn:microsoft.com/office/officeart/2005/8/layout/hChevron3"/>
-    <dgm:cxn modelId="{6700EEDA-C78E-4494-A644-CF5F63AB78D0}" type="presParOf" srcId="{1492E770-B040-41A7-BE91-87F93ABFB69A}" destId="{CDFF4129-504E-4E26-970D-8EA04989C1FA}" srcOrd="5" destOrd="0" presId="urn:microsoft.com/office/officeart/2005/8/layout/hChevron3"/>
-    <dgm:cxn modelId="{3B4358D4-9B5F-4360-ACC9-3F8F13F5A798}" type="presParOf" srcId="{1492E770-B040-41A7-BE91-87F93ABFB69A}" destId="{69AB800A-39FA-4D4D-86F0-BC99FE41690A}" srcOrd="6" destOrd="0" presId="urn:microsoft.com/office/officeart/2005/8/layout/hChevron3"/>
-    <dgm:cxn modelId="{A829FBE9-27C8-4CB4-8F72-84D2D1786981}" type="presParOf" srcId="{1492E770-B040-41A7-BE91-87F93ABFB69A}" destId="{97771BF3-9846-47D5-9655-0A5F1CDE8F91}" srcOrd="7" destOrd="0" presId="urn:microsoft.com/office/officeart/2005/8/layout/hChevron3"/>
-    <dgm:cxn modelId="{BDEFB8BA-B73B-4189-9B92-3676AB0377F4}" type="presParOf" srcId="{1492E770-B040-41A7-BE91-87F93ABFB69A}" destId="{58E83D1E-002F-4FF2-9EE1-1B24E7872BCF}" srcOrd="8" destOrd="0" presId="urn:microsoft.com/office/officeart/2005/8/layout/hChevron3"/>
-    <dgm:cxn modelId="{A71EA8DC-6CC7-4B9F-AAC6-D08612D68C1D}" type="presParOf" srcId="{1492E770-B040-41A7-BE91-87F93ABFB69A}" destId="{B2EA97EE-DC1A-484F-8E10-CDC8FE659FED}" srcOrd="9" destOrd="0" presId="urn:microsoft.com/office/officeart/2005/8/layout/hChevron3"/>
-    <dgm:cxn modelId="{BD64DC4A-BA5D-45C0-9C48-722073F29B9F}" type="presParOf" srcId="{1492E770-B040-41A7-BE91-87F93ABFB69A}" destId="{AFD36742-321A-4697-975A-47FF8E6B3692}" srcOrd="10" destOrd="0" presId="urn:microsoft.com/office/officeart/2005/8/layout/hChevron3"/>
-  </dgm:cxnLst>
-  <dgm:bg/>
-  <dgm:whole/>
-  <dgm:extLst>
-    <a:ext uri="http://schemas.microsoft.com/office/drawing/2008/diagram">
-      <dsp:dataModelExt xmlns:dsp="http://schemas.microsoft.com/office/drawing/2008/diagram" relId="rId7" minVer="http://schemas.openxmlformats.org/drawingml/2006/diagram"/>
-    </a:ext>
-    <a:ext uri="{C62137D5-CB1D-491B-B009-E17868A290BF}">
-      <dgm14:recolorImg xmlns:dgm14="http://schemas.microsoft.com/office/drawing/2010/diagram" val="1"/>
-    </a:ext>
-  </dgm:extLst>
-</dgm:dataModel>
-</file>
-
-<file path=ppt/diagrams/data4.xml><?xml version="1.0" encoding="utf-8"?>
 <dgm:dataModel xmlns:dgm="http://schemas.openxmlformats.org/drawingml/2006/diagram" xmlns:a="http://schemas.openxmlformats.org/drawingml/2006/main">
   <dgm:ptLst>
     <dgm:pt modelId="{6A3C3494-E598-4C88-BF36-C090122AC619}" type="doc">
@@ -5663,7 +4443,7 @@
           </a:pPr>
           <a:r>
             <a:rPr lang="en-US" sz="1500" kern="1200" dirty="0"/>
-            <a:t>Platform test</a:t>
+            <a:t>Application test</a:t>
           </a:r>
           <a:endParaRPr lang="ru-RU" sz="1500" kern="1200" dirty="0"/>
         </a:p>
@@ -5742,7 +4522,7 @@
           </a:pPr>
           <a:r>
             <a:rPr lang="en-US" sz="1500" kern="1200" dirty="0"/>
-            <a:t>Staging</a:t>
+            <a:t>Integration test</a:t>
           </a:r>
           <a:endParaRPr lang="ru-RU" sz="1500" kern="1200" dirty="0"/>
         </a:p>
@@ -5994,492 +4774,6 @@
 </file>
 
 <file path=ppt/diagrams/drawing3.xml><?xml version="1.0" encoding="utf-8"?>
-<dsp:drawing xmlns:dgm="http://schemas.openxmlformats.org/drawingml/2006/diagram" xmlns:dsp="http://schemas.microsoft.com/office/drawing/2008/diagram" xmlns:a="http://schemas.openxmlformats.org/drawingml/2006/main">
-  <dsp:spTree>
-    <dsp:nvGrpSpPr>
-      <dsp:cNvPr id="0" name=""/>
-      <dsp:cNvGrpSpPr/>
-    </dsp:nvGrpSpPr>
-    <dsp:grpSpPr/>
-    <dsp:sp modelId="{6CBE9AEB-E1F2-4DE2-8BD6-D7D37EE77DEE}">
-      <dsp:nvSpPr>
-        <dsp:cNvPr id="0" name=""/>
-        <dsp:cNvSpPr/>
-      </dsp:nvSpPr>
-      <dsp:spPr>
-        <a:xfrm>
-          <a:off x="992" y="273541"/>
-          <a:ext cx="1625203" cy="650081"/>
-        </a:xfrm>
-        <a:prstGeom prst="homePlate">
-          <a:avLst/>
-        </a:prstGeom>
-        <a:solidFill>
-          <a:schemeClr val="accent2">
-            <a:shade val="80000"/>
-            <a:hueOff val="0"/>
-            <a:satOff val="0"/>
-            <a:lumOff val="0"/>
-            <a:alphaOff val="0"/>
-          </a:schemeClr>
-        </a:solidFill>
-        <a:ln w="25400" cap="flat" cmpd="sng" algn="ctr">
-          <a:solidFill>
-            <a:schemeClr val="lt1">
-              <a:hueOff val="0"/>
-              <a:satOff val="0"/>
-              <a:lumOff val="0"/>
-              <a:alphaOff val="0"/>
-            </a:schemeClr>
-          </a:solidFill>
-          <a:prstDash val="solid"/>
-        </a:ln>
-        <a:effectLst/>
-      </dsp:spPr>
-      <dsp:style>
-        <a:lnRef idx="2">
-          <a:scrgbClr r="0" g="0" b="0"/>
-        </a:lnRef>
-        <a:fillRef idx="1">
-          <a:scrgbClr r="0" g="0" b="0"/>
-        </a:fillRef>
-        <a:effectRef idx="0">
-          <a:scrgbClr r="0" g="0" b="0"/>
-        </a:effectRef>
-        <a:fontRef idx="minor">
-          <a:schemeClr val="lt1"/>
-        </a:fontRef>
-      </dsp:style>
-      <dsp:txBody>
-        <a:bodyPr spcFirstLastPara="0" vert="horz" wrap="square" lIns="80010" tIns="40005" rIns="20003" bIns="40005" numCol="1" spcCol="1270" anchor="ctr" anchorCtr="0">
-          <a:noAutofit/>
-        </a:bodyPr>
-        <a:lstStyle/>
-        <a:p>
-          <a:pPr marL="0" lvl="0" indent="0" algn="ctr" defTabSz="666750">
-            <a:lnSpc>
-              <a:spcPct val="90000"/>
-            </a:lnSpc>
-            <a:spcBef>
-              <a:spcPct val="0"/>
-            </a:spcBef>
-            <a:spcAft>
-              <a:spcPct val="35000"/>
-            </a:spcAft>
-            <a:buNone/>
-          </a:pPr>
-          <a:r>
-            <a:rPr lang="en-US" sz="1500" kern="1200" dirty="0"/>
-            <a:t>Unit test</a:t>
-          </a:r>
-          <a:endParaRPr lang="ru-RU" sz="1500" kern="1200" dirty="0"/>
-        </a:p>
-      </dsp:txBody>
-      <dsp:txXfrm>
-        <a:off x="992" y="273541"/>
-        <a:ext cx="1462683" cy="650081"/>
-      </dsp:txXfrm>
-    </dsp:sp>
-    <dsp:sp modelId="{89C03762-27ED-4A02-89F9-5422ECEEEF28}">
-      <dsp:nvSpPr>
-        <dsp:cNvPr id="0" name=""/>
-        <dsp:cNvSpPr/>
-      </dsp:nvSpPr>
-      <dsp:spPr>
-        <a:xfrm>
-          <a:off x="1301154" y="273541"/>
-          <a:ext cx="1625203" cy="650081"/>
-        </a:xfrm>
-        <a:prstGeom prst="chevron">
-          <a:avLst/>
-        </a:prstGeom>
-        <a:solidFill>
-          <a:schemeClr val="accent2">
-            <a:shade val="80000"/>
-            <a:hueOff val="-7174"/>
-            <a:satOff val="-805"/>
-            <a:lumOff val="5136"/>
-            <a:alphaOff val="0"/>
-          </a:schemeClr>
-        </a:solidFill>
-        <a:ln w="25400" cap="flat" cmpd="sng" algn="ctr">
-          <a:solidFill>
-            <a:schemeClr val="lt1">
-              <a:hueOff val="0"/>
-              <a:satOff val="0"/>
-              <a:lumOff val="0"/>
-              <a:alphaOff val="0"/>
-            </a:schemeClr>
-          </a:solidFill>
-          <a:prstDash val="solid"/>
-        </a:ln>
-        <a:effectLst/>
-      </dsp:spPr>
-      <dsp:style>
-        <a:lnRef idx="2">
-          <a:scrgbClr r="0" g="0" b="0"/>
-        </a:lnRef>
-        <a:fillRef idx="1">
-          <a:scrgbClr r="0" g="0" b="0"/>
-        </a:fillRef>
-        <a:effectRef idx="0">
-          <a:scrgbClr r="0" g="0" b="0"/>
-        </a:effectRef>
-        <a:fontRef idx="minor">
-          <a:schemeClr val="lt1"/>
-        </a:fontRef>
-      </dsp:style>
-      <dsp:txBody>
-        <a:bodyPr spcFirstLastPara="0" vert="horz" wrap="square" lIns="60008" tIns="40005" rIns="20003" bIns="40005" numCol="1" spcCol="1270" anchor="ctr" anchorCtr="0">
-          <a:noAutofit/>
-        </a:bodyPr>
-        <a:lstStyle/>
-        <a:p>
-          <a:pPr marL="0" lvl="0" indent="0" algn="ctr" defTabSz="666750">
-            <a:lnSpc>
-              <a:spcPct val="90000"/>
-            </a:lnSpc>
-            <a:spcBef>
-              <a:spcPct val="0"/>
-            </a:spcBef>
-            <a:spcAft>
-              <a:spcPct val="35000"/>
-            </a:spcAft>
-            <a:buNone/>
-          </a:pPr>
-          <a:r>
-            <a:rPr lang="en-US" sz="1500" kern="1200" dirty="0"/>
-            <a:t>Platform test</a:t>
-          </a:r>
-          <a:endParaRPr lang="ru-RU" sz="1500" kern="1200" dirty="0"/>
-        </a:p>
-      </dsp:txBody>
-      <dsp:txXfrm>
-        <a:off x="1626195" y="273541"/>
-        <a:ext cx="975122" cy="650081"/>
-      </dsp:txXfrm>
-    </dsp:sp>
-    <dsp:sp modelId="{61F311F8-5B3B-4A23-B750-7A080925DF42}">
-      <dsp:nvSpPr>
-        <dsp:cNvPr id="0" name=""/>
-        <dsp:cNvSpPr/>
-      </dsp:nvSpPr>
-      <dsp:spPr>
-        <a:xfrm>
-          <a:off x="2601317" y="273541"/>
-          <a:ext cx="1625203" cy="650081"/>
-        </a:xfrm>
-        <a:prstGeom prst="chevron">
-          <a:avLst/>
-        </a:prstGeom>
-        <a:solidFill>
-          <a:schemeClr val="accent2">
-            <a:shade val="80000"/>
-            <a:hueOff val="-14349"/>
-            <a:satOff val="-1610"/>
-            <a:lumOff val="10272"/>
-            <a:alphaOff val="0"/>
-          </a:schemeClr>
-        </a:solidFill>
-        <a:ln w="25400" cap="flat" cmpd="sng" algn="ctr">
-          <a:solidFill>
-            <a:schemeClr val="lt1">
-              <a:hueOff val="0"/>
-              <a:satOff val="0"/>
-              <a:lumOff val="0"/>
-              <a:alphaOff val="0"/>
-            </a:schemeClr>
-          </a:solidFill>
-          <a:prstDash val="solid"/>
-        </a:ln>
-        <a:effectLst/>
-      </dsp:spPr>
-      <dsp:style>
-        <a:lnRef idx="2">
-          <a:scrgbClr r="0" g="0" b="0"/>
-        </a:lnRef>
-        <a:fillRef idx="1">
-          <a:scrgbClr r="0" g="0" b="0"/>
-        </a:fillRef>
-        <a:effectRef idx="0">
-          <a:scrgbClr r="0" g="0" b="0"/>
-        </a:effectRef>
-        <a:fontRef idx="minor">
-          <a:schemeClr val="lt1"/>
-        </a:fontRef>
-      </dsp:style>
-      <dsp:txBody>
-        <a:bodyPr spcFirstLastPara="0" vert="horz" wrap="square" lIns="60008" tIns="40005" rIns="20003" bIns="40005" numCol="1" spcCol="1270" anchor="ctr" anchorCtr="0">
-          <a:noAutofit/>
-        </a:bodyPr>
-        <a:lstStyle/>
-        <a:p>
-          <a:pPr marL="0" lvl="0" indent="0" algn="ctr" defTabSz="666750">
-            <a:lnSpc>
-              <a:spcPct val="90000"/>
-            </a:lnSpc>
-            <a:spcBef>
-              <a:spcPct val="0"/>
-            </a:spcBef>
-            <a:spcAft>
-              <a:spcPct val="35000"/>
-            </a:spcAft>
-            <a:buNone/>
-          </a:pPr>
-          <a:r>
-            <a:rPr lang="en-US" sz="1500" kern="1200" dirty="0"/>
-            <a:t>Staging</a:t>
-          </a:r>
-          <a:endParaRPr lang="ru-RU" sz="1500" kern="1200" dirty="0"/>
-        </a:p>
-      </dsp:txBody>
-      <dsp:txXfrm>
-        <a:off x="2926358" y="273541"/>
-        <a:ext cx="975122" cy="650081"/>
-      </dsp:txXfrm>
-    </dsp:sp>
-    <dsp:sp modelId="{69AB800A-39FA-4D4D-86F0-BC99FE41690A}">
-      <dsp:nvSpPr>
-        <dsp:cNvPr id="0" name=""/>
-        <dsp:cNvSpPr/>
-      </dsp:nvSpPr>
-      <dsp:spPr>
-        <a:xfrm>
-          <a:off x="3901479" y="273541"/>
-          <a:ext cx="1625203" cy="650081"/>
-        </a:xfrm>
-        <a:prstGeom prst="chevron">
-          <a:avLst/>
-        </a:prstGeom>
-        <a:solidFill>
-          <a:schemeClr val="accent2">
-            <a:shade val="80000"/>
-            <a:hueOff val="-21523"/>
-            <a:satOff val="-2414"/>
-            <a:lumOff val="15408"/>
-            <a:alphaOff val="0"/>
-          </a:schemeClr>
-        </a:solidFill>
-        <a:ln w="25400" cap="flat" cmpd="sng" algn="ctr">
-          <a:solidFill>
-            <a:schemeClr val="lt1">
-              <a:hueOff val="0"/>
-              <a:satOff val="0"/>
-              <a:lumOff val="0"/>
-              <a:alphaOff val="0"/>
-            </a:schemeClr>
-          </a:solidFill>
-          <a:prstDash val="solid"/>
-        </a:ln>
-        <a:effectLst/>
-      </dsp:spPr>
-      <dsp:style>
-        <a:lnRef idx="2">
-          <a:scrgbClr r="0" g="0" b="0"/>
-        </a:lnRef>
-        <a:fillRef idx="1">
-          <a:scrgbClr r="0" g="0" b="0"/>
-        </a:fillRef>
-        <a:effectRef idx="0">
-          <a:scrgbClr r="0" g="0" b="0"/>
-        </a:effectRef>
-        <a:fontRef idx="minor">
-          <a:schemeClr val="lt1"/>
-        </a:fontRef>
-      </dsp:style>
-      <dsp:txBody>
-        <a:bodyPr spcFirstLastPara="0" vert="horz" wrap="square" lIns="60008" tIns="40005" rIns="20003" bIns="40005" numCol="1" spcCol="1270" anchor="ctr" anchorCtr="0">
-          <a:noAutofit/>
-        </a:bodyPr>
-        <a:lstStyle/>
-        <a:p>
-          <a:pPr marL="0" lvl="0" indent="0" algn="ctr" defTabSz="666750">
-            <a:lnSpc>
-              <a:spcPct val="90000"/>
-            </a:lnSpc>
-            <a:spcBef>
-              <a:spcPct val="0"/>
-            </a:spcBef>
-            <a:spcAft>
-              <a:spcPct val="35000"/>
-            </a:spcAft>
-            <a:buNone/>
-          </a:pPr>
-          <a:r>
-            <a:rPr lang="en-US" sz="1500" kern="1200" dirty="0"/>
-            <a:t>Acceptance test</a:t>
-          </a:r>
-          <a:endParaRPr lang="ru-RU" sz="1500" kern="1200" dirty="0"/>
-        </a:p>
-      </dsp:txBody>
-      <dsp:txXfrm>
-        <a:off x="4226520" y="273541"/>
-        <a:ext cx="975122" cy="650081"/>
-      </dsp:txXfrm>
-    </dsp:sp>
-    <dsp:sp modelId="{58E83D1E-002F-4FF2-9EE1-1B24E7872BCF}">
-      <dsp:nvSpPr>
-        <dsp:cNvPr id="0" name=""/>
-        <dsp:cNvSpPr/>
-      </dsp:nvSpPr>
-      <dsp:spPr>
-        <a:xfrm>
-          <a:off x="5201642" y="273541"/>
-          <a:ext cx="1625203" cy="650081"/>
-        </a:xfrm>
-        <a:prstGeom prst="chevron">
-          <a:avLst/>
-        </a:prstGeom>
-        <a:solidFill>
-          <a:schemeClr val="accent2">
-            <a:shade val="80000"/>
-            <a:hueOff val="-28698"/>
-            <a:satOff val="-3219"/>
-            <a:lumOff val="20544"/>
-            <a:alphaOff val="0"/>
-          </a:schemeClr>
-        </a:solidFill>
-        <a:ln w="25400" cap="flat" cmpd="sng" algn="ctr">
-          <a:solidFill>
-            <a:schemeClr val="lt1">
-              <a:hueOff val="0"/>
-              <a:satOff val="0"/>
-              <a:lumOff val="0"/>
-              <a:alphaOff val="0"/>
-            </a:schemeClr>
-          </a:solidFill>
-          <a:prstDash val="solid"/>
-        </a:ln>
-        <a:effectLst/>
-      </dsp:spPr>
-      <dsp:style>
-        <a:lnRef idx="2">
-          <a:scrgbClr r="0" g="0" b="0"/>
-        </a:lnRef>
-        <a:fillRef idx="1">
-          <a:scrgbClr r="0" g="0" b="0"/>
-        </a:fillRef>
-        <a:effectRef idx="0">
-          <a:scrgbClr r="0" g="0" b="0"/>
-        </a:effectRef>
-        <a:fontRef idx="minor">
-          <a:schemeClr val="lt1"/>
-        </a:fontRef>
-      </dsp:style>
-      <dsp:txBody>
-        <a:bodyPr spcFirstLastPara="0" vert="horz" wrap="square" lIns="60008" tIns="40005" rIns="20003" bIns="40005" numCol="1" spcCol="1270" anchor="ctr" anchorCtr="0">
-          <a:noAutofit/>
-        </a:bodyPr>
-        <a:lstStyle/>
-        <a:p>
-          <a:pPr marL="0" lvl="0" indent="0" algn="ctr" defTabSz="666750">
-            <a:lnSpc>
-              <a:spcPct val="90000"/>
-            </a:lnSpc>
-            <a:spcBef>
-              <a:spcPct val="0"/>
-            </a:spcBef>
-            <a:spcAft>
-              <a:spcPct val="35000"/>
-            </a:spcAft>
-            <a:buNone/>
-          </a:pPr>
-          <a:r>
-            <a:rPr lang="en-US" sz="1500" kern="1200" dirty="0"/>
-            <a:t>Deploy</a:t>
-          </a:r>
-          <a:endParaRPr lang="ru-RU" sz="1500" kern="1200" dirty="0"/>
-        </a:p>
-      </dsp:txBody>
-      <dsp:txXfrm>
-        <a:off x="5526683" y="273541"/>
-        <a:ext cx="975122" cy="650081"/>
-      </dsp:txXfrm>
-    </dsp:sp>
-    <dsp:sp modelId="{AFD36742-321A-4697-975A-47FF8E6B3692}">
-      <dsp:nvSpPr>
-        <dsp:cNvPr id="0" name=""/>
-        <dsp:cNvSpPr/>
-      </dsp:nvSpPr>
-      <dsp:spPr>
-        <a:xfrm>
-          <a:off x="6501804" y="273541"/>
-          <a:ext cx="1625203" cy="650081"/>
-        </a:xfrm>
-        <a:prstGeom prst="chevron">
-          <a:avLst/>
-        </a:prstGeom>
-        <a:solidFill>
-          <a:schemeClr val="accent2">
-            <a:shade val="80000"/>
-            <a:hueOff val="-35872"/>
-            <a:satOff val="-4024"/>
-            <a:lumOff val="25680"/>
-            <a:alphaOff val="0"/>
-          </a:schemeClr>
-        </a:solidFill>
-        <a:ln w="25400" cap="flat" cmpd="sng" algn="ctr">
-          <a:solidFill>
-            <a:schemeClr val="lt1">
-              <a:hueOff val="0"/>
-              <a:satOff val="0"/>
-              <a:lumOff val="0"/>
-              <a:alphaOff val="0"/>
-            </a:schemeClr>
-          </a:solidFill>
-          <a:prstDash val="solid"/>
-        </a:ln>
-        <a:effectLst/>
-      </dsp:spPr>
-      <dsp:style>
-        <a:lnRef idx="2">
-          <a:scrgbClr r="0" g="0" b="0"/>
-        </a:lnRef>
-        <a:fillRef idx="1">
-          <a:scrgbClr r="0" g="0" b="0"/>
-        </a:fillRef>
-        <a:effectRef idx="0">
-          <a:scrgbClr r="0" g="0" b="0"/>
-        </a:effectRef>
-        <a:fontRef idx="minor">
-          <a:schemeClr val="lt1"/>
-        </a:fontRef>
-      </dsp:style>
-      <dsp:txBody>
-        <a:bodyPr spcFirstLastPara="0" vert="horz" wrap="square" lIns="60008" tIns="40005" rIns="20003" bIns="40005" numCol="1" spcCol="1270" anchor="ctr" anchorCtr="0">
-          <a:noAutofit/>
-        </a:bodyPr>
-        <a:lstStyle/>
-        <a:p>
-          <a:pPr marL="0" lvl="0" indent="0" algn="ctr" defTabSz="666750">
-            <a:lnSpc>
-              <a:spcPct val="90000"/>
-            </a:lnSpc>
-            <a:spcBef>
-              <a:spcPct val="0"/>
-            </a:spcBef>
-            <a:spcAft>
-              <a:spcPct val="35000"/>
-            </a:spcAft>
-            <a:buNone/>
-          </a:pPr>
-          <a:r>
-            <a:rPr lang="en-US" sz="1500" kern="1200" dirty="0"/>
-            <a:t>Post deploy test</a:t>
-          </a:r>
-          <a:endParaRPr lang="ru-RU" sz="1500" kern="1200" dirty="0"/>
-        </a:p>
-      </dsp:txBody>
-      <dsp:txXfrm>
-        <a:off x="6826845" y="273541"/>
-        <a:ext cx="975122" cy="650081"/>
-      </dsp:txXfrm>
-    </dsp:sp>
-  </dsp:spTree>
-</dsp:drawing>
-</file>
-
-<file path=ppt/diagrams/drawing4.xml><?xml version="1.0" encoding="utf-8"?>
 <dsp:drawing xmlns:dgm="http://schemas.openxmlformats.org/drawingml/2006/diagram" xmlns:dsp="http://schemas.microsoft.com/office/drawing/2008/diagram" xmlns:a="http://schemas.openxmlformats.org/drawingml/2006/main">
   <dsp:spTree>
     <dsp:nvGrpSpPr>
@@ -7702,278 +5996,6 @@
 </dgm:layoutDef>
 </file>
 
-<file path=ppt/diagrams/layout4.xml><?xml version="1.0" encoding="utf-8"?>
-<dgm:layoutDef xmlns:dgm="http://schemas.openxmlformats.org/drawingml/2006/diagram" xmlns:a="http://schemas.openxmlformats.org/drawingml/2006/main" uniqueId="urn:microsoft.com/office/officeart/2005/8/layout/hChevron3">
-  <dgm:title val=""/>
-  <dgm:desc val=""/>
-  <dgm:catLst>
-    <dgm:cat type="process" pri="10000"/>
-  </dgm:catLst>
-  <dgm:sampData useDef="1">
-    <dgm:dataModel>
-      <dgm:ptLst/>
-      <dgm:bg/>
-      <dgm:whole/>
-    </dgm:dataModel>
-  </dgm:sampData>
-  <dgm:styleData>
-    <dgm:dataModel>
-      <dgm:ptLst>
-        <dgm:pt modelId="0" type="doc"/>
-        <dgm:pt modelId="1"/>
-        <dgm:pt modelId="2"/>
-      </dgm:ptLst>
-      <dgm:cxnLst>
-        <dgm:cxn modelId="3" srcId="0" destId="1" srcOrd="0" destOrd="0"/>
-        <dgm:cxn modelId="4" srcId="0" destId="2" srcOrd="1" destOrd="0"/>
-      </dgm:cxnLst>
-      <dgm:bg/>
-      <dgm:whole/>
-    </dgm:dataModel>
-  </dgm:styleData>
-  <dgm:clrData>
-    <dgm:dataModel>
-      <dgm:ptLst>
-        <dgm:pt modelId="0" type="doc"/>
-        <dgm:pt modelId="1"/>
-        <dgm:pt modelId="2"/>
-        <dgm:pt modelId="3"/>
-        <dgm:pt modelId="4"/>
-      </dgm:ptLst>
-      <dgm:cxnLst>
-        <dgm:cxn modelId="5" srcId="0" destId="1" srcOrd="0" destOrd="0"/>
-        <dgm:cxn modelId="6" srcId="0" destId="2" srcOrd="1" destOrd="0"/>
-        <dgm:cxn modelId="7" srcId="0" destId="3" srcOrd="2" destOrd="0"/>
-        <dgm:cxn modelId="8" srcId="0" destId="4" srcOrd="3" destOrd="0"/>
-      </dgm:cxnLst>
-      <dgm:bg/>
-      <dgm:whole/>
-    </dgm:dataModel>
-  </dgm:clrData>
-  <dgm:layoutNode name="Name0">
-    <dgm:varLst>
-      <dgm:dir/>
-      <dgm:resizeHandles val="exact"/>
-    </dgm:varLst>
-    <dgm:choose name="Name1">
-      <dgm:if name="Name2" func="var" arg="dir" op="equ" val="norm">
-        <dgm:alg type="lin"/>
-      </dgm:if>
-      <dgm:else name="Name3">
-        <dgm:alg type="lin">
-          <dgm:param type="linDir" val="fromR"/>
-        </dgm:alg>
-      </dgm:else>
-    </dgm:choose>
-    <dgm:shape xmlns:r="http://schemas.openxmlformats.org/officeDocument/2006/relationships" r:blip="">
-      <dgm:adjLst/>
-    </dgm:shape>
-    <dgm:presOf/>
-    <dgm:choose name="Name4">
-      <dgm:if name="Name5" axis="root des" func="maxDepth" op="gte" val="2">
-        <dgm:constrLst>
-          <dgm:constr type="w" for="ch" forName="parAndChTx" refType="w"/>
-          <dgm:constr type="primFontSz" for="ch" ptType="node" op="equ"/>
-          <dgm:constr type="w" for="ch" forName="parAndChSpace" refType="w" refFor="ch" refForName="parAndChTx" fact="-0.2"/>
-          <dgm:constr type="w" for="ch" ptType="sibTrans" op="equ"/>
-        </dgm:constrLst>
-        <dgm:ruleLst/>
-        <dgm:forEach name="Name6" axis="ch" ptType="node">
-          <dgm:layoutNode name="parAndChTx">
-            <dgm:varLst>
-              <dgm:bulletEnabled val="1"/>
-            </dgm:varLst>
-            <dgm:alg type="tx"/>
-            <dgm:choose name="Name7">
-              <dgm:if name="Name8" func="var" arg="dir" op="equ" val="norm">
-                <dgm:choose name="Name9">
-                  <dgm:if name="Name10" axis="self" ptType="node" func="pos" op="equ" val="1">
-                    <dgm:shape xmlns:r="http://schemas.openxmlformats.org/officeDocument/2006/relationships" type="homePlate" r:blip="">
-                      <dgm:adjLst>
-                        <dgm:adj idx="1" val="0.25"/>
-                      </dgm:adjLst>
-                    </dgm:shape>
-                    <dgm:presOf axis="desOrSelf" ptType="node"/>
-                    <dgm:constrLst>
-                      <dgm:constr type="h" refType="w" op="equ" fact="0.8"/>
-                      <dgm:constr type="primFontSz" val="65"/>
-                      <dgm:constr type="tMarg" refType="primFontSz" fact="0.2"/>
-                      <dgm:constr type="bMarg" refType="primFontSz" fact="0.2"/>
-                      <dgm:constr type="lMarg" refType="w" fact="0.1"/>
-                      <dgm:constr type="rMarg" refType="w" fact="0.4"/>
-                    </dgm:constrLst>
-                  </dgm:if>
-                  <dgm:else name="Name11">
-                    <dgm:shape xmlns:r="http://schemas.openxmlformats.org/officeDocument/2006/relationships" type="chevron" r:blip="">
-                      <dgm:adjLst>
-                        <dgm:adj idx="1" val="0.25"/>
-                      </dgm:adjLst>
-                    </dgm:shape>
-                    <dgm:presOf axis="desOrSelf" ptType="node"/>
-                    <dgm:constrLst>
-                      <dgm:constr type="h" refType="w" op="equ" fact="0.8"/>
-                      <dgm:constr type="primFontSz" val="65"/>
-                      <dgm:constr type="tMarg" refType="primFontSz" fact="0.2"/>
-                      <dgm:constr type="bMarg" refType="primFontSz" fact="0.2"/>
-                      <dgm:constr type="lMarg" refType="w" fact="0.1"/>
-                      <dgm:constr type="rMarg" refType="w" fact="0.1"/>
-                    </dgm:constrLst>
-                  </dgm:else>
-                </dgm:choose>
-              </dgm:if>
-              <dgm:else name="Name12">
-                <dgm:choose name="Name13">
-                  <dgm:if name="Name14" axis="self" ptType="node" func="pos" op="equ" val="1">
-                    <dgm:shape xmlns:r="http://schemas.openxmlformats.org/officeDocument/2006/relationships" rot="180" type="homePlate" r:blip="">
-                      <dgm:adjLst>
-                        <dgm:adj idx="1" val="0.25"/>
-                      </dgm:adjLst>
-                    </dgm:shape>
-                    <dgm:presOf axis="desOrSelf" ptType="node"/>
-                    <dgm:constrLst>
-                      <dgm:constr type="h" refType="w" op="equ" fact="0.8"/>
-                      <dgm:constr type="primFontSz" val="65"/>
-                      <dgm:constr type="tMarg" refType="primFontSz" fact="0.2"/>
-                      <dgm:constr type="bMarg" refType="primFontSz" fact="0.2"/>
-                      <dgm:constr type="lMarg" refType="w" fact="0.4"/>
-                      <dgm:constr type="rMarg" refType="w" fact="0.1"/>
-                    </dgm:constrLst>
-                  </dgm:if>
-                  <dgm:else name="Name15">
-                    <dgm:shape xmlns:r="http://schemas.openxmlformats.org/officeDocument/2006/relationships" rot="180" type="chevron" r:blip="">
-                      <dgm:adjLst>
-                        <dgm:adj idx="1" val="0.25"/>
-                      </dgm:adjLst>
-                    </dgm:shape>
-                    <dgm:presOf axis="desOrSelf" ptType="node"/>
-                    <dgm:constrLst>
-                      <dgm:constr type="h" refType="w" op="equ" fact="0.8"/>
-                      <dgm:constr type="primFontSz" val="65"/>
-                      <dgm:constr type="tMarg" refType="primFontSz" fact="0.2"/>
-                      <dgm:constr type="bMarg" refType="primFontSz" fact="0.2"/>
-                      <dgm:constr type="lMarg" refType="w" fact="0.1"/>
-                      <dgm:constr type="rMarg" refType="w" fact="0.1"/>
-                    </dgm:constrLst>
-                  </dgm:else>
-                </dgm:choose>
-              </dgm:else>
-            </dgm:choose>
-            <dgm:ruleLst>
-              <dgm:rule type="primFontSz" val="5" fact="NaN" max="NaN"/>
-            </dgm:ruleLst>
-          </dgm:layoutNode>
-          <dgm:forEach name="Name16" axis="followSib" ptType="sibTrans" cnt="1">
-            <dgm:layoutNode name="parAndChSpace">
-              <dgm:alg type="sp"/>
-              <dgm:shape xmlns:r="http://schemas.openxmlformats.org/officeDocument/2006/relationships" r:blip="">
-                <dgm:adjLst/>
-              </dgm:shape>
-              <dgm:presOf/>
-              <dgm:constrLst/>
-              <dgm:ruleLst/>
-            </dgm:layoutNode>
-          </dgm:forEach>
-        </dgm:forEach>
-      </dgm:if>
-      <dgm:else name="Name17">
-        <dgm:constrLst>
-          <dgm:constr type="w" for="ch" forName="parTxOnly" refType="w"/>
-          <dgm:constr type="primFontSz" for="ch" ptType="node" op="equ"/>
-          <dgm:constr type="w" for="ch" forName="parSpace" refType="w" refFor="ch" refForName="parTxOnly" fact="-0.2"/>
-          <dgm:constr type="w" for="ch" ptType="sibTrans" op="equ"/>
-        </dgm:constrLst>
-        <dgm:ruleLst/>
-        <dgm:forEach name="Name18" axis="ch" ptType="node">
-          <dgm:layoutNode name="parTxOnly">
-            <dgm:varLst>
-              <dgm:bulletEnabled val="1"/>
-            </dgm:varLst>
-            <dgm:alg type="tx"/>
-            <dgm:presOf axis="desOrSelf" ptType="node"/>
-            <dgm:choose name="Name19">
-              <dgm:if name="Name20" func="var" arg="dir" op="equ" val="norm">
-                <dgm:choose name="Name21">
-                  <dgm:if name="Name22" axis="self" ptType="node" func="pos" op="equ" val="1">
-                    <dgm:shape xmlns:r="http://schemas.openxmlformats.org/officeDocument/2006/relationships" type="homePlate" r:blip="">
-                      <dgm:adjLst/>
-                    </dgm:shape>
-                    <dgm:constrLst>
-                      <dgm:constr type="h" refType="w" op="equ" fact="0.4"/>
-                      <dgm:constr type="primFontSz" val="65"/>
-                      <dgm:constr type="tMarg" refType="primFontSz" fact="0.21"/>
-                      <dgm:constr type="bMarg" refType="primFontSz" fact="0.21"/>
-                      <dgm:constr type="lMarg" refType="primFontSz" fact="0.42"/>
-                      <dgm:constr type="rMarg" refType="primFontSz" fact="0.105"/>
-                    </dgm:constrLst>
-                  </dgm:if>
-                  <dgm:else name="Name23">
-                    <dgm:shape xmlns:r="http://schemas.openxmlformats.org/officeDocument/2006/relationships" type="chevron" r:blip="">
-                      <dgm:adjLst/>
-                    </dgm:shape>
-                    <dgm:constrLst>
-                      <dgm:constr type="h" refType="w" op="equ" fact="0.4"/>
-                      <dgm:constr type="primFontSz" val="65"/>
-                      <dgm:constr type="tMarg" refType="primFontSz" fact="0.21"/>
-                      <dgm:constr type="bMarg" refType="primFontSz" fact="0.21"/>
-                      <dgm:constr type="lMarg" refType="primFontSz" fact="0.315"/>
-                      <dgm:constr type="rMarg" refType="primFontSz" fact="0.105"/>
-                    </dgm:constrLst>
-                  </dgm:else>
-                </dgm:choose>
-              </dgm:if>
-              <dgm:else name="Name24">
-                <dgm:choose name="Name25">
-                  <dgm:if name="Name26" axis="self" ptType="node" func="pos" op="equ" val="1">
-                    <dgm:shape xmlns:r="http://schemas.openxmlformats.org/officeDocument/2006/relationships" rot="180" type="homePlate" r:blip="">
-                      <dgm:adjLst/>
-                    </dgm:shape>
-                    <dgm:constrLst>
-                      <dgm:constr type="h" refType="w" op="equ" fact="0.4"/>
-                      <dgm:constr type="primFontSz" val="65"/>
-                      <dgm:constr type="tMarg" refType="primFontSz" fact="0.21"/>
-                      <dgm:constr type="bMarg" refType="primFontSz" fact="0.21"/>
-                      <dgm:constr type="lMarg" refType="primFontSz" fact="0.105"/>
-                      <dgm:constr type="rMarg" refType="primFontSz" fact="0.42"/>
-                    </dgm:constrLst>
-                  </dgm:if>
-                  <dgm:else name="Name27">
-                    <dgm:shape xmlns:r="http://schemas.openxmlformats.org/officeDocument/2006/relationships" rot="180" type="chevron" r:blip="">
-                      <dgm:adjLst/>
-                    </dgm:shape>
-                    <dgm:constrLst>
-                      <dgm:constr type="h" refType="w" op="equ" fact="0.4"/>
-                      <dgm:constr type="primFontSz" val="65"/>
-                      <dgm:constr type="tMarg" refType="primFontSz" fact="0.21"/>
-                      <dgm:constr type="bMarg" refType="primFontSz" fact="0.21"/>
-                      <dgm:constr type="lMarg" refType="primFontSz" fact="0.105"/>
-                      <dgm:constr type="rMarg" refType="primFontSz" fact="0.315"/>
-                    </dgm:constrLst>
-                  </dgm:else>
-                </dgm:choose>
-              </dgm:else>
-            </dgm:choose>
-            <dgm:ruleLst>
-              <dgm:rule type="primFontSz" val="5" fact="NaN" max="NaN"/>
-            </dgm:ruleLst>
-          </dgm:layoutNode>
-          <dgm:forEach name="Name28" axis="followSib" ptType="sibTrans" cnt="1">
-            <dgm:layoutNode name="parSpace">
-              <dgm:alg type="sp"/>
-              <dgm:shape xmlns:r="http://schemas.openxmlformats.org/officeDocument/2006/relationships" r:blip="">
-                <dgm:adjLst/>
-              </dgm:shape>
-              <dgm:presOf/>
-              <dgm:constrLst/>
-              <dgm:ruleLst/>
-            </dgm:layoutNode>
-          </dgm:forEach>
-        </dgm:forEach>
-      </dgm:else>
-    </dgm:choose>
-  </dgm:layoutNode>
-</dgm:layoutDef>
-</file>
-
 <file path=ppt/diagrams/quickStyle1.xml><?xml version="1.0" encoding="utf-8"?>
 <dgm:styleDef xmlns:dgm="http://schemas.openxmlformats.org/drawingml/2006/diagram" xmlns:a="http://schemas.openxmlformats.org/drawingml/2006/main" uniqueId="urn:microsoft.com/office/officeart/2005/8/quickstyle/simple1">
   <dgm:title val=""/>
@@ -10043,1040 +8065,6 @@
 </file>
 
 <file path=ppt/diagrams/quickStyle3.xml><?xml version="1.0" encoding="utf-8"?>
-<dgm:styleDef xmlns:dgm="http://schemas.openxmlformats.org/drawingml/2006/diagram" xmlns:a="http://schemas.openxmlformats.org/drawingml/2006/main" uniqueId="urn:microsoft.com/office/officeart/2005/8/quickstyle/simple1">
-  <dgm:title val=""/>
-  <dgm:desc val=""/>
-  <dgm:catLst>
-    <dgm:cat type="simple" pri="10100"/>
-  </dgm:catLst>
-  <dgm:scene3d>
-    <a:camera prst="orthographicFront"/>
-    <a:lightRig rig="threePt" dir="t"/>
-  </dgm:scene3d>
-  <dgm:styleLbl name="node0">
-    <dgm:scene3d>
-      <a:camera prst="orthographicFront"/>
-      <a:lightRig rig="threePt" dir="t"/>
-    </dgm:scene3d>
-    <dgm:sp3d/>
-    <dgm:txPr/>
-    <dgm:style>
-      <a:lnRef idx="2">
-        <a:scrgbClr r="0" g="0" b="0"/>
-      </a:lnRef>
-      <a:fillRef idx="1">
-        <a:scrgbClr r="0" g="0" b="0"/>
-      </a:fillRef>
-      <a:effectRef idx="0">
-        <a:scrgbClr r="0" g="0" b="0"/>
-      </a:effectRef>
-      <a:fontRef idx="minor">
-        <a:schemeClr val="lt1"/>
-      </a:fontRef>
-    </dgm:style>
-  </dgm:styleLbl>
-  <dgm:styleLbl name="lnNode1">
-    <dgm:scene3d>
-      <a:camera prst="orthographicFront"/>
-      <a:lightRig rig="threePt" dir="t"/>
-    </dgm:scene3d>
-    <dgm:sp3d/>
-    <dgm:txPr/>
-    <dgm:style>
-      <a:lnRef idx="2">
-        <a:scrgbClr r="0" g="0" b="0"/>
-      </a:lnRef>
-      <a:fillRef idx="1">
-        <a:scrgbClr r="0" g="0" b="0"/>
-      </a:fillRef>
-      <a:effectRef idx="0">
-        <a:scrgbClr r="0" g="0" b="0"/>
-      </a:effectRef>
-      <a:fontRef idx="minor">
-        <a:schemeClr val="lt1"/>
-      </a:fontRef>
-    </dgm:style>
-  </dgm:styleLbl>
-  <dgm:styleLbl name="vennNode1">
-    <dgm:scene3d>
-      <a:camera prst="orthographicFront"/>
-      <a:lightRig rig="threePt" dir="t"/>
-    </dgm:scene3d>
-    <dgm:sp3d/>
-    <dgm:txPr/>
-    <dgm:style>
-      <a:lnRef idx="2">
-        <a:scrgbClr r="0" g="0" b="0"/>
-      </a:lnRef>
-      <a:fillRef idx="1">
-        <a:scrgbClr r="0" g="0" b="0"/>
-      </a:fillRef>
-      <a:effectRef idx="0">
-        <a:scrgbClr r="0" g="0" b="0"/>
-      </a:effectRef>
-      <a:fontRef idx="minor">
-        <a:schemeClr val="tx1"/>
-      </a:fontRef>
-    </dgm:style>
-  </dgm:styleLbl>
-  <dgm:styleLbl name="alignNode1">
-    <dgm:scene3d>
-      <a:camera prst="orthographicFront"/>
-      <a:lightRig rig="threePt" dir="t"/>
-    </dgm:scene3d>
-    <dgm:sp3d/>
-    <dgm:txPr/>
-    <dgm:style>
-      <a:lnRef idx="2">
-        <a:scrgbClr r="0" g="0" b="0"/>
-      </a:lnRef>
-      <a:fillRef idx="1">
-        <a:scrgbClr r="0" g="0" b="0"/>
-      </a:fillRef>
-      <a:effectRef idx="0">
-        <a:scrgbClr r="0" g="0" b="0"/>
-      </a:effectRef>
-      <a:fontRef idx="minor">
-        <a:schemeClr val="lt1"/>
-      </a:fontRef>
-    </dgm:style>
-  </dgm:styleLbl>
-  <dgm:styleLbl name="node1">
-    <dgm:scene3d>
-      <a:camera prst="orthographicFront"/>
-      <a:lightRig rig="threePt" dir="t"/>
-    </dgm:scene3d>
-    <dgm:sp3d/>
-    <dgm:txPr/>
-    <dgm:style>
-      <a:lnRef idx="2">
-        <a:scrgbClr r="0" g="0" b="0"/>
-      </a:lnRef>
-      <a:fillRef idx="1">
-        <a:scrgbClr r="0" g="0" b="0"/>
-      </a:fillRef>
-      <a:effectRef idx="0">
-        <a:scrgbClr r="0" g="0" b="0"/>
-      </a:effectRef>
-      <a:fontRef idx="minor">
-        <a:schemeClr val="lt1"/>
-      </a:fontRef>
-    </dgm:style>
-  </dgm:styleLbl>
-  <dgm:styleLbl name="node2">
-    <dgm:scene3d>
-      <a:camera prst="orthographicFront"/>
-      <a:lightRig rig="threePt" dir="t"/>
-    </dgm:scene3d>
-    <dgm:sp3d/>
-    <dgm:txPr/>
-    <dgm:style>
-      <a:lnRef idx="2">
-        <a:scrgbClr r="0" g="0" b="0"/>
-      </a:lnRef>
-      <a:fillRef idx="1">
-        <a:scrgbClr r="0" g="0" b="0"/>
-      </a:fillRef>
-      <a:effectRef idx="0">
-        <a:scrgbClr r="0" g="0" b="0"/>
-      </a:effectRef>
-      <a:fontRef idx="minor">
-        <a:schemeClr val="lt1"/>
-      </a:fontRef>
-    </dgm:style>
-  </dgm:styleLbl>
-  <dgm:styleLbl name="node3">
-    <dgm:scene3d>
-      <a:camera prst="orthographicFront"/>
-      <a:lightRig rig="threePt" dir="t"/>
-    </dgm:scene3d>
-    <dgm:sp3d/>
-    <dgm:txPr/>
-    <dgm:style>
-      <a:lnRef idx="2">
-        <a:scrgbClr r="0" g="0" b="0"/>
-      </a:lnRef>
-      <a:fillRef idx="1">
-        <a:scrgbClr r="0" g="0" b="0"/>
-      </a:fillRef>
-      <a:effectRef idx="0">
-        <a:scrgbClr r="0" g="0" b="0"/>
-      </a:effectRef>
-      <a:fontRef idx="minor">
-        <a:schemeClr val="lt1"/>
-      </a:fontRef>
-    </dgm:style>
-  </dgm:styleLbl>
-  <dgm:styleLbl name="node4">
-    <dgm:scene3d>
-      <a:camera prst="orthographicFront"/>
-      <a:lightRig rig="threePt" dir="t"/>
-    </dgm:scene3d>
-    <dgm:sp3d/>
-    <dgm:txPr/>
-    <dgm:style>
-      <a:lnRef idx="2">
-        <a:scrgbClr r="0" g="0" b="0"/>
-      </a:lnRef>
-      <a:fillRef idx="1">
-        <a:scrgbClr r="0" g="0" b="0"/>
-      </a:fillRef>
-      <a:effectRef idx="0">
-        <a:scrgbClr r="0" g="0" b="0"/>
-      </a:effectRef>
-      <a:fontRef idx="minor">
-        <a:schemeClr val="lt1"/>
-      </a:fontRef>
-    </dgm:style>
-  </dgm:styleLbl>
-  <dgm:styleLbl name="fgImgPlace1">
-    <dgm:scene3d>
-      <a:camera prst="orthographicFront"/>
-      <a:lightRig rig="threePt" dir="t"/>
-    </dgm:scene3d>
-    <dgm:sp3d/>
-    <dgm:txPr/>
-    <dgm:style>
-      <a:lnRef idx="2">
-        <a:scrgbClr r="0" g="0" b="0"/>
-      </a:lnRef>
-      <a:fillRef idx="1">
-        <a:scrgbClr r="0" g="0" b="0"/>
-      </a:fillRef>
-      <a:effectRef idx="0">
-        <a:scrgbClr r="0" g="0" b="0"/>
-      </a:effectRef>
-      <a:fontRef idx="minor"/>
-    </dgm:style>
-  </dgm:styleLbl>
-  <dgm:styleLbl name="alignImgPlace1">
-    <dgm:scene3d>
-      <a:camera prst="orthographicFront"/>
-      <a:lightRig rig="threePt" dir="t"/>
-    </dgm:scene3d>
-    <dgm:sp3d/>
-    <dgm:txPr/>
-    <dgm:style>
-      <a:lnRef idx="2">
-        <a:scrgbClr r="0" g="0" b="0"/>
-      </a:lnRef>
-      <a:fillRef idx="1">
-        <a:scrgbClr r="0" g="0" b="0"/>
-      </a:fillRef>
-      <a:effectRef idx="0">
-        <a:scrgbClr r="0" g="0" b="0"/>
-      </a:effectRef>
-      <a:fontRef idx="minor"/>
-    </dgm:style>
-  </dgm:styleLbl>
-  <dgm:styleLbl name="bgImgPlace1">
-    <dgm:scene3d>
-      <a:camera prst="orthographicFront"/>
-      <a:lightRig rig="threePt" dir="t"/>
-    </dgm:scene3d>
-    <dgm:sp3d/>
-    <dgm:txPr/>
-    <dgm:style>
-      <a:lnRef idx="2">
-        <a:scrgbClr r="0" g="0" b="0"/>
-      </a:lnRef>
-      <a:fillRef idx="1">
-        <a:scrgbClr r="0" g="0" b="0"/>
-      </a:fillRef>
-      <a:effectRef idx="0">
-        <a:scrgbClr r="0" g="0" b="0"/>
-      </a:effectRef>
-      <a:fontRef idx="minor"/>
-    </dgm:style>
-  </dgm:styleLbl>
-  <dgm:styleLbl name="sibTrans2D1">
-    <dgm:scene3d>
-      <a:camera prst="orthographicFront"/>
-      <a:lightRig rig="threePt" dir="t"/>
-    </dgm:scene3d>
-    <dgm:sp3d/>
-    <dgm:txPr/>
-    <dgm:style>
-      <a:lnRef idx="0">
-        <a:scrgbClr r="0" g="0" b="0"/>
-      </a:lnRef>
-      <a:fillRef idx="1">
-        <a:scrgbClr r="0" g="0" b="0"/>
-      </a:fillRef>
-      <a:effectRef idx="0">
-        <a:scrgbClr r="0" g="0" b="0"/>
-      </a:effectRef>
-      <a:fontRef idx="minor">
-        <a:schemeClr val="lt1"/>
-      </a:fontRef>
-    </dgm:style>
-  </dgm:styleLbl>
-  <dgm:styleLbl name="fgSibTrans2D1">
-    <dgm:scene3d>
-      <a:camera prst="orthographicFront"/>
-      <a:lightRig rig="threePt" dir="t"/>
-    </dgm:scene3d>
-    <dgm:sp3d/>
-    <dgm:txPr/>
-    <dgm:style>
-      <a:lnRef idx="0">
-        <a:scrgbClr r="0" g="0" b="0"/>
-      </a:lnRef>
-      <a:fillRef idx="1">
-        <a:scrgbClr r="0" g="0" b="0"/>
-      </a:fillRef>
-      <a:effectRef idx="0">
-        <a:scrgbClr r="0" g="0" b="0"/>
-      </a:effectRef>
-      <a:fontRef idx="minor">
-        <a:schemeClr val="lt1"/>
-      </a:fontRef>
-    </dgm:style>
-  </dgm:styleLbl>
-  <dgm:styleLbl name="bgSibTrans2D1">
-    <dgm:scene3d>
-      <a:camera prst="orthographicFront"/>
-      <a:lightRig rig="threePt" dir="t"/>
-    </dgm:scene3d>
-    <dgm:sp3d/>
-    <dgm:txPr/>
-    <dgm:style>
-      <a:lnRef idx="0">
-        <a:scrgbClr r="0" g="0" b="0"/>
-      </a:lnRef>
-      <a:fillRef idx="1">
-        <a:scrgbClr r="0" g="0" b="0"/>
-      </a:fillRef>
-      <a:effectRef idx="0">
-        <a:scrgbClr r="0" g="0" b="0"/>
-      </a:effectRef>
-      <a:fontRef idx="minor">
-        <a:schemeClr val="lt1"/>
-      </a:fontRef>
-    </dgm:style>
-  </dgm:styleLbl>
-  <dgm:styleLbl name="sibTrans1D1">
-    <dgm:scene3d>
-      <a:camera prst="orthographicFront"/>
-      <a:lightRig rig="threePt" dir="t"/>
-    </dgm:scene3d>
-    <dgm:sp3d/>
-    <dgm:txPr/>
-    <dgm:style>
-      <a:lnRef idx="1">
-        <a:scrgbClr r="0" g="0" b="0"/>
-      </a:lnRef>
-      <a:fillRef idx="0">
-        <a:scrgbClr r="0" g="0" b="0"/>
-      </a:fillRef>
-      <a:effectRef idx="0">
-        <a:scrgbClr r="0" g="0" b="0"/>
-      </a:effectRef>
-      <a:fontRef idx="minor"/>
-    </dgm:style>
-  </dgm:styleLbl>
-  <dgm:styleLbl name="callout">
-    <dgm:scene3d>
-      <a:camera prst="orthographicFront"/>
-      <a:lightRig rig="threePt" dir="t"/>
-    </dgm:scene3d>
-    <dgm:sp3d/>
-    <dgm:txPr/>
-    <dgm:style>
-      <a:lnRef idx="2">
-        <a:scrgbClr r="0" g="0" b="0"/>
-      </a:lnRef>
-      <a:fillRef idx="1">
-        <a:scrgbClr r="0" g="0" b="0"/>
-      </a:fillRef>
-      <a:effectRef idx="0">
-        <a:scrgbClr r="0" g="0" b="0"/>
-      </a:effectRef>
-      <a:fontRef idx="minor"/>
-    </dgm:style>
-  </dgm:styleLbl>
-  <dgm:styleLbl name="asst0">
-    <dgm:scene3d>
-      <a:camera prst="orthographicFront"/>
-      <a:lightRig rig="threePt" dir="t"/>
-    </dgm:scene3d>
-    <dgm:sp3d/>
-    <dgm:txPr/>
-    <dgm:style>
-      <a:lnRef idx="2">
-        <a:scrgbClr r="0" g="0" b="0"/>
-      </a:lnRef>
-      <a:fillRef idx="1">
-        <a:scrgbClr r="0" g="0" b="0"/>
-      </a:fillRef>
-      <a:effectRef idx="0">
-        <a:scrgbClr r="0" g="0" b="0"/>
-      </a:effectRef>
-      <a:fontRef idx="minor">
-        <a:schemeClr val="lt1"/>
-      </a:fontRef>
-    </dgm:style>
-  </dgm:styleLbl>
-  <dgm:styleLbl name="asst1">
-    <dgm:scene3d>
-      <a:camera prst="orthographicFront"/>
-      <a:lightRig rig="threePt" dir="t"/>
-    </dgm:scene3d>
-    <dgm:sp3d/>
-    <dgm:txPr/>
-    <dgm:style>
-      <a:lnRef idx="2">
-        <a:scrgbClr r="0" g="0" b="0"/>
-      </a:lnRef>
-      <a:fillRef idx="1">
-        <a:scrgbClr r="0" g="0" b="0"/>
-      </a:fillRef>
-      <a:effectRef idx="0">
-        <a:scrgbClr r="0" g="0" b="0"/>
-      </a:effectRef>
-      <a:fontRef idx="minor">
-        <a:schemeClr val="lt1"/>
-      </a:fontRef>
-    </dgm:style>
-  </dgm:styleLbl>
-  <dgm:styleLbl name="asst2">
-    <dgm:scene3d>
-      <a:camera prst="orthographicFront"/>
-      <a:lightRig rig="threePt" dir="t"/>
-    </dgm:scene3d>
-    <dgm:sp3d/>
-    <dgm:txPr/>
-    <dgm:style>
-      <a:lnRef idx="2">
-        <a:scrgbClr r="0" g="0" b="0"/>
-      </a:lnRef>
-      <a:fillRef idx="1">
-        <a:scrgbClr r="0" g="0" b="0"/>
-      </a:fillRef>
-      <a:effectRef idx="0">
-        <a:scrgbClr r="0" g="0" b="0"/>
-      </a:effectRef>
-      <a:fontRef idx="minor">
-        <a:schemeClr val="lt1"/>
-      </a:fontRef>
-    </dgm:style>
-  </dgm:styleLbl>
-  <dgm:styleLbl name="asst3">
-    <dgm:scene3d>
-      <a:camera prst="orthographicFront"/>
-      <a:lightRig rig="threePt" dir="t"/>
-    </dgm:scene3d>
-    <dgm:sp3d/>
-    <dgm:txPr/>
-    <dgm:style>
-      <a:lnRef idx="2">
-        <a:scrgbClr r="0" g="0" b="0"/>
-      </a:lnRef>
-      <a:fillRef idx="1">
-        <a:scrgbClr r="0" g="0" b="0"/>
-      </a:fillRef>
-      <a:effectRef idx="0">
-        <a:scrgbClr r="0" g="0" b="0"/>
-      </a:effectRef>
-      <a:fontRef idx="minor">
-        <a:schemeClr val="lt1"/>
-      </a:fontRef>
-    </dgm:style>
-  </dgm:styleLbl>
-  <dgm:styleLbl name="asst4">
-    <dgm:scene3d>
-      <a:camera prst="orthographicFront"/>
-      <a:lightRig rig="threePt" dir="t"/>
-    </dgm:scene3d>
-    <dgm:sp3d/>
-    <dgm:txPr/>
-    <dgm:style>
-      <a:lnRef idx="2">
-        <a:scrgbClr r="0" g="0" b="0"/>
-      </a:lnRef>
-      <a:fillRef idx="1">
-        <a:scrgbClr r="0" g="0" b="0"/>
-      </a:fillRef>
-      <a:effectRef idx="0">
-        <a:scrgbClr r="0" g="0" b="0"/>
-      </a:effectRef>
-      <a:fontRef idx="minor">
-        <a:schemeClr val="lt1"/>
-      </a:fontRef>
-    </dgm:style>
-  </dgm:styleLbl>
-  <dgm:styleLbl name="parChTrans2D1">
-    <dgm:scene3d>
-      <a:camera prst="orthographicFront"/>
-      <a:lightRig rig="threePt" dir="t"/>
-    </dgm:scene3d>
-    <dgm:sp3d/>
-    <dgm:txPr/>
-    <dgm:style>
-      <a:lnRef idx="2">
-        <a:scrgbClr r="0" g="0" b="0"/>
-      </a:lnRef>
-      <a:fillRef idx="1">
-        <a:scrgbClr r="0" g="0" b="0"/>
-      </a:fillRef>
-      <a:effectRef idx="0">
-        <a:scrgbClr r="0" g="0" b="0"/>
-      </a:effectRef>
-      <a:fontRef idx="minor">
-        <a:schemeClr val="lt1"/>
-      </a:fontRef>
-    </dgm:style>
-  </dgm:styleLbl>
-  <dgm:styleLbl name="parChTrans2D2">
-    <dgm:scene3d>
-      <a:camera prst="orthographicFront"/>
-      <a:lightRig rig="threePt" dir="t"/>
-    </dgm:scene3d>
-    <dgm:sp3d/>
-    <dgm:txPr/>
-    <dgm:style>
-      <a:lnRef idx="2">
-        <a:scrgbClr r="0" g="0" b="0"/>
-      </a:lnRef>
-      <a:fillRef idx="1">
-        <a:scrgbClr r="0" g="0" b="0"/>
-      </a:fillRef>
-      <a:effectRef idx="0">
-        <a:scrgbClr r="0" g="0" b="0"/>
-      </a:effectRef>
-      <a:fontRef idx="minor">
-        <a:schemeClr val="lt1"/>
-      </a:fontRef>
-    </dgm:style>
-  </dgm:styleLbl>
-  <dgm:styleLbl name="parChTrans2D3">
-    <dgm:scene3d>
-      <a:camera prst="orthographicFront"/>
-      <a:lightRig rig="threePt" dir="t"/>
-    </dgm:scene3d>
-    <dgm:sp3d/>
-    <dgm:txPr/>
-    <dgm:style>
-      <a:lnRef idx="2">
-        <a:scrgbClr r="0" g="0" b="0"/>
-      </a:lnRef>
-      <a:fillRef idx="1">
-        <a:scrgbClr r="0" g="0" b="0"/>
-      </a:fillRef>
-      <a:effectRef idx="0">
-        <a:scrgbClr r="0" g="0" b="0"/>
-      </a:effectRef>
-      <a:fontRef idx="minor">
-        <a:schemeClr val="lt1"/>
-      </a:fontRef>
-    </dgm:style>
-  </dgm:styleLbl>
-  <dgm:styleLbl name="parChTrans2D4">
-    <dgm:scene3d>
-      <a:camera prst="orthographicFront"/>
-      <a:lightRig rig="threePt" dir="t"/>
-    </dgm:scene3d>
-    <dgm:sp3d/>
-    <dgm:txPr/>
-    <dgm:style>
-      <a:lnRef idx="2">
-        <a:scrgbClr r="0" g="0" b="0"/>
-      </a:lnRef>
-      <a:fillRef idx="1">
-        <a:scrgbClr r="0" g="0" b="0"/>
-      </a:fillRef>
-      <a:effectRef idx="0">
-        <a:scrgbClr r="0" g="0" b="0"/>
-      </a:effectRef>
-      <a:fontRef idx="minor">
-        <a:schemeClr val="lt1"/>
-      </a:fontRef>
-    </dgm:style>
-  </dgm:styleLbl>
-  <dgm:styleLbl name="parChTrans1D1">
-    <dgm:scene3d>
-      <a:camera prst="orthographicFront"/>
-      <a:lightRig rig="threePt" dir="t"/>
-    </dgm:scene3d>
-    <dgm:sp3d/>
-    <dgm:txPr/>
-    <dgm:style>
-      <a:lnRef idx="2">
-        <a:scrgbClr r="0" g="0" b="0"/>
-      </a:lnRef>
-      <a:fillRef idx="0">
-        <a:scrgbClr r="0" g="0" b="0"/>
-      </a:fillRef>
-      <a:effectRef idx="0">
-        <a:scrgbClr r="0" g="0" b="0"/>
-      </a:effectRef>
-      <a:fontRef idx="minor"/>
-    </dgm:style>
-  </dgm:styleLbl>
-  <dgm:styleLbl name="parChTrans1D2">
-    <dgm:scene3d>
-      <a:camera prst="orthographicFront"/>
-      <a:lightRig rig="threePt" dir="t"/>
-    </dgm:scene3d>
-    <dgm:sp3d/>
-    <dgm:txPr/>
-    <dgm:style>
-      <a:lnRef idx="2">
-        <a:scrgbClr r="0" g="0" b="0"/>
-      </a:lnRef>
-      <a:fillRef idx="0">
-        <a:scrgbClr r="0" g="0" b="0"/>
-      </a:fillRef>
-      <a:effectRef idx="0">
-        <a:scrgbClr r="0" g="0" b="0"/>
-      </a:effectRef>
-      <a:fontRef idx="minor"/>
-    </dgm:style>
-  </dgm:styleLbl>
-  <dgm:styleLbl name="parChTrans1D3">
-    <dgm:scene3d>
-      <a:camera prst="orthographicFront"/>
-      <a:lightRig rig="threePt" dir="t"/>
-    </dgm:scene3d>
-    <dgm:sp3d/>
-    <dgm:txPr/>
-    <dgm:style>
-      <a:lnRef idx="2">
-        <a:scrgbClr r="0" g="0" b="0"/>
-      </a:lnRef>
-      <a:fillRef idx="0">
-        <a:scrgbClr r="0" g="0" b="0"/>
-      </a:fillRef>
-      <a:effectRef idx="0">
-        <a:scrgbClr r="0" g="0" b="0"/>
-      </a:effectRef>
-      <a:fontRef idx="minor"/>
-    </dgm:style>
-  </dgm:styleLbl>
-  <dgm:styleLbl name="parChTrans1D4">
-    <dgm:scene3d>
-      <a:camera prst="orthographicFront"/>
-      <a:lightRig rig="threePt" dir="t"/>
-    </dgm:scene3d>
-    <dgm:sp3d/>
-    <dgm:txPr/>
-    <dgm:style>
-      <a:lnRef idx="2">
-        <a:scrgbClr r="0" g="0" b="0"/>
-      </a:lnRef>
-      <a:fillRef idx="0">
-        <a:scrgbClr r="0" g="0" b="0"/>
-      </a:fillRef>
-      <a:effectRef idx="0">
-        <a:scrgbClr r="0" g="0" b="0"/>
-      </a:effectRef>
-      <a:fontRef idx="minor"/>
-    </dgm:style>
-  </dgm:styleLbl>
-  <dgm:styleLbl name="fgAcc1">
-    <dgm:scene3d>
-      <a:camera prst="orthographicFront"/>
-      <a:lightRig rig="threePt" dir="t"/>
-    </dgm:scene3d>
-    <dgm:sp3d/>
-    <dgm:txPr/>
-    <dgm:style>
-      <a:lnRef idx="2">
-        <a:scrgbClr r="0" g="0" b="0"/>
-      </a:lnRef>
-      <a:fillRef idx="1">
-        <a:scrgbClr r="0" g="0" b="0"/>
-      </a:fillRef>
-      <a:effectRef idx="0">
-        <a:scrgbClr r="0" g="0" b="0"/>
-      </a:effectRef>
-      <a:fontRef idx="minor"/>
-    </dgm:style>
-  </dgm:styleLbl>
-  <dgm:styleLbl name="conFgAcc1">
-    <dgm:scene3d>
-      <a:camera prst="orthographicFront"/>
-      <a:lightRig rig="threePt" dir="t"/>
-    </dgm:scene3d>
-    <dgm:sp3d/>
-    <dgm:txPr/>
-    <dgm:style>
-      <a:lnRef idx="2">
-        <a:scrgbClr r="0" g="0" b="0"/>
-      </a:lnRef>
-      <a:fillRef idx="1">
-        <a:scrgbClr r="0" g="0" b="0"/>
-      </a:fillRef>
-      <a:effectRef idx="0">
-        <a:scrgbClr r="0" g="0" b="0"/>
-      </a:effectRef>
-      <a:fontRef idx="minor"/>
-    </dgm:style>
-  </dgm:styleLbl>
-  <dgm:styleLbl name="alignAcc1">
-    <dgm:scene3d>
-      <a:camera prst="orthographicFront"/>
-      <a:lightRig rig="threePt" dir="t"/>
-    </dgm:scene3d>
-    <dgm:sp3d/>
-    <dgm:txPr/>
-    <dgm:style>
-      <a:lnRef idx="2">
-        <a:scrgbClr r="0" g="0" b="0"/>
-      </a:lnRef>
-      <a:fillRef idx="1">
-        <a:scrgbClr r="0" g="0" b="0"/>
-      </a:fillRef>
-      <a:effectRef idx="0">
-        <a:scrgbClr r="0" g="0" b="0"/>
-      </a:effectRef>
-      <a:fontRef idx="minor"/>
-    </dgm:style>
-  </dgm:styleLbl>
-  <dgm:styleLbl name="trAlignAcc1">
-    <dgm:scene3d>
-      <a:camera prst="orthographicFront"/>
-      <a:lightRig rig="threePt" dir="t"/>
-    </dgm:scene3d>
-    <dgm:sp3d/>
-    <dgm:txPr/>
-    <dgm:style>
-      <a:lnRef idx="1">
-        <a:scrgbClr r="0" g="0" b="0"/>
-      </a:lnRef>
-      <a:fillRef idx="1">
-        <a:scrgbClr r="0" g="0" b="0"/>
-      </a:fillRef>
-      <a:effectRef idx="0">
-        <a:scrgbClr r="0" g="0" b="0"/>
-      </a:effectRef>
-      <a:fontRef idx="minor"/>
-    </dgm:style>
-  </dgm:styleLbl>
-  <dgm:styleLbl name="bgAcc1">
-    <dgm:scene3d>
-      <a:camera prst="orthographicFront"/>
-      <a:lightRig rig="threePt" dir="t"/>
-    </dgm:scene3d>
-    <dgm:sp3d/>
-    <dgm:txPr/>
-    <dgm:style>
-      <a:lnRef idx="2">
-        <a:scrgbClr r="0" g="0" b="0"/>
-      </a:lnRef>
-      <a:fillRef idx="1">
-        <a:scrgbClr r="0" g="0" b="0"/>
-      </a:fillRef>
-      <a:effectRef idx="0">
-        <a:scrgbClr r="0" g="0" b="0"/>
-      </a:effectRef>
-      <a:fontRef idx="minor"/>
-    </dgm:style>
-  </dgm:styleLbl>
-  <dgm:styleLbl name="solidFgAcc1">
-    <dgm:scene3d>
-      <a:camera prst="orthographicFront"/>
-      <a:lightRig rig="threePt" dir="t"/>
-    </dgm:scene3d>
-    <dgm:sp3d/>
-    <dgm:txPr/>
-    <dgm:style>
-      <a:lnRef idx="2">
-        <a:scrgbClr r="0" g="0" b="0"/>
-      </a:lnRef>
-      <a:fillRef idx="1">
-        <a:scrgbClr r="0" g="0" b="0"/>
-      </a:fillRef>
-      <a:effectRef idx="0">
-        <a:scrgbClr r="0" g="0" b="0"/>
-      </a:effectRef>
-      <a:fontRef idx="minor"/>
-    </dgm:style>
-  </dgm:styleLbl>
-  <dgm:styleLbl name="solidAlignAcc1">
-    <dgm:scene3d>
-      <a:camera prst="orthographicFront"/>
-      <a:lightRig rig="threePt" dir="t"/>
-    </dgm:scene3d>
-    <dgm:sp3d/>
-    <dgm:txPr/>
-    <dgm:style>
-      <a:lnRef idx="2">
-        <a:scrgbClr r="0" g="0" b="0"/>
-      </a:lnRef>
-      <a:fillRef idx="1">
-        <a:scrgbClr r="0" g="0" b="0"/>
-      </a:fillRef>
-      <a:effectRef idx="0">
-        <a:scrgbClr r="0" g="0" b="0"/>
-      </a:effectRef>
-      <a:fontRef idx="minor"/>
-    </dgm:style>
-  </dgm:styleLbl>
-  <dgm:styleLbl name="solidBgAcc1">
-    <dgm:scene3d>
-      <a:camera prst="orthographicFront"/>
-      <a:lightRig rig="threePt" dir="t"/>
-    </dgm:scene3d>
-    <dgm:sp3d/>
-    <dgm:txPr/>
-    <dgm:style>
-      <a:lnRef idx="2">
-        <a:scrgbClr r="0" g="0" b="0"/>
-      </a:lnRef>
-      <a:fillRef idx="1">
-        <a:scrgbClr r="0" g="0" b="0"/>
-      </a:fillRef>
-      <a:effectRef idx="0">
-        <a:scrgbClr r="0" g="0" b="0"/>
-      </a:effectRef>
-      <a:fontRef idx="minor"/>
-    </dgm:style>
-  </dgm:styleLbl>
-  <dgm:styleLbl name="fgAccFollowNode1">
-    <dgm:scene3d>
-      <a:camera prst="orthographicFront"/>
-      <a:lightRig rig="threePt" dir="t"/>
-    </dgm:scene3d>
-    <dgm:sp3d/>
-    <dgm:txPr/>
-    <dgm:style>
-      <a:lnRef idx="2">
-        <a:scrgbClr r="0" g="0" b="0"/>
-      </a:lnRef>
-      <a:fillRef idx="1">
-        <a:scrgbClr r="0" g="0" b="0"/>
-      </a:fillRef>
-      <a:effectRef idx="0">
-        <a:scrgbClr r="0" g="0" b="0"/>
-      </a:effectRef>
-      <a:fontRef idx="minor"/>
-    </dgm:style>
-  </dgm:styleLbl>
-  <dgm:styleLbl name="alignAccFollowNode1">
-    <dgm:scene3d>
-      <a:camera prst="orthographicFront"/>
-      <a:lightRig rig="threePt" dir="t"/>
-    </dgm:scene3d>
-    <dgm:sp3d/>
-    <dgm:txPr/>
-    <dgm:style>
-      <a:lnRef idx="2">
-        <a:scrgbClr r="0" g="0" b="0"/>
-      </a:lnRef>
-      <a:fillRef idx="1">
-        <a:scrgbClr r="0" g="0" b="0"/>
-      </a:fillRef>
-      <a:effectRef idx="0">
-        <a:scrgbClr r="0" g="0" b="0"/>
-      </a:effectRef>
-      <a:fontRef idx="minor"/>
-    </dgm:style>
-  </dgm:styleLbl>
-  <dgm:styleLbl name="bgAccFollowNode1">
-    <dgm:scene3d>
-      <a:camera prst="orthographicFront"/>
-      <a:lightRig rig="threePt" dir="t"/>
-    </dgm:scene3d>
-    <dgm:sp3d/>
-    <dgm:txPr/>
-    <dgm:style>
-      <a:lnRef idx="2">
-        <a:scrgbClr r="0" g="0" b="0"/>
-      </a:lnRef>
-      <a:fillRef idx="1">
-        <a:scrgbClr r="0" g="0" b="0"/>
-      </a:fillRef>
-      <a:effectRef idx="0">
-        <a:scrgbClr r="0" g="0" b="0"/>
-      </a:effectRef>
-      <a:fontRef idx="minor"/>
-    </dgm:style>
-  </dgm:styleLbl>
-  <dgm:styleLbl name="fgAcc0">
-    <dgm:scene3d>
-      <a:camera prst="orthographicFront"/>
-      <a:lightRig rig="threePt" dir="t"/>
-    </dgm:scene3d>
-    <dgm:sp3d/>
-    <dgm:txPr/>
-    <dgm:style>
-      <a:lnRef idx="2">
-        <a:scrgbClr r="0" g="0" b="0"/>
-      </a:lnRef>
-      <a:fillRef idx="1">
-        <a:scrgbClr r="0" g="0" b="0"/>
-      </a:fillRef>
-      <a:effectRef idx="0">
-        <a:scrgbClr r="0" g="0" b="0"/>
-      </a:effectRef>
-      <a:fontRef idx="minor"/>
-    </dgm:style>
-  </dgm:styleLbl>
-  <dgm:styleLbl name="fgAcc2">
-    <dgm:scene3d>
-      <a:camera prst="orthographicFront"/>
-      <a:lightRig rig="threePt" dir="t"/>
-    </dgm:scene3d>
-    <dgm:sp3d/>
-    <dgm:txPr/>
-    <dgm:style>
-      <a:lnRef idx="2">
-        <a:scrgbClr r="0" g="0" b="0"/>
-      </a:lnRef>
-      <a:fillRef idx="1">
-        <a:scrgbClr r="0" g="0" b="0"/>
-      </a:fillRef>
-      <a:effectRef idx="0">
-        <a:scrgbClr r="0" g="0" b="0"/>
-      </a:effectRef>
-      <a:fontRef idx="minor"/>
-    </dgm:style>
-  </dgm:styleLbl>
-  <dgm:styleLbl name="fgAcc3">
-    <dgm:scene3d>
-      <a:camera prst="orthographicFront"/>
-      <a:lightRig rig="threePt" dir="t"/>
-    </dgm:scene3d>
-    <dgm:sp3d/>
-    <dgm:txPr/>
-    <dgm:style>
-      <a:lnRef idx="2">
-        <a:scrgbClr r="0" g="0" b="0"/>
-      </a:lnRef>
-      <a:fillRef idx="1">
-        <a:scrgbClr r="0" g="0" b="0"/>
-      </a:fillRef>
-      <a:effectRef idx="0">
-        <a:scrgbClr r="0" g="0" b="0"/>
-      </a:effectRef>
-      <a:fontRef idx="minor"/>
-    </dgm:style>
-  </dgm:styleLbl>
-  <dgm:styleLbl name="fgAcc4">
-    <dgm:scene3d>
-      <a:camera prst="orthographicFront"/>
-      <a:lightRig rig="threePt" dir="t"/>
-    </dgm:scene3d>
-    <dgm:sp3d/>
-    <dgm:txPr/>
-    <dgm:style>
-      <a:lnRef idx="2">
-        <a:scrgbClr r="0" g="0" b="0"/>
-      </a:lnRef>
-      <a:fillRef idx="1">
-        <a:scrgbClr r="0" g="0" b="0"/>
-      </a:fillRef>
-      <a:effectRef idx="0">
-        <a:scrgbClr r="0" g="0" b="0"/>
-      </a:effectRef>
-      <a:fontRef idx="minor"/>
-    </dgm:style>
-  </dgm:styleLbl>
-  <dgm:styleLbl name="bgShp">
-    <dgm:scene3d>
-      <a:camera prst="orthographicFront"/>
-      <a:lightRig rig="threePt" dir="t"/>
-    </dgm:scene3d>
-    <dgm:sp3d/>
-    <dgm:txPr/>
-    <dgm:style>
-      <a:lnRef idx="0">
-        <a:scrgbClr r="0" g="0" b="0"/>
-      </a:lnRef>
-      <a:fillRef idx="1">
-        <a:scrgbClr r="0" g="0" b="0"/>
-      </a:fillRef>
-      <a:effectRef idx="0">
-        <a:scrgbClr r="0" g="0" b="0"/>
-      </a:effectRef>
-      <a:fontRef idx="minor"/>
-    </dgm:style>
-  </dgm:styleLbl>
-  <dgm:styleLbl name="dkBgShp">
-    <dgm:scene3d>
-      <a:camera prst="orthographicFront"/>
-      <a:lightRig rig="threePt" dir="t"/>
-    </dgm:scene3d>
-    <dgm:sp3d/>
-    <dgm:txPr/>
-    <dgm:style>
-      <a:lnRef idx="0">
-        <a:scrgbClr r="0" g="0" b="0"/>
-      </a:lnRef>
-      <a:fillRef idx="1">
-        <a:scrgbClr r="0" g="0" b="0"/>
-      </a:fillRef>
-      <a:effectRef idx="0">
-        <a:scrgbClr r="0" g="0" b="0"/>
-      </a:effectRef>
-      <a:fontRef idx="minor"/>
-    </dgm:style>
-  </dgm:styleLbl>
-  <dgm:styleLbl name="trBgShp">
-    <dgm:scene3d>
-      <a:camera prst="orthographicFront"/>
-      <a:lightRig rig="threePt" dir="t"/>
-    </dgm:scene3d>
-    <dgm:sp3d/>
-    <dgm:txPr/>
-    <dgm:style>
-      <a:lnRef idx="0">
-        <a:scrgbClr r="0" g="0" b="0"/>
-      </a:lnRef>
-      <a:fillRef idx="1">
-        <a:scrgbClr r="0" g="0" b="0"/>
-      </a:fillRef>
-      <a:effectRef idx="0">
-        <a:scrgbClr r="0" g="0" b="0"/>
-      </a:effectRef>
-      <a:fontRef idx="minor"/>
-    </dgm:style>
-  </dgm:styleLbl>
-  <dgm:styleLbl name="fgShp">
-    <dgm:scene3d>
-      <a:camera prst="orthographicFront"/>
-      <a:lightRig rig="threePt" dir="t"/>
-    </dgm:scene3d>
-    <dgm:sp3d/>
-    <dgm:txPr/>
-    <dgm:style>
-      <a:lnRef idx="2">
-        <a:scrgbClr r="0" g="0" b="0"/>
-      </a:lnRef>
-      <a:fillRef idx="1">
-        <a:scrgbClr r="0" g="0" b="0"/>
-      </a:fillRef>
-      <a:effectRef idx="0">
-        <a:scrgbClr r="0" g="0" b="0"/>
-      </a:effectRef>
-      <a:fontRef idx="minor"/>
-    </dgm:style>
-  </dgm:styleLbl>
-  <dgm:styleLbl name="revTx">
-    <dgm:scene3d>
-      <a:camera prst="orthographicFront"/>
-      <a:lightRig rig="threePt" dir="t"/>
-    </dgm:scene3d>
-    <dgm:sp3d/>
-    <dgm:txPr/>
-    <dgm:style>
-      <a:lnRef idx="0">
-        <a:scrgbClr r="0" g="0" b="0"/>
-      </a:lnRef>
-      <a:fillRef idx="0">
-        <a:scrgbClr r="0" g="0" b="0"/>
-      </a:fillRef>
-      <a:effectRef idx="0">
-        <a:scrgbClr r="0" g="0" b="0"/>
-      </a:effectRef>
-      <a:fontRef idx="minor"/>
-    </dgm:style>
-  </dgm:styleLbl>
-</dgm:styleDef>
-</file>
-
-<file path=ppt/diagrams/quickStyle4.xml><?xml version="1.0" encoding="utf-8"?>
 <dgm:styleDef xmlns:dgm="http://schemas.openxmlformats.org/drawingml/2006/diagram" xmlns:a="http://schemas.openxmlformats.org/drawingml/2006/main" uniqueId="urn:microsoft.com/office/officeart/2005/8/quickstyle/simple1">
   <dgm:title val=""/>
   <dgm:desc val=""/>
@@ -12192,7 +9180,7 @@
           <a:p>
             <a:fld id="{384266DF-7150-4860-AC0A-B99D436C8C22}" type="datetimeFigureOut">
               <a:rPr lang="ru-RU" smtClean="0"/>
-              <a:t>22.01.2019</a:t>
+              <a:t>03.02.2019</a:t>
             </a:fld>
             <a:endParaRPr lang="ru-RU"/>
           </a:p>
@@ -12358,7 +9346,7 @@
           <a:p>
             <a:fld id="{A8AA0BDA-687D-42F8-92A5-D4A5D5177E2B}" type="datetimeFigureOut">
               <a:rPr lang="ru-RU" smtClean="0"/>
-              <a:t>22.01.2019</a:t>
+              <a:t>03.02.2019</a:t>
             </a:fld>
             <a:endParaRPr lang="ru-RU"/>
           </a:p>
@@ -12780,7 +9768,7 @@
           <a:p>
             <a:fld id="{8519FF73-C841-4304-9A07-8DD1AE4B7BE5}" type="slidenum">
               <a:rPr lang="ru-RU" smtClean="0"/>
-              <a:t>10</a:t>
+              <a:t>11</a:t>
             </a:fld>
             <a:endParaRPr lang="ru-RU"/>
           </a:p>
@@ -12869,7 +9857,7 @@
           <a:p>
             <a:fld id="{8519FF73-C841-4304-9A07-8DD1AE4B7BE5}" type="slidenum">
               <a:rPr lang="ru-RU" smtClean="0"/>
-              <a:t>11</a:t>
+              <a:t>12</a:t>
             </a:fld>
             <a:endParaRPr lang="ru-RU"/>
           </a:p>
@@ -12958,7 +9946,7 @@
           <a:p>
             <a:fld id="{8519FF73-C841-4304-9A07-8DD1AE4B7BE5}" type="slidenum">
               <a:rPr lang="ru-RU" smtClean="0"/>
-              <a:t>12</a:t>
+              <a:t>13</a:t>
             </a:fld>
             <a:endParaRPr lang="ru-RU"/>
           </a:p>
@@ -13165,7 +10153,7 @@
           <a:p>
             <a:fld id="{8519FF73-C841-4304-9A07-8DD1AE4B7BE5}" type="slidenum">
               <a:rPr lang="ru-RU" smtClean="0"/>
-              <a:t>13</a:t>
+              <a:t>14</a:t>
             </a:fld>
             <a:endParaRPr lang="ru-RU"/>
           </a:p>
@@ -13372,7 +10360,7 @@
           <a:p>
             <a:fld id="{8519FF73-C841-4304-9A07-8DD1AE4B7BE5}" type="slidenum">
               <a:rPr lang="ru-RU" smtClean="0"/>
-              <a:t>14</a:t>
+              <a:t>15</a:t>
             </a:fld>
             <a:endParaRPr lang="ru-RU"/>
           </a:p>
@@ -13579,7 +10567,7 @@
           <a:p>
             <a:fld id="{8519FF73-C841-4304-9A07-8DD1AE4B7BE5}" type="slidenum">
               <a:rPr lang="ru-RU" smtClean="0"/>
-              <a:t>15</a:t>
+              <a:t>16</a:t>
             </a:fld>
             <a:endParaRPr lang="ru-RU"/>
           </a:p>
@@ -13786,7 +10774,7 @@
           <a:p>
             <a:fld id="{8519FF73-C841-4304-9A07-8DD1AE4B7BE5}" type="slidenum">
               <a:rPr lang="ru-RU" smtClean="0"/>
-              <a:t>16</a:t>
+              <a:t>17</a:t>
             </a:fld>
             <a:endParaRPr lang="ru-RU"/>
           </a:p>
@@ -14123,6 +11111,21 @@
           <a:lstStyle/>
           <a:p>
             <a:r>
+              <a:rPr lang="ru-RU" sz="1200" b="1" i="0" kern="1200" dirty="0">
+                <a:solidFill>
+                  <a:schemeClr val="tx1"/>
+                </a:solidFill>
+                <a:effectLst/>
+                <a:latin typeface="+mn-lt"/>
+                <a:ea typeface="+mn-ea"/>
+                <a:cs typeface="+mn-cs"/>
+              </a:rPr>
+              <a:t>Первый принцип CI/CD: сегрегация ответственности заинтересованных сторон</a:t>
+            </a:r>
+            <a:br>
+              <a:rPr lang="ru-RU" dirty="0"/>
+            </a:br>
+            <a:r>
               <a:rPr lang="ru-RU" sz="1200" b="0" i="0" kern="1200" dirty="0">
                 <a:solidFill>
                   <a:schemeClr val="tx1"/>
@@ -14132,114 +11135,19 @@
                 <a:ea typeface="+mn-ea"/>
                 <a:cs typeface="+mn-cs"/>
               </a:rPr>
-              <a:t>Организации, проектирующие системы, … производят их, копируя структуры коммуникации, сложившиеся в этих организациях,</a:t>
-            </a:r>
-            <a:br>
-              <a:rPr lang="ru-RU" dirty="0"/>
-            </a:br>
-            <a:r>
-              <a:rPr lang="ru-RU" sz="1200" b="0" i="1" kern="1200" dirty="0">
-                <a:solidFill>
-                  <a:schemeClr val="tx1"/>
-                </a:solidFill>
-                <a:effectLst/>
-                <a:latin typeface="+mn-lt"/>
-                <a:ea typeface="+mn-ea"/>
-                <a:cs typeface="+mn-cs"/>
-              </a:rPr>
-              <a:t>—</a:t>
-            </a:r>
-          </a:p>
-          <a:p>
-            <a:r>
-              <a:rPr lang="ru-RU" sz="1200" b="0" i="1" kern="1200" dirty="0">
-                <a:solidFill>
-                  <a:schemeClr val="tx1"/>
-                </a:solidFill>
-                <a:effectLst/>
-                <a:latin typeface="+mn-lt"/>
-                <a:ea typeface="+mn-ea"/>
-                <a:cs typeface="+mn-cs"/>
-              </a:rPr>
-              <a:t> </a:t>
-            </a:r>
-            <a:r>
-              <a:rPr lang="ru-RU" sz="1200" b="0" i="1" kern="1200" dirty="0" err="1">
-                <a:solidFill>
-                  <a:schemeClr val="tx1"/>
-                </a:solidFill>
-                <a:effectLst/>
-                <a:latin typeface="+mn-lt"/>
-                <a:ea typeface="+mn-ea"/>
-                <a:cs typeface="+mn-cs"/>
-              </a:rPr>
-              <a:t>Конвей</a:t>
-            </a:r>
-            <a:r>
-              <a:rPr lang="ru-RU" sz="1200" b="0" i="1" kern="1200" dirty="0">
-                <a:solidFill>
-                  <a:schemeClr val="tx1"/>
-                </a:solidFill>
-                <a:effectLst/>
-                <a:latin typeface="+mn-lt"/>
-                <a:ea typeface="+mn-ea"/>
-                <a:cs typeface="+mn-cs"/>
-              </a:rPr>
-              <a:t>, 1968</a:t>
-            </a:r>
-          </a:p>
-          <a:p>
-            <a:r>
-              <a:rPr lang="ru-RU" sz="1200" b="0" i="0" kern="1200" dirty="0">
-                <a:solidFill>
-                  <a:schemeClr val="tx1"/>
-                </a:solidFill>
-                <a:effectLst/>
-                <a:latin typeface="+mn-lt"/>
-                <a:ea typeface="+mn-ea"/>
-                <a:cs typeface="+mn-cs"/>
-              </a:rPr>
-              <a:t>Сложная рабочая система неизменно получается из простой рабочей системы. Сложная система, разработанная с нуля, никогда не работает. И никакие улучшения не заставят ее работать. Начинать следует с простой рабочей системы,</a:t>
-            </a:r>
-            <a:br>
-              <a:rPr lang="ru-RU" dirty="0"/>
-            </a:br>
-            <a:r>
-              <a:rPr lang="ru-RU" sz="1200" b="0" i="1" kern="1200" dirty="0">
-                <a:solidFill>
-                  <a:schemeClr val="tx1"/>
-                </a:solidFill>
-                <a:effectLst/>
-                <a:latin typeface="+mn-lt"/>
-                <a:ea typeface="+mn-ea"/>
-                <a:cs typeface="+mn-cs"/>
-              </a:rPr>
-              <a:t>— закон </a:t>
-            </a:r>
-            <a:r>
-              <a:rPr lang="ru-RU" sz="1200" b="0" i="1" kern="1200" dirty="0" err="1">
-                <a:solidFill>
-                  <a:schemeClr val="tx1"/>
-                </a:solidFill>
-                <a:effectLst/>
-                <a:latin typeface="+mn-lt"/>
-                <a:ea typeface="+mn-ea"/>
-                <a:cs typeface="+mn-cs"/>
-              </a:rPr>
-              <a:t>Голла</a:t>
-            </a:r>
-            <a:r>
-              <a:rPr lang="ru-RU" sz="1200" b="0" i="1" kern="1200" dirty="0">
-                <a:solidFill>
-                  <a:schemeClr val="tx1"/>
-                </a:solidFill>
-                <a:effectLst/>
-                <a:latin typeface="+mn-lt"/>
-                <a:ea typeface="+mn-ea"/>
-                <a:cs typeface="+mn-cs"/>
-              </a:rPr>
-              <a:t>, 1986</a:t>
-            </a:r>
+              <a:t>Одним из основных преимуществ CI/CD является своевременное участие различных заинтересованных сторон в любом проекте.</a:t>
+            </a:r>
+            <a:endParaRPr lang="en-US" sz="1200" b="0" i="0" kern="1200" dirty="0">
+              <a:solidFill>
+                <a:schemeClr val="tx1"/>
+              </a:solidFill>
+              <a:effectLst/>
+              <a:latin typeface="+mn-lt"/>
+              <a:ea typeface="+mn-ea"/>
+              <a:cs typeface="+mn-cs"/>
+            </a:endParaRPr>
+          </a:p>
+          <a:p>
             <a:endParaRPr lang="ru-RU" dirty="0"/>
           </a:p>
         </p:txBody>
@@ -14536,124 +11444,6 @@
           <a:bodyPr/>
           <a:lstStyle/>
           <a:p>
-            <a:r>
-              <a:rPr lang="ru-RU" sz="1200" b="0" i="0" kern="1200" dirty="0">
-                <a:solidFill>
-                  <a:schemeClr val="tx1"/>
-                </a:solidFill>
-                <a:effectLst/>
-                <a:latin typeface="+mn-lt"/>
-                <a:ea typeface="+mn-ea"/>
-                <a:cs typeface="+mn-cs"/>
-              </a:rPr>
-              <a:t>Организации, проектирующие системы, … производят их, копируя структуры коммуникации, сложившиеся в этих организациях,</a:t>
-            </a:r>
-            <a:br>
-              <a:rPr lang="ru-RU" dirty="0"/>
-            </a:br>
-            <a:r>
-              <a:rPr lang="ru-RU" sz="1200" b="0" i="1" kern="1200" dirty="0">
-                <a:solidFill>
-                  <a:schemeClr val="tx1"/>
-                </a:solidFill>
-                <a:effectLst/>
-                <a:latin typeface="+mn-lt"/>
-                <a:ea typeface="+mn-ea"/>
-                <a:cs typeface="+mn-cs"/>
-              </a:rPr>
-              <a:t>—</a:t>
-            </a:r>
-          </a:p>
-          <a:p>
-            <a:r>
-              <a:rPr lang="ru-RU" sz="1200" b="0" i="1" kern="1200" dirty="0">
-                <a:solidFill>
-                  <a:schemeClr val="tx1"/>
-                </a:solidFill>
-                <a:effectLst/>
-                <a:latin typeface="+mn-lt"/>
-                <a:ea typeface="+mn-ea"/>
-                <a:cs typeface="+mn-cs"/>
-              </a:rPr>
-              <a:t> </a:t>
-            </a:r>
-            <a:r>
-              <a:rPr lang="ru-RU" sz="1200" b="0" i="1" kern="1200" dirty="0" err="1">
-                <a:solidFill>
-                  <a:schemeClr val="tx1"/>
-                </a:solidFill>
-                <a:effectLst/>
-                <a:latin typeface="+mn-lt"/>
-                <a:ea typeface="+mn-ea"/>
-                <a:cs typeface="+mn-cs"/>
-              </a:rPr>
-              <a:t>Конвей</a:t>
-            </a:r>
-            <a:r>
-              <a:rPr lang="ru-RU" sz="1200" b="0" i="1" kern="1200" dirty="0">
-                <a:solidFill>
-                  <a:schemeClr val="tx1"/>
-                </a:solidFill>
-                <a:effectLst/>
-                <a:latin typeface="+mn-lt"/>
-                <a:ea typeface="+mn-ea"/>
-                <a:cs typeface="+mn-cs"/>
-              </a:rPr>
-              <a:t>, 1968</a:t>
-            </a:r>
-          </a:p>
-          <a:p>
-            <a:r>
-              <a:rPr lang="ru-RU" sz="1200" b="0" i="0" kern="1200" dirty="0">
-                <a:solidFill>
-                  <a:schemeClr val="tx1"/>
-                </a:solidFill>
-                <a:effectLst/>
-                <a:latin typeface="+mn-lt"/>
-                <a:ea typeface="+mn-ea"/>
-                <a:cs typeface="+mn-cs"/>
-              </a:rPr>
-              <a:t>Сложная рабочая система неизменно получается из простой рабочей системы. Сложная система, разработанная с нуля, никогда не работает. И никакие улучшения не заставят ее работать. Начинать следует с простой рабочей системы,</a:t>
-            </a:r>
-            <a:br>
-              <a:rPr lang="ru-RU" dirty="0"/>
-            </a:br>
-            <a:r>
-              <a:rPr lang="ru-RU" sz="1200" b="0" i="1" kern="1200" dirty="0">
-                <a:solidFill>
-                  <a:schemeClr val="tx1"/>
-                </a:solidFill>
-                <a:effectLst/>
-                <a:latin typeface="+mn-lt"/>
-                <a:ea typeface="+mn-ea"/>
-                <a:cs typeface="+mn-cs"/>
-              </a:rPr>
-              <a:t>— закон </a:t>
-            </a:r>
-            <a:r>
-              <a:rPr lang="ru-RU" sz="1200" b="0" i="1" kern="1200" dirty="0" err="1">
-                <a:solidFill>
-                  <a:schemeClr val="tx1"/>
-                </a:solidFill>
-                <a:effectLst/>
-                <a:latin typeface="+mn-lt"/>
-                <a:ea typeface="+mn-ea"/>
-                <a:cs typeface="+mn-cs"/>
-              </a:rPr>
-              <a:t>Голла</a:t>
-            </a:r>
-            <a:r>
-              <a:rPr lang="ru-RU" sz="1200" b="0" i="1" kern="1200" dirty="0">
-                <a:solidFill>
-                  <a:schemeClr val="tx1"/>
-                </a:solidFill>
-                <a:effectLst/>
-                <a:latin typeface="+mn-lt"/>
-                <a:ea typeface="+mn-ea"/>
-                <a:cs typeface="+mn-cs"/>
-              </a:rPr>
-              <a:t>, 1986</a:t>
-            </a:r>
             <a:endParaRPr lang="ru-RU" dirty="0"/>
           </a:p>
         </p:txBody>
@@ -14743,124 +11533,69 @@
           <a:bodyPr/>
           <a:lstStyle/>
           <a:p>
-            <a:r>
-              <a:rPr lang="ru-RU" sz="1200" b="0" i="0" kern="1200" dirty="0">
-                <a:solidFill>
-                  <a:schemeClr val="tx1"/>
-                </a:solidFill>
-                <a:effectLst/>
-                <a:latin typeface="+mn-lt"/>
-                <a:ea typeface="+mn-ea"/>
-                <a:cs typeface="+mn-cs"/>
-              </a:rPr>
-              <a:t>Организации, проектирующие системы, … производят их, копируя структуры коммуникации, сложившиеся в этих организациях,</a:t>
-            </a:r>
-            <a:br>
-              <a:rPr lang="ru-RU" dirty="0"/>
-            </a:br>
-            <a:r>
-              <a:rPr lang="ru-RU" sz="1200" b="0" i="1" kern="1200" dirty="0">
-                <a:solidFill>
-                  <a:schemeClr val="tx1"/>
-                </a:solidFill>
-                <a:effectLst/>
-                <a:latin typeface="+mn-lt"/>
-                <a:ea typeface="+mn-ea"/>
-                <a:cs typeface="+mn-cs"/>
-              </a:rPr>
-              <a:t>—</a:t>
-            </a:r>
-          </a:p>
-          <a:p>
-            <a:r>
-              <a:rPr lang="ru-RU" sz="1200" b="0" i="1" kern="1200" dirty="0">
-                <a:solidFill>
-                  <a:schemeClr val="tx1"/>
-                </a:solidFill>
-                <a:effectLst/>
-                <a:latin typeface="+mn-lt"/>
-                <a:ea typeface="+mn-ea"/>
-                <a:cs typeface="+mn-cs"/>
-              </a:rPr>
-              <a:t> </a:t>
-            </a:r>
-            <a:r>
-              <a:rPr lang="ru-RU" sz="1200" b="0" i="1" kern="1200" dirty="0" err="1">
-                <a:solidFill>
-                  <a:schemeClr val="tx1"/>
-                </a:solidFill>
-                <a:effectLst/>
-                <a:latin typeface="+mn-lt"/>
-                <a:ea typeface="+mn-ea"/>
-                <a:cs typeface="+mn-cs"/>
-              </a:rPr>
-              <a:t>Конвей</a:t>
-            </a:r>
-            <a:r>
-              <a:rPr lang="ru-RU" sz="1200" b="0" i="1" kern="1200" dirty="0">
-                <a:solidFill>
-                  <a:schemeClr val="tx1"/>
-                </a:solidFill>
-                <a:effectLst/>
-                <a:latin typeface="+mn-lt"/>
-                <a:ea typeface="+mn-ea"/>
-                <a:cs typeface="+mn-cs"/>
-              </a:rPr>
-              <a:t>, 1968</a:t>
-            </a:r>
-          </a:p>
-          <a:p>
-            <a:r>
-              <a:rPr lang="ru-RU" sz="1200" b="0" i="0" kern="1200" dirty="0">
-                <a:solidFill>
-                  <a:schemeClr val="tx1"/>
-                </a:solidFill>
-                <a:effectLst/>
-                <a:latin typeface="+mn-lt"/>
-                <a:ea typeface="+mn-ea"/>
-                <a:cs typeface="+mn-cs"/>
-              </a:rPr>
-              <a:t>Сложная рабочая система неизменно получается из простой рабочей системы. Сложная система, разработанная с нуля, никогда не работает. И никакие улучшения не заставят ее работать. Начинать следует с простой рабочей системы,</a:t>
-            </a:r>
-            <a:br>
-              <a:rPr lang="ru-RU" dirty="0"/>
-            </a:br>
-            <a:r>
-              <a:rPr lang="ru-RU" sz="1200" b="0" i="1" kern="1200" dirty="0">
-                <a:solidFill>
-                  <a:schemeClr val="tx1"/>
-                </a:solidFill>
-                <a:effectLst/>
-                <a:latin typeface="+mn-lt"/>
-                <a:ea typeface="+mn-ea"/>
-                <a:cs typeface="+mn-cs"/>
-              </a:rPr>
-              <a:t>— закон </a:t>
-            </a:r>
-            <a:r>
-              <a:rPr lang="ru-RU" sz="1200" b="0" i="1" kern="1200" dirty="0" err="1">
-                <a:solidFill>
-                  <a:schemeClr val="tx1"/>
-                </a:solidFill>
-                <a:effectLst/>
-                <a:latin typeface="+mn-lt"/>
-                <a:ea typeface="+mn-ea"/>
-                <a:cs typeface="+mn-cs"/>
-              </a:rPr>
-              <a:t>Голла</a:t>
-            </a:r>
-            <a:r>
-              <a:rPr lang="ru-RU" sz="1200" b="0" i="1" kern="1200" dirty="0">
-                <a:solidFill>
-                  <a:schemeClr val="tx1"/>
-                </a:solidFill>
-                <a:effectLst/>
-                <a:latin typeface="+mn-lt"/>
-                <a:ea typeface="+mn-ea"/>
-                <a:cs typeface="+mn-cs"/>
-              </a:rPr>
-              <a:t>, 1986</a:t>
-            </a:r>
+            <a:pPr marL="228600" indent="-228600">
+              <a:buAutoNum type="arabicPeriod"/>
+            </a:pPr>
+            <a:r>
+              <a:rPr lang="en-US" dirty="0"/>
+              <a:t>Linter, Unit tests.</a:t>
+            </a:r>
+          </a:p>
+          <a:p>
+            <a:pPr marL="228600" indent="-228600">
+              <a:buAutoNum type="arabicPeriod"/>
+            </a:pPr>
+            <a:r>
+              <a:rPr lang="en-US" dirty="0"/>
+              <a:t>Component tests, Integration tests. Feature and any other automated tests</a:t>
+            </a:r>
+          </a:p>
+          <a:p>
+            <a:pPr marL="228600" indent="-228600">
+              <a:buAutoNum type="arabicPeriod"/>
+            </a:pPr>
+            <a:r>
+              <a:rPr lang="en-US" dirty="0"/>
+              <a:t>Manual UI testing, Usability test</a:t>
+            </a:r>
+          </a:p>
+          <a:p>
+            <a:pPr marL="228600" indent="-228600">
+              <a:buAutoNum type="arabicPeriod"/>
+            </a:pPr>
+            <a:r>
+              <a:rPr lang="en-US" dirty="0"/>
+              <a:t>Performance tests post-deployment tests </a:t>
+            </a:r>
+          </a:p>
+          <a:p>
+            <a:pPr marL="228600" marR="0" lvl="0" indent="-228600" algn="l" defTabSz="914400" rtl="0" eaLnBrk="1" fontAlgn="auto" latinLnBrk="0" hangingPunct="1">
+              <a:lnSpc>
+                <a:spcPct val="100000"/>
+              </a:lnSpc>
+              <a:spcBef>
+                <a:spcPts val="0"/>
+              </a:spcBef>
+              <a:spcAft>
+                <a:spcPts val="0"/>
+              </a:spcAft>
+              <a:buClrTx/>
+              <a:buSzTx/>
+              <a:buFontTx/>
+              <a:buAutoNum type="arabicPeriod"/>
+              <a:tabLst/>
+              <a:defRPr/>
+            </a:pPr>
+            <a:r>
+              <a:rPr lang="en-US" dirty="0"/>
+              <a:t>The same as in 5. + Live tests + A-B testing, Showcases</a:t>
+            </a:r>
+            <a:endParaRPr lang="ru-RU" dirty="0"/>
+          </a:p>
+          <a:p>
+            <a:endParaRPr lang="en-US" dirty="0"/>
+          </a:p>
+          <a:p>
             <a:endParaRPr lang="ru-RU" dirty="0"/>
           </a:p>
         </p:txBody>
@@ -15089,7 +11824,7 @@
           <a:p>
             <a:fld id="{8519FF73-C841-4304-9A07-8DD1AE4B7BE5}" type="slidenum">
               <a:rPr lang="ru-RU" smtClean="0"/>
-              <a:t>8</a:t>
+              <a:t>9</a:t>
             </a:fld>
             <a:endParaRPr lang="ru-RU"/>
           </a:p>
@@ -15296,7 +12031,7 @@
           <a:p>
             <a:fld id="{8519FF73-C841-4304-9A07-8DD1AE4B7BE5}" type="slidenum">
               <a:rPr lang="ru-RU" smtClean="0"/>
-              <a:t>9</a:t>
+              <a:t>10</a:t>
             </a:fld>
             <a:endParaRPr lang="ru-RU"/>
           </a:p>
@@ -19012,8 +15747,8 @@
         </p:nvSpPr>
         <p:spPr>
           <a:xfrm>
-            <a:off x="627483" y="2263775"/>
-            <a:ext cx="4861299" cy="1938992"/>
+            <a:off x="627483" y="988915"/>
+            <a:ext cx="4861299" cy="707886"/>
           </a:xfrm>
           <a:prstGeom prst="rect">
             <a:avLst/>
@@ -19027,58 +15762,10 @@
           <a:p>
             <a:r>
               <a:rPr lang="en-US" sz="2000" dirty="0"/>
-              <a:t>Building Tools aka CI systems:</a:t>
-            </a:r>
-          </a:p>
-          <a:p>
-            <a:pPr marL="342900" indent="-342900">
-              <a:buFont typeface="Arial" panose="020B0604020202020204" pitchFamily="34" charset="0"/>
-              <a:buChar char="•"/>
-            </a:pPr>
-            <a:r>
-              <a:rPr lang="en-US" sz="2000" dirty="0"/>
-              <a:t>Travis-CI</a:t>
-            </a:r>
-          </a:p>
-          <a:p>
-            <a:pPr marL="342900" indent="-342900">
-              <a:buFont typeface="Arial" panose="020B0604020202020204" pitchFamily="34" charset="0"/>
-              <a:buChar char="•"/>
-            </a:pPr>
-            <a:r>
-              <a:rPr lang="en-US" sz="2000" dirty="0"/>
-              <a:t>Bamboo/GitLab-CI</a:t>
-            </a:r>
-          </a:p>
-          <a:p>
-            <a:pPr marL="342900" indent="-342900">
-              <a:buFont typeface="Arial" panose="020B0604020202020204" pitchFamily="34" charset="0"/>
-              <a:buChar char="•"/>
-            </a:pPr>
-            <a:r>
-              <a:rPr lang="en-US" sz="2000" dirty="0"/>
-              <a:t>TeamCity</a:t>
-            </a:r>
-          </a:p>
-          <a:p>
-            <a:pPr marL="342900" indent="-342900">
-              <a:buFont typeface="Arial" panose="020B0604020202020204" pitchFamily="34" charset="0"/>
-              <a:buChar char="•"/>
-            </a:pPr>
-            <a:r>
-              <a:rPr lang="en-US" sz="2000" dirty="0"/>
-              <a:t>Jenkins</a:t>
-            </a:r>
-          </a:p>
-          <a:p>
-            <a:pPr marL="342900" indent="-342900">
-              <a:buFont typeface="Arial" panose="020B0604020202020204" pitchFamily="34" charset="0"/>
-              <a:buChar char="•"/>
-            </a:pPr>
-            <a:r>
-              <a:rPr lang="en-US" sz="2000" dirty="0"/>
-              <a:t>Microsoft VSTF</a:t>
-            </a:r>
+              <a:t>Git:</a:t>
+            </a:r>
+          </a:p>
+          <a:p>
             <a:endParaRPr lang="ru-RU" sz="2000" dirty="0"/>
           </a:p>
         </p:txBody>
@@ -19097,133 +15784,7 @@
         </p:nvSpPr>
         <p:spPr>
           <a:xfrm>
-            <a:off x="7176120" y="4149080"/>
-            <a:ext cx="4861299" cy="1938992"/>
-          </a:xfrm>
-          <a:prstGeom prst="rect">
-            <a:avLst/>
-          </a:prstGeom>
-        </p:spPr>
-        <p:txBody>
-          <a:bodyPr wrap="square">
-            <a:spAutoFit/>
-          </a:bodyPr>
-          <a:lstStyle/>
-          <a:p>
-            <a:r>
-              <a:rPr lang="ru-RU" sz="2000" dirty="0"/>
-              <a:t>Всё очень гибко и разнообразно</a:t>
-            </a:r>
-            <a:br>
-              <a:rPr lang="en-US" sz="2000" dirty="0"/>
-            </a:br>
-            <a:r>
-              <a:rPr lang="ru-RU" sz="2000" dirty="0">
-                <a:solidFill>
-                  <a:srgbClr val="FF0000"/>
-                </a:solidFill>
-              </a:rPr>
-              <a:t>Думаю есть смысл показать в живую наши или специально настроенный </a:t>
-            </a:r>
-            <a:r>
-              <a:rPr lang="en-US" sz="2000" dirty="0">
-                <a:solidFill>
-                  <a:srgbClr val="FF0000"/>
-                </a:solidFill>
-              </a:rPr>
-              <a:t>CI</a:t>
-            </a:r>
-            <a:r>
-              <a:rPr lang="ru-RU" sz="2000" dirty="0">
-                <a:solidFill>
-                  <a:srgbClr val="FF0000"/>
-                </a:solidFill>
-              </a:rPr>
-              <a:t>. Нет смысла уводить глубоко – только показать процесс сборки с красивой визуализацией.</a:t>
-            </a:r>
-          </a:p>
-        </p:txBody>
-      </p:sp>
-      <p:sp>
-        <p:nvSpPr>
-          <p:cNvPr id="7" name="Rectangle 6">
-            <a:extLst>
-              <a:ext uri="{FF2B5EF4-FFF2-40B4-BE49-F238E27FC236}">
-                <a16:creationId xmlns:a16="http://schemas.microsoft.com/office/drawing/2014/main" id="{CB9AD495-61BF-4660-AA48-38891BFE1A2D}"/>
-              </a:ext>
-            </a:extLst>
-          </p:cNvPr>
-          <p:cNvSpPr/>
-          <p:nvPr/>
-        </p:nvSpPr>
-        <p:spPr>
-          <a:xfrm>
-            <a:off x="627483" y="4439949"/>
-            <a:ext cx="4861299" cy="1631216"/>
-          </a:xfrm>
-          <a:prstGeom prst="rect">
-            <a:avLst/>
-          </a:prstGeom>
-        </p:spPr>
-        <p:txBody>
-          <a:bodyPr wrap="square">
-            <a:spAutoFit/>
-          </a:bodyPr>
-          <a:lstStyle/>
-          <a:p>
-            <a:r>
-              <a:rPr lang="en-US" sz="2000" dirty="0"/>
-              <a:t>Trigger – </a:t>
-            </a:r>
-            <a:r>
-              <a:rPr lang="ru-RU" sz="2000" dirty="0"/>
-              <a:t>условие старта сборки;</a:t>
-            </a:r>
-          </a:p>
-          <a:p>
-            <a:r>
-              <a:rPr lang="en-US" sz="2000" dirty="0"/>
-              <a:t>Build – </a:t>
-            </a:r>
-            <a:r>
-              <a:rPr lang="ru-RU" sz="2000" dirty="0"/>
-              <a:t>Процесс сборки приложения;</a:t>
-            </a:r>
-          </a:p>
-          <a:p>
-            <a:r>
-              <a:rPr lang="en-US" sz="2000" dirty="0"/>
-              <a:t>Artifact – </a:t>
-            </a:r>
-            <a:r>
-              <a:rPr lang="ru-RU" sz="2000" dirty="0"/>
-              <a:t>Всё что получается на выходе из сборки приложения;</a:t>
-            </a:r>
-          </a:p>
-          <a:p>
-            <a:r>
-              <a:rPr lang="en-US" sz="2000" dirty="0"/>
-              <a:t> </a:t>
-            </a:r>
-            <a:endParaRPr lang="ru-RU" sz="2000" dirty="0"/>
-          </a:p>
-        </p:txBody>
-      </p:sp>
-      <p:sp>
-        <p:nvSpPr>
-          <p:cNvPr id="9" name="Rectangle 8">
-            <a:extLst>
-              <a:ext uri="{FF2B5EF4-FFF2-40B4-BE49-F238E27FC236}">
-                <a16:creationId xmlns:a16="http://schemas.microsoft.com/office/drawing/2014/main" id="{1B2C385A-0279-4C7E-AF16-DEE9B72B623E}"/>
-              </a:ext>
-            </a:extLst>
-          </p:cNvPr>
-          <p:cNvSpPr/>
-          <p:nvPr/>
-        </p:nvSpPr>
-        <p:spPr>
-          <a:xfrm>
-            <a:off x="607749" y="1272402"/>
+            <a:off x="7464152" y="5649601"/>
             <a:ext cx="4861299" cy="707886"/>
           </a:xfrm>
           <a:prstGeom prst="rect">
@@ -19237,12 +15798,48 @@
           <a:lstStyle/>
           <a:p>
             <a:r>
-              <a:rPr lang="en-US" sz="2000" dirty="0"/>
-              <a:t>Building tool – </a:t>
-            </a:r>
-            <a:r>
               <a:rPr lang="ru-RU" sz="2000" dirty="0"/>
-              <a:t>помогает нам получить из кода готовый продукт.</a:t>
+              <a:t>Пара клиентов, </a:t>
+            </a:r>
+            <a:r>
+              <a:rPr lang="ru-RU" sz="2000" dirty="0">
+                <a:solidFill>
+                  <a:srgbClr val="FF0000"/>
+                </a:solidFill>
+              </a:rPr>
+              <a:t>основные концепции.</a:t>
+            </a:r>
+            <a:r>
+              <a:rPr lang="en-US" sz="2000" dirty="0">
+                <a:solidFill>
+                  <a:srgbClr val="FF0000"/>
+                </a:solidFill>
+              </a:rPr>
+              <a:t> </a:t>
+            </a:r>
+            <a:r>
+              <a:rPr lang="ru-RU" sz="2000" dirty="0">
+                <a:solidFill>
+                  <a:srgbClr val="FF0000"/>
+                </a:solidFill>
+              </a:rPr>
+              <a:t>По-моему, кто-то рассказывал про</a:t>
+            </a:r>
+            <a:r>
+              <a:rPr lang="en-US" sz="2000" dirty="0">
+                <a:solidFill>
+                  <a:srgbClr val="FF0000"/>
+                </a:solidFill>
+              </a:rPr>
+              <a:t> Git</a:t>
+            </a:r>
+            <a:r>
+              <a:rPr lang="ru-RU" sz="2000" dirty="0">
+                <a:solidFill>
+                  <a:srgbClr val="FF0000"/>
+                </a:solidFill>
+              </a:rPr>
+              <a:t>???</a:t>
             </a:r>
           </a:p>
         </p:txBody>
@@ -19250,7 +15847,7 @@
     </p:spTree>
     <p:extLst>
       <p:ext uri="{BB962C8B-B14F-4D97-AF65-F5344CB8AC3E}">
-        <p14:creationId xmlns:p14="http://schemas.microsoft.com/office/powerpoint/2010/main" val="2038797243"/>
+        <p14:creationId xmlns:p14="http://schemas.microsoft.com/office/powerpoint/2010/main" val="1691714270"/>
       </p:ext>
     </p:extLst>
   </p:cSld>
@@ -19448,6 +16045,48 @@
       </p:sp>
       <p:sp>
         <p:nvSpPr>
+          <p:cNvPr id="4" name="Rectangle 3">
+            <a:extLst>
+              <a:ext uri="{FF2B5EF4-FFF2-40B4-BE49-F238E27FC236}">
+                <a16:creationId xmlns:a16="http://schemas.microsoft.com/office/drawing/2014/main" id="{2F52B730-23BD-4568-89A8-0A1474852FED}"/>
+              </a:ext>
+            </a:extLst>
+          </p:cNvPr>
+          <p:cNvSpPr/>
+          <p:nvPr/>
+        </p:nvSpPr>
+        <p:spPr>
+          <a:xfrm>
+            <a:off x="627483" y="1377960"/>
+            <a:ext cx="11161240" cy="646331"/>
+          </a:xfrm>
+          <a:prstGeom prst="rect">
+            <a:avLst/>
+          </a:prstGeom>
+        </p:spPr>
+        <p:txBody>
+          <a:bodyPr wrap="square">
+            <a:spAutoFit/>
+          </a:bodyPr>
+          <a:lstStyle/>
+          <a:p>
+            <a:pPr marL="285750" indent="-285750" algn="ctr">
+              <a:buFont typeface="Arial" panose="020B0604020202020204" pitchFamily="34" charset="0"/>
+              <a:buChar char="•"/>
+            </a:pPr>
+            <a:endParaRPr lang="ru-RU" dirty="0"/>
+          </a:p>
+          <a:p>
+            <a:pPr marL="285750" indent="-285750" algn="ctr">
+              <a:buFont typeface="Arial" panose="020B0604020202020204" pitchFamily="34" charset="0"/>
+              <a:buChar char="•"/>
+            </a:pPr>
+            <a:endParaRPr lang="ru-RU" dirty="0"/>
+          </a:p>
+        </p:txBody>
+      </p:sp>
+      <p:sp>
+        <p:nvSpPr>
           <p:cNvPr id="2" name="Rectangle 1">
             <a:extLst>
               <a:ext uri="{FF2B5EF4-FFF2-40B4-BE49-F238E27FC236}">
@@ -19460,8 +16099,8 @@
         </p:nvSpPr>
         <p:spPr>
           <a:xfrm>
-            <a:off x="627483" y="988915"/>
-            <a:ext cx="5468517" cy="2554545"/>
+            <a:off x="627483" y="2263775"/>
+            <a:ext cx="4861299" cy="1938992"/>
           </a:xfrm>
           <a:prstGeom prst="rect">
             <a:avLst/>
@@ -19475,20 +16114,7 @@
           <a:p>
             <a:r>
               <a:rPr lang="en-US" sz="2000" dirty="0"/>
-              <a:t>Artifact Registry</a:t>
-            </a:r>
-            <a:r>
-              <a:rPr lang="ru-RU" sz="2000" dirty="0"/>
-              <a:t> :</a:t>
-            </a:r>
-          </a:p>
-          <a:p>
-            <a:endParaRPr lang="ru-RU" sz="2000" dirty="0"/>
-          </a:p>
-          <a:p>
-            <a:r>
-              <a:rPr lang="ru-RU" sz="2000" dirty="0"/>
-              <a:t>Артефакты нужны:</a:t>
+              <a:t>Building Tools aka CI systems:</a:t>
             </a:r>
           </a:p>
           <a:p>
@@ -19497,18 +16123,9 @@
               <a:buChar char="•"/>
             </a:pPr>
             <a:r>
-              <a:rPr lang="ru-RU" sz="2000" dirty="0"/>
-              <a:t>Готовый продукт (Внезапно!)</a:t>
-            </a:r>
-            <a:r>
               <a:rPr lang="en-US" sz="2000" dirty="0"/>
-              <a:t> </a:t>
-            </a:r>
-            <a:r>
-              <a:rPr lang="ru-RU" sz="2000" dirty="0"/>
-              <a:t>;</a:t>
-            </a:r>
-            <a:endParaRPr lang="en-US" sz="2000" dirty="0"/>
+              <a:t>Travis-CI</a:t>
+            </a:r>
           </a:p>
           <a:p>
             <a:pPr marL="342900" indent="-342900">
@@ -19516,8 +16133,8 @@
               <a:buChar char="•"/>
             </a:pPr>
             <a:r>
-              <a:rPr lang="ru-RU" sz="2000" dirty="0"/>
-              <a:t>Откатить изменения (Всё пошло не так!);</a:t>
+              <a:rPr lang="en-US" sz="2000" dirty="0"/>
+              <a:t>Bamboo/GitLab-CI</a:t>
             </a:r>
           </a:p>
           <a:p>
@@ -19526,8 +16143,8 @@
               <a:buChar char="•"/>
             </a:pPr>
             <a:r>
-              <a:rPr lang="ru-RU" sz="2000" dirty="0"/>
-              <a:t>История (Кто-то использует старую версию);</a:t>
+              <a:rPr lang="en-US" sz="2000" dirty="0"/>
+              <a:t>TeamCity</a:t>
             </a:r>
           </a:p>
           <a:p>
@@ -19536,11 +16153,19 @@
               <a:buChar char="•"/>
             </a:pPr>
             <a:r>
-              <a:rPr lang="ru-RU" sz="2000" dirty="0"/>
-              <a:t>Различные версии (Со свистелками)</a:t>
-            </a:r>
-          </a:p>
-          <a:p>
+              <a:rPr lang="en-US" sz="2000" dirty="0"/>
+              <a:t>Jenkins</a:t>
+            </a:r>
+          </a:p>
+          <a:p>
+            <a:pPr marL="342900" indent="-342900">
+              <a:buFont typeface="Arial" panose="020B0604020202020204" pitchFamily="34" charset="0"/>
+              <a:buChar char="•"/>
+            </a:pPr>
+            <a:r>
+              <a:rPr lang="en-US" sz="2000" dirty="0"/>
+              <a:t>Microsoft VSTF</a:t>
+            </a:r>
             <a:endParaRPr lang="ru-RU" sz="2000" dirty="0"/>
           </a:p>
         </p:txBody>
@@ -19559,7 +16184,133 @@
         </p:nvSpPr>
         <p:spPr>
           <a:xfrm>
-            <a:off x="8040216" y="5445224"/>
+            <a:off x="7176120" y="4149080"/>
+            <a:ext cx="4861299" cy="1938992"/>
+          </a:xfrm>
+          <a:prstGeom prst="rect">
+            <a:avLst/>
+          </a:prstGeom>
+        </p:spPr>
+        <p:txBody>
+          <a:bodyPr wrap="square">
+            <a:spAutoFit/>
+          </a:bodyPr>
+          <a:lstStyle/>
+          <a:p>
+            <a:r>
+              <a:rPr lang="ru-RU" sz="2000" dirty="0"/>
+              <a:t>Всё очень гибко и разнообразно</a:t>
+            </a:r>
+            <a:br>
+              <a:rPr lang="en-US" sz="2000" dirty="0"/>
+            </a:br>
+            <a:r>
+              <a:rPr lang="ru-RU" sz="2000" dirty="0">
+                <a:solidFill>
+                  <a:srgbClr val="FF0000"/>
+                </a:solidFill>
+              </a:rPr>
+              <a:t>Думаю есть смысл показать в живую наши или специально настроенный </a:t>
+            </a:r>
+            <a:r>
+              <a:rPr lang="en-US" sz="2000" dirty="0">
+                <a:solidFill>
+                  <a:srgbClr val="FF0000"/>
+                </a:solidFill>
+              </a:rPr>
+              <a:t>CI</a:t>
+            </a:r>
+            <a:r>
+              <a:rPr lang="ru-RU" sz="2000" dirty="0">
+                <a:solidFill>
+                  <a:srgbClr val="FF0000"/>
+                </a:solidFill>
+              </a:rPr>
+              <a:t>. Нет смысла уводить глубоко – только показать процесс сборки с красивой визуализацией.</a:t>
+            </a:r>
+          </a:p>
+        </p:txBody>
+      </p:sp>
+      <p:sp>
+        <p:nvSpPr>
+          <p:cNvPr id="7" name="Rectangle 6">
+            <a:extLst>
+              <a:ext uri="{FF2B5EF4-FFF2-40B4-BE49-F238E27FC236}">
+                <a16:creationId xmlns:a16="http://schemas.microsoft.com/office/drawing/2014/main" id="{CB9AD495-61BF-4660-AA48-38891BFE1A2D}"/>
+              </a:ext>
+            </a:extLst>
+          </p:cNvPr>
+          <p:cNvSpPr/>
+          <p:nvPr/>
+        </p:nvSpPr>
+        <p:spPr>
+          <a:xfrm>
+            <a:off x="627483" y="4439949"/>
+            <a:ext cx="4861299" cy="1631216"/>
+          </a:xfrm>
+          <a:prstGeom prst="rect">
+            <a:avLst/>
+          </a:prstGeom>
+        </p:spPr>
+        <p:txBody>
+          <a:bodyPr wrap="square">
+            <a:spAutoFit/>
+          </a:bodyPr>
+          <a:lstStyle/>
+          <a:p>
+            <a:r>
+              <a:rPr lang="en-US" sz="2000" dirty="0"/>
+              <a:t>Trigger – </a:t>
+            </a:r>
+            <a:r>
+              <a:rPr lang="ru-RU" sz="2000" dirty="0"/>
+              <a:t>условие старта сборки;</a:t>
+            </a:r>
+          </a:p>
+          <a:p>
+            <a:r>
+              <a:rPr lang="en-US" sz="2000" dirty="0"/>
+              <a:t>Build – </a:t>
+            </a:r>
+            <a:r>
+              <a:rPr lang="ru-RU" sz="2000" dirty="0"/>
+              <a:t>Процесс сборки приложения;</a:t>
+            </a:r>
+          </a:p>
+          <a:p>
+            <a:r>
+              <a:rPr lang="en-US" sz="2000" dirty="0"/>
+              <a:t>Artifact – </a:t>
+            </a:r>
+            <a:r>
+              <a:rPr lang="ru-RU" sz="2000" dirty="0"/>
+              <a:t>Всё что получается на выходе из сборки приложения;</a:t>
+            </a:r>
+          </a:p>
+          <a:p>
+            <a:r>
+              <a:rPr lang="en-US" sz="2000" dirty="0"/>
+              <a:t> </a:t>
+            </a:r>
+            <a:endParaRPr lang="ru-RU" sz="2000" dirty="0"/>
+          </a:p>
+        </p:txBody>
+      </p:sp>
+      <p:sp>
+        <p:nvSpPr>
+          <p:cNvPr id="9" name="Rectangle 8">
+            <a:extLst>
+              <a:ext uri="{FF2B5EF4-FFF2-40B4-BE49-F238E27FC236}">
+                <a16:creationId xmlns:a16="http://schemas.microsoft.com/office/drawing/2014/main" id="{1B2C385A-0279-4C7E-AF16-DEE9B72B623E}"/>
+              </a:ext>
+            </a:extLst>
+          </p:cNvPr>
+          <p:cNvSpPr/>
+          <p:nvPr/>
+        </p:nvSpPr>
+        <p:spPr>
+          <a:xfrm>
+            <a:off x="607749" y="1272402"/>
             <a:ext cx="4861299" cy="707886"/>
           </a:xfrm>
           <a:prstGeom prst="rect">
@@ -19573,12 +16324,12 @@
           <a:lstStyle/>
           <a:p>
             <a:r>
-              <a:rPr lang="ru-RU" sz="2000" dirty="0">
-                <a:solidFill>
-                  <a:srgbClr val="FF0000"/>
-                </a:solidFill>
-              </a:rPr>
-              <a:t>Думаю, просто сказать. Нет смысла показывать отдельные продукты</a:t>
+              <a:rPr lang="en-US" sz="2000" dirty="0"/>
+              <a:t>Building tool – </a:t>
+            </a:r>
+            <a:r>
+              <a:rPr lang="ru-RU" sz="2000" dirty="0"/>
+              <a:t>помогает нам получить из кода готовый продукт.</a:t>
             </a:r>
           </a:p>
         </p:txBody>
@@ -19586,13 +16337,96 @@
     </p:spTree>
     <p:extLst>
       <p:ext uri="{BB962C8B-B14F-4D97-AF65-F5344CB8AC3E}">
-        <p14:creationId xmlns:p14="http://schemas.microsoft.com/office/powerpoint/2010/main" val="4049951171"/>
+        <p14:creationId xmlns:p14="http://schemas.microsoft.com/office/powerpoint/2010/main" val="2038797243"/>
       </p:ext>
     </p:extLst>
   </p:cSld>
   <p:clrMapOvr>
     <a:masterClrMapping/>
   </p:clrMapOvr>
+  <p:timing>
+    <p:tnLst>
+      <p:par>
+        <p:cTn id="1" dur="indefinite" restart="never" nodeType="tmRoot">
+          <p:childTnLst>
+            <p:seq concurrent="1" nextAc="seek">
+              <p:cTn id="2" dur="indefinite" nodeType="mainSeq">
+                <p:childTnLst>
+                  <p:par>
+                    <p:cTn id="3" fill="hold">
+                      <p:stCondLst>
+                        <p:cond delay="indefinite"/>
+                      </p:stCondLst>
+                      <p:childTnLst>
+                        <p:par>
+                          <p:cTn id="4" fill="hold">
+                            <p:stCondLst>
+                              <p:cond delay="0"/>
+                            </p:stCondLst>
+                            <p:childTnLst>
+                              <p:par>
+                                <p:cTn id="5" presetID="1" presetClass="entr" presetSubtype="0" fill="hold" grpId="0" nodeType="clickEffect" nodePh="1">
+                                  <p:stCondLst>
+                                    <p:cond delay="0"/>
+                                  </p:stCondLst>
+                                  <p:endCondLst>
+                                    <p:cond evt="begin" delay="0">
+                                      <p:tn val="5"/>
+                                    </p:cond>
+                                  </p:endCondLst>
+                                  <p:childTnLst>
+                                    <p:set>
+                                      <p:cBhvr>
+                                        <p:cTn id="6" dur="1" fill="hold">
+                                          <p:stCondLst>
+                                            <p:cond delay="0"/>
+                                          </p:stCondLst>
+                                        </p:cTn>
+                                        <p:tgtEl>
+                                          <p:spTgt spid="4"/>
+                                        </p:tgtEl>
+                                        <p:attrNameLst>
+                                          <p:attrName>style.visibility</p:attrName>
+                                        </p:attrNameLst>
+                                      </p:cBhvr>
+                                      <p:to>
+                                        <p:strVal val="visible"/>
+                                      </p:to>
+                                    </p:set>
+                                  </p:childTnLst>
+                                </p:cTn>
+                              </p:par>
+                            </p:childTnLst>
+                          </p:cTn>
+                        </p:par>
+                      </p:childTnLst>
+                    </p:cTn>
+                  </p:par>
+                </p:childTnLst>
+              </p:cTn>
+              <p:prevCondLst>
+                <p:cond evt="onPrev" delay="0">
+                  <p:tgtEl>
+                    <p:sldTgt/>
+                  </p:tgtEl>
+                </p:cond>
+              </p:prevCondLst>
+              <p:nextCondLst>
+                <p:cond evt="onNext" delay="0">
+                  <p:tgtEl>
+                    <p:sldTgt/>
+                  </p:tgtEl>
+                </p:cond>
+              </p:nextCondLst>
+            </p:seq>
+          </p:childTnLst>
+        </p:cTn>
+      </p:par>
+    </p:tnLst>
+    <p:bldLst>
+      <p:bldP spid="4" grpId="0"/>
+    </p:bldLst>
+  </p:timing>
 </p:sld>
 </file>
 
@@ -19694,6 +16528,259 @@
             <a:fld id="{804AB9DF-E7AE-468D-8B4C-48ED25F9C89B}" type="slidenum">
               <a:rPr lang="ru-RU" smtClean="0"/>
               <a:t>12</a:t>
+            </a:fld>
+            <a:endParaRPr lang="ru-RU"/>
+          </a:p>
+        </p:txBody>
+      </p:sp>
+      <p:sp>
+        <p:nvSpPr>
+          <p:cNvPr id="2" name="Rectangle 1">
+            <a:extLst>
+              <a:ext uri="{FF2B5EF4-FFF2-40B4-BE49-F238E27FC236}">
+                <a16:creationId xmlns:a16="http://schemas.microsoft.com/office/drawing/2014/main" id="{667B87AE-BDB9-45D9-B99C-80DD44D77169}"/>
+              </a:ext>
+            </a:extLst>
+          </p:cNvPr>
+          <p:cNvSpPr/>
+          <p:nvPr/>
+        </p:nvSpPr>
+        <p:spPr>
+          <a:xfrm>
+            <a:off x="627483" y="988915"/>
+            <a:ext cx="5468517" cy="2554545"/>
+          </a:xfrm>
+          <a:prstGeom prst="rect">
+            <a:avLst/>
+          </a:prstGeom>
+        </p:spPr>
+        <p:txBody>
+          <a:bodyPr wrap="square">
+            <a:spAutoFit/>
+          </a:bodyPr>
+          <a:lstStyle/>
+          <a:p>
+            <a:r>
+              <a:rPr lang="en-US" sz="2000" dirty="0"/>
+              <a:t>Artifact Registry</a:t>
+            </a:r>
+            <a:r>
+              <a:rPr lang="ru-RU" sz="2000" dirty="0"/>
+              <a:t> :</a:t>
+            </a:r>
+          </a:p>
+          <a:p>
+            <a:endParaRPr lang="ru-RU" sz="2000" dirty="0"/>
+          </a:p>
+          <a:p>
+            <a:r>
+              <a:rPr lang="ru-RU" sz="2000" dirty="0"/>
+              <a:t>Артефакты нужны:</a:t>
+            </a:r>
+          </a:p>
+          <a:p>
+            <a:pPr marL="342900" indent="-342900">
+              <a:buFont typeface="Arial" panose="020B0604020202020204" pitchFamily="34" charset="0"/>
+              <a:buChar char="•"/>
+            </a:pPr>
+            <a:r>
+              <a:rPr lang="ru-RU" sz="2000" dirty="0"/>
+              <a:t>Готовый продукт (Внезапно!)</a:t>
+            </a:r>
+            <a:r>
+              <a:rPr lang="en-US" sz="2000" dirty="0"/>
+              <a:t> </a:t>
+            </a:r>
+            <a:r>
+              <a:rPr lang="ru-RU" sz="2000" dirty="0"/>
+              <a:t>;</a:t>
+            </a:r>
+            <a:endParaRPr lang="en-US" sz="2000" dirty="0"/>
+          </a:p>
+          <a:p>
+            <a:pPr marL="342900" indent="-342900">
+              <a:buFont typeface="Arial" panose="020B0604020202020204" pitchFamily="34" charset="0"/>
+              <a:buChar char="•"/>
+            </a:pPr>
+            <a:r>
+              <a:rPr lang="ru-RU" sz="2000" dirty="0"/>
+              <a:t>Откатить изменения (Всё пошло не так!);</a:t>
+            </a:r>
+          </a:p>
+          <a:p>
+            <a:pPr marL="342900" indent="-342900">
+              <a:buFont typeface="Arial" panose="020B0604020202020204" pitchFamily="34" charset="0"/>
+              <a:buChar char="•"/>
+            </a:pPr>
+            <a:r>
+              <a:rPr lang="ru-RU" sz="2000" dirty="0"/>
+              <a:t>История (Кто-то использует старую версию);</a:t>
+            </a:r>
+          </a:p>
+          <a:p>
+            <a:pPr marL="342900" indent="-342900">
+              <a:buFont typeface="Arial" panose="020B0604020202020204" pitchFamily="34" charset="0"/>
+              <a:buChar char="•"/>
+            </a:pPr>
+            <a:r>
+              <a:rPr lang="ru-RU" sz="2000" dirty="0"/>
+              <a:t>Различные версии (Со свистелками)</a:t>
+            </a:r>
+          </a:p>
+          <a:p>
+            <a:endParaRPr lang="ru-RU" sz="2000" dirty="0"/>
+          </a:p>
+        </p:txBody>
+      </p:sp>
+      <p:sp>
+        <p:nvSpPr>
+          <p:cNvPr id="8" name="Rectangle 7">
+            <a:extLst>
+              <a:ext uri="{FF2B5EF4-FFF2-40B4-BE49-F238E27FC236}">
+                <a16:creationId xmlns:a16="http://schemas.microsoft.com/office/drawing/2014/main" id="{8CA24081-9F84-4CCD-A01A-CDF2AA36E8BE}"/>
+              </a:ext>
+            </a:extLst>
+          </p:cNvPr>
+          <p:cNvSpPr/>
+          <p:nvPr/>
+        </p:nvSpPr>
+        <p:spPr>
+          <a:xfrm>
+            <a:off x="8040216" y="5445224"/>
+            <a:ext cx="4861299" cy="707886"/>
+          </a:xfrm>
+          <a:prstGeom prst="rect">
+            <a:avLst/>
+          </a:prstGeom>
+        </p:spPr>
+        <p:txBody>
+          <a:bodyPr wrap="square">
+            <a:spAutoFit/>
+          </a:bodyPr>
+          <a:lstStyle/>
+          <a:p>
+            <a:r>
+              <a:rPr lang="ru-RU" sz="2000" dirty="0">
+                <a:solidFill>
+                  <a:srgbClr val="FF0000"/>
+                </a:solidFill>
+              </a:rPr>
+              <a:t>Думаю, просто сказать. Нет смысла показывать отдельные продукты</a:t>
+            </a:r>
+          </a:p>
+        </p:txBody>
+      </p:sp>
+    </p:spTree>
+    <p:extLst>
+      <p:ext uri="{BB962C8B-B14F-4D97-AF65-F5344CB8AC3E}">
+        <p14:creationId xmlns:p14="http://schemas.microsoft.com/office/powerpoint/2010/main" val="4049951171"/>
+      </p:ext>
+    </p:extLst>
+  </p:cSld>
+  <p:clrMapOvr>
+    <a:masterClrMapping/>
+  </p:clrMapOvr>
+</p:sld>
+</file>
+
+<file path=ppt/slides/slide13.xml><?xml version="1.0" encoding="utf-8"?>
+<p:sld xmlns:a="http://schemas.openxmlformats.org/drawingml/2006/main" xmlns:r="http://schemas.openxmlformats.org/officeDocument/2006/relationships" xmlns:p="http://schemas.openxmlformats.org/presentationml/2006/main">
+  <p:cSld>
+    <p:spTree>
+      <p:nvGrpSpPr>
+        <p:cNvPr id="1" name=""/>
+        <p:cNvGrpSpPr/>
+        <p:nvPr/>
+      </p:nvGrpSpPr>
+      <p:grpSpPr>
+        <a:xfrm>
+          <a:off x="0" y="0"/>
+          <a:ext cx="0" cy="0"/>
+          <a:chOff x="0" y="0"/>
+          <a:chExt cx="0" cy="0"/>
+        </a:xfrm>
+      </p:grpSpPr>
+      <p:sp>
+        <p:nvSpPr>
+          <p:cNvPr id="12" name="Прямоугольник 11"/>
+          <p:cNvSpPr/>
+          <p:nvPr/>
+        </p:nvSpPr>
+        <p:spPr>
+          <a:xfrm>
+            <a:off x="4025470" y="342584"/>
+            <a:ext cx="4365299" cy="646331"/>
+          </a:xfrm>
+          <a:prstGeom prst="rect">
+            <a:avLst/>
+          </a:prstGeom>
+        </p:spPr>
+        <p:txBody>
+          <a:bodyPr wrap="none">
+            <a:spAutoFit/>
+          </a:bodyPr>
+          <a:lstStyle/>
+          <a:p>
+            <a:pPr algn="ctr">
+              <a:spcBef>
+                <a:spcPts val="1800"/>
+              </a:spcBef>
+              <a:buClr>
+                <a:schemeClr val="accent2">
+                  <a:lumMod val="75000"/>
+                </a:schemeClr>
+              </a:buClr>
+              <a:defRPr/>
+            </a:pPr>
+            <a:r>
+              <a:rPr lang="ru-RU" sz="3600" dirty="0">
+                <a:solidFill>
+                  <a:srgbClr val="8A0000"/>
+                </a:solidFill>
+                <a:latin typeface="Segoe UI" panose="020B0502040204020203" pitchFamily="34" charset="0"/>
+                <a:ea typeface="Tahoma" panose="020B0604030504040204" pitchFamily="34" charset="0"/>
+                <a:cs typeface="Segoe UI" panose="020B0502040204020203" pitchFamily="34" charset="0"/>
+              </a:rPr>
+              <a:t>Инструменты </a:t>
+            </a:r>
+            <a:r>
+              <a:rPr lang="en-US" sz="3600" dirty="0">
+                <a:solidFill>
+                  <a:srgbClr val="8A0000"/>
+                </a:solidFill>
+                <a:latin typeface="Segoe UI" panose="020B0502040204020203" pitchFamily="34" charset="0"/>
+                <a:ea typeface="Tahoma" panose="020B0604030504040204" pitchFamily="34" charset="0"/>
+                <a:cs typeface="Segoe UI" panose="020B0502040204020203" pitchFamily="34" charset="0"/>
+              </a:rPr>
+              <a:t>CI/CD</a:t>
+            </a:r>
+          </a:p>
+        </p:txBody>
+      </p:sp>
+      <p:sp>
+        <p:nvSpPr>
+          <p:cNvPr id="3" name="Slide Number Placeholder 2">
+            <a:extLst>
+              <a:ext uri="{FF2B5EF4-FFF2-40B4-BE49-F238E27FC236}">
+                <a16:creationId xmlns:a16="http://schemas.microsoft.com/office/drawing/2014/main" id="{6321BABD-98A4-4C81-896B-674D1A8BEE76}"/>
+              </a:ext>
+            </a:extLst>
+          </p:cNvPr>
+          <p:cNvSpPr>
+            <a:spLocks noGrp="1"/>
+          </p:cNvSpPr>
+          <p:nvPr>
+            <p:ph type="sldNum" sz="quarter" idx="4"/>
+          </p:nvPr>
+        </p:nvSpPr>
+        <p:spPr/>
+        <p:txBody>
+          <a:bodyPr/>
+          <a:lstStyle/>
+          <a:p>
+            <a:fld id="{804AB9DF-E7AE-468D-8B4C-48ED25F9C89B}" type="slidenum">
+              <a:rPr lang="ru-RU" smtClean="0"/>
+              <a:t>13</a:t>
             </a:fld>
             <a:endParaRPr lang="ru-RU"/>
           </a:p>
@@ -19881,197 +16968,6 @@
 </p:sld>
 </file>
 
-<file path=ppt/slides/slide13.xml><?xml version="1.0" encoding="utf-8"?>
-<p:sld xmlns:a="http://schemas.openxmlformats.org/drawingml/2006/main" xmlns:r="http://schemas.openxmlformats.org/officeDocument/2006/relationships" xmlns:p="http://schemas.openxmlformats.org/presentationml/2006/main">
-  <p:cSld>
-    <p:spTree>
-      <p:nvGrpSpPr>
-        <p:cNvPr id="1" name=""/>
-        <p:cNvGrpSpPr/>
-        <p:nvPr/>
-      </p:nvGrpSpPr>
-      <p:grpSpPr>
-        <a:xfrm>
-          <a:off x="0" y="0"/>
-          <a:ext cx="0" cy="0"/>
-          <a:chOff x="0" y="0"/>
-          <a:chExt cx="0" cy="0"/>
-        </a:xfrm>
-      </p:grpSpPr>
-      <p:sp>
-        <p:nvSpPr>
-          <p:cNvPr id="12" name="Прямоугольник 11"/>
-          <p:cNvSpPr/>
-          <p:nvPr/>
-        </p:nvSpPr>
-        <p:spPr>
-          <a:xfrm>
-            <a:off x="4025470" y="342584"/>
-            <a:ext cx="4365299" cy="646331"/>
-          </a:xfrm>
-          <a:prstGeom prst="rect">
-            <a:avLst/>
-          </a:prstGeom>
-        </p:spPr>
-        <p:txBody>
-          <a:bodyPr wrap="none">
-            <a:spAutoFit/>
-          </a:bodyPr>
-          <a:lstStyle/>
-          <a:p>
-            <a:pPr algn="ctr">
-              <a:spcBef>
-                <a:spcPts val="1800"/>
-              </a:spcBef>
-              <a:buClr>
-                <a:schemeClr val="accent2">
-                  <a:lumMod val="75000"/>
-                </a:schemeClr>
-              </a:buClr>
-              <a:defRPr/>
-            </a:pPr>
-            <a:r>
-              <a:rPr lang="ru-RU" sz="3600" dirty="0">
-                <a:solidFill>
-                  <a:srgbClr val="8A0000"/>
-                </a:solidFill>
-                <a:latin typeface="Segoe UI" panose="020B0502040204020203" pitchFamily="34" charset="0"/>
-                <a:ea typeface="Tahoma" panose="020B0604030504040204" pitchFamily="34" charset="0"/>
-                <a:cs typeface="Segoe UI" panose="020B0502040204020203" pitchFamily="34" charset="0"/>
-              </a:rPr>
-              <a:t>Инструменты </a:t>
-            </a:r>
-            <a:r>
-              <a:rPr lang="en-US" sz="3600" dirty="0">
-                <a:solidFill>
-                  <a:srgbClr val="8A0000"/>
-                </a:solidFill>
-                <a:latin typeface="Segoe UI" panose="020B0502040204020203" pitchFamily="34" charset="0"/>
-                <a:ea typeface="Tahoma" panose="020B0604030504040204" pitchFamily="34" charset="0"/>
-                <a:cs typeface="Segoe UI" panose="020B0502040204020203" pitchFamily="34" charset="0"/>
-              </a:rPr>
-              <a:t>CI/CD</a:t>
-            </a:r>
-          </a:p>
-        </p:txBody>
-      </p:sp>
-      <p:sp>
-        <p:nvSpPr>
-          <p:cNvPr id="3" name="Slide Number Placeholder 2">
-            <a:extLst>
-              <a:ext uri="{FF2B5EF4-FFF2-40B4-BE49-F238E27FC236}">
-                <a16:creationId xmlns:a16="http://schemas.microsoft.com/office/drawing/2014/main" id="{6321BABD-98A4-4C81-896B-674D1A8BEE76}"/>
-              </a:ext>
-            </a:extLst>
-          </p:cNvPr>
-          <p:cNvSpPr>
-            <a:spLocks noGrp="1"/>
-          </p:cNvSpPr>
-          <p:nvPr>
-            <p:ph type="sldNum" sz="quarter" idx="4"/>
-          </p:nvPr>
-        </p:nvSpPr>
-        <p:spPr/>
-        <p:txBody>
-          <a:bodyPr/>
-          <a:lstStyle/>
-          <a:p>
-            <a:fld id="{804AB9DF-E7AE-468D-8B4C-48ED25F9C89B}" type="slidenum">
-              <a:rPr lang="ru-RU" smtClean="0"/>
-              <a:t>13</a:t>
-            </a:fld>
-            <a:endParaRPr lang="ru-RU"/>
-          </a:p>
-        </p:txBody>
-      </p:sp>
-      <p:sp>
-        <p:nvSpPr>
-          <p:cNvPr id="2" name="Rectangle 1">
-            <a:extLst>
-              <a:ext uri="{FF2B5EF4-FFF2-40B4-BE49-F238E27FC236}">
-                <a16:creationId xmlns:a16="http://schemas.microsoft.com/office/drawing/2014/main" id="{667B87AE-BDB9-45D9-B99C-80DD44D77169}"/>
-              </a:ext>
-            </a:extLst>
-          </p:cNvPr>
-          <p:cNvSpPr/>
-          <p:nvPr/>
-        </p:nvSpPr>
-        <p:spPr>
-          <a:xfrm>
-            <a:off x="627483" y="988915"/>
-            <a:ext cx="4861299" cy="1938992"/>
-          </a:xfrm>
-          <a:prstGeom prst="rect">
-            <a:avLst/>
-          </a:prstGeom>
-        </p:spPr>
-        <p:txBody>
-          <a:bodyPr wrap="square">
-            <a:spAutoFit/>
-          </a:bodyPr>
-          <a:lstStyle/>
-          <a:p>
-            <a:r>
-              <a:rPr lang="ru-RU" sz="2000" dirty="0"/>
-              <a:t>Окружение приложения – совокупность операционной системы, приложения и программных компонентов (зависимостей) необходимых для работы приложения.</a:t>
-            </a:r>
-          </a:p>
-          <a:p>
-            <a:endParaRPr lang="ru-RU" sz="2000" dirty="0"/>
-          </a:p>
-        </p:txBody>
-      </p:sp>
-      <p:sp>
-        <p:nvSpPr>
-          <p:cNvPr id="8" name="Rectangle 7">
-            <a:extLst>
-              <a:ext uri="{FF2B5EF4-FFF2-40B4-BE49-F238E27FC236}">
-                <a16:creationId xmlns:a16="http://schemas.microsoft.com/office/drawing/2014/main" id="{AD67085D-CE69-4A7E-BF67-6B64E7DFB514}"/>
-              </a:ext>
-            </a:extLst>
-          </p:cNvPr>
-          <p:cNvSpPr/>
-          <p:nvPr/>
-        </p:nvSpPr>
-        <p:spPr>
-          <a:xfrm>
-            <a:off x="627482" y="2852936"/>
-            <a:ext cx="4861299" cy="707886"/>
-          </a:xfrm>
-          <a:prstGeom prst="rect">
-            <a:avLst/>
-          </a:prstGeom>
-        </p:spPr>
-        <p:txBody>
-          <a:bodyPr wrap="square">
-            <a:spAutoFit/>
-          </a:bodyPr>
-          <a:lstStyle/>
-          <a:p>
-            <a:r>
-              <a:rPr lang="en-US" sz="2000" dirty="0"/>
-              <a:t>Development-Staging-Production </a:t>
-            </a:r>
-            <a:r>
-              <a:rPr lang="ru-RU" sz="2000" dirty="0"/>
-              <a:t>модель и зачем нужна идентичность окружения.</a:t>
-            </a:r>
-          </a:p>
-        </p:txBody>
-      </p:sp>
-    </p:spTree>
-    <p:extLst>
-      <p:ext uri="{BB962C8B-B14F-4D97-AF65-F5344CB8AC3E}">
-        <p14:creationId xmlns:p14="http://schemas.microsoft.com/office/powerpoint/2010/main" val="158128461"/>
-      </p:ext>
-    </p:extLst>
-  </p:cSld>
-  <p:clrMapOvr>
-    <a:masterClrMapping/>
-  </p:clrMapOvr>
-</p:sld>
-</file>
-
 <file path=ppt/slides/slide14.xml><?xml version="1.0" encoding="utf-8"?>
 <p:sld xmlns:a="http://schemas.openxmlformats.org/drawingml/2006/main" xmlns:r="http://schemas.openxmlformats.org/officeDocument/2006/relationships" xmlns:p="http://schemas.openxmlformats.org/presentationml/2006/main">
   <p:cSld>
@@ -20170,6 +17066,197 @@
             <a:fld id="{804AB9DF-E7AE-468D-8B4C-48ED25F9C89B}" type="slidenum">
               <a:rPr lang="ru-RU" smtClean="0"/>
               <a:t>14</a:t>
+            </a:fld>
+            <a:endParaRPr lang="ru-RU"/>
+          </a:p>
+        </p:txBody>
+      </p:sp>
+      <p:sp>
+        <p:nvSpPr>
+          <p:cNvPr id="2" name="Rectangle 1">
+            <a:extLst>
+              <a:ext uri="{FF2B5EF4-FFF2-40B4-BE49-F238E27FC236}">
+                <a16:creationId xmlns:a16="http://schemas.microsoft.com/office/drawing/2014/main" id="{667B87AE-BDB9-45D9-B99C-80DD44D77169}"/>
+              </a:ext>
+            </a:extLst>
+          </p:cNvPr>
+          <p:cNvSpPr/>
+          <p:nvPr/>
+        </p:nvSpPr>
+        <p:spPr>
+          <a:xfrm>
+            <a:off x="627483" y="988915"/>
+            <a:ext cx="4861299" cy="1938992"/>
+          </a:xfrm>
+          <a:prstGeom prst="rect">
+            <a:avLst/>
+          </a:prstGeom>
+        </p:spPr>
+        <p:txBody>
+          <a:bodyPr wrap="square">
+            <a:spAutoFit/>
+          </a:bodyPr>
+          <a:lstStyle/>
+          <a:p>
+            <a:r>
+              <a:rPr lang="ru-RU" sz="2000" dirty="0"/>
+              <a:t>Окружение приложения – совокупность операционной системы, приложения и программных компонентов (зависимостей) необходимых для работы приложения.</a:t>
+            </a:r>
+          </a:p>
+          <a:p>
+            <a:endParaRPr lang="ru-RU" sz="2000" dirty="0"/>
+          </a:p>
+        </p:txBody>
+      </p:sp>
+      <p:sp>
+        <p:nvSpPr>
+          <p:cNvPr id="8" name="Rectangle 7">
+            <a:extLst>
+              <a:ext uri="{FF2B5EF4-FFF2-40B4-BE49-F238E27FC236}">
+                <a16:creationId xmlns:a16="http://schemas.microsoft.com/office/drawing/2014/main" id="{AD67085D-CE69-4A7E-BF67-6B64E7DFB514}"/>
+              </a:ext>
+            </a:extLst>
+          </p:cNvPr>
+          <p:cNvSpPr/>
+          <p:nvPr/>
+        </p:nvSpPr>
+        <p:spPr>
+          <a:xfrm>
+            <a:off x="627482" y="2852936"/>
+            <a:ext cx="4861299" cy="707886"/>
+          </a:xfrm>
+          <a:prstGeom prst="rect">
+            <a:avLst/>
+          </a:prstGeom>
+        </p:spPr>
+        <p:txBody>
+          <a:bodyPr wrap="square">
+            <a:spAutoFit/>
+          </a:bodyPr>
+          <a:lstStyle/>
+          <a:p>
+            <a:r>
+              <a:rPr lang="en-US" sz="2000" dirty="0"/>
+              <a:t>Development-Staging-Production </a:t>
+            </a:r>
+            <a:r>
+              <a:rPr lang="ru-RU" sz="2000" dirty="0"/>
+              <a:t>модель и зачем нужна идентичность окружения.</a:t>
+            </a:r>
+          </a:p>
+        </p:txBody>
+      </p:sp>
+    </p:spTree>
+    <p:extLst>
+      <p:ext uri="{BB962C8B-B14F-4D97-AF65-F5344CB8AC3E}">
+        <p14:creationId xmlns:p14="http://schemas.microsoft.com/office/powerpoint/2010/main" val="158128461"/>
+      </p:ext>
+    </p:extLst>
+  </p:cSld>
+  <p:clrMapOvr>
+    <a:masterClrMapping/>
+  </p:clrMapOvr>
+</p:sld>
+</file>
+
+<file path=ppt/slides/slide15.xml><?xml version="1.0" encoding="utf-8"?>
+<p:sld xmlns:a="http://schemas.openxmlformats.org/drawingml/2006/main" xmlns:r="http://schemas.openxmlformats.org/officeDocument/2006/relationships" xmlns:p="http://schemas.openxmlformats.org/presentationml/2006/main">
+  <p:cSld>
+    <p:spTree>
+      <p:nvGrpSpPr>
+        <p:cNvPr id="1" name=""/>
+        <p:cNvGrpSpPr/>
+        <p:nvPr/>
+      </p:nvGrpSpPr>
+      <p:grpSpPr>
+        <a:xfrm>
+          <a:off x="0" y="0"/>
+          <a:ext cx="0" cy="0"/>
+          <a:chOff x="0" y="0"/>
+          <a:chExt cx="0" cy="0"/>
+        </a:xfrm>
+      </p:grpSpPr>
+      <p:sp>
+        <p:nvSpPr>
+          <p:cNvPr id="12" name="Прямоугольник 11"/>
+          <p:cNvSpPr/>
+          <p:nvPr/>
+        </p:nvSpPr>
+        <p:spPr>
+          <a:xfrm>
+            <a:off x="4025470" y="342584"/>
+            <a:ext cx="4365299" cy="646331"/>
+          </a:xfrm>
+          <a:prstGeom prst="rect">
+            <a:avLst/>
+          </a:prstGeom>
+        </p:spPr>
+        <p:txBody>
+          <a:bodyPr wrap="none">
+            <a:spAutoFit/>
+          </a:bodyPr>
+          <a:lstStyle/>
+          <a:p>
+            <a:pPr algn="ctr">
+              <a:spcBef>
+                <a:spcPts val="1800"/>
+              </a:spcBef>
+              <a:buClr>
+                <a:schemeClr val="accent2">
+                  <a:lumMod val="75000"/>
+                </a:schemeClr>
+              </a:buClr>
+              <a:defRPr/>
+            </a:pPr>
+            <a:r>
+              <a:rPr lang="ru-RU" sz="3600" dirty="0">
+                <a:solidFill>
+                  <a:srgbClr val="8A0000"/>
+                </a:solidFill>
+                <a:latin typeface="Segoe UI" panose="020B0502040204020203" pitchFamily="34" charset="0"/>
+                <a:ea typeface="Tahoma" panose="020B0604030504040204" pitchFamily="34" charset="0"/>
+                <a:cs typeface="Segoe UI" panose="020B0502040204020203" pitchFamily="34" charset="0"/>
+              </a:rPr>
+              <a:t>Инструменты </a:t>
+            </a:r>
+            <a:r>
+              <a:rPr lang="en-US" sz="3600" dirty="0">
+                <a:solidFill>
+                  <a:srgbClr val="8A0000"/>
+                </a:solidFill>
+                <a:latin typeface="Segoe UI" panose="020B0502040204020203" pitchFamily="34" charset="0"/>
+                <a:ea typeface="Tahoma" panose="020B0604030504040204" pitchFamily="34" charset="0"/>
+                <a:cs typeface="Segoe UI" panose="020B0502040204020203" pitchFamily="34" charset="0"/>
+              </a:rPr>
+              <a:t>CI/CD</a:t>
+            </a:r>
+          </a:p>
+        </p:txBody>
+      </p:sp>
+      <p:sp>
+        <p:nvSpPr>
+          <p:cNvPr id="3" name="Slide Number Placeholder 2">
+            <a:extLst>
+              <a:ext uri="{FF2B5EF4-FFF2-40B4-BE49-F238E27FC236}">
+                <a16:creationId xmlns:a16="http://schemas.microsoft.com/office/drawing/2014/main" id="{6321BABD-98A4-4C81-896B-674D1A8BEE76}"/>
+              </a:ext>
+            </a:extLst>
+          </p:cNvPr>
+          <p:cNvSpPr>
+            <a:spLocks noGrp="1"/>
+          </p:cNvSpPr>
+          <p:nvPr>
+            <p:ph type="sldNum" sz="quarter" idx="4"/>
+          </p:nvPr>
+        </p:nvSpPr>
+        <p:spPr/>
+        <p:txBody>
+          <a:bodyPr/>
+          <a:lstStyle/>
+          <a:p>
+            <a:fld id="{804AB9DF-E7AE-468D-8B4C-48ED25F9C89B}" type="slidenum">
+              <a:rPr lang="ru-RU" smtClean="0"/>
+              <a:t>15</a:t>
             </a:fld>
             <a:endParaRPr lang="ru-RU"/>
           </a:p>
@@ -20250,7 +17337,7 @@
 </p:sld>
 </file>
 
-<file path=ppt/slides/slide15.xml><?xml version="1.0" encoding="utf-8"?>
+<file path=ppt/slides/slide16.xml><?xml version="1.0" encoding="utf-8"?>
 <p:sld xmlns:a="http://schemas.openxmlformats.org/drawingml/2006/main" xmlns:r="http://schemas.openxmlformats.org/officeDocument/2006/relationships" xmlns:p="http://schemas.openxmlformats.org/presentationml/2006/main">
   <p:cSld>
     <p:spTree>
@@ -20347,7 +17434,7 @@
           <a:p>
             <a:fld id="{804AB9DF-E7AE-468D-8B4C-48ED25F9C89B}" type="slidenum">
               <a:rPr lang="ru-RU" smtClean="0"/>
-              <a:t>15</a:t>
+              <a:t>16</a:t>
             </a:fld>
             <a:endParaRPr lang="ru-RU"/>
           </a:p>
@@ -20366,7 +17453,7 @@
 </p:sld>
 </file>
 
-<file path=ppt/slides/slide16.xml><?xml version="1.0" encoding="utf-8"?>
+<file path=ppt/slides/slide17.xml><?xml version="1.0" encoding="utf-8"?>
 <p:sld xmlns:a="http://schemas.openxmlformats.org/drawingml/2006/main" xmlns:r="http://schemas.openxmlformats.org/officeDocument/2006/relationships" xmlns:p="http://schemas.openxmlformats.org/presentationml/2006/main">
   <p:cSld>
     <p:spTree>
@@ -20460,7 +17547,7 @@
           <a:p>
             <a:fld id="{804AB9DF-E7AE-468D-8B4C-48ED25F9C89B}" type="slidenum">
               <a:rPr lang="ru-RU" smtClean="0"/>
-              <a:t>16</a:t>
+              <a:t>17</a:t>
             </a:fld>
             <a:endParaRPr lang="ru-RU"/>
           </a:p>
@@ -20638,7 +17725,7 @@
 </p:sld>
 </file>
 
-<file path=ppt/slides/slide17.xml><?xml version="1.0" encoding="utf-8"?>
+<file path=ppt/slides/slide18.xml><?xml version="1.0" encoding="utf-8"?>
 <p:sld xmlns:a="http://schemas.openxmlformats.org/drawingml/2006/main" xmlns:r="http://schemas.openxmlformats.org/officeDocument/2006/relationships" xmlns:p="http://schemas.openxmlformats.org/presentationml/2006/main">
   <p:cSld>
     <p:spTree>
@@ -22141,28 +19228,6 @@
           </a:p>
         </p:txBody>
       </p:sp>
-      <p:graphicFrame>
-        <p:nvGraphicFramePr>
-          <p:cNvPr id="10" name="Diagram 9">
-            <a:extLst>
-              <a:ext uri="{FF2B5EF4-FFF2-40B4-BE49-F238E27FC236}">
-                <a16:creationId xmlns:a16="http://schemas.microsoft.com/office/drawing/2014/main" id="{F9E67313-F250-4704-ACBE-1A5E8774BB53}"/>
-              </a:ext>
-            </a:extLst>
-          </p:cNvPr>
-          <p:cNvGraphicFramePr/>
-          <p:nvPr/>
-        </p:nvGraphicFramePr>
-        <p:xfrm>
-          <a:off x="2032000" y="3361128"/>
-          <a:ext cx="8128000" cy="1197165"/>
-        </p:xfrm>
-        <a:graphic>
-          <a:graphicData uri="http://schemas.openxmlformats.org/drawingml/2006/diagram">
-            <dgm:relIds xmlns:dgm="http://schemas.openxmlformats.org/drawingml/2006/diagram" xmlns:r="http://schemas.openxmlformats.org/officeDocument/2006/relationships" r:dm="rId8" r:lo="rId9" r:qs="rId10" r:cs="rId11"/>
-          </a:graphicData>
-        </a:graphic>
-      </p:graphicFrame>
       <p:sp>
         <p:nvSpPr>
           <p:cNvPr id="11" name="Rectangle 10">
@@ -22201,6 +19266,34 @@
           </a:p>
         </p:txBody>
       </p:sp>
+      <p:graphicFrame>
+        <p:nvGraphicFramePr>
+          <p:cNvPr id="9" name="Diagram 8">
+            <a:extLst>
+              <a:ext uri="{FF2B5EF4-FFF2-40B4-BE49-F238E27FC236}">
+                <a16:creationId xmlns:a16="http://schemas.microsoft.com/office/drawing/2014/main" id="{AE2EB971-B0CD-4898-BB70-C8A1318A3093}"/>
+              </a:ext>
+            </a:extLst>
+          </p:cNvPr>
+          <p:cNvGraphicFramePr/>
+          <p:nvPr>
+            <p:extLst>
+              <p:ext uri="{D42A27DB-BD31-4B8C-83A1-F6EECF244321}">
+                <p14:modId xmlns:p14="http://schemas.microsoft.com/office/powerpoint/2010/main" val="3890744665"/>
+              </p:ext>
+            </p:extLst>
+          </p:nvPr>
+        </p:nvGraphicFramePr>
+        <p:xfrm>
+          <a:off x="2027199" y="3524759"/>
+          <a:ext cx="8128000" cy="1197165"/>
+        </p:xfrm>
+        <a:graphic>
+          <a:graphicData uri="http://schemas.openxmlformats.org/drawingml/2006/diagram">
+            <dgm:relIds xmlns:dgm="http://schemas.openxmlformats.org/drawingml/2006/diagram" xmlns:r="http://schemas.openxmlformats.org/officeDocument/2006/relationships" r:dm="rId8" r:lo="rId9" r:qs="rId10" r:cs="rId11"/>
+          </a:graphicData>
+        </a:graphic>
+      </p:graphicFrame>
     </p:spTree>
     <p:extLst>
       <p:ext uri="{BB962C8B-B14F-4D97-AF65-F5344CB8AC3E}">
@@ -22741,10 +19834,10 @@
       </p:sp>
       <p:sp>
         <p:nvSpPr>
-          <p:cNvPr id="4" name="Rectangle 3">
+          <p:cNvPr id="11" name="Oval 10">
             <a:extLst>
               <a:ext uri="{FF2B5EF4-FFF2-40B4-BE49-F238E27FC236}">
-                <a16:creationId xmlns:a16="http://schemas.microsoft.com/office/drawing/2014/main" id="{2F52B730-23BD-4568-89A8-0A1474852FED}"/>
+                <a16:creationId xmlns:a16="http://schemas.microsoft.com/office/drawing/2014/main" id="{F6511186-333D-4B7F-A842-611CB57ADFE1}"/>
               </a:ext>
             </a:extLst>
           </p:cNvPr>
@@ -22753,40 +19846,42 @@
         </p:nvSpPr>
         <p:spPr>
           <a:xfrm>
-            <a:off x="627483" y="1377960"/>
-            <a:ext cx="11161240" cy="646331"/>
+            <a:off x="371364" y="1808820"/>
+            <a:ext cx="1728192" cy="1728192"/>
           </a:xfrm>
-          <a:prstGeom prst="rect">
+          <a:prstGeom prst="ellipse">
             <a:avLst/>
           </a:prstGeom>
         </p:spPr>
+        <p:style>
+          <a:lnRef idx="3">
+            <a:schemeClr val="lt1"/>
+          </a:lnRef>
+          <a:fillRef idx="1">
+            <a:schemeClr val="accent2"/>
+          </a:fillRef>
+          <a:effectRef idx="1">
+            <a:schemeClr val="accent2"/>
+          </a:effectRef>
+          <a:fontRef idx="minor">
+            <a:schemeClr val="lt1"/>
+          </a:fontRef>
+        </p:style>
         <p:txBody>
-          <a:bodyPr wrap="square">
-            <a:spAutoFit/>
-          </a:bodyPr>
+          <a:bodyPr rtlCol="0" anchor="ctr"/>
           <a:lstStyle/>
           <a:p>
-            <a:pPr marL="285750" indent="-285750" algn="ctr">
-              <a:buFont typeface="Arial" panose="020B0604020202020204" pitchFamily="34" charset="0"/>
-              <a:buChar char="•"/>
-            </a:pPr>
-            <a:endParaRPr lang="ru-RU" dirty="0"/>
-          </a:p>
-          <a:p>
-            <a:pPr marL="285750" indent="-285750" algn="ctr">
-              <a:buFont typeface="Arial" panose="020B0604020202020204" pitchFamily="34" charset="0"/>
-              <a:buChar char="•"/>
-            </a:pPr>
-            <a:endParaRPr lang="ru-RU" dirty="0"/>
+            <a:pPr algn="ctr"/>
+            <a:endParaRPr lang="ru-RU"/>
           </a:p>
         </p:txBody>
       </p:sp>
       <p:sp>
         <p:nvSpPr>
-          <p:cNvPr id="2" name="Rectangle 1">
+          <p:cNvPr id="14" name="Partial Circle 13">
             <a:extLst>
               <a:ext uri="{FF2B5EF4-FFF2-40B4-BE49-F238E27FC236}">
-                <a16:creationId xmlns:a16="http://schemas.microsoft.com/office/drawing/2014/main" id="{667B87AE-BDB9-45D9-B99C-80DD44D77169}"/>
+                <a16:creationId xmlns:a16="http://schemas.microsoft.com/office/drawing/2014/main" id="{40F1C589-AF15-4588-904F-531D1CC8C68A}"/>
               </a:ext>
             </a:extLst>
           </p:cNvPr>
@@ -22795,60 +19890,55 @@
         </p:nvSpPr>
         <p:spPr>
           <a:xfrm>
-            <a:off x="627482" y="3474750"/>
-            <a:ext cx="5468517" cy="707886"/>
+            <a:off x="371364" y="1808820"/>
+            <a:ext cx="1728192" cy="1728192"/>
           </a:xfrm>
-          <a:prstGeom prst="rect">
-            <a:avLst/>
+          <a:prstGeom prst="pie">
+            <a:avLst>
+              <a:gd name="adj1" fmla="val 20119366"/>
+              <a:gd name="adj2" fmla="val 16200000"/>
+            </a:avLst>
           </a:prstGeom>
+          <a:solidFill>
+            <a:schemeClr val="accent2">
+              <a:lumMod val="60000"/>
+              <a:lumOff val="40000"/>
+            </a:schemeClr>
+          </a:solidFill>
         </p:spPr>
+        <p:style>
+          <a:lnRef idx="3">
+            <a:schemeClr val="lt1"/>
+          </a:lnRef>
+          <a:fillRef idx="1">
+            <a:schemeClr val="accent2"/>
+          </a:fillRef>
+          <a:effectRef idx="1">
+            <a:schemeClr val="accent2"/>
+          </a:effectRef>
+          <a:fontRef idx="minor">
+            <a:schemeClr val="lt1"/>
+          </a:fontRef>
+        </p:style>
         <p:txBody>
-          <a:bodyPr wrap="square">
-            <a:spAutoFit/>
-          </a:bodyPr>
+          <a:bodyPr rtlCol="0" anchor="ctr"/>
           <a:lstStyle/>
           <a:p>
-            <a:r>
-              <a:rPr lang="ru-RU" sz="2000" dirty="0"/>
-              <a:t>Какие тесты и где применяются и кто вообще их делает, если всё автоматически? </a:t>
-            </a:r>
+            <a:pPr algn="ctr"/>
+            <a:endParaRPr lang="ru-RU">
+              <a:solidFill>
+                <a:schemeClr val="tx1"/>
+              </a:solidFill>
+            </a:endParaRPr>
           </a:p>
         </p:txBody>
       </p:sp>
-      <p:graphicFrame>
-        <p:nvGraphicFramePr>
-          <p:cNvPr id="6" name="Diagram 5">
+      <p:sp>
+        <p:nvSpPr>
+          <p:cNvPr id="13" name="Oval 12">
             <a:extLst>
               <a:ext uri="{FF2B5EF4-FFF2-40B4-BE49-F238E27FC236}">
-                <a16:creationId xmlns:a16="http://schemas.microsoft.com/office/drawing/2014/main" id="{2C6D20CC-F149-4431-80A1-81238BB2B66B}"/>
-              </a:ext>
-            </a:extLst>
-          </p:cNvPr>
-          <p:cNvGraphicFramePr/>
-          <p:nvPr>
-            <p:extLst>
-              <p:ext uri="{D42A27DB-BD31-4B8C-83A1-F6EECF244321}">
-                <p14:modId xmlns:p14="http://schemas.microsoft.com/office/powerpoint/2010/main" val="1546212602"/>
-              </p:ext>
-            </p:extLst>
-          </p:nvPr>
-        </p:nvGraphicFramePr>
-        <p:xfrm>
-          <a:off x="1919536" y="1948504"/>
-          <a:ext cx="8128000" cy="1197165"/>
-        </p:xfrm>
-        <a:graphic>
-          <a:graphicData uri="http://schemas.openxmlformats.org/drawingml/2006/diagram">
-            <dgm:relIds xmlns:dgm="http://schemas.openxmlformats.org/drawingml/2006/diagram" xmlns:r="http://schemas.openxmlformats.org/officeDocument/2006/relationships" r:dm="rId3" r:lo="rId4" r:qs="rId5" r:cs="rId6"/>
-          </a:graphicData>
-        </a:graphic>
-      </p:graphicFrame>
-      <p:sp>
-        <p:nvSpPr>
-          <p:cNvPr id="7" name="Rectangle 6">
-            <a:extLst>
-              <a:ext uri="{FF2B5EF4-FFF2-40B4-BE49-F238E27FC236}">
-                <a16:creationId xmlns:a16="http://schemas.microsoft.com/office/drawing/2014/main" id="{2796A0DB-E445-4632-B8F8-3BDDECC7B70B}"/>
+                <a16:creationId xmlns:a16="http://schemas.microsoft.com/office/drawing/2014/main" id="{5136CC35-F3AC-4119-AAC7-55874F42A066}"/>
               </a:ext>
             </a:extLst>
           </p:cNvPr>
@@ -22857,27 +19947,803 @@
         </p:nvSpPr>
         <p:spPr>
           <a:xfrm>
-            <a:off x="8472264" y="5126097"/>
-            <a:ext cx="3637164" cy="1015663"/>
+            <a:off x="479376" y="1916832"/>
+            <a:ext cx="1512168" cy="1512168"/>
+          </a:xfrm>
+          <a:prstGeom prst="ellipse">
+            <a:avLst/>
+          </a:prstGeom>
+        </p:spPr>
+        <p:style>
+          <a:lnRef idx="3">
+            <a:schemeClr val="lt1"/>
+          </a:lnRef>
+          <a:fillRef idx="1">
+            <a:schemeClr val="accent2"/>
+          </a:fillRef>
+          <a:effectRef idx="1">
+            <a:schemeClr val="accent2"/>
+          </a:effectRef>
+          <a:fontRef idx="minor">
+            <a:schemeClr val="lt1"/>
+          </a:fontRef>
+        </p:style>
+        <p:txBody>
+          <a:bodyPr rtlCol="0" anchor="ctr"/>
+          <a:lstStyle/>
+          <a:p>
+            <a:pPr algn="ctr"/>
+            <a:r>
+              <a:rPr lang="en-US" sz="1600" dirty="0"/>
+              <a:t>Commit &amp; Build</a:t>
+            </a:r>
+            <a:endParaRPr lang="ru-RU" sz="1600" dirty="0"/>
+          </a:p>
+        </p:txBody>
+      </p:sp>
+      <p:sp>
+        <p:nvSpPr>
+          <p:cNvPr id="15" name="Oval 14">
+            <a:extLst>
+              <a:ext uri="{FF2B5EF4-FFF2-40B4-BE49-F238E27FC236}">
+                <a16:creationId xmlns:a16="http://schemas.microsoft.com/office/drawing/2014/main" id="{907ACB5F-297B-454F-8EBC-3F13DDAF442F}"/>
+              </a:ext>
+            </a:extLst>
+          </p:cNvPr>
+          <p:cNvSpPr/>
+          <p:nvPr/>
+        </p:nvSpPr>
+        <p:spPr>
+          <a:xfrm>
+            <a:off x="2309165" y="4406626"/>
+            <a:ext cx="1728192" cy="1728192"/>
+          </a:xfrm>
+          <a:prstGeom prst="ellipse">
+            <a:avLst/>
+          </a:prstGeom>
+        </p:spPr>
+        <p:style>
+          <a:lnRef idx="3">
+            <a:schemeClr val="lt1"/>
+          </a:lnRef>
+          <a:fillRef idx="1">
+            <a:schemeClr val="accent2"/>
+          </a:fillRef>
+          <a:effectRef idx="1">
+            <a:schemeClr val="accent2"/>
+          </a:effectRef>
+          <a:fontRef idx="minor">
+            <a:schemeClr val="lt1"/>
+          </a:fontRef>
+        </p:style>
+        <p:txBody>
+          <a:bodyPr rtlCol="0" anchor="ctr"/>
+          <a:lstStyle/>
+          <a:p>
+            <a:pPr algn="ctr"/>
+            <a:endParaRPr lang="ru-RU"/>
+          </a:p>
+        </p:txBody>
+      </p:sp>
+      <p:sp>
+        <p:nvSpPr>
+          <p:cNvPr id="16" name="Partial Circle 15">
+            <a:extLst>
+              <a:ext uri="{FF2B5EF4-FFF2-40B4-BE49-F238E27FC236}">
+                <a16:creationId xmlns:a16="http://schemas.microsoft.com/office/drawing/2014/main" id="{D28ACF4A-3B1D-4DBF-841E-0F716E4F24C6}"/>
+              </a:ext>
+            </a:extLst>
+          </p:cNvPr>
+          <p:cNvSpPr/>
+          <p:nvPr/>
+        </p:nvSpPr>
+        <p:spPr>
+          <a:xfrm>
+            <a:off x="2309165" y="4406626"/>
+            <a:ext cx="1728192" cy="1728192"/>
+          </a:xfrm>
+          <a:prstGeom prst="pie">
+            <a:avLst>
+              <a:gd name="adj1" fmla="val 2875091"/>
+              <a:gd name="adj2" fmla="val 16200000"/>
+            </a:avLst>
+          </a:prstGeom>
+          <a:solidFill>
+            <a:schemeClr val="accent2">
+              <a:lumMod val="60000"/>
+              <a:lumOff val="40000"/>
+            </a:schemeClr>
+          </a:solidFill>
+        </p:spPr>
+        <p:style>
+          <a:lnRef idx="3">
+            <a:schemeClr val="lt1"/>
+          </a:lnRef>
+          <a:fillRef idx="1">
+            <a:schemeClr val="accent2"/>
+          </a:fillRef>
+          <a:effectRef idx="1">
+            <a:schemeClr val="accent2"/>
+          </a:effectRef>
+          <a:fontRef idx="minor">
+            <a:schemeClr val="lt1"/>
+          </a:fontRef>
+        </p:style>
+        <p:txBody>
+          <a:bodyPr rtlCol="0" anchor="ctr"/>
+          <a:lstStyle/>
+          <a:p>
+            <a:pPr algn="ctr"/>
+            <a:endParaRPr lang="ru-RU">
+              <a:solidFill>
+                <a:schemeClr val="tx1"/>
+              </a:solidFill>
+            </a:endParaRPr>
+          </a:p>
+        </p:txBody>
+      </p:sp>
+      <p:sp>
+        <p:nvSpPr>
+          <p:cNvPr id="17" name="Oval 16">
+            <a:extLst>
+              <a:ext uri="{FF2B5EF4-FFF2-40B4-BE49-F238E27FC236}">
+                <a16:creationId xmlns:a16="http://schemas.microsoft.com/office/drawing/2014/main" id="{E00DA8E3-67ED-4F0E-86E0-317DEE84BF78}"/>
+              </a:ext>
+            </a:extLst>
+          </p:cNvPr>
+          <p:cNvSpPr/>
+          <p:nvPr/>
+        </p:nvSpPr>
+        <p:spPr>
+          <a:xfrm>
+            <a:off x="2417177" y="4514638"/>
+            <a:ext cx="1512168" cy="1512168"/>
+          </a:xfrm>
+          <a:prstGeom prst="ellipse">
+            <a:avLst/>
+          </a:prstGeom>
+        </p:spPr>
+        <p:style>
+          <a:lnRef idx="3">
+            <a:schemeClr val="lt1"/>
+          </a:lnRef>
+          <a:fillRef idx="1">
+            <a:schemeClr val="accent2"/>
+          </a:fillRef>
+          <a:effectRef idx="1">
+            <a:schemeClr val="accent2"/>
+          </a:effectRef>
+          <a:fontRef idx="minor">
+            <a:schemeClr val="lt1"/>
+          </a:fontRef>
+        </p:style>
+        <p:txBody>
+          <a:bodyPr rtlCol="0" anchor="ctr"/>
+          <a:lstStyle/>
+          <a:p>
+            <a:pPr algn="ctr"/>
+            <a:r>
+              <a:rPr lang="en-US" sz="1400" dirty="0"/>
+              <a:t>Integration test</a:t>
+            </a:r>
+            <a:endParaRPr lang="ru-RU" sz="1400" dirty="0"/>
+          </a:p>
+        </p:txBody>
+      </p:sp>
+      <p:sp>
+        <p:nvSpPr>
+          <p:cNvPr id="18" name="Oval 17">
+            <a:extLst>
+              <a:ext uri="{FF2B5EF4-FFF2-40B4-BE49-F238E27FC236}">
+                <a16:creationId xmlns:a16="http://schemas.microsoft.com/office/drawing/2014/main" id="{F9351B37-0AEE-4610-A73E-A7A2E56825BC}"/>
+              </a:ext>
+            </a:extLst>
+          </p:cNvPr>
+          <p:cNvSpPr/>
+          <p:nvPr/>
+        </p:nvSpPr>
+        <p:spPr>
+          <a:xfrm>
+            <a:off x="4843823" y="1808821"/>
+            <a:ext cx="1728192" cy="1728192"/>
+          </a:xfrm>
+          <a:prstGeom prst="ellipse">
+            <a:avLst/>
+          </a:prstGeom>
+          <a:solidFill>
+            <a:schemeClr val="accent6">
+              <a:lumMod val="40000"/>
+              <a:lumOff val="60000"/>
+            </a:schemeClr>
+          </a:solidFill>
+        </p:spPr>
+        <p:style>
+          <a:lnRef idx="3">
+            <a:schemeClr val="lt1"/>
+          </a:lnRef>
+          <a:fillRef idx="1">
+            <a:schemeClr val="accent6"/>
+          </a:fillRef>
+          <a:effectRef idx="1">
+            <a:schemeClr val="accent6"/>
+          </a:effectRef>
+          <a:fontRef idx="minor">
+            <a:schemeClr val="lt1"/>
+          </a:fontRef>
+        </p:style>
+        <p:txBody>
+          <a:bodyPr rtlCol="0" anchor="ctr"/>
+          <a:lstStyle/>
+          <a:p>
+            <a:pPr algn="ctr"/>
+            <a:endParaRPr lang="ru-RU"/>
+          </a:p>
+        </p:txBody>
+      </p:sp>
+      <p:sp>
+        <p:nvSpPr>
+          <p:cNvPr id="19" name="Partial Circle 18">
+            <a:extLst>
+              <a:ext uri="{FF2B5EF4-FFF2-40B4-BE49-F238E27FC236}">
+                <a16:creationId xmlns:a16="http://schemas.microsoft.com/office/drawing/2014/main" id="{0123BE78-06DB-454A-8B11-044CBCD0F8B4}"/>
+              </a:ext>
+            </a:extLst>
+          </p:cNvPr>
+          <p:cNvSpPr/>
+          <p:nvPr/>
+        </p:nvSpPr>
+        <p:spPr>
+          <a:xfrm>
+            <a:off x="4843823" y="1808821"/>
+            <a:ext cx="1728192" cy="1728192"/>
+          </a:xfrm>
+          <a:prstGeom prst="pie">
+            <a:avLst>
+              <a:gd name="adj1" fmla="val 7756467"/>
+              <a:gd name="adj2" fmla="val 16200000"/>
+            </a:avLst>
+          </a:prstGeom>
+        </p:spPr>
+        <p:style>
+          <a:lnRef idx="3">
+            <a:schemeClr val="lt1"/>
+          </a:lnRef>
+          <a:fillRef idx="1">
+            <a:schemeClr val="accent6"/>
+          </a:fillRef>
+          <a:effectRef idx="1">
+            <a:schemeClr val="accent6"/>
+          </a:effectRef>
+          <a:fontRef idx="minor">
+            <a:schemeClr val="lt1"/>
+          </a:fontRef>
+        </p:style>
+        <p:txBody>
+          <a:bodyPr rtlCol="0" anchor="ctr"/>
+          <a:lstStyle/>
+          <a:p>
+            <a:pPr algn="ctr"/>
+            <a:endParaRPr lang="ru-RU">
+              <a:solidFill>
+                <a:schemeClr val="tx1"/>
+              </a:solidFill>
+            </a:endParaRPr>
+          </a:p>
+        </p:txBody>
+      </p:sp>
+      <p:sp>
+        <p:nvSpPr>
+          <p:cNvPr id="20" name="Oval 19">
+            <a:extLst>
+              <a:ext uri="{FF2B5EF4-FFF2-40B4-BE49-F238E27FC236}">
+                <a16:creationId xmlns:a16="http://schemas.microsoft.com/office/drawing/2014/main" id="{3EC15104-41C9-4AD8-8C90-27BB96C59188}"/>
+              </a:ext>
+            </a:extLst>
+          </p:cNvPr>
+          <p:cNvSpPr/>
+          <p:nvPr/>
+        </p:nvSpPr>
+        <p:spPr>
+          <a:xfrm>
+            <a:off x="4951835" y="1916833"/>
+            <a:ext cx="1512168" cy="1512168"/>
+          </a:xfrm>
+          <a:prstGeom prst="ellipse">
+            <a:avLst/>
+          </a:prstGeom>
+        </p:spPr>
+        <p:style>
+          <a:lnRef idx="3">
+            <a:schemeClr val="lt1"/>
+          </a:lnRef>
+          <a:fillRef idx="1">
+            <a:schemeClr val="accent6"/>
+          </a:fillRef>
+          <a:effectRef idx="1">
+            <a:schemeClr val="accent6"/>
+          </a:effectRef>
+          <a:fontRef idx="minor">
+            <a:schemeClr val="lt1"/>
+          </a:fontRef>
+        </p:style>
+        <p:txBody>
+          <a:bodyPr rtlCol="0" anchor="ctr"/>
+          <a:lstStyle/>
+          <a:p>
+            <a:pPr algn="ctr"/>
+            <a:r>
+              <a:rPr lang="en-US" sz="1400" dirty="0"/>
+              <a:t>Manual test</a:t>
+            </a:r>
+            <a:endParaRPr lang="ru-RU" sz="1400" dirty="0"/>
+          </a:p>
+        </p:txBody>
+      </p:sp>
+      <p:sp>
+        <p:nvSpPr>
+          <p:cNvPr id="27" name="Oval 26">
+            <a:extLst>
+              <a:ext uri="{FF2B5EF4-FFF2-40B4-BE49-F238E27FC236}">
+                <a16:creationId xmlns:a16="http://schemas.microsoft.com/office/drawing/2014/main" id="{9C4445F4-422F-43E3-A71B-22F66B7A357B}"/>
+              </a:ext>
+            </a:extLst>
+          </p:cNvPr>
+          <p:cNvSpPr/>
+          <p:nvPr/>
+        </p:nvSpPr>
+        <p:spPr>
+          <a:xfrm>
+            <a:off x="7188920" y="4406626"/>
+            <a:ext cx="1728192" cy="1728192"/>
+          </a:xfrm>
+          <a:prstGeom prst="ellipse">
+            <a:avLst/>
+          </a:prstGeom>
+        </p:spPr>
+        <p:style>
+          <a:lnRef idx="3">
+            <a:schemeClr val="lt1"/>
+          </a:lnRef>
+          <a:fillRef idx="1">
+            <a:schemeClr val="accent2"/>
+          </a:fillRef>
+          <a:effectRef idx="1">
+            <a:schemeClr val="accent2"/>
+          </a:effectRef>
+          <a:fontRef idx="minor">
+            <a:schemeClr val="lt1"/>
+          </a:fontRef>
+        </p:style>
+        <p:txBody>
+          <a:bodyPr rtlCol="0" anchor="ctr"/>
+          <a:lstStyle/>
+          <a:p>
+            <a:pPr algn="ctr"/>
+            <a:endParaRPr lang="ru-RU"/>
+          </a:p>
+        </p:txBody>
+      </p:sp>
+      <p:sp>
+        <p:nvSpPr>
+          <p:cNvPr id="28" name="Partial Circle 27">
+            <a:extLst>
+              <a:ext uri="{FF2B5EF4-FFF2-40B4-BE49-F238E27FC236}">
+                <a16:creationId xmlns:a16="http://schemas.microsoft.com/office/drawing/2014/main" id="{7F6897A3-58F6-47D1-9A69-A44149651CCC}"/>
+              </a:ext>
+            </a:extLst>
+          </p:cNvPr>
+          <p:cNvSpPr/>
+          <p:nvPr/>
+        </p:nvSpPr>
+        <p:spPr>
+          <a:xfrm>
+            <a:off x="7188920" y="4406626"/>
+            <a:ext cx="1728192" cy="1728192"/>
+          </a:xfrm>
+          <a:prstGeom prst="pie">
+            <a:avLst>
+              <a:gd name="adj1" fmla="val 12543372"/>
+              <a:gd name="adj2" fmla="val 16200000"/>
+            </a:avLst>
+          </a:prstGeom>
+          <a:solidFill>
+            <a:schemeClr val="accent2">
+              <a:lumMod val="60000"/>
+              <a:lumOff val="40000"/>
+            </a:schemeClr>
+          </a:solidFill>
+        </p:spPr>
+        <p:style>
+          <a:lnRef idx="3">
+            <a:schemeClr val="lt1"/>
+          </a:lnRef>
+          <a:fillRef idx="1">
+            <a:schemeClr val="accent2"/>
+          </a:fillRef>
+          <a:effectRef idx="1">
+            <a:schemeClr val="accent2"/>
+          </a:effectRef>
+          <a:fontRef idx="minor">
+            <a:schemeClr val="lt1"/>
+          </a:fontRef>
+        </p:style>
+        <p:txBody>
+          <a:bodyPr rtlCol="0" anchor="ctr"/>
+          <a:lstStyle/>
+          <a:p>
+            <a:pPr algn="ctr"/>
+            <a:endParaRPr lang="ru-RU">
+              <a:solidFill>
+                <a:schemeClr val="tx1"/>
+              </a:solidFill>
+            </a:endParaRPr>
+          </a:p>
+        </p:txBody>
+      </p:sp>
+      <p:sp>
+        <p:nvSpPr>
+          <p:cNvPr id="29" name="Oval 28">
+            <a:extLst>
+              <a:ext uri="{FF2B5EF4-FFF2-40B4-BE49-F238E27FC236}">
+                <a16:creationId xmlns:a16="http://schemas.microsoft.com/office/drawing/2014/main" id="{D1FF96F9-6F19-4FB1-B78B-8650A7BCE7D4}"/>
+              </a:ext>
+            </a:extLst>
+          </p:cNvPr>
+          <p:cNvSpPr/>
+          <p:nvPr/>
+        </p:nvSpPr>
+        <p:spPr>
+          <a:xfrm>
+            <a:off x="7296932" y="4514638"/>
+            <a:ext cx="1512168" cy="1512168"/>
+          </a:xfrm>
+          <a:prstGeom prst="ellipse">
+            <a:avLst/>
+          </a:prstGeom>
+        </p:spPr>
+        <p:style>
+          <a:lnRef idx="3">
+            <a:schemeClr val="lt1"/>
+          </a:lnRef>
+          <a:fillRef idx="1">
+            <a:schemeClr val="accent2"/>
+          </a:fillRef>
+          <a:effectRef idx="1">
+            <a:schemeClr val="accent2"/>
+          </a:effectRef>
+          <a:fontRef idx="minor">
+            <a:schemeClr val="lt1"/>
+          </a:fontRef>
+        </p:style>
+        <p:txBody>
+          <a:bodyPr rtlCol="0" anchor="ctr"/>
+          <a:lstStyle/>
+          <a:p>
+            <a:pPr algn="ctr"/>
+            <a:r>
+              <a:rPr lang="en-US" sz="1400" dirty="0"/>
+              <a:t>Staging &amp; production</a:t>
+            </a:r>
+            <a:endParaRPr lang="ru-RU" sz="1400" dirty="0"/>
+          </a:p>
+        </p:txBody>
+      </p:sp>
+      <p:sp>
+        <p:nvSpPr>
+          <p:cNvPr id="30" name="Oval 29">
+            <a:extLst>
+              <a:ext uri="{FF2B5EF4-FFF2-40B4-BE49-F238E27FC236}">
+                <a16:creationId xmlns:a16="http://schemas.microsoft.com/office/drawing/2014/main" id="{4E962873-2FBA-49F6-9C72-AF36A10C72F3}"/>
+              </a:ext>
+            </a:extLst>
+          </p:cNvPr>
+          <p:cNvSpPr/>
+          <p:nvPr/>
+        </p:nvSpPr>
+        <p:spPr>
+          <a:xfrm>
+            <a:off x="9316282" y="1808820"/>
+            <a:ext cx="1728192" cy="1728192"/>
+          </a:xfrm>
+          <a:prstGeom prst="ellipse">
+            <a:avLst/>
+          </a:prstGeom>
+        </p:spPr>
+        <p:style>
+          <a:lnRef idx="3">
+            <a:schemeClr val="lt1"/>
+          </a:lnRef>
+          <a:fillRef idx="1">
+            <a:schemeClr val="accent2"/>
+          </a:fillRef>
+          <a:effectRef idx="1">
+            <a:schemeClr val="accent2"/>
+          </a:effectRef>
+          <a:fontRef idx="minor">
+            <a:schemeClr val="lt1"/>
+          </a:fontRef>
+        </p:style>
+        <p:txBody>
+          <a:bodyPr rtlCol="0" anchor="ctr"/>
+          <a:lstStyle/>
+          <a:p>
+            <a:pPr algn="ctr"/>
+            <a:endParaRPr lang="ru-RU"/>
+          </a:p>
+        </p:txBody>
+      </p:sp>
+      <p:sp>
+        <p:nvSpPr>
+          <p:cNvPr id="32" name="Oval 31">
+            <a:extLst>
+              <a:ext uri="{FF2B5EF4-FFF2-40B4-BE49-F238E27FC236}">
+                <a16:creationId xmlns:a16="http://schemas.microsoft.com/office/drawing/2014/main" id="{51CEB5EF-CD87-49C8-9305-C067E2EABE38}"/>
+              </a:ext>
+            </a:extLst>
+          </p:cNvPr>
+          <p:cNvSpPr/>
+          <p:nvPr/>
+        </p:nvSpPr>
+        <p:spPr>
+          <a:xfrm>
+            <a:off x="9424294" y="1916832"/>
+            <a:ext cx="1512168" cy="1512168"/>
+          </a:xfrm>
+          <a:prstGeom prst="ellipse">
+            <a:avLst/>
+          </a:prstGeom>
+        </p:spPr>
+        <p:style>
+          <a:lnRef idx="3">
+            <a:schemeClr val="lt1"/>
+          </a:lnRef>
+          <a:fillRef idx="1">
+            <a:schemeClr val="accent2"/>
+          </a:fillRef>
+          <a:effectRef idx="1">
+            <a:schemeClr val="accent2"/>
+          </a:effectRef>
+          <a:fontRef idx="minor">
+            <a:schemeClr val="lt1"/>
+          </a:fontRef>
+        </p:style>
+        <p:txBody>
+          <a:bodyPr rtlCol="0" anchor="ctr"/>
+          <a:lstStyle/>
+          <a:p>
+            <a:pPr algn="ctr"/>
+            <a:r>
+              <a:rPr lang="en-US" sz="1400" dirty="0"/>
+              <a:t>Production</a:t>
+            </a:r>
+            <a:endParaRPr lang="ru-RU" sz="1400" dirty="0"/>
+          </a:p>
+        </p:txBody>
+      </p:sp>
+      <p:cxnSp>
+        <p:nvCxnSpPr>
+          <p:cNvPr id="38" name="Connector: Curved 37">
+            <a:extLst>
+              <a:ext uri="{FF2B5EF4-FFF2-40B4-BE49-F238E27FC236}">
+                <a16:creationId xmlns:a16="http://schemas.microsoft.com/office/drawing/2014/main" id="{62A8B831-A584-43CA-B0BA-B6410AA4C5D8}"/>
+              </a:ext>
+            </a:extLst>
+          </p:cNvPr>
+          <p:cNvCxnSpPr>
+            <a:stCxn id="14" idx="1"/>
+            <a:endCxn id="16" idx="2"/>
+          </p:cNvCxnSpPr>
+          <p:nvPr/>
+        </p:nvCxnSpPr>
+        <p:spPr>
+          <a:xfrm rot="16200000" flipH="1">
+            <a:off x="905457" y="3867014"/>
+            <a:ext cx="1733710" cy="1073705"/>
+          </a:xfrm>
+          <a:prstGeom prst="curvedConnector2">
+            <a:avLst/>
+          </a:prstGeom>
+          <a:ln w="63500">
+            <a:solidFill>
+              <a:schemeClr val="accent2"/>
+            </a:solidFill>
+            <a:tailEnd type="triangle"/>
+          </a:ln>
+        </p:spPr>
+        <p:style>
+          <a:lnRef idx="1">
+            <a:schemeClr val="accent6"/>
+          </a:lnRef>
+          <a:fillRef idx="0">
+            <a:schemeClr val="accent6"/>
+          </a:fillRef>
+          <a:effectRef idx="0">
+            <a:schemeClr val="accent6"/>
+          </a:effectRef>
+          <a:fontRef idx="minor">
+            <a:schemeClr val="tx1"/>
+          </a:fontRef>
+        </p:style>
+      </p:cxnSp>
+      <p:cxnSp>
+        <p:nvCxnSpPr>
+          <p:cNvPr id="40" name="Connector: Curved 39">
+            <a:extLst>
+              <a:ext uri="{FF2B5EF4-FFF2-40B4-BE49-F238E27FC236}">
+                <a16:creationId xmlns:a16="http://schemas.microsoft.com/office/drawing/2014/main" id="{3F7F915C-EFC1-4CE1-85E8-498D172FC675}"/>
+              </a:ext>
+            </a:extLst>
+          </p:cNvPr>
+          <p:cNvCxnSpPr>
+            <a:stCxn id="16" idx="3"/>
+            <a:endCxn id="19" idx="2"/>
+          </p:cNvCxnSpPr>
+          <p:nvPr/>
+        </p:nvCxnSpPr>
+        <p:spPr>
+          <a:xfrm rot="5400000" flipH="1" flipV="1">
+            <a:off x="3141688" y="2704491"/>
+            <a:ext cx="1733709" cy="1670562"/>
+          </a:xfrm>
+          <a:prstGeom prst="curvedConnector2">
+            <a:avLst/>
+          </a:prstGeom>
+          <a:ln w="63500">
+            <a:tailEnd type="triangle"/>
+          </a:ln>
+        </p:spPr>
+        <p:style>
+          <a:lnRef idx="1">
+            <a:schemeClr val="accent2"/>
+          </a:lnRef>
+          <a:fillRef idx="0">
+            <a:schemeClr val="accent2"/>
+          </a:fillRef>
+          <a:effectRef idx="0">
+            <a:schemeClr val="accent2"/>
+          </a:effectRef>
+          <a:fontRef idx="minor">
+            <a:schemeClr val="tx1"/>
+          </a:fontRef>
+        </p:style>
+      </p:cxnSp>
+      <p:cxnSp>
+        <p:nvCxnSpPr>
+          <p:cNvPr id="42" name="Connector: Curved 41">
+            <a:extLst>
+              <a:ext uri="{FF2B5EF4-FFF2-40B4-BE49-F238E27FC236}">
+                <a16:creationId xmlns:a16="http://schemas.microsoft.com/office/drawing/2014/main" id="{ABEF4808-81E7-4B31-B398-85C5BFE0E753}"/>
+              </a:ext>
+            </a:extLst>
+          </p:cNvPr>
+          <p:cNvCxnSpPr>
+            <a:cxnSpLocks/>
+            <a:stCxn id="18" idx="6"/>
+            <a:endCxn id="28" idx="3"/>
+          </p:cNvCxnSpPr>
+          <p:nvPr/>
+        </p:nvCxnSpPr>
+        <p:spPr>
+          <a:xfrm>
+            <a:off x="6572015" y="2672917"/>
+            <a:ext cx="1481001" cy="1733709"/>
+          </a:xfrm>
+          <a:prstGeom prst="curvedConnector2">
+            <a:avLst/>
+          </a:prstGeom>
+          <a:ln w="63500">
+            <a:tailEnd type="triangle"/>
+          </a:ln>
+        </p:spPr>
+        <p:style>
+          <a:lnRef idx="1">
+            <a:schemeClr val="accent2"/>
+          </a:lnRef>
+          <a:fillRef idx="0">
+            <a:schemeClr val="accent2"/>
+          </a:fillRef>
+          <a:effectRef idx="0">
+            <a:schemeClr val="accent2"/>
+          </a:effectRef>
+          <a:fontRef idx="minor">
+            <a:schemeClr val="tx1"/>
+          </a:fontRef>
+        </p:style>
+      </p:cxnSp>
+      <p:cxnSp>
+        <p:nvCxnSpPr>
+          <p:cNvPr id="54" name="Connector: Curved 53">
+            <a:extLst>
+              <a:ext uri="{FF2B5EF4-FFF2-40B4-BE49-F238E27FC236}">
+                <a16:creationId xmlns:a16="http://schemas.microsoft.com/office/drawing/2014/main" id="{E73D1AE3-DE97-42D6-B4E3-AA0B49A1A9A0}"/>
+              </a:ext>
+            </a:extLst>
+          </p:cNvPr>
+          <p:cNvCxnSpPr>
+            <a:cxnSpLocks/>
+            <a:stCxn id="27" idx="6"/>
+            <a:endCxn id="30" idx="4"/>
+          </p:cNvCxnSpPr>
+          <p:nvPr/>
+        </p:nvCxnSpPr>
+        <p:spPr>
+          <a:xfrm flipV="1">
+            <a:off x="8917112" y="3537012"/>
+            <a:ext cx="1263266" cy="1733710"/>
+          </a:xfrm>
+          <a:prstGeom prst="curvedConnector2">
+            <a:avLst/>
+          </a:prstGeom>
+          <a:ln w="63500">
+            <a:tailEnd type="triangle"/>
+          </a:ln>
+        </p:spPr>
+        <p:style>
+          <a:lnRef idx="1">
+            <a:schemeClr val="accent2"/>
+          </a:lnRef>
+          <a:fillRef idx="0">
+            <a:schemeClr val="accent2"/>
+          </a:fillRef>
+          <a:effectRef idx="0">
+            <a:schemeClr val="accent2"/>
+          </a:effectRef>
+          <a:fontRef idx="minor">
+            <a:schemeClr val="tx1"/>
+          </a:fontRef>
+        </p:style>
+      </p:cxnSp>
+      <p:sp>
+        <p:nvSpPr>
+          <p:cNvPr id="56" name="TextBox 55">
+            <a:extLst>
+              <a:ext uri="{FF2B5EF4-FFF2-40B4-BE49-F238E27FC236}">
+                <a16:creationId xmlns:a16="http://schemas.microsoft.com/office/drawing/2014/main" id="{1C861F5F-0510-4246-9F50-D48C348ABAC0}"/>
+              </a:ext>
+            </a:extLst>
+          </p:cNvPr>
+          <p:cNvSpPr txBox="1"/>
+          <p:nvPr/>
+        </p:nvSpPr>
+        <p:spPr>
+          <a:xfrm>
+            <a:off x="10238159" y="5410211"/>
+            <a:ext cx="1475212" cy="646331"/>
           </a:xfrm>
           <a:prstGeom prst="rect">
             <a:avLst/>
           </a:prstGeom>
+          <a:noFill/>
         </p:spPr>
         <p:txBody>
-          <a:bodyPr wrap="square">
+          <a:bodyPr wrap="none" rtlCol="0">
             <a:spAutoFit/>
           </a:bodyPr>
           <a:lstStyle/>
           <a:p>
             <a:r>
-              <a:rPr lang="ru-RU" sz="2000" dirty="0">
+              <a:rPr lang="en-US" dirty="0">
                 <a:solidFill>
-                  <a:srgbClr val="FF0000"/>
+                  <a:schemeClr val="accent6"/>
                 </a:solidFill>
               </a:rPr>
-              <a:t>Вот здесь мне понадобится помощь ребят! Возможно добавить ещё пару слайдов.</a:t>
-            </a:r>
+              <a:t>Manually </a:t>
+            </a:r>
+          </a:p>
+          <a:p>
+            <a:r>
+              <a:rPr lang="en-US" dirty="0">
+                <a:solidFill>
+                  <a:schemeClr val="accent2"/>
+                </a:solidFill>
+              </a:rPr>
+              <a:t>Automatically</a:t>
+            </a:r>
+            <a:endParaRPr lang="ru-RU" dirty="0">
+              <a:solidFill>
+                <a:schemeClr val="accent2"/>
+              </a:solidFill>
+            </a:endParaRPr>
           </a:p>
         </p:txBody>
       </p:sp>
@@ -22891,89 +20757,6 @@
   <p:clrMapOvr>
     <a:masterClrMapping/>
   </p:clrMapOvr>
-  <p:timing>
-    <p:tnLst>
-      <p:par>
-        <p:cTn id="1" dur="indefinite" restart="never" nodeType="tmRoot">
-          <p:childTnLst>
-            <p:seq concurrent="1" nextAc="seek">
-              <p:cTn id="2" dur="indefinite" nodeType="mainSeq">
-                <p:childTnLst>
-                  <p:par>
-                    <p:cTn id="3" fill="hold">
-                      <p:stCondLst>
-                        <p:cond delay="indefinite"/>
-                      </p:stCondLst>
-                      <p:childTnLst>
-                        <p:par>
-                          <p:cTn id="4" fill="hold">
-                            <p:stCondLst>
-                              <p:cond delay="0"/>
-                            </p:stCondLst>
-                            <p:childTnLst>
-                              <p:par>
-                                <p:cTn id="5" presetID="1" presetClass="entr" presetSubtype="0" fill="hold" grpId="0" nodeType="clickEffect" nodePh="1">
-                                  <p:stCondLst>
-                                    <p:cond delay="0"/>
-                                  </p:stCondLst>
-                                  <p:endCondLst>
-                                    <p:cond evt="begin" delay="0">
-                                      <p:tn val="5"/>
-                                    </p:cond>
-                                  </p:endCondLst>
-                                  <p:childTnLst>
-                                    <p:set>
-                                      <p:cBhvr>
-                                        <p:cTn id="6" dur="1" fill="hold">
-                                          <p:stCondLst>
-                                            <p:cond delay="0"/>
-                                          </p:stCondLst>
-                                        </p:cTn>
-                                        <p:tgtEl>
-                                          <p:spTgt spid="4"/>
-                                        </p:tgtEl>
-                                        <p:attrNameLst>
-                                          <p:attrName>style.visibility</p:attrName>
-                                        </p:attrNameLst>
-                                      </p:cBhvr>
-                                      <p:to>
-                                        <p:strVal val="visible"/>
-                                      </p:to>
-                                    </p:set>
-                                  </p:childTnLst>
-                                </p:cTn>
-                              </p:par>
-                            </p:childTnLst>
-                          </p:cTn>
-                        </p:par>
-                      </p:childTnLst>
-                    </p:cTn>
-                  </p:par>
-                </p:childTnLst>
-              </p:cTn>
-              <p:prevCondLst>
-                <p:cond evt="onPrev" delay="0">
-                  <p:tgtEl>
-                    <p:sldTgt/>
-                  </p:tgtEl>
-                </p:cond>
-              </p:prevCondLst>
-              <p:nextCondLst>
-                <p:cond evt="onNext" delay="0">
-                  <p:tgtEl>
-                    <p:sldTgt/>
-                  </p:tgtEl>
-                </p:cond>
-              </p:nextCondLst>
-            </p:seq>
-          </p:childTnLst>
-        </p:cTn>
-      </p:par>
-    </p:tnLst>
-    <p:bldLst>
-      <p:bldP spid="4" grpId="0"/>
-    </p:bldLst>
-  </p:timing>
 </p:sld>
 </file>
 
@@ -22996,67 +20779,10 @@
       </p:grpSpPr>
       <p:sp>
         <p:nvSpPr>
-          <p:cNvPr id="12" name="Прямоугольник 11"/>
-          <p:cNvSpPr/>
-          <p:nvPr/>
-        </p:nvSpPr>
-        <p:spPr>
-          <a:xfrm>
-            <a:off x="4025470" y="342584"/>
-            <a:ext cx="4365299" cy="646331"/>
-          </a:xfrm>
-          <a:prstGeom prst="rect">
-            <a:avLst/>
-          </a:prstGeom>
-        </p:spPr>
-        <p:txBody>
-          <a:bodyPr wrap="none">
-            <a:spAutoFit/>
-          </a:bodyPr>
-          <a:lstStyle/>
-          <a:p>
-            <a:pPr algn="ctr">
-              <a:spcBef>
-                <a:spcPts val="1800"/>
-              </a:spcBef>
-              <a:buClr>
-                <a:schemeClr val="accent2">
-                  <a:lumMod val="75000"/>
-                </a:schemeClr>
-              </a:buClr>
-              <a:defRPr/>
-            </a:pPr>
-            <a:r>
-              <a:rPr lang="ru-RU" sz="3600" dirty="0">
-                <a:solidFill>
-                  <a:srgbClr val="8A0000"/>
-                </a:solidFill>
-                <a:latin typeface="Segoe UI" panose="020B0502040204020203" pitchFamily="34" charset="0"/>
-                <a:ea typeface="Tahoma" panose="020B0604030504040204" pitchFamily="34" charset="0"/>
-                <a:cs typeface="Segoe UI" panose="020B0502040204020203" pitchFamily="34" charset="0"/>
-              </a:rPr>
-              <a:t>Инструменты </a:t>
-            </a:r>
-            <a:r>
-              <a:rPr lang="en-US" sz="3600" dirty="0">
-                <a:solidFill>
-                  <a:srgbClr val="8A0000"/>
-                </a:solidFill>
-                <a:latin typeface="Segoe UI" panose="020B0502040204020203" pitchFamily="34" charset="0"/>
-                <a:ea typeface="Tahoma" panose="020B0604030504040204" pitchFamily="34" charset="0"/>
-                <a:cs typeface="Segoe UI" panose="020B0502040204020203" pitchFamily="34" charset="0"/>
-              </a:rPr>
-              <a:t>CI/CD</a:t>
-            </a:r>
-          </a:p>
-        </p:txBody>
-      </p:sp>
-      <p:sp>
-        <p:nvSpPr>
-          <p:cNvPr id="3" name="Slide Number Placeholder 2">
+          <p:cNvPr id="2" name="Slide Number Placeholder 1">
             <a:extLst>
               <a:ext uri="{FF2B5EF4-FFF2-40B4-BE49-F238E27FC236}">
-                <a16:creationId xmlns:a16="http://schemas.microsoft.com/office/drawing/2014/main" id="{6321BABD-98A4-4C81-896B-674D1A8BEE76}"/>
+                <a16:creationId xmlns:a16="http://schemas.microsoft.com/office/drawing/2014/main" id="{273DBD41-EDC5-4FA8-B55A-0694A5A93DB5}"/>
               </a:ext>
             </a:extLst>
           </p:cNvPr>
@@ -23074,18 +20800,19 @@
           <a:p>
             <a:fld id="{804AB9DF-E7AE-468D-8B4C-48ED25F9C89B}" type="slidenum">
               <a:rPr lang="ru-RU" smtClean="0"/>
+              <a:pPr/>
               <a:t>8</a:t>
             </a:fld>
-            <a:endParaRPr lang="ru-RU"/>
+            <a:endParaRPr lang="ru-RU" dirty="0"/>
           </a:p>
         </p:txBody>
       </p:sp>
       <p:sp>
         <p:nvSpPr>
-          <p:cNvPr id="4" name="Rectangle 3">
+          <p:cNvPr id="3" name="Прямоугольник 11">
             <a:extLst>
               <a:ext uri="{FF2B5EF4-FFF2-40B4-BE49-F238E27FC236}">
-                <a16:creationId xmlns:a16="http://schemas.microsoft.com/office/drawing/2014/main" id="{2F52B730-23BD-4568-89A8-0A1474852FED}"/>
+                <a16:creationId xmlns:a16="http://schemas.microsoft.com/office/drawing/2014/main" id="{1B335242-BBBA-46EB-9CB5-1035A6D5B58B}"/>
               </a:ext>
             </a:extLst>
           </p:cNvPr>
@@ -23094,157 +20821,51 @@
         </p:nvSpPr>
         <p:spPr>
           <a:xfrm>
-            <a:off x="627483" y="1377960"/>
-            <a:ext cx="11161240" cy="646331"/>
+            <a:off x="2518806" y="342584"/>
+            <a:ext cx="7378623" cy="646331"/>
           </a:xfrm>
           <a:prstGeom prst="rect">
             <a:avLst/>
           </a:prstGeom>
         </p:spPr>
         <p:txBody>
-          <a:bodyPr wrap="square">
+          <a:bodyPr wrap="none">
             <a:spAutoFit/>
           </a:bodyPr>
           <a:lstStyle/>
           <a:p>
-            <a:pPr marL="285750" indent="-285750" algn="ctr">
-              <a:buFont typeface="Arial" panose="020B0604020202020204" pitchFamily="34" charset="0"/>
-              <a:buChar char="•"/>
+            <a:pPr algn="ctr">
+              <a:spcBef>
+                <a:spcPts val="1800"/>
+              </a:spcBef>
+              <a:buClr>
+                <a:schemeClr val="accent2">
+                  <a:lumMod val="75000"/>
+                </a:schemeClr>
+              </a:buClr>
+              <a:defRPr/>
             </a:pPr>
-            <a:endParaRPr lang="ru-RU" dirty="0"/>
-          </a:p>
-          <a:p>
-            <a:pPr marL="285750" indent="-285750" algn="ctr">
-              <a:buFont typeface="Arial" panose="020B0604020202020204" pitchFamily="34" charset="0"/>
-              <a:buChar char="•"/>
-            </a:pPr>
-            <a:endParaRPr lang="ru-RU" dirty="0"/>
-          </a:p>
-        </p:txBody>
-      </p:sp>
-      <p:sp>
-        <p:nvSpPr>
-          <p:cNvPr id="2" name="Rectangle 1">
-            <a:extLst>
-              <a:ext uri="{FF2B5EF4-FFF2-40B4-BE49-F238E27FC236}">
-                <a16:creationId xmlns:a16="http://schemas.microsoft.com/office/drawing/2014/main" id="{667B87AE-BDB9-45D9-B99C-80DD44D77169}"/>
-              </a:ext>
-            </a:extLst>
-          </p:cNvPr>
-          <p:cNvSpPr/>
-          <p:nvPr/>
-        </p:nvSpPr>
-        <p:spPr>
-          <a:xfrm>
-            <a:off x="627483" y="988915"/>
-            <a:ext cx="5468517" cy="2554545"/>
-          </a:xfrm>
-          <a:prstGeom prst="rect">
-            <a:avLst/>
-          </a:prstGeom>
-        </p:spPr>
-        <p:txBody>
-          <a:bodyPr wrap="square">
-            <a:spAutoFit/>
-          </a:bodyPr>
-          <a:lstStyle/>
-          <a:p>
-            <a:r>
-              <a:rPr lang="ru-RU" sz="2000" dirty="0"/>
-              <a:t>Основных инструментов всего 4:</a:t>
-            </a:r>
-          </a:p>
-          <a:p>
-            <a:pPr marL="342900" indent="-342900">
-              <a:buFont typeface="Arial" panose="020B0604020202020204" pitchFamily="34" charset="0"/>
-              <a:buChar char="•"/>
-            </a:pPr>
-            <a:r>
-              <a:rPr lang="en-US" sz="2000" dirty="0"/>
-              <a:t>VCS de-facto Git – </a:t>
-            </a:r>
-            <a:r>
-              <a:rPr lang="ru-RU" sz="2000" dirty="0"/>
-              <a:t>Система контроля версий кода приложения</a:t>
-            </a:r>
-            <a:endParaRPr lang="en-US" sz="2000" dirty="0"/>
-          </a:p>
-          <a:p>
-            <a:pPr marL="342900" indent="-342900">
-              <a:buFont typeface="Arial" panose="020B0604020202020204" pitchFamily="34" charset="0"/>
-              <a:buChar char="•"/>
-            </a:pPr>
-            <a:r>
-              <a:rPr lang="en-US" sz="2000" dirty="0"/>
-              <a:t>Build tool </a:t>
-            </a:r>
-            <a:r>
-              <a:rPr lang="ru-RU" sz="2000" dirty="0"/>
-              <a:t>– Утилита для сборки приложения </a:t>
-            </a:r>
-            <a:endParaRPr lang="en-US" sz="2000" dirty="0"/>
-          </a:p>
-          <a:p>
-            <a:pPr marL="342900" indent="-342900">
-              <a:buFont typeface="Arial" panose="020B0604020202020204" pitchFamily="34" charset="0"/>
-              <a:buChar char="•"/>
-            </a:pPr>
-            <a:r>
-              <a:rPr lang="en-US" sz="2000" dirty="0"/>
-              <a:t>Artifact Registry</a:t>
-            </a:r>
-            <a:r>
-              <a:rPr lang="ru-RU" sz="2000" dirty="0"/>
-              <a:t> – Хранилище готовых версий продукта</a:t>
-            </a:r>
-          </a:p>
-          <a:p>
-            <a:pPr marL="342900" indent="-342900">
-              <a:buFont typeface="Arial" panose="020B0604020202020204" pitchFamily="34" charset="0"/>
-              <a:buChar char="•"/>
-            </a:pPr>
-            <a:r>
-              <a:rPr lang="en-US" sz="2000" dirty="0"/>
-              <a:t>Deployment tool</a:t>
-            </a:r>
-            <a:r>
-              <a:rPr lang="ru-RU" sz="2000" dirty="0"/>
-              <a:t> – Утилита для развёртывания продукта</a:t>
-            </a:r>
-          </a:p>
-        </p:txBody>
-      </p:sp>
-      <p:sp>
-        <p:nvSpPr>
-          <p:cNvPr id="5" name="TextBox 4">
-            <a:extLst>
-              <a:ext uri="{FF2B5EF4-FFF2-40B4-BE49-F238E27FC236}">
-                <a16:creationId xmlns:a16="http://schemas.microsoft.com/office/drawing/2014/main" id="{45E7F5D6-9320-46D6-9E5F-961AFC225303}"/>
-              </a:ext>
-            </a:extLst>
-          </p:cNvPr>
-          <p:cNvSpPr txBox="1"/>
-          <p:nvPr/>
-        </p:nvSpPr>
-        <p:spPr>
-          <a:xfrm>
-            <a:off x="627483" y="4077072"/>
-            <a:ext cx="5468517" cy="1015663"/>
-          </a:xfrm>
-          <a:prstGeom prst="rect">
-            <a:avLst/>
-          </a:prstGeom>
-          <a:noFill/>
-        </p:spPr>
-        <p:txBody>
-          <a:bodyPr wrap="square" rtlCol="0">
-            <a:spAutoFit/>
-          </a:bodyPr>
-          <a:lstStyle/>
-          <a:p>
-            <a:r>
-              <a:rPr lang="ru-RU" sz="2000" dirty="0"/>
-              <a:t>Обычно это все 4 инструмента совмещены в универсальный комбайн, но это не всегда так и не всегда хорошо.</a:t>
+            <a:r>
+              <a:rPr lang="ru-RU" sz="3600" dirty="0">
+                <a:solidFill>
+                  <a:srgbClr val="8A0000"/>
+                </a:solidFill>
+                <a:latin typeface="Segoe UI" panose="020B0502040204020203" pitchFamily="34" charset="0"/>
+                <a:ea typeface="Tahoma" panose="020B0604030504040204" pitchFamily="34" charset="0"/>
+                <a:cs typeface="Segoe UI" panose="020B0502040204020203" pitchFamily="34" charset="0"/>
+              </a:rPr>
+              <a:t>Интеграция тестирования в </a:t>
+            </a:r>
+            <a:r>
+              <a:rPr lang="en-US" sz="3600" dirty="0">
+                <a:solidFill>
+                  <a:srgbClr val="8A0000"/>
+                </a:solidFill>
+                <a:latin typeface="Segoe UI" panose="020B0502040204020203" pitchFamily="34" charset="0"/>
+                <a:ea typeface="Tahoma" panose="020B0604030504040204" pitchFamily="34" charset="0"/>
+                <a:cs typeface="Segoe UI" panose="020B0502040204020203" pitchFamily="34" charset="0"/>
+              </a:rPr>
+              <a:t>CI/CD</a:t>
             </a:r>
           </a:p>
         </p:txBody>
@@ -23252,96 +20873,13 @@
     </p:spTree>
     <p:extLst>
       <p:ext uri="{BB962C8B-B14F-4D97-AF65-F5344CB8AC3E}">
-        <p14:creationId xmlns:p14="http://schemas.microsoft.com/office/powerpoint/2010/main" val="921953175"/>
+        <p14:creationId xmlns:p14="http://schemas.microsoft.com/office/powerpoint/2010/main" val="2063354071"/>
       </p:ext>
     </p:extLst>
   </p:cSld>
   <p:clrMapOvr>
     <a:masterClrMapping/>
   </p:clrMapOvr>
-  <p:timing>
-    <p:tnLst>
-      <p:par>
-        <p:cTn id="1" dur="indefinite" restart="never" nodeType="tmRoot">
-          <p:childTnLst>
-            <p:seq concurrent="1" nextAc="seek">
-              <p:cTn id="2" dur="indefinite" nodeType="mainSeq">
-                <p:childTnLst>
-                  <p:par>
-                    <p:cTn id="3" fill="hold">
-                      <p:stCondLst>
-                        <p:cond delay="indefinite"/>
-                      </p:stCondLst>
-                      <p:childTnLst>
-                        <p:par>
-                          <p:cTn id="4" fill="hold">
-                            <p:stCondLst>
-                              <p:cond delay="0"/>
-                            </p:stCondLst>
-                            <p:childTnLst>
-                              <p:par>
-                                <p:cTn id="5" presetID="1" presetClass="entr" presetSubtype="0" fill="hold" grpId="0" nodeType="clickEffect" nodePh="1">
-                                  <p:stCondLst>
-                                    <p:cond delay="0"/>
-                                  </p:stCondLst>
-                                  <p:endCondLst>
-                                    <p:cond evt="begin" delay="0">
-                                      <p:tn val="5"/>
-                                    </p:cond>
-                                  </p:endCondLst>
-                                  <p:childTnLst>
-                                    <p:set>
-                                      <p:cBhvr>
-                                        <p:cTn id="6" dur="1" fill="hold">
-                                          <p:stCondLst>
-                                            <p:cond delay="0"/>
-                                          </p:stCondLst>
-                                        </p:cTn>
-                                        <p:tgtEl>
-                                          <p:spTgt spid="4"/>
-                                        </p:tgtEl>
-                                        <p:attrNameLst>
-                                          <p:attrName>style.visibility</p:attrName>
-                                        </p:attrNameLst>
-                                      </p:cBhvr>
-                                      <p:to>
-                                        <p:strVal val="visible"/>
-                                      </p:to>
-                                    </p:set>
-                                  </p:childTnLst>
-                                </p:cTn>
-                              </p:par>
-                            </p:childTnLst>
-                          </p:cTn>
-                        </p:par>
-                      </p:childTnLst>
-                    </p:cTn>
-                  </p:par>
-                </p:childTnLst>
-              </p:cTn>
-              <p:prevCondLst>
-                <p:cond evt="onPrev" delay="0">
-                  <p:tgtEl>
-                    <p:sldTgt/>
-                  </p:tgtEl>
-                </p:cond>
-              </p:prevCondLst>
-              <p:nextCondLst>
-                <p:cond evt="onNext" delay="0">
-                  <p:tgtEl>
-                    <p:sldTgt/>
-                  </p:tgtEl>
-                </p:cond>
-              </p:nextCondLst>
-            </p:seq>
-          </p:childTnLst>
-        </p:cTn>
-      </p:par>
-    </p:tnLst>
-    <p:bldLst>
-      <p:bldP spid="4" grpId="0"/>
-    </p:bldLst>
-  </p:timing>
 </p:sld>
 </file>
 
@@ -23505,7 +21043,7 @@
         <p:spPr>
           <a:xfrm>
             <a:off x="627483" y="988915"/>
-            <a:ext cx="4861299" cy="707886"/>
+            <a:ext cx="5468517" cy="2554545"/>
           </a:xfrm>
           <a:prstGeom prst="rect">
             <a:avLst/>
@@ -23518,85 +21056,101 @@
           <a:lstStyle/>
           <a:p>
             <a:r>
+              <a:rPr lang="ru-RU" sz="2000" dirty="0"/>
+              <a:t>Основных инструментов всего 4:</a:t>
+            </a:r>
+          </a:p>
+          <a:p>
+            <a:pPr marL="342900" indent="-342900">
+              <a:buFont typeface="Arial" panose="020B0604020202020204" pitchFamily="34" charset="0"/>
+              <a:buChar char="•"/>
+            </a:pPr>
+            <a:r>
               <a:rPr lang="en-US" sz="2000" dirty="0"/>
-              <a:t>Git:</a:t>
-            </a:r>
-          </a:p>
-          <a:p>
-            <a:endParaRPr lang="ru-RU" sz="2000" dirty="0"/>
+              <a:t>VCS de-facto Git – </a:t>
+            </a:r>
+            <a:r>
+              <a:rPr lang="ru-RU" sz="2000" dirty="0"/>
+              <a:t>Система контроля версий кода приложения</a:t>
+            </a:r>
+            <a:endParaRPr lang="en-US" sz="2000" dirty="0"/>
+          </a:p>
+          <a:p>
+            <a:pPr marL="342900" indent="-342900">
+              <a:buFont typeface="Arial" panose="020B0604020202020204" pitchFamily="34" charset="0"/>
+              <a:buChar char="•"/>
+            </a:pPr>
+            <a:r>
+              <a:rPr lang="en-US" sz="2000" dirty="0"/>
+              <a:t>Build tool </a:t>
+            </a:r>
+            <a:r>
+              <a:rPr lang="ru-RU" sz="2000" dirty="0"/>
+              <a:t>– Утилита для сборки приложения </a:t>
+            </a:r>
+            <a:endParaRPr lang="en-US" sz="2000" dirty="0"/>
+          </a:p>
+          <a:p>
+            <a:pPr marL="342900" indent="-342900">
+              <a:buFont typeface="Arial" panose="020B0604020202020204" pitchFamily="34" charset="0"/>
+              <a:buChar char="•"/>
+            </a:pPr>
+            <a:r>
+              <a:rPr lang="en-US" sz="2000" dirty="0"/>
+              <a:t>Artifact Registry</a:t>
+            </a:r>
+            <a:r>
+              <a:rPr lang="ru-RU" sz="2000" dirty="0"/>
+              <a:t> – Хранилище готовых версий продукта</a:t>
+            </a:r>
+          </a:p>
+          <a:p>
+            <a:pPr marL="342900" indent="-342900">
+              <a:buFont typeface="Arial" panose="020B0604020202020204" pitchFamily="34" charset="0"/>
+              <a:buChar char="•"/>
+            </a:pPr>
+            <a:r>
+              <a:rPr lang="en-US" sz="2000" dirty="0"/>
+              <a:t>Deployment tool</a:t>
+            </a:r>
+            <a:r>
+              <a:rPr lang="ru-RU" sz="2000" dirty="0"/>
+              <a:t> – Утилита для развёртывания продукта</a:t>
+            </a:r>
           </a:p>
         </p:txBody>
       </p:sp>
       <p:sp>
         <p:nvSpPr>
-          <p:cNvPr id="8" name="Rectangle 7">
+          <p:cNvPr id="5" name="TextBox 4">
             <a:extLst>
               <a:ext uri="{FF2B5EF4-FFF2-40B4-BE49-F238E27FC236}">
-                <a16:creationId xmlns:a16="http://schemas.microsoft.com/office/drawing/2014/main" id="{8CA24081-9F84-4CCD-A01A-CDF2AA36E8BE}"/>
+                <a16:creationId xmlns:a16="http://schemas.microsoft.com/office/drawing/2014/main" id="{45E7F5D6-9320-46D6-9E5F-961AFC225303}"/>
               </a:ext>
             </a:extLst>
           </p:cNvPr>
-          <p:cNvSpPr/>
+          <p:cNvSpPr txBox="1"/>
           <p:nvPr/>
         </p:nvSpPr>
         <p:spPr>
           <a:xfrm>
-            <a:off x="7464152" y="5649601"/>
-            <a:ext cx="4861299" cy="707886"/>
+            <a:off x="627483" y="4077072"/>
+            <a:ext cx="5468517" cy="1015663"/>
           </a:xfrm>
           <a:prstGeom prst="rect">
             <a:avLst/>
           </a:prstGeom>
+          <a:noFill/>
         </p:spPr>
         <p:txBody>
-          <a:bodyPr wrap="square">
+          <a:bodyPr wrap="square" rtlCol="0">
             <a:spAutoFit/>
           </a:bodyPr>
           <a:lstStyle/>
           <a:p>
             <a:r>
               <a:rPr lang="ru-RU" sz="2000" dirty="0"/>
-              <a:t>Пара клиентов, </a:t>
-            </a:r>
-            <a:r>
-              <a:rPr lang="ru-RU" sz="2000" dirty="0">
-                <a:solidFill>
-                  <a:srgbClr val="FF0000"/>
-                </a:solidFill>
-              </a:rPr>
-              <a:t>основные концепции.</a:t>
-            </a:r>
-            <a:r>
-              <a:rPr lang="en-US" sz="2000" dirty="0">
-                <a:solidFill>
-                  <a:srgbClr val="FF0000"/>
-                </a:solidFill>
-              </a:rPr>
-              <a:t> </a:t>
-            </a:r>
-            <a:r>
-              <a:rPr lang="ru-RU" sz="2000" dirty="0">
-                <a:solidFill>
-                  <a:srgbClr val="FF0000"/>
-                </a:solidFill>
-              </a:rPr>
-              <a:t>По-моему, кто-то рассказывал про</a:t>
-            </a:r>
-            <a:r>
-              <a:rPr lang="en-US" sz="2000" dirty="0">
-                <a:solidFill>
-                  <a:srgbClr val="FF0000"/>
-                </a:solidFill>
-              </a:rPr>
-              <a:t> Git</a:t>
-            </a:r>
-            <a:r>
-              <a:rPr lang="ru-RU" sz="2000" dirty="0">
-                <a:solidFill>
-                  <a:srgbClr val="FF0000"/>
-                </a:solidFill>
-              </a:rPr>
-              <a:t>???</a:t>
+              <a:t>Обычно это все 4 инструмента совмещены в универсальный комбайн, но это не всегда так и не всегда хорошо.</a:t>
             </a:r>
           </a:p>
         </p:txBody>
@@ -23604,7 +21158,7 @@
     </p:spTree>
     <p:extLst>
       <p:ext uri="{BB962C8B-B14F-4D97-AF65-F5344CB8AC3E}">
-        <p14:creationId xmlns:p14="http://schemas.microsoft.com/office/powerpoint/2010/main" val="1691714270"/>
+        <p14:creationId xmlns:p14="http://schemas.microsoft.com/office/powerpoint/2010/main" val="921953175"/>
       </p:ext>
     </p:extLst>
   </p:cSld>
@@ -24731,15 +22285,15 @@
 <file path=customXml/itemProps2.xml><?xml version="1.0" encoding="utf-8"?>
 <ds:datastoreItem xmlns:ds="http://schemas.openxmlformats.org/officeDocument/2006/customXml" ds:itemID="{6A2F26BD-ADA1-49C0-9754-11B244691855}">
   <ds:schemaRefs>
-    <ds:schemaRef ds:uri="http://purl.org/dc/elements/1.1/"/>
+    <ds:schemaRef ds:uri="http://schemas.microsoft.com/office/2006/metadata/properties"/>
     <ds:schemaRef ds:uri="http://schemas.microsoft.com/office/2006/documentManagement/types"/>
     <ds:schemaRef ds:uri="http://schemas.microsoft.com/sharepoint/v4"/>
     <ds:schemaRef ds:uri="http://purl.org/dc/terms/"/>
     <ds:schemaRef ds:uri="http://schemas.openxmlformats.org/package/2006/metadata/core-properties"/>
     <ds:schemaRef ds:uri="http://purl.org/dc/dcmitype/"/>
     <ds:schemaRef ds:uri="http://schemas.microsoft.com/office/infopath/2007/PartnerControls"/>
+    <ds:schemaRef ds:uri="http://purl.org/dc/elements/1.1/"/>
     <ds:schemaRef ds:uri="4761da96-199c-4abc-88e7-ee2ba8670048"/>
-    <ds:schemaRef ds:uri="http://schemas.microsoft.com/office/2006/metadata/properties"/>
     <ds:schemaRef ds:uri="http://www.w3.org/XML/1998/namespace"/>
   </ds:schemaRefs>
 </ds:datastoreItem>

--- a/lection.pptx
+++ b/lection.pptx
@@ -5,10 +5,10 @@
     <p:sldMasterId id="2147483648" r:id="rId4"/>
   </p:sldMasterIdLst>
   <p:notesMasterIdLst>
-    <p:notesMasterId r:id="rId33"/>
+    <p:notesMasterId r:id="rId38"/>
   </p:notesMasterIdLst>
   <p:handoutMasterIdLst>
-    <p:handoutMasterId r:id="rId34"/>
+    <p:handoutMasterId r:id="rId39"/>
   </p:handoutMasterIdLst>
   <p:sldIdLst>
     <p:sldId id="256" r:id="rId5"/>
@@ -37,8 +37,13 @@
     <p:sldId id="316" r:id="rId28"/>
     <p:sldId id="319" r:id="rId29"/>
     <p:sldId id="344" r:id="rId30"/>
-    <p:sldId id="322" r:id="rId31"/>
-    <p:sldId id="282" r:id="rId32"/>
+    <p:sldId id="345" r:id="rId31"/>
+    <p:sldId id="346" r:id="rId32"/>
+    <p:sldId id="347" r:id="rId33"/>
+    <p:sldId id="348" r:id="rId34"/>
+    <p:sldId id="322" r:id="rId35"/>
+    <p:sldId id="282" r:id="rId36"/>
+    <p:sldId id="349" r:id="rId37"/>
   </p:sldIdLst>
   <p:sldSz cx="12192000" cy="6858000"/>
   <p:notesSz cx="6797675" cy="9872663"/>
@@ -10246,7 +10251,7 @@
           <a:p>
             <a:fld id="{384266DF-7150-4860-AC0A-B99D436C8C22}" type="datetimeFigureOut">
               <a:rPr lang="ru-RU" smtClean="0"/>
-              <a:t>14.02.2019</a:t>
+              <a:t>21.02.2019</a:t>
             </a:fld>
             <a:endParaRPr lang="ru-RU"/>
           </a:p>
@@ -10412,7 +10417,7 @@
           <a:p>
             <a:fld id="{A8AA0BDA-687D-42F8-92A5-D4A5D5177E2B}" type="datetimeFigureOut">
               <a:rPr lang="ru-RU" smtClean="0"/>
-              <a:t>14.02.2019</a:t>
+              <a:t>18.02.2019</a:t>
             </a:fld>
             <a:endParaRPr lang="ru-RU"/>
           </a:p>
@@ -12622,6 +12627,45 @@
           <a:chExt cx="0" cy="0"/>
         </a:xfrm>
       </p:grpSpPr>
+      <p:sp>
+        <p:nvSpPr>
+          <p:cNvPr id="2" name="Notes Placeholder 1">
+            <a:extLst>
+              <a:ext uri="{FF2B5EF4-FFF2-40B4-BE49-F238E27FC236}">
+                <a16:creationId xmlns:a16="http://schemas.microsoft.com/office/drawing/2014/main" id="{16A62AE8-CD06-4FCB-AE2C-37C71A361E35}"/>
+              </a:ext>
+            </a:extLst>
+          </p:cNvPr>
+          <p:cNvSpPr>
+            <a:spLocks noGrp="1"/>
+          </p:cNvSpPr>
+          <p:nvPr>
+            <p:ph type="body" idx="1"/>
+          </p:nvPr>
+        </p:nvSpPr>
+        <p:spPr/>
+        <p:txBody>
+          <a:bodyPr/>
+          <a:lstStyle/>
+          <a:p>
+            <a:r>
+              <a:rPr lang="ru-RU" dirty="0"/>
+              <a:t>Может быть даже </a:t>
+            </a:r>
+            <a:r>
+              <a:rPr lang="en-US" dirty="0"/>
+              <a:t>Live</a:t>
+            </a:r>
+            <a:r>
+              <a:rPr lang="ru-RU" dirty="0"/>
+              <a:t> !!!</a:t>
+            </a:r>
+          </a:p>
+          <a:p>
+            <a:endParaRPr lang="ru-RU" dirty="0"/>
+          </a:p>
+        </p:txBody>
+      </p:sp>
     </p:spTree>
   </p:cSld>
   <p:clrMapOvr>
@@ -12647,187 +12691,10 @@
           <a:chExt cx="0" cy="0"/>
         </a:xfrm>
       </p:grpSpPr>
-      <p:sp>
-        <p:nvSpPr>
-          <p:cNvPr id="2" name="Slide Image Placeholder 1"/>
-          <p:cNvSpPr>
-            <a:spLocks noGrp="1" noRot="1" noChangeAspect="1"/>
-          </p:cNvSpPr>
-          <p:nvPr>
-            <p:ph type="sldImg"/>
-          </p:nvPr>
-        </p:nvSpPr>
-        <p:spPr>
-          <a:xfrm>
-            <a:off x="107950" y="739775"/>
-            <a:ext cx="6581775" cy="3703638"/>
-          </a:xfrm>
-        </p:spPr>
-      </p:sp>
-      <p:sp>
-        <p:nvSpPr>
-          <p:cNvPr id="3" name="Notes Placeholder 2"/>
-          <p:cNvSpPr>
-            <a:spLocks noGrp="1"/>
-          </p:cNvSpPr>
-          <p:nvPr>
-            <p:ph type="body" idx="1"/>
-          </p:nvPr>
-        </p:nvSpPr>
-        <p:spPr/>
-        <p:txBody>
-          <a:bodyPr/>
-          <a:lstStyle/>
-          <a:p>
-            <a:r>
-              <a:rPr lang="ru-RU" sz="1200" b="0" i="0" kern="1200" dirty="0">
-                <a:solidFill>
-                  <a:schemeClr val="tx1"/>
-                </a:solidFill>
-                <a:effectLst/>
-                <a:latin typeface="+mn-lt"/>
-                <a:ea typeface="+mn-ea"/>
-                <a:cs typeface="+mn-cs"/>
-              </a:rPr>
-              <a:t>Организации, проектирующие системы, … производят их, копируя структуры коммуникации, сложившиеся в этих организациях,</a:t>
-            </a:r>
-            <a:br>
-              <a:rPr lang="ru-RU" dirty="0"/>
-            </a:br>
-            <a:r>
-              <a:rPr lang="ru-RU" sz="1200" b="0" i="1" kern="1200" dirty="0">
-                <a:solidFill>
-                  <a:schemeClr val="tx1"/>
-                </a:solidFill>
-                <a:effectLst/>
-                <a:latin typeface="+mn-lt"/>
-                <a:ea typeface="+mn-ea"/>
-                <a:cs typeface="+mn-cs"/>
-              </a:rPr>
-              <a:t>—</a:t>
-            </a:r>
-          </a:p>
-          <a:p>
-            <a:r>
-              <a:rPr lang="ru-RU" sz="1200" b="0" i="1" kern="1200" dirty="0">
-                <a:solidFill>
-                  <a:schemeClr val="tx1"/>
-                </a:solidFill>
-                <a:effectLst/>
-                <a:latin typeface="+mn-lt"/>
-                <a:ea typeface="+mn-ea"/>
-                <a:cs typeface="+mn-cs"/>
-              </a:rPr>
-              <a:t> </a:t>
-            </a:r>
-            <a:r>
-              <a:rPr lang="ru-RU" sz="1200" b="0" i="1" kern="1200" dirty="0" err="1">
-                <a:solidFill>
-                  <a:schemeClr val="tx1"/>
-                </a:solidFill>
-                <a:effectLst/>
-                <a:latin typeface="+mn-lt"/>
-                <a:ea typeface="+mn-ea"/>
-                <a:cs typeface="+mn-cs"/>
-              </a:rPr>
-              <a:t>Конвей</a:t>
-            </a:r>
-            <a:r>
-              <a:rPr lang="ru-RU" sz="1200" b="0" i="1" kern="1200" dirty="0">
-                <a:solidFill>
-                  <a:schemeClr val="tx1"/>
-                </a:solidFill>
-                <a:effectLst/>
-                <a:latin typeface="+mn-lt"/>
-                <a:ea typeface="+mn-ea"/>
-                <a:cs typeface="+mn-cs"/>
-              </a:rPr>
-              <a:t>, 1968</a:t>
-            </a:r>
-          </a:p>
-          <a:p>
-            <a:r>
-              <a:rPr lang="ru-RU" sz="1200" b="0" i="0" kern="1200" dirty="0">
-                <a:solidFill>
-                  <a:schemeClr val="tx1"/>
-                </a:solidFill>
-                <a:effectLst/>
-                <a:latin typeface="+mn-lt"/>
-                <a:ea typeface="+mn-ea"/>
-                <a:cs typeface="+mn-cs"/>
-              </a:rPr>
-              <a:t>Сложная рабочая система неизменно получается из простой рабочей системы. Сложная система, разработанная с нуля, никогда не работает. И никакие улучшения не заставят ее работать. Начинать следует с простой рабочей системы,</a:t>
-            </a:r>
-            <a:br>
-              <a:rPr lang="ru-RU" dirty="0"/>
-            </a:br>
-            <a:r>
-              <a:rPr lang="ru-RU" sz="1200" b="0" i="1" kern="1200" dirty="0">
-                <a:solidFill>
-                  <a:schemeClr val="tx1"/>
-                </a:solidFill>
-                <a:effectLst/>
-                <a:latin typeface="+mn-lt"/>
-                <a:ea typeface="+mn-ea"/>
-                <a:cs typeface="+mn-cs"/>
-              </a:rPr>
-              <a:t>— закон </a:t>
-            </a:r>
-            <a:r>
-              <a:rPr lang="ru-RU" sz="1200" b="0" i="1" kern="1200" dirty="0" err="1">
-                <a:solidFill>
-                  <a:schemeClr val="tx1"/>
-                </a:solidFill>
-                <a:effectLst/>
-                <a:latin typeface="+mn-lt"/>
-                <a:ea typeface="+mn-ea"/>
-                <a:cs typeface="+mn-cs"/>
-              </a:rPr>
-              <a:t>Голла</a:t>
-            </a:r>
-            <a:r>
-              <a:rPr lang="ru-RU" sz="1200" b="0" i="1" kern="1200" dirty="0">
-                <a:solidFill>
-                  <a:schemeClr val="tx1"/>
-                </a:solidFill>
-                <a:effectLst/>
-                <a:latin typeface="+mn-lt"/>
-                <a:ea typeface="+mn-ea"/>
-                <a:cs typeface="+mn-cs"/>
-              </a:rPr>
-              <a:t>, 1986</a:t>
-            </a:r>
-            <a:endParaRPr lang="ru-RU" dirty="0"/>
-          </a:p>
-        </p:txBody>
-      </p:sp>
-      <p:sp>
-        <p:nvSpPr>
-          <p:cNvPr id="4" name="Slide Number Placeholder 3"/>
-          <p:cNvSpPr>
-            <a:spLocks noGrp="1"/>
-          </p:cNvSpPr>
-          <p:nvPr>
-            <p:ph type="sldNum" sz="quarter" idx="10"/>
-          </p:nvPr>
-        </p:nvSpPr>
-        <p:spPr/>
-        <p:txBody>
-          <a:bodyPr/>
-          <a:lstStyle/>
-          <a:p>
-            <a:fld id="{8519FF73-C841-4304-9A07-8DD1AE4B7BE5}" type="slidenum">
-              <a:rPr lang="ru-RU" smtClean="0"/>
-              <a:t>27</a:t>
-            </a:fld>
-            <a:endParaRPr lang="ru-RU"/>
-          </a:p>
-        </p:txBody>
-      </p:sp>
     </p:spTree>
     <p:extLst>
       <p:ext uri="{BB962C8B-B14F-4D97-AF65-F5344CB8AC3E}">
-        <p14:creationId xmlns:p14="http://schemas.microsoft.com/office/powerpoint/2010/main" val="45130308"/>
+        <p14:creationId xmlns:p14="http://schemas.microsoft.com/office/powerpoint/2010/main" val="717551010"/>
       </p:ext>
     </p:extLst>
   </p:cSld>
@@ -12854,6 +12721,392 @@
           <a:chExt cx="0" cy="0"/>
         </a:xfrm>
       </p:grpSpPr>
+    </p:spTree>
+    <p:extLst>
+      <p:ext uri="{BB962C8B-B14F-4D97-AF65-F5344CB8AC3E}">
+        <p14:creationId xmlns:p14="http://schemas.microsoft.com/office/powerpoint/2010/main" val="404420088"/>
+      </p:ext>
+    </p:extLst>
+  </p:cSld>
+  <p:clrMapOvr>
+    <a:masterClrMapping/>
+  </p:clrMapOvr>
+</p:notes>
+</file>
+
+<file path=ppt/notesSlides/notesSlide29.xml><?xml version="1.0" encoding="utf-8"?>
+<p:notes xmlns:a="http://schemas.openxmlformats.org/drawingml/2006/main" xmlns:r="http://schemas.openxmlformats.org/officeDocument/2006/relationships" xmlns:p="http://schemas.openxmlformats.org/presentationml/2006/main">
+  <p:cSld>
+    <p:spTree>
+      <p:nvGrpSpPr>
+        <p:cNvPr id="1" name=""/>
+        <p:cNvGrpSpPr/>
+        <p:nvPr/>
+      </p:nvGrpSpPr>
+      <p:grpSpPr>
+        <a:xfrm>
+          <a:off x="0" y="0"/>
+          <a:ext cx="0" cy="0"/>
+          <a:chOff x="0" y="0"/>
+          <a:chExt cx="0" cy="0"/>
+        </a:xfrm>
+      </p:grpSpPr>
+    </p:spTree>
+    <p:extLst>
+      <p:ext uri="{BB962C8B-B14F-4D97-AF65-F5344CB8AC3E}">
+        <p14:creationId xmlns:p14="http://schemas.microsoft.com/office/powerpoint/2010/main" val="1734132907"/>
+      </p:ext>
+    </p:extLst>
+  </p:cSld>
+  <p:clrMapOvr>
+    <a:masterClrMapping/>
+  </p:clrMapOvr>
+</p:notes>
+</file>
+
+<file path=ppt/notesSlides/notesSlide3.xml><?xml version="1.0" encoding="utf-8"?>
+<p:notes xmlns:a="http://schemas.openxmlformats.org/drawingml/2006/main" xmlns:r="http://schemas.openxmlformats.org/officeDocument/2006/relationships" xmlns:p="http://schemas.openxmlformats.org/presentationml/2006/main">
+  <p:cSld>
+    <p:spTree>
+      <p:nvGrpSpPr>
+        <p:cNvPr id="1" name=""/>
+        <p:cNvGrpSpPr/>
+        <p:nvPr/>
+      </p:nvGrpSpPr>
+      <p:grpSpPr>
+        <a:xfrm>
+          <a:off x="0" y="0"/>
+          <a:ext cx="0" cy="0"/>
+          <a:chOff x="0" y="0"/>
+          <a:chExt cx="0" cy="0"/>
+        </a:xfrm>
+      </p:grpSpPr>
+      <p:sp>
+        <p:nvSpPr>
+          <p:cNvPr id="2" name="Slide Image Placeholder 1"/>
+          <p:cNvSpPr>
+            <a:spLocks noGrp="1" noRot="1" noChangeAspect="1"/>
+          </p:cNvSpPr>
+          <p:nvPr>
+            <p:ph type="sldImg"/>
+          </p:nvPr>
+        </p:nvSpPr>
+        <p:spPr>
+          <a:xfrm>
+            <a:off x="107950" y="739775"/>
+            <a:ext cx="6581775" cy="3703638"/>
+          </a:xfrm>
+        </p:spPr>
+      </p:sp>
+      <p:sp>
+        <p:nvSpPr>
+          <p:cNvPr id="3" name="Notes Placeholder 2"/>
+          <p:cNvSpPr>
+            <a:spLocks noGrp="1"/>
+          </p:cNvSpPr>
+          <p:nvPr>
+            <p:ph type="body" idx="1"/>
+          </p:nvPr>
+        </p:nvSpPr>
+        <p:spPr/>
+        <p:txBody>
+          <a:bodyPr/>
+          <a:lstStyle/>
+          <a:p>
+            <a:endParaRPr lang="ru-RU" dirty="0"/>
+          </a:p>
+        </p:txBody>
+      </p:sp>
+      <p:sp>
+        <p:nvSpPr>
+          <p:cNvPr id="4" name="Slide Number Placeholder 3"/>
+          <p:cNvSpPr>
+            <a:spLocks noGrp="1"/>
+          </p:cNvSpPr>
+          <p:nvPr>
+            <p:ph type="sldNum" sz="quarter" idx="10"/>
+          </p:nvPr>
+        </p:nvSpPr>
+        <p:spPr/>
+        <p:txBody>
+          <a:bodyPr/>
+          <a:lstStyle/>
+          <a:p>
+            <a:fld id="{8519FF73-C841-4304-9A07-8DD1AE4B7BE5}" type="slidenum">
+              <a:rPr lang="ru-RU" smtClean="0"/>
+              <a:t>3</a:t>
+            </a:fld>
+            <a:endParaRPr lang="ru-RU"/>
+          </a:p>
+        </p:txBody>
+      </p:sp>
+    </p:spTree>
+    <p:extLst>
+      <p:ext uri="{BB962C8B-B14F-4D97-AF65-F5344CB8AC3E}">
+        <p14:creationId xmlns:p14="http://schemas.microsoft.com/office/powerpoint/2010/main" val="1876663899"/>
+      </p:ext>
+    </p:extLst>
+  </p:cSld>
+  <p:clrMapOvr>
+    <a:masterClrMapping/>
+  </p:clrMapOvr>
+</p:notes>
+</file>
+
+<file path=ppt/notesSlides/notesSlide30.xml><?xml version="1.0" encoding="utf-8"?>
+<p:notes xmlns:a="http://schemas.openxmlformats.org/drawingml/2006/main" xmlns:r="http://schemas.openxmlformats.org/officeDocument/2006/relationships" xmlns:p="http://schemas.openxmlformats.org/presentationml/2006/main">
+  <p:cSld>
+    <p:spTree>
+      <p:nvGrpSpPr>
+        <p:cNvPr id="1" name=""/>
+        <p:cNvGrpSpPr/>
+        <p:nvPr/>
+      </p:nvGrpSpPr>
+      <p:grpSpPr>
+        <a:xfrm>
+          <a:off x="0" y="0"/>
+          <a:ext cx="0" cy="0"/>
+          <a:chOff x="0" y="0"/>
+          <a:chExt cx="0" cy="0"/>
+        </a:xfrm>
+      </p:grpSpPr>
+    </p:spTree>
+    <p:extLst>
+      <p:ext uri="{BB962C8B-B14F-4D97-AF65-F5344CB8AC3E}">
+        <p14:creationId xmlns:p14="http://schemas.microsoft.com/office/powerpoint/2010/main" val="2440117499"/>
+      </p:ext>
+    </p:extLst>
+  </p:cSld>
+  <p:clrMapOvr>
+    <a:masterClrMapping/>
+  </p:clrMapOvr>
+</p:notes>
+</file>
+
+<file path=ppt/notesSlides/notesSlide31.xml><?xml version="1.0" encoding="utf-8"?>
+<p:notes xmlns:a="http://schemas.openxmlformats.org/drawingml/2006/main" xmlns:r="http://schemas.openxmlformats.org/officeDocument/2006/relationships" xmlns:p="http://schemas.openxmlformats.org/presentationml/2006/main">
+  <p:cSld>
+    <p:spTree>
+      <p:nvGrpSpPr>
+        <p:cNvPr id="1" name=""/>
+        <p:cNvGrpSpPr/>
+        <p:nvPr/>
+      </p:nvGrpSpPr>
+      <p:grpSpPr>
+        <a:xfrm>
+          <a:off x="0" y="0"/>
+          <a:ext cx="0" cy="0"/>
+          <a:chOff x="0" y="0"/>
+          <a:chExt cx="0" cy="0"/>
+        </a:xfrm>
+      </p:grpSpPr>
+      <p:sp>
+        <p:nvSpPr>
+          <p:cNvPr id="2" name="Slide Image Placeholder 1"/>
+          <p:cNvSpPr>
+            <a:spLocks noGrp="1" noRot="1" noChangeAspect="1"/>
+          </p:cNvSpPr>
+          <p:nvPr>
+            <p:ph type="sldImg"/>
+          </p:nvPr>
+        </p:nvSpPr>
+        <p:spPr>
+          <a:xfrm>
+            <a:off x="107950" y="739775"/>
+            <a:ext cx="6581775" cy="3703638"/>
+          </a:xfrm>
+        </p:spPr>
+      </p:sp>
+      <p:sp>
+        <p:nvSpPr>
+          <p:cNvPr id="3" name="Notes Placeholder 2"/>
+          <p:cNvSpPr>
+            <a:spLocks noGrp="1"/>
+          </p:cNvSpPr>
+          <p:nvPr>
+            <p:ph type="body" idx="1"/>
+          </p:nvPr>
+        </p:nvSpPr>
+        <p:spPr/>
+        <p:txBody>
+          <a:bodyPr/>
+          <a:lstStyle/>
+          <a:p>
+            <a:r>
+              <a:rPr lang="ru-RU" sz="1200" b="0" i="0" kern="1200" dirty="0">
+                <a:solidFill>
+                  <a:schemeClr val="tx1"/>
+                </a:solidFill>
+                <a:effectLst/>
+                <a:latin typeface="+mn-lt"/>
+                <a:ea typeface="+mn-ea"/>
+                <a:cs typeface="+mn-cs"/>
+              </a:rPr>
+              <a:t>Организации, проектирующие системы, … производят их, копируя структуры коммуникации, сложившиеся в этих организациях,</a:t>
+            </a:r>
+            <a:br>
+              <a:rPr lang="ru-RU" dirty="0"/>
+            </a:br>
+            <a:r>
+              <a:rPr lang="ru-RU" sz="1200" b="0" i="1" kern="1200" dirty="0">
+                <a:solidFill>
+                  <a:schemeClr val="tx1"/>
+                </a:solidFill>
+                <a:effectLst/>
+                <a:latin typeface="+mn-lt"/>
+                <a:ea typeface="+mn-ea"/>
+                <a:cs typeface="+mn-cs"/>
+              </a:rPr>
+              <a:t>—</a:t>
+            </a:r>
+          </a:p>
+          <a:p>
+            <a:r>
+              <a:rPr lang="ru-RU" sz="1200" b="0" i="1" kern="1200" dirty="0">
+                <a:solidFill>
+                  <a:schemeClr val="tx1"/>
+                </a:solidFill>
+                <a:effectLst/>
+                <a:latin typeface="+mn-lt"/>
+                <a:ea typeface="+mn-ea"/>
+                <a:cs typeface="+mn-cs"/>
+              </a:rPr>
+              <a:t> </a:t>
+            </a:r>
+            <a:r>
+              <a:rPr lang="ru-RU" sz="1200" b="0" i="1" kern="1200" dirty="0" err="1">
+                <a:solidFill>
+                  <a:schemeClr val="tx1"/>
+                </a:solidFill>
+                <a:effectLst/>
+                <a:latin typeface="+mn-lt"/>
+                <a:ea typeface="+mn-ea"/>
+                <a:cs typeface="+mn-cs"/>
+              </a:rPr>
+              <a:t>Конвей</a:t>
+            </a:r>
+            <a:r>
+              <a:rPr lang="ru-RU" sz="1200" b="0" i="1" kern="1200" dirty="0">
+                <a:solidFill>
+                  <a:schemeClr val="tx1"/>
+                </a:solidFill>
+                <a:effectLst/>
+                <a:latin typeface="+mn-lt"/>
+                <a:ea typeface="+mn-ea"/>
+                <a:cs typeface="+mn-cs"/>
+              </a:rPr>
+              <a:t>, 1968</a:t>
+            </a:r>
+          </a:p>
+          <a:p>
+            <a:r>
+              <a:rPr lang="ru-RU" sz="1200" b="0" i="0" kern="1200" dirty="0">
+                <a:solidFill>
+                  <a:schemeClr val="tx1"/>
+                </a:solidFill>
+                <a:effectLst/>
+                <a:latin typeface="+mn-lt"/>
+                <a:ea typeface="+mn-ea"/>
+                <a:cs typeface="+mn-cs"/>
+              </a:rPr>
+              <a:t>Сложная рабочая система неизменно получается из простой рабочей системы. Сложная система, разработанная с нуля, никогда не работает. И никакие улучшения не заставят ее работать. Начинать следует с простой рабочей системы,</a:t>
+            </a:r>
+            <a:br>
+              <a:rPr lang="ru-RU" dirty="0"/>
+            </a:br>
+            <a:r>
+              <a:rPr lang="ru-RU" sz="1200" b="0" i="1" kern="1200" dirty="0">
+                <a:solidFill>
+                  <a:schemeClr val="tx1"/>
+                </a:solidFill>
+                <a:effectLst/>
+                <a:latin typeface="+mn-lt"/>
+                <a:ea typeface="+mn-ea"/>
+                <a:cs typeface="+mn-cs"/>
+              </a:rPr>
+              <a:t>— закон </a:t>
+            </a:r>
+            <a:r>
+              <a:rPr lang="ru-RU" sz="1200" b="0" i="1" kern="1200" dirty="0" err="1">
+                <a:solidFill>
+                  <a:schemeClr val="tx1"/>
+                </a:solidFill>
+                <a:effectLst/>
+                <a:latin typeface="+mn-lt"/>
+                <a:ea typeface="+mn-ea"/>
+                <a:cs typeface="+mn-cs"/>
+              </a:rPr>
+              <a:t>Голла</a:t>
+            </a:r>
+            <a:r>
+              <a:rPr lang="ru-RU" sz="1200" b="0" i="1" kern="1200" dirty="0">
+                <a:solidFill>
+                  <a:schemeClr val="tx1"/>
+                </a:solidFill>
+                <a:effectLst/>
+                <a:latin typeface="+mn-lt"/>
+                <a:ea typeface="+mn-ea"/>
+                <a:cs typeface="+mn-cs"/>
+              </a:rPr>
+              <a:t>, 1986</a:t>
+            </a:r>
+            <a:endParaRPr lang="ru-RU" dirty="0"/>
+          </a:p>
+        </p:txBody>
+      </p:sp>
+      <p:sp>
+        <p:nvSpPr>
+          <p:cNvPr id="4" name="Slide Number Placeholder 3"/>
+          <p:cNvSpPr>
+            <a:spLocks noGrp="1"/>
+          </p:cNvSpPr>
+          <p:nvPr>
+            <p:ph type="sldNum" sz="quarter" idx="10"/>
+          </p:nvPr>
+        </p:nvSpPr>
+        <p:spPr/>
+        <p:txBody>
+          <a:bodyPr/>
+          <a:lstStyle/>
+          <a:p>
+            <a:fld id="{8519FF73-C841-4304-9A07-8DD1AE4B7BE5}" type="slidenum">
+              <a:rPr lang="ru-RU" smtClean="0"/>
+              <a:t>31</a:t>
+            </a:fld>
+            <a:endParaRPr lang="ru-RU"/>
+          </a:p>
+        </p:txBody>
+      </p:sp>
+    </p:spTree>
+    <p:extLst>
+      <p:ext uri="{BB962C8B-B14F-4D97-AF65-F5344CB8AC3E}">
+        <p14:creationId xmlns:p14="http://schemas.microsoft.com/office/powerpoint/2010/main" val="45130308"/>
+      </p:ext>
+    </p:extLst>
+  </p:cSld>
+  <p:clrMapOvr>
+    <a:masterClrMapping/>
+  </p:clrMapOvr>
+</p:notes>
+</file>
+
+<file path=ppt/notesSlides/notesSlide32.xml><?xml version="1.0" encoding="utf-8"?>
+<p:notes xmlns:a="http://schemas.openxmlformats.org/drawingml/2006/main" xmlns:r="http://schemas.openxmlformats.org/officeDocument/2006/relationships" xmlns:p="http://schemas.openxmlformats.org/presentationml/2006/main">
+  <p:cSld>
+    <p:spTree>
+      <p:nvGrpSpPr>
+        <p:cNvPr id="1" name=""/>
+        <p:cNvGrpSpPr/>
+        <p:nvPr/>
+      </p:nvGrpSpPr>
+      <p:grpSpPr>
+        <a:xfrm>
+          <a:off x="0" y="0"/>
+          <a:ext cx="0" cy="0"/>
+          <a:chOff x="0" y="0"/>
+          <a:chExt cx="0" cy="0"/>
+        </a:xfrm>
+      </p:grpSpPr>
       <p:sp>
         <p:nvSpPr>
           <p:cNvPr id="34818" name="Rectangle 2"/>
@@ -12918,95 +13171,6 @@
     <p:extLst>
       <p:ext uri="{BB962C8B-B14F-4D97-AF65-F5344CB8AC3E}">
         <p14:creationId xmlns:p14="http://schemas.microsoft.com/office/powerpoint/2010/main" val="2690819557"/>
-      </p:ext>
-    </p:extLst>
-  </p:cSld>
-  <p:clrMapOvr>
-    <a:masterClrMapping/>
-  </p:clrMapOvr>
-</p:notes>
-</file>
-
-<file path=ppt/notesSlides/notesSlide3.xml><?xml version="1.0" encoding="utf-8"?>
-<p:notes xmlns:a="http://schemas.openxmlformats.org/drawingml/2006/main" xmlns:r="http://schemas.openxmlformats.org/officeDocument/2006/relationships" xmlns:p="http://schemas.openxmlformats.org/presentationml/2006/main">
-  <p:cSld>
-    <p:spTree>
-      <p:nvGrpSpPr>
-        <p:cNvPr id="1" name=""/>
-        <p:cNvGrpSpPr/>
-        <p:nvPr/>
-      </p:nvGrpSpPr>
-      <p:grpSpPr>
-        <a:xfrm>
-          <a:off x="0" y="0"/>
-          <a:ext cx="0" cy="0"/>
-          <a:chOff x="0" y="0"/>
-          <a:chExt cx="0" cy="0"/>
-        </a:xfrm>
-      </p:grpSpPr>
-      <p:sp>
-        <p:nvSpPr>
-          <p:cNvPr id="2" name="Slide Image Placeholder 1"/>
-          <p:cNvSpPr>
-            <a:spLocks noGrp="1" noRot="1" noChangeAspect="1"/>
-          </p:cNvSpPr>
-          <p:nvPr>
-            <p:ph type="sldImg"/>
-          </p:nvPr>
-        </p:nvSpPr>
-        <p:spPr>
-          <a:xfrm>
-            <a:off x="107950" y="739775"/>
-            <a:ext cx="6581775" cy="3703638"/>
-          </a:xfrm>
-        </p:spPr>
-      </p:sp>
-      <p:sp>
-        <p:nvSpPr>
-          <p:cNvPr id="3" name="Notes Placeholder 2"/>
-          <p:cNvSpPr>
-            <a:spLocks noGrp="1"/>
-          </p:cNvSpPr>
-          <p:nvPr>
-            <p:ph type="body" idx="1"/>
-          </p:nvPr>
-        </p:nvSpPr>
-        <p:spPr/>
-        <p:txBody>
-          <a:bodyPr/>
-          <a:lstStyle/>
-          <a:p>
-            <a:endParaRPr lang="ru-RU" dirty="0"/>
-          </a:p>
-        </p:txBody>
-      </p:sp>
-      <p:sp>
-        <p:nvSpPr>
-          <p:cNvPr id="4" name="Slide Number Placeholder 3"/>
-          <p:cNvSpPr>
-            <a:spLocks noGrp="1"/>
-          </p:cNvSpPr>
-          <p:nvPr>
-            <p:ph type="sldNum" sz="quarter" idx="10"/>
-          </p:nvPr>
-        </p:nvSpPr>
-        <p:spPr/>
-        <p:txBody>
-          <a:bodyPr/>
-          <a:lstStyle/>
-          <a:p>
-            <a:fld id="{8519FF73-C841-4304-9A07-8DD1AE4B7BE5}" type="slidenum">
-              <a:rPr lang="ru-RU" smtClean="0"/>
-              <a:t>3</a:t>
-            </a:fld>
-            <a:endParaRPr lang="ru-RU"/>
-          </a:p>
-        </p:txBody>
-      </p:sp>
-    </p:spTree>
-    <p:extLst>
-      <p:ext uri="{BB962C8B-B14F-4D97-AF65-F5344CB8AC3E}">
-        <p14:creationId xmlns:p14="http://schemas.microsoft.com/office/powerpoint/2010/main" val="1876663899"/>
       </p:ext>
     </p:extLst>
   </p:cSld>
@@ -17336,6 +17500,53 @@
           </a:prstGeom>
         </p:spPr>
       </p:pic>
+      <p:pic>
+        <p:nvPicPr>
+          <p:cNvPr id="8" name="Picture 7" descr="Image result for futurama meme">
+            <a:extLst>
+              <a:ext uri="{FF2B5EF4-FFF2-40B4-BE49-F238E27FC236}">
+                <a16:creationId xmlns:a16="http://schemas.microsoft.com/office/drawing/2014/main" id="{18D00437-BDFE-4C50-B620-DDFBA15905F4}"/>
+              </a:ext>
+            </a:extLst>
+          </p:cNvPr>
+          <p:cNvPicPr>
+            <a:picLocks noChangeAspect="1" noChangeArrowheads="1" noCrop="1"/>
+          </p:cNvPicPr>
+          <p:nvPr/>
+        </p:nvPicPr>
+        <p:blipFill>
+          <a:blip r:embed="rId5">
+            <a:extLst>
+              <a:ext uri="{28A0092B-C50C-407E-A947-70E740481C1C}">
+                <a14:useLocalDpi xmlns:a14="http://schemas.microsoft.com/office/drawing/2010/main" val="0"/>
+              </a:ext>
+            </a:extLst>
+          </a:blip>
+          <a:srcRect/>
+          <a:stretch>
+            <a:fillRect/>
+          </a:stretch>
+        </p:blipFill>
+        <p:spPr bwMode="auto">
+          <a:xfrm>
+            <a:off x="6738559" y="3330373"/>
+            <a:ext cx="5110540" cy="2861902"/>
+          </a:xfrm>
+          <a:prstGeom prst="rect">
+            <a:avLst/>
+          </a:prstGeom>
+          <a:noFill/>
+          <a:extLst>
+            <a:ext uri="{909E8E84-426E-40DD-AFC4-6F175D3DCCD1}">
+              <a14:hiddenFill xmlns:a14="http://schemas.microsoft.com/office/drawing/2010/main">
+                <a:solidFill>
+                  <a:srgbClr val="FFFFFF"/>
+                </a:solidFill>
+              </a14:hiddenFill>
+            </a:ext>
+          </a:extLst>
+        </p:spPr>
+      </p:pic>
     </p:spTree>
     <p:extLst>
       <p:ext uri="{BB962C8B-B14F-4D97-AF65-F5344CB8AC3E}">
@@ -27264,8 +27475,8 @@
         </p:nvSpPr>
         <p:spPr>
           <a:xfrm>
-            <a:off x="627483" y="4439949"/>
-            <a:ext cx="4861299" cy="1631216"/>
+            <a:off x="479376" y="1196752"/>
+            <a:ext cx="5328592" cy="400110"/>
           </a:xfrm>
           <a:prstGeom prst="rect">
             <a:avLst/>
@@ -27278,43 +27489,55 @@
           <a:lstStyle/>
           <a:p>
             <a:r>
+              <a:rPr lang="ru-RU" sz="2000" dirty="0">
+                <a:solidFill>
+                  <a:srgbClr val="911010"/>
+                </a:solidFill>
+              </a:rPr>
+              <a:t>К</a:t>
+            </a:r>
+            <a:r>
+              <a:rPr lang="ru-RU" sz="2000" dirty="0"/>
+              <a:t>ак это работает на примере </a:t>
+            </a:r>
+            <a:r>
               <a:rPr lang="en-US" sz="2000" dirty="0"/>
-              <a:t>Trigger – </a:t>
-            </a:r>
-            <a:r>
-              <a:rPr lang="ru-RU" sz="2000" dirty="0"/>
-              <a:t>условие старта сборки;</a:t>
-            </a:r>
-          </a:p>
-          <a:p>
-            <a:r>
-              <a:rPr lang="en-US" sz="2000" dirty="0"/>
-              <a:t>Build – </a:t>
-            </a:r>
-            <a:r>
-              <a:rPr lang="ru-RU" sz="2000" dirty="0"/>
-              <a:t>Процесс сборки приложения;</a:t>
-            </a:r>
-          </a:p>
-          <a:p>
-            <a:r>
-              <a:rPr lang="en-US" sz="2000" dirty="0"/>
-              <a:t>Artifact – </a:t>
-            </a:r>
-            <a:r>
-              <a:rPr lang="ru-RU" sz="2000" dirty="0"/>
-              <a:t>Всё что получается на выходе из сборки приложения;</a:t>
-            </a:r>
-          </a:p>
-          <a:p>
-            <a:r>
-              <a:rPr lang="en-US" sz="2000" dirty="0"/>
-              <a:t> </a:t>
+              <a:t>Gitlab-CI. </a:t>
             </a:r>
             <a:endParaRPr lang="ru-RU" sz="2000" dirty="0"/>
           </a:p>
         </p:txBody>
       </p:sp>
+      <p:pic>
+        <p:nvPicPr>
+          <p:cNvPr id="5" name="Picture 4">
+            <a:extLst>
+              <a:ext uri="{FF2B5EF4-FFF2-40B4-BE49-F238E27FC236}">
+                <a16:creationId xmlns:a16="http://schemas.microsoft.com/office/drawing/2014/main" id="{22264C71-7A18-4B17-98FC-6DA1E017958B}"/>
+              </a:ext>
+            </a:extLst>
+          </p:cNvPr>
+          <p:cNvPicPr>
+            <a:picLocks noChangeAspect="1"/>
+          </p:cNvPicPr>
+          <p:nvPr/>
+        </p:nvPicPr>
+        <p:blipFill>
+          <a:blip r:embed="rId3"/>
+          <a:stretch>
+            <a:fillRect/>
+          </a:stretch>
+        </p:blipFill>
+        <p:spPr>
+          <a:xfrm>
+            <a:off x="1729729" y="1588466"/>
+            <a:ext cx="8732541" cy="4456443"/>
+          </a:xfrm>
+          <a:prstGeom prst="rect">
+            <a:avLst/>
+          </a:prstGeom>
+        </p:spPr>
+      </p:pic>
     </p:spTree>
     <p:extLst>
       <p:ext uri="{BB962C8B-B14F-4D97-AF65-F5344CB8AC3E}">
@@ -27353,8 +27576,8 @@
         </p:nvSpPr>
         <p:spPr>
           <a:xfrm>
-            <a:off x="4064746" y="342584"/>
-            <a:ext cx="4286751" cy="646331"/>
+            <a:off x="4025470" y="342584"/>
+            <a:ext cx="4365299" cy="646331"/>
           </a:xfrm>
           <a:prstGeom prst="rect">
             <a:avLst/>
@@ -27386,16 +27609,19 @@
                 <a:ea typeface="Tahoma" panose="020B0604030504040204" pitchFamily="34" charset="0"/>
                 <a:cs typeface="Segoe UI" panose="020B0502040204020203" pitchFamily="34" charset="0"/>
               </a:rPr>
-              <a:t>Домашнее задание</a:t>
-            </a:r>
-            <a:endParaRPr lang="en-US" sz="3600" dirty="0">
-              <a:solidFill>
-                <a:srgbClr val="8A0000"/>
-              </a:solidFill>
-              <a:latin typeface="Segoe UI" panose="020B0502040204020203" pitchFamily="34" charset="0"/>
-              <a:ea typeface="Tahoma" panose="020B0604030504040204" pitchFamily="34" charset="0"/>
-              <a:cs typeface="Segoe UI" panose="020B0502040204020203" pitchFamily="34" charset="0"/>
-            </a:endParaRPr>
+              <a:t>Инструменты </a:t>
+            </a:r>
+            <a:r>
+              <a:rPr lang="en-US" sz="3600" dirty="0">
+                <a:solidFill>
+                  <a:srgbClr val="8A0000"/>
+                </a:solidFill>
+                <a:latin typeface="Segoe UI" panose="020B0502040204020203" pitchFamily="34" charset="0"/>
+                <a:ea typeface="Tahoma" panose="020B0604030504040204" pitchFamily="34" charset="0"/>
+                <a:cs typeface="Segoe UI" panose="020B0502040204020203" pitchFamily="34" charset="0"/>
+              </a:rPr>
+              <a:t>CI/CD</a:t>
+            </a:r>
           </a:p>
         </p:txBody>
       </p:sp>
@@ -27472,10 +27698,10 @@
       </p:sp>
       <p:sp>
         <p:nvSpPr>
-          <p:cNvPr id="2" name="Rectangle 1">
+          <p:cNvPr id="7" name="Rectangle 6">
             <a:extLst>
               <a:ext uri="{FF2B5EF4-FFF2-40B4-BE49-F238E27FC236}">
-                <a16:creationId xmlns:a16="http://schemas.microsoft.com/office/drawing/2014/main" id="{667B87AE-BDB9-45D9-B99C-80DD44D77169}"/>
+                <a16:creationId xmlns:a16="http://schemas.microsoft.com/office/drawing/2014/main" id="{CB9AD495-61BF-4660-AA48-38891BFE1A2D}"/>
               </a:ext>
             </a:extLst>
           </p:cNvPr>
@@ -27484,8 +27710,8 @@
         </p:nvSpPr>
         <p:spPr>
           <a:xfrm>
-            <a:off x="627483" y="988915"/>
-            <a:ext cx="4861299" cy="400110"/>
+            <a:off x="479376" y="1196752"/>
+            <a:ext cx="5328592" cy="400110"/>
           </a:xfrm>
           <a:prstGeom prst="rect">
             <a:avLst/>
@@ -27498,23 +27724,775 @@
           <a:lstStyle/>
           <a:p>
             <a:r>
+              <a:rPr lang="ru-RU" sz="2000" dirty="0">
+                <a:solidFill>
+                  <a:srgbClr val="911010"/>
+                </a:solidFill>
+              </a:rPr>
+              <a:t>Г</a:t>
+            </a:r>
+            <a:r>
               <a:rPr lang="ru-RU" sz="2000" dirty="0"/>
-              <a:t>Нырнём глубже.</a:t>
-            </a:r>
+              <a:t>лавная страница проекта</a:t>
+            </a:r>
+            <a:r>
+              <a:rPr lang="en-US" sz="2000" dirty="0"/>
+              <a:t>. </a:t>
+            </a:r>
+            <a:endParaRPr lang="ru-RU" sz="2000" dirty="0"/>
           </a:p>
         </p:txBody>
       </p:sp>
       <p:pic>
         <p:nvPicPr>
-          <p:cNvPr id="6" name="Picture 2" descr="Image result for futurama meme">
+          <p:cNvPr id="6" name="Picture 5">
             <a:extLst>
               <a:ext uri="{FF2B5EF4-FFF2-40B4-BE49-F238E27FC236}">
-                <a16:creationId xmlns:a16="http://schemas.microsoft.com/office/drawing/2014/main" id="{FC619586-963F-49B2-927E-C6D45FE498AF}"/>
+                <a16:creationId xmlns:a16="http://schemas.microsoft.com/office/drawing/2014/main" id="{1951FD6C-37DF-413B-9216-B7E88E9B53F0}"/>
               </a:ext>
             </a:extLst>
           </p:cNvPr>
           <p:cNvPicPr>
-            <a:picLocks noChangeAspect="1" noChangeArrowheads="1" noCrop="1"/>
+            <a:picLocks noChangeAspect="1"/>
+          </p:cNvPicPr>
+          <p:nvPr/>
+        </p:nvPicPr>
+        <p:blipFill>
+          <a:blip r:embed="rId3"/>
+          <a:stretch>
+            <a:fillRect/>
+          </a:stretch>
+        </p:blipFill>
+        <p:spPr>
+          <a:xfrm>
+            <a:off x="1839124" y="1701125"/>
+            <a:ext cx="8737957" cy="4459208"/>
+          </a:xfrm>
+          <a:prstGeom prst="rect">
+            <a:avLst/>
+          </a:prstGeom>
+        </p:spPr>
+      </p:pic>
+    </p:spTree>
+    <p:extLst>
+      <p:ext uri="{BB962C8B-B14F-4D97-AF65-F5344CB8AC3E}">
+        <p14:creationId xmlns:p14="http://schemas.microsoft.com/office/powerpoint/2010/main" val="1672726138"/>
+      </p:ext>
+    </p:extLst>
+  </p:cSld>
+  <p:clrMapOvr>
+    <a:masterClrMapping/>
+  </p:clrMapOvr>
+</p:sld>
+</file>
+
+<file path=ppt/slides/slide28.xml><?xml version="1.0" encoding="utf-8"?>
+<p:sld xmlns:a="http://schemas.openxmlformats.org/drawingml/2006/main" xmlns:r="http://schemas.openxmlformats.org/officeDocument/2006/relationships" xmlns:p="http://schemas.openxmlformats.org/presentationml/2006/main">
+  <p:cSld>
+    <p:spTree>
+      <p:nvGrpSpPr>
+        <p:cNvPr id="1" name=""/>
+        <p:cNvGrpSpPr/>
+        <p:nvPr/>
+      </p:nvGrpSpPr>
+      <p:grpSpPr>
+        <a:xfrm>
+          <a:off x="0" y="0"/>
+          <a:ext cx="0" cy="0"/>
+          <a:chOff x="0" y="0"/>
+          <a:chExt cx="0" cy="0"/>
+        </a:xfrm>
+      </p:grpSpPr>
+      <p:sp>
+        <p:nvSpPr>
+          <p:cNvPr id="12" name="Прямоугольник 11"/>
+          <p:cNvSpPr/>
+          <p:nvPr/>
+        </p:nvSpPr>
+        <p:spPr>
+          <a:xfrm>
+            <a:off x="4025470" y="342584"/>
+            <a:ext cx="4365299" cy="646331"/>
+          </a:xfrm>
+          <a:prstGeom prst="rect">
+            <a:avLst/>
+          </a:prstGeom>
+        </p:spPr>
+        <p:txBody>
+          <a:bodyPr wrap="none">
+            <a:spAutoFit/>
+          </a:bodyPr>
+          <a:lstStyle/>
+          <a:p>
+            <a:pPr algn="ctr">
+              <a:spcBef>
+                <a:spcPts val="1800"/>
+              </a:spcBef>
+              <a:buClr>
+                <a:schemeClr val="accent2">
+                  <a:lumMod val="75000"/>
+                </a:schemeClr>
+              </a:buClr>
+              <a:defRPr/>
+            </a:pPr>
+            <a:r>
+              <a:rPr lang="ru-RU" sz="3600" dirty="0">
+                <a:solidFill>
+                  <a:srgbClr val="8A0000"/>
+                </a:solidFill>
+                <a:latin typeface="Segoe UI" panose="020B0502040204020203" pitchFamily="34" charset="0"/>
+                <a:ea typeface="Tahoma" panose="020B0604030504040204" pitchFamily="34" charset="0"/>
+                <a:cs typeface="Segoe UI" panose="020B0502040204020203" pitchFamily="34" charset="0"/>
+              </a:rPr>
+              <a:t>Инструменты </a:t>
+            </a:r>
+            <a:r>
+              <a:rPr lang="en-US" sz="3600" dirty="0">
+                <a:solidFill>
+                  <a:srgbClr val="8A0000"/>
+                </a:solidFill>
+                <a:latin typeface="Segoe UI" panose="020B0502040204020203" pitchFamily="34" charset="0"/>
+                <a:ea typeface="Tahoma" panose="020B0604030504040204" pitchFamily="34" charset="0"/>
+                <a:cs typeface="Segoe UI" panose="020B0502040204020203" pitchFamily="34" charset="0"/>
+              </a:rPr>
+              <a:t>CI/CD</a:t>
+            </a:r>
+          </a:p>
+        </p:txBody>
+      </p:sp>
+      <p:sp>
+        <p:nvSpPr>
+          <p:cNvPr id="3" name="Slide Number Placeholder 2">
+            <a:extLst>
+              <a:ext uri="{FF2B5EF4-FFF2-40B4-BE49-F238E27FC236}">
+                <a16:creationId xmlns:a16="http://schemas.microsoft.com/office/drawing/2014/main" id="{6321BABD-98A4-4C81-896B-674D1A8BEE76}"/>
+              </a:ext>
+            </a:extLst>
+          </p:cNvPr>
+          <p:cNvSpPr>
+            <a:spLocks noGrp="1"/>
+          </p:cNvSpPr>
+          <p:nvPr>
+            <p:ph type="sldNum" sz="quarter" idx="4"/>
+          </p:nvPr>
+        </p:nvSpPr>
+        <p:spPr/>
+        <p:txBody>
+          <a:bodyPr/>
+          <a:lstStyle/>
+          <a:p>
+            <a:fld id="{804AB9DF-E7AE-468D-8B4C-48ED25F9C89B}" type="slidenum">
+              <a:rPr lang="ru-RU" smtClean="0"/>
+              <a:t>28</a:t>
+            </a:fld>
+            <a:endParaRPr lang="ru-RU"/>
+          </a:p>
+        </p:txBody>
+      </p:sp>
+      <p:sp>
+        <p:nvSpPr>
+          <p:cNvPr id="7" name="Rectangle 6">
+            <a:extLst>
+              <a:ext uri="{FF2B5EF4-FFF2-40B4-BE49-F238E27FC236}">
+                <a16:creationId xmlns:a16="http://schemas.microsoft.com/office/drawing/2014/main" id="{CB9AD495-61BF-4660-AA48-38891BFE1A2D}"/>
+              </a:ext>
+            </a:extLst>
+          </p:cNvPr>
+          <p:cNvSpPr/>
+          <p:nvPr/>
+        </p:nvSpPr>
+        <p:spPr>
+          <a:xfrm>
+            <a:off x="479376" y="1196752"/>
+            <a:ext cx="5328592" cy="400110"/>
+          </a:xfrm>
+          <a:prstGeom prst="rect">
+            <a:avLst/>
+          </a:prstGeom>
+        </p:spPr>
+        <p:txBody>
+          <a:bodyPr wrap="square">
+            <a:spAutoFit/>
+          </a:bodyPr>
+          <a:lstStyle/>
+          <a:p>
+            <a:r>
+              <a:rPr lang="en-US" sz="2000" dirty="0">
+                <a:solidFill>
+                  <a:srgbClr val="911010"/>
+                </a:solidFill>
+              </a:rPr>
+              <a:t>P</a:t>
+            </a:r>
+            <a:r>
+              <a:rPr lang="en-US" sz="2000" dirty="0"/>
+              <a:t>ipeline</a:t>
+            </a:r>
+            <a:r>
+              <a:rPr lang="ru-RU" sz="2000" dirty="0"/>
+              <a:t>/</a:t>
+            </a:r>
+            <a:r>
+              <a:rPr lang="en-US" sz="2000" dirty="0" err="1"/>
+              <a:t>Buildchains</a:t>
+            </a:r>
+            <a:endParaRPr lang="ru-RU" sz="2000" dirty="0"/>
+          </a:p>
+        </p:txBody>
+      </p:sp>
+      <p:pic>
+        <p:nvPicPr>
+          <p:cNvPr id="8" name="Picture 7">
+            <a:extLst>
+              <a:ext uri="{FF2B5EF4-FFF2-40B4-BE49-F238E27FC236}">
+                <a16:creationId xmlns:a16="http://schemas.microsoft.com/office/drawing/2014/main" id="{7107E273-69B2-469A-B2B9-E3C84BA1B200}"/>
+              </a:ext>
+            </a:extLst>
+          </p:cNvPr>
+          <p:cNvPicPr>
+            <a:picLocks noChangeAspect="1"/>
+          </p:cNvPicPr>
+          <p:nvPr/>
+        </p:nvPicPr>
+        <p:blipFill>
+          <a:blip r:embed="rId3"/>
+          <a:stretch>
+            <a:fillRect/>
+          </a:stretch>
+        </p:blipFill>
+        <p:spPr>
+          <a:xfrm>
+            <a:off x="1456565" y="1596862"/>
+            <a:ext cx="9278869" cy="4735249"/>
+          </a:xfrm>
+          <a:prstGeom prst="rect">
+            <a:avLst/>
+          </a:prstGeom>
+        </p:spPr>
+      </p:pic>
+    </p:spTree>
+    <p:extLst>
+      <p:ext uri="{BB962C8B-B14F-4D97-AF65-F5344CB8AC3E}">
+        <p14:creationId xmlns:p14="http://schemas.microsoft.com/office/powerpoint/2010/main" val="1051272284"/>
+      </p:ext>
+    </p:extLst>
+  </p:cSld>
+  <p:clrMapOvr>
+    <a:masterClrMapping/>
+  </p:clrMapOvr>
+</p:sld>
+</file>
+
+<file path=ppt/slides/slide29.xml><?xml version="1.0" encoding="utf-8"?>
+<p:sld xmlns:a="http://schemas.openxmlformats.org/drawingml/2006/main" xmlns:r="http://schemas.openxmlformats.org/officeDocument/2006/relationships" xmlns:p="http://schemas.openxmlformats.org/presentationml/2006/main">
+  <p:cSld>
+    <p:spTree>
+      <p:nvGrpSpPr>
+        <p:cNvPr id="1" name=""/>
+        <p:cNvGrpSpPr/>
+        <p:nvPr/>
+      </p:nvGrpSpPr>
+      <p:grpSpPr>
+        <a:xfrm>
+          <a:off x="0" y="0"/>
+          <a:ext cx="0" cy="0"/>
+          <a:chOff x="0" y="0"/>
+          <a:chExt cx="0" cy="0"/>
+        </a:xfrm>
+      </p:grpSpPr>
+      <p:sp>
+        <p:nvSpPr>
+          <p:cNvPr id="12" name="Прямоугольник 11"/>
+          <p:cNvSpPr/>
+          <p:nvPr/>
+        </p:nvSpPr>
+        <p:spPr>
+          <a:xfrm>
+            <a:off x="4025470" y="342584"/>
+            <a:ext cx="4365299" cy="646331"/>
+          </a:xfrm>
+          <a:prstGeom prst="rect">
+            <a:avLst/>
+          </a:prstGeom>
+        </p:spPr>
+        <p:txBody>
+          <a:bodyPr wrap="none">
+            <a:spAutoFit/>
+          </a:bodyPr>
+          <a:lstStyle/>
+          <a:p>
+            <a:pPr algn="ctr">
+              <a:spcBef>
+                <a:spcPts val="1800"/>
+              </a:spcBef>
+              <a:buClr>
+                <a:schemeClr val="accent2">
+                  <a:lumMod val="75000"/>
+                </a:schemeClr>
+              </a:buClr>
+              <a:defRPr/>
+            </a:pPr>
+            <a:r>
+              <a:rPr lang="ru-RU" sz="3600" dirty="0">
+                <a:solidFill>
+                  <a:srgbClr val="8A0000"/>
+                </a:solidFill>
+                <a:latin typeface="Segoe UI" panose="020B0502040204020203" pitchFamily="34" charset="0"/>
+                <a:ea typeface="Tahoma" panose="020B0604030504040204" pitchFamily="34" charset="0"/>
+                <a:cs typeface="Segoe UI" panose="020B0502040204020203" pitchFamily="34" charset="0"/>
+              </a:rPr>
+              <a:t>Инструменты </a:t>
+            </a:r>
+            <a:r>
+              <a:rPr lang="en-US" sz="3600" dirty="0">
+                <a:solidFill>
+                  <a:srgbClr val="8A0000"/>
+                </a:solidFill>
+                <a:latin typeface="Segoe UI" panose="020B0502040204020203" pitchFamily="34" charset="0"/>
+                <a:ea typeface="Tahoma" panose="020B0604030504040204" pitchFamily="34" charset="0"/>
+                <a:cs typeface="Segoe UI" panose="020B0502040204020203" pitchFamily="34" charset="0"/>
+              </a:rPr>
+              <a:t>CI/CD</a:t>
+            </a:r>
+          </a:p>
+        </p:txBody>
+      </p:sp>
+      <p:sp>
+        <p:nvSpPr>
+          <p:cNvPr id="3" name="Slide Number Placeholder 2">
+            <a:extLst>
+              <a:ext uri="{FF2B5EF4-FFF2-40B4-BE49-F238E27FC236}">
+                <a16:creationId xmlns:a16="http://schemas.microsoft.com/office/drawing/2014/main" id="{6321BABD-98A4-4C81-896B-674D1A8BEE76}"/>
+              </a:ext>
+            </a:extLst>
+          </p:cNvPr>
+          <p:cNvSpPr>
+            <a:spLocks noGrp="1"/>
+          </p:cNvSpPr>
+          <p:nvPr>
+            <p:ph type="sldNum" sz="quarter" idx="4"/>
+          </p:nvPr>
+        </p:nvSpPr>
+        <p:spPr/>
+        <p:txBody>
+          <a:bodyPr/>
+          <a:lstStyle/>
+          <a:p>
+            <a:fld id="{804AB9DF-E7AE-468D-8B4C-48ED25F9C89B}" type="slidenum">
+              <a:rPr lang="ru-RU" smtClean="0"/>
+              <a:t>29</a:t>
+            </a:fld>
+            <a:endParaRPr lang="ru-RU"/>
+          </a:p>
+        </p:txBody>
+      </p:sp>
+      <p:sp>
+        <p:nvSpPr>
+          <p:cNvPr id="7" name="Rectangle 6">
+            <a:extLst>
+              <a:ext uri="{FF2B5EF4-FFF2-40B4-BE49-F238E27FC236}">
+                <a16:creationId xmlns:a16="http://schemas.microsoft.com/office/drawing/2014/main" id="{CB9AD495-61BF-4660-AA48-38891BFE1A2D}"/>
+              </a:ext>
+            </a:extLst>
+          </p:cNvPr>
+          <p:cNvSpPr/>
+          <p:nvPr/>
+        </p:nvSpPr>
+        <p:spPr>
+          <a:xfrm>
+            <a:off x="479376" y="1196752"/>
+            <a:ext cx="5328592" cy="400110"/>
+          </a:xfrm>
+          <a:prstGeom prst="rect">
+            <a:avLst/>
+          </a:prstGeom>
+        </p:spPr>
+        <p:txBody>
+          <a:bodyPr wrap="square">
+            <a:spAutoFit/>
+          </a:bodyPr>
+          <a:lstStyle/>
+          <a:p>
+            <a:r>
+              <a:rPr lang="ru-RU" sz="2000" dirty="0">
+                <a:solidFill>
+                  <a:srgbClr val="911010"/>
+                </a:solidFill>
+              </a:rPr>
+              <a:t>Р</a:t>
+            </a:r>
+            <a:r>
+              <a:rPr lang="ru-RU" sz="2000" dirty="0"/>
+              <a:t>епозиторий</a:t>
+            </a:r>
+            <a:r>
+              <a:rPr lang="en-US" sz="2000" dirty="0"/>
+              <a:t>. </a:t>
+            </a:r>
+            <a:endParaRPr lang="ru-RU" sz="2000" dirty="0"/>
+          </a:p>
+        </p:txBody>
+      </p:sp>
+      <p:pic>
+        <p:nvPicPr>
+          <p:cNvPr id="8" name="Picture 7">
+            <a:extLst>
+              <a:ext uri="{FF2B5EF4-FFF2-40B4-BE49-F238E27FC236}">
+                <a16:creationId xmlns:a16="http://schemas.microsoft.com/office/drawing/2014/main" id="{B9380B50-CC22-4AB2-AA4E-25B8234997F5}"/>
+              </a:ext>
+            </a:extLst>
+          </p:cNvPr>
+          <p:cNvPicPr>
+            <a:picLocks noChangeAspect="1"/>
+          </p:cNvPicPr>
+          <p:nvPr/>
+        </p:nvPicPr>
+        <p:blipFill>
+          <a:blip r:embed="rId3"/>
+          <a:stretch>
+            <a:fillRect/>
+          </a:stretch>
+        </p:blipFill>
+        <p:spPr>
+          <a:xfrm>
+            <a:off x="1727021" y="1596862"/>
+            <a:ext cx="8737957" cy="4459208"/>
+          </a:xfrm>
+          <a:prstGeom prst="rect">
+            <a:avLst/>
+          </a:prstGeom>
+        </p:spPr>
+      </p:pic>
+    </p:spTree>
+    <p:extLst>
+      <p:ext uri="{BB962C8B-B14F-4D97-AF65-F5344CB8AC3E}">
+        <p14:creationId xmlns:p14="http://schemas.microsoft.com/office/powerpoint/2010/main" val="4147560381"/>
+      </p:ext>
+    </p:extLst>
+  </p:cSld>
+  <p:clrMapOvr>
+    <a:masterClrMapping/>
+  </p:clrMapOvr>
+</p:sld>
+</file>
+
+<file path=ppt/slides/slide3.xml><?xml version="1.0" encoding="utf-8"?>
+<p:sld xmlns:a="http://schemas.openxmlformats.org/drawingml/2006/main" xmlns:r="http://schemas.openxmlformats.org/officeDocument/2006/relationships" xmlns:p="http://schemas.openxmlformats.org/presentationml/2006/main">
+  <p:cSld>
+    <p:spTree>
+      <p:nvGrpSpPr>
+        <p:cNvPr id="1" name=""/>
+        <p:cNvGrpSpPr/>
+        <p:nvPr/>
+      </p:nvGrpSpPr>
+      <p:grpSpPr>
+        <a:xfrm>
+          <a:off x="0" y="0"/>
+          <a:ext cx="0" cy="0"/>
+          <a:chOff x="0" y="0"/>
+          <a:chExt cx="0" cy="0"/>
+        </a:xfrm>
+      </p:grpSpPr>
+      <p:sp>
+        <p:nvSpPr>
+          <p:cNvPr id="12" name="Прямоугольник 11"/>
+          <p:cNvSpPr/>
+          <p:nvPr/>
+        </p:nvSpPr>
+        <p:spPr>
+          <a:xfrm>
+            <a:off x="3428137" y="342584"/>
+            <a:ext cx="5559984" cy="646331"/>
+          </a:xfrm>
+          <a:prstGeom prst="rect">
+            <a:avLst/>
+          </a:prstGeom>
+        </p:spPr>
+        <p:txBody>
+          <a:bodyPr wrap="none">
+            <a:spAutoFit/>
+          </a:bodyPr>
+          <a:lstStyle/>
+          <a:p>
+            <a:pPr algn="ctr">
+              <a:spcBef>
+                <a:spcPts val="1800"/>
+              </a:spcBef>
+              <a:buClr>
+                <a:schemeClr val="accent2">
+                  <a:lumMod val="75000"/>
+                </a:schemeClr>
+              </a:buClr>
+              <a:defRPr/>
+            </a:pPr>
+            <a:r>
+              <a:rPr lang="ru-RU" sz="3600" dirty="0">
+                <a:solidFill>
+                  <a:srgbClr val="8A0000"/>
+                </a:solidFill>
+                <a:latin typeface="Segoe UI" panose="020B0502040204020203" pitchFamily="34" charset="0"/>
+                <a:ea typeface="Tahoma" panose="020B0604030504040204" pitchFamily="34" charset="0"/>
+                <a:cs typeface="Segoe UI" panose="020B0502040204020203" pitchFamily="34" charset="0"/>
+              </a:rPr>
+              <a:t>Я тестировщик! Или нет…</a:t>
+            </a:r>
+            <a:endParaRPr lang="en-US" sz="3600" dirty="0">
+              <a:solidFill>
+                <a:srgbClr val="8A0000"/>
+              </a:solidFill>
+              <a:latin typeface="Segoe UI" panose="020B0502040204020203" pitchFamily="34" charset="0"/>
+              <a:ea typeface="Tahoma" panose="020B0604030504040204" pitchFamily="34" charset="0"/>
+              <a:cs typeface="Segoe UI" panose="020B0502040204020203" pitchFamily="34" charset="0"/>
+            </a:endParaRPr>
+          </a:p>
+        </p:txBody>
+      </p:sp>
+      <p:sp>
+        <p:nvSpPr>
+          <p:cNvPr id="3" name="Slide Number Placeholder 2">
+            <a:extLst>
+              <a:ext uri="{FF2B5EF4-FFF2-40B4-BE49-F238E27FC236}">
+                <a16:creationId xmlns:a16="http://schemas.microsoft.com/office/drawing/2014/main" id="{6321BABD-98A4-4C81-896B-674D1A8BEE76}"/>
+              </a:ext>
+            </a:extLst>
+          </p:cNvPr>
+          <p:cNvSpPr>
+            <a:spLocks noGrp="1"/>
+          </p:cNvSpPr>
+          <p:nvPr>
+            <p:ph type="sldNum" sz="quarter" idx="4"/>
+          </p:nvPr>
+        </p:nvSpPr>
+        <p:spPr/>
+        <p:txBody>
+          <a:bodyPr/>
+          <a:lstStyle/>
+          <a:p>
+            <a:fld id="{804AB9DF-E7AE-468D-8B4C-48ED25F9C89B}" type="slidenum">
+              <a:rPr lang="ru-RU" smtClean="0"/>
+              <a:t>3</a:t>
+            </a:fld>
+            <a:endParaRPr lang="ru-RU"/>
+          </a:p>
+        </p:txBody>
+      </p:sp>
+      <p:sp>
+        <p:nvSpPr>
+          <p:cNvPr id="4" name="Rectangle 3">
+            <a:extLst>
+              <a:ext uri="{FF2B5EF4-FFF2-40B4-BE49-F238E27FC236}">
+                <a16:creationId xmlns:a16="http://schemas.microsoft.com/office/drawing/2014/main" id="{2F52B730-23BD-4568-89A8-0A1474852FED}"/>
+              </a:ext>
+            </a:extLst>
+          </p:cNvPr>
+          <p:cNvSpPr/>
+          <p:nvPr/>
+        </p:nvSpPr>
+        <p:spPr>
+          <a:xfrm>
+            <a:off x="627483" y="1377960"/>
+            <a:ext cx="11161240" cy="646331"/>
+          </a:xfrm>
+          <a:prstGeom prst="rect">
+            <a:avLst/>
+          </a:prstGeom>
+        </p:spPr>
+        <p:txBody>
+          <a:bodyPr wrap="square">
+            <a:spAutoFit/>
+          </a:bodyPr>
+          <a:lstStyle/>
+          <a:p>
+            <a:pPr marL="285750" indent="-285750" algn="ctr">
+              <a:buFont typeface="Arial" panose="020B0604020202020204" pitchFamily="34" charset="0"/>
+              <a:buChar char="•"/>
+            </a:pPr>
+            <a:endParaRPr lang="ru-RU" dirty="0"/>
+          </a:p>
+          <a:p>
+            <a:pPr marL="285750" indent="-285750" algn="ctr">
+              <a:buFont typeface="Arial" panose="020B0604020202020204" pitchFamily="34" charset="0"/>
+              <a:buChar char="•"/>
+            </a:pPr>
+            <a:endParaRPr lang="ru-RU" dirty="0"/>
+          </a:p>
+        </p:txBody>
+      </p:sp>
+      <p:sp>
+        <p:nvSpPr>
+          <p:cNvPr id="2" name="Rectangle 1">
+            <a:extLst>
+              <a:ext uri="{FF2B5EF4-FFF2-40B4-BE49-F238E27FC236}">
+                <a16:creationId xmlns:a16="http://schemas.microsoft.com/office/drawing/2014/main" id="{667B87AE-BDB9-45D9-B99C-80DD44D77169}"/>
+              </a:ext>
+            </a:extLst>
+          </p:cNvPr>
+          <p:cNvSpPr/>
+          <p:nvPr/>
+        </p:nvSpPr>
+        <p:spPr>
+          <a:xfrm>
+            <a:off x="335360" y="1377960"/>
+            <a:ext cx="5688632" cy="2554545"/>
+          </a:xfrm>
+          <a:prstGeom prst="rect">
+            <a:avLst/>
+          </a:prstGeom>
+        </p:spPr>
+        <p:txBody>
+          <a:bodyPr wrap="square">
+            <a:spAutoFit/>
+          </a:bodyPr>
+          <a:lstStyle/>
+          <a:p>
+            <a:r>
+              <a:rPr lang="ru-RU" sz="2000" dirty="0">
+                <a:solidFill>
+                  <a:srgbClr val="911010"/>
+                </a:solidFill>
+              </a:rPr>
+              <a:t>Н</a:t>
+            </a:r>
+            <a:r>
+              <a:rPr lang="ru-RU" sz="2000" dirty="0"/>
+              <a:t>е задавались вопросами: </a:t>
+            </a:r>
+          </a:p>
+          <a:p>
+            <a:pPr marL="342900" indent="-342900">
+              <a:buFont typeface="Arial" panose="020B0604020202020204" pitchFamily="34" charset="0"/>
+              <a:buChar char="•"/>
+            </a:pPr>
+            <a:r>
+              <a:rPr lang="ru-RU" sz="2000" dirty="0">
+                <a:solidFill>
+                  <a:srgbClr val="911010"/>
+                </a:solidFill>
+              </a:rPr>
+              <a:t>«Н</a:t>
+            </a:r>
+            <a:r>
+              <a:rPr lang="ru-RU" sz="2000" dirty="0"/>
+              <a:t>у вот теперь я умею тестировать. И что?»</a:t>
+            </a:r>
+          </a:p>
+          <a:p>
+            <a:pPr marL="342900" indent="-342900">
+              <a:buFont typeface="Arial" panose="020B0604020202020204" pitchFamily="34" charset="0"/>
+              <a:buChar char="•"/>
+            </a:pPr>
+            <a:r>
+              <a:rPr lang="en-US" sz="2000" dirty="0">
+                <a:solidFill>
+                  <a:srgbClr val="911010"/>
+                </a:solidFill>
+              </a:rPr>
+              <a:t> </a:t>
+            </a:r>
+            <a:r>
+              <a:rPr lang="ru-RU" sz="2000" dirty="0">
+                <a:solidFill>
+                  <a:srgbClr val="911010"/>
+                </a:solidFill>
+              </a:rPr>
+              <a:t>«К</a:t>
+            </a:r>
+            <a:r>
+              <a:rPr lang="ru-RU" sz="2000" dirty="0"/>
+              <a:t>то</a:t>
+            </a:r>
+            <a:r>
+              <a:rPr lang="en-US" sz="2000" dirty="0"/>
+              <a:t> </a:t>
+            </a:r>
+            <a:r>
+              <a:rPr lang="ru-RU" sz="2000" dirty="0"/>
+              <a:t>все эти аналитики, админы, менеджеры, </a:t>
+            </a:r>
+            <a:r>
+              <a:rPr lang="ru-RU" sz="2000" dirty="0" err="1"/>
+              <a:t>девопсы</a:t>
+            </a:r>
+            <a:r>
+              <a:rPr lang="ru-RU" sz="2000" dirty="0"/>
+              <a:t>, </a:t>
+            </a:r>
+            <a:r>
+              <a:rPr lang="ru-RU" sz="2000" dirty="0" err="1"/>
+              <a:t>тимлиды</a:t>
+            </a:r>
+            <a:r>
+              <a:rPr lang="ru-RU" sz="2000" dirty="0"/>
+              <a:t>, </a:t>
+            </a:r>
+            <a:r>
+              <a:rPr lang="ru-RU" sz="2000" dirty="0" err="1"/>
+              <a:t>фронтэндеры</a:t>
+            </a:r>
+            <a:r>
+              <a:rPr lang="ru-RU" sz="2000" dirty="0"/>
+              <a:t>, </a:t>
+            </a:r>
+            <a:r>
+              <a:rPr lang="ru-RU" sz="2000" dirty="0" err="1"/>
+              <a:t>бекэндеры</a:t>
+            </a:r>
+            <a:r>
+              <a:rPr lang="ru-RU" sz="2000" dirty="0"/>
+              <a:t>, ДБА и вот тот чувак в свитере? И что они делают в команде?»</a:t>
+            </a:r>
+          </a:p>
+          <a:p>
+            <a:pPr marL="342900" indent="-342900">
+              <a:buFont typeface="Arial" panose="020B0604020202020204" pitchFamily="34" charset="0"/>
+              <a:buChar char="•"/>
+            </a:pPr>
+            <a:r>
+              <a:rPr lang="ru-RU" sz="2000" dirty="0">
+                <a:solidFill>
+                  <a:srgbClr val="911010"/>
+                </a:solidFill>
+              </a:rPr>
+              <a:t>«К</a:t>
+            </a:r>
+            <a:r>
+              <a:rPr lang="ru-RU" sz="2000" dirty="0"/>
+              <a:t>ак мне запустить приложение?»</a:t>
+            </a:r>
+          </a:p>
+          <a:p>
+            <a:pPr marL="342900" indent="-342900">
+              <a:buFont typeface="Arial" panose="020B0604020202020204" pitchFamily="34" charset="0"/>
+              <a:buChar char="•"/>
+            </a:pPr>
+            <a:r>
+              <a:rPr lang="ru-RU" sz="2000" dirty="0">
+                <a:solidFill>
+                  <a:srgbClr val="911010"/>
+                </a:solidFill>
+              </a:rPr>
+              <a:t>«А</a:t>
+            </a:r>
+            <a:r>
+              <a:rPr lang="ru-RU" sz="2000" dirty="0"/>
+              <a:t> как делаются новые </a:t>
+            </a:r>
+            <a:r>
+              <a:rPr lang="ru-RU" sz="2000" strike="sngStrike" dirty="0"/>
+              <a:t>баги</a:t>
+            </a:r>
+            <a:r>
+              <a:rPr lang="ru-RU" sz="2000" dirty="0"/>
+              <a:t> фичи?»</a:t>
+            </a:r>
+          </a:p>
+        </p:txBody>
+      </p:sp>
+      <p:pic>
+        <p:nvPicPr>
+          <p:cNvPr id="7" name="Рисунок 6"/>
+          <p:cNvPicPr>
+            <a:picLocks noChangeAspect="1"/>
           </p:cNvPicPr>
           <p:nvPr/>
         </p:nvPicPr>
@@ -27526,42 +28504,673 @@
               </a:ext>
             </a:extLst>
           </a:blip>
-          <a:srcRect/>
           <a:stretch>
             <a:fillRect/>
           </a:stretch>
         </p:blipFill>
-        <p:spPr bwMode="auto">
+        <p:spPr>
           <a:xfrm>
-            <a:off x="1466567" y="2708920"/>
-            <a:ext cx="4762500" cy="2667000"/>
+            <a:off x="6852905" y="1736177"/>
+            <a:ext cx="4806395" cy="3604796"/>
           </a:xfrm>
           <a:prstGeom prst="rect">
             <a:avLst/>
           </a:prstGeom>
-          <a:noFill/>
-          <a:extLst>
-            <a:ext uri="{909E8E84-426E-40DD-AFC4-6F175D3DCCD1}">
-              <a14:hiddenFill xmlns:a14="http://schemas.microsoft.com/office/drawing/2010/main">
+        </p:spPr>
+      </p:pic>
+    </p:spTree>
+    <p:extLst>
+      <p:ext uri="{BB962C8B-B14F-4D97-AF65-F5344CB8AC3E}">
+        <p14:creationId xmlns:p14="http://schemas.microsoft.com/office/powerpoint/2010/main" val="2271399517"/>
+      </p:ext>
+    </p:extLst>
+  </p:cSld>
+  <p:clrMapOvr>
+    <a:masterClrMapping/>
+  </p:clrMapOvr>
+</p:sld>
+</file>
+
+<file path=ppt/slides/slide30.xml><?xml version="1.0" encoding="utf-8"?>
+<p:sld xmlns:a="http://schemas.openxmlformats.org/drawingml/2006/main" xmlns:r="http://schemas.openxmlformats.org/officeDocument/2006/relationships" xmlns:p="http://schemas.openxmlformats.org/presentationml/2006/main">
+  <p:cSld>
+    <p:spTree>
+      <p:nvGrpSpPr>
+        <p:cNvPr id="1" name=""/>
+        <p:cNvGrpSpPr/>
+        <p:nvPr/>
+      </p:nvGrpSpPr>
+      <p:grpSpPr>
+        <a:xfrm>
+          <a:off x="0" y="0"/>
+          <a:ext cx="0" cy="0"/>
+          <a:chOff x="0" y="0"/>
+          <a:chExt cx="0" cy="0"/>
+        </a:xfrm>
+      </p:grpSpPr>
+      <p:sp>
+        <p:nvSpPr>
+          <p:cNvPr id="12" name="Прямоугольник 11"/>
+          <p:cNvSpPr/>
+          <p:nvPr/>
+        </p:nvSpPr>
+        <p:spPr>
+          <a:xfrm>
+            <a:off x="4025470" y="342584"/>
+            <a:ext cx="4365299" cy="646331"/>
+          </a:xfrm>
+          <a:prstGeom prst="rect">
+            <a:avLst/>
+          </a:prstGeom>
+        </p:spPr>
+        <p:txBody>
+          <a:bodyPr wrap="none">
+            <a:spAutoFit/>
+          </a:bodyPr>
+          <a:lstStyle/>
+          <a:p>
+            <a:pPr algn="ctr">
+              <a:spcBef>
+                <a:spcPts val="1800"/>
+              </a:spcBef>
+              <a:buClr>
+                <a:schemeClr val="accent2">
+                  <a:lumMod val="75000"/>
+                </a:schemeClr>
+              </a:buClr>
+              <a:defRPr/>
+            </a:pPr>
+            <a:r>
+              <a:rPr lang="ru-RU" sz="3600" dirty="0">
                 <a:solidFill>
-                  <a:srgbClr val="FFFFFF"/>
+                  <a:srgbClr val="8A0000"/>
                 </a:solidFill>
-              </a14:hiddenFill>
-            </a:ext>
-          </a:extLst>
+                <a:latin typeface="Segoe UI" panose="020B0502040204020203" pitchFamily="34" charset="0"/>
+                <a:ea typeface="Tahoma" panose="020B0604030504040204" pitchFamily="34" charset="0"/>
+                <a:cs typeface="Segoe UI" panose="020B0502040204020203" pitchFamily="34" charset="0"/>
+              </a:rPr>
+              <a:t>Инструменты </a:t>
+            </a:r>
+            <a:r>
+              <a:rPr lang="en-US" sz="3600" dirty="0">
+                <a:solidFill>
+                  <a:srgbClr val="8A0000"/>
+                </a:solidFill>
+                <a:latin typeface="Segoe UI" panose="020B0502040204020203" pitchFamily="34" charset="0"/>
+                <a:ea typeface="Tahoma" panose="020B0604030504040204" pitchFamily="34" charset="0"/>
+                <a:cs typeface="Segoe UI" panose="020B0502040204020203" pitchFamily="34" charset="0"/>
+              </a:rPr>
+              <a:t>CI/CD</a:t>
+            </a:r>
+          </a:p>
+        </p:txBody>
+      </p:sp>
+      <p:sp>
+        <p:nvSpPr>
+          <p:cNvPr id="3" name="Slide Number Placeholder 2">
+            <a:extLst>
+              <a:ext uri="{FF2B5EF4-FFF2-40B4-BE49-F238E27FC236}">
+                <a16:creationId xmlns:a16="http://schemas.microsoft.com/office/drawing/2014/main" id="{6321BABD-98A4-4C81-896B-674D1A8BEE76}"/>
+              </a:ext>
+            </a:extLst>
+          </p:cNvPr>
+          <p:cNvSpPr>
+            <a:spLocks noGrp="1"/>
+          </p:cNvSpPr>
+          <p:nvPr>
+            <p:ph type="sldNum" sz="quarter" idx="4"/>
+          </p:nvPr>
+        </p:nvSpPr>
+        <p:spPr/>
+        <p:txBody>
+          <a:bodyPr/>
+          <a:lstStyle/>
+          <a:p>
+            <a:fld id="{804AB9DF-E7AE-468D-8B4C-48ED25F9C89B}" type="slidenum">
+              <a:rPr lang="ru-RU" smtClean="0"/>
+              <a:t>30</a:t>
+            </a:fld>
+            <a:endParaRPr lang="ru-RU"/>
+          </a:p>
+        </p:txBody>
+      </p:sp>
+      <p:sp>
+        <p:nvSpPr>
+          <p:cNvPr id="7" name="Rectangle 6">
+            <a:extLst>
+              <a:ext uri="{FF2B5EF4-FFF2-40B4-BE49-F238E27FC236}">
+                <a16:creationId xmlns:a16="http://schemas.microsoft.com/office/drawing/2014/main" id="{CB9AD495-61BF-4660-AA48-38891BFE1A2D}"/>
+              </a:ext>
+            </a:extLst>
+          </p:cNvPr>
+          <p:cNvSpPr/>
+          <p:nvPr/>
+        </p:nvSpPr>
+        <p:spPr>
+          <a:xfrm>
+            <a:off x="479376" y="1196752"/>
+            <a:ext cx="5328592" cy="400110"/>
+          </a:xfrm>
+          <a:prstGeom prst="rect">
+            <a:avLst/>
+          </a:prstGeom>
+        </p:spPr>
+        <p:txBody>
+          <a:bodyPr wrap="square">
+            <a:spAutoFit/>
+          </a:bodyPr>
+          <a:lstStyle/>
+          <a:p>
+            <a:r>
+              <a:rPr lang="ru-RU" sz="2000" dirty="0">
+                <a:solidFill>
+                  <a:srgbClr val="911010"/>
+                </a:solidFill>
+              </a:rPr>
+              <a:t>Т</a:t>
+            </a:r>
+            <a:r>
+              <a:rPr lang="ru-RU" sz="2000" dirty="0"/>
+              <a:t>естовые окружения</a:t>
+            </a:r>
+            <a:r>
+              <a:rPr lang="en-US" sz="2000" dirty="0"/>
+              <a:t>. </a:t>
+            </a:r>
+            <a:endParaRPr lang="ru-RU" sz="2000" dirty="0"/>
+          </a:p>
+        </p:txBody>
+      </p:sp>
+      <p:pic>
+        <p:nvPicPr>
+          <p:cNvPr id="2" name="Picture 1">
+            <a:extLst>
+              <a:ext uri="{FF2B5EF4-FFF2-40B4-BE49-F238E27FC236}">
+                <a16:creationId xmlns:a16="http://schemas.microsoft.com/office/drawing/2014/main" id="{A25E0D84-0218-4A10-B2BC-6A5AD15F15FF}"/>
+              </a:ext>
+            </a:extLst>
+          </p:cNvPr>
+          <p:cNvPicPr>
+            <a:picLocks noChangeAspect="1"/>
+          </p:cNvPicPr>
+          <p:nvPr/>
+        </p:nvPicPr>
+        <p:blipFill>
+          <a:blip r:embed="rId3"/>
+          <a:stretch>
+            <a:fillRect/>
+          </a:stretch>
+        </p:blipFill>
+        <p:spPr>
+          <a:xfrm>
+            <a:off x="479376" y="1716021"/>
+            <a:ext cx="9962810" cy="2432082"/>
+          </a:xfrm>
+          <a:prstGeom prst="rect">
+            <a:avLst/>
+          </a:prstGeom>
         </p:spPr>
       </p:pic>
       <p:pic>
         <p:nvPicPr>
-          <p:cNvPr id="5122" name="Picture 2" descr="Image result for futurama stop">
+          <p:cNvPr id="5" name="Picture 4">
             <a:extLst>
               <a:ext uri="{FF2B5EF4-FFF2-40B4-BE49-F238E27FC236}">
-                <a16:creationId xmlns:a16="http://schemas.microsoft.com/office/drawing/2014/main" id="{2F898C1C-F490-4EBA-A981-F340C02478F5}"/>
+                <a16:creationId xmlns:a16="http://schemas.microsoft.com/office/drawing/2014/main" id="{70AD6B20-5A78-4C19-B548-F78914F2BE1D}"/>
               </a:ext>
             </a:extLst>
           </p:cNvPr>
           <p:cNvPicPr>
-            <a:picLocks noChangeAspect="1" noChangeArrowheads="1" noCrop="1"/>
+            <a:picLocks noChangeAspect="1"/>
+          </p:cNvPicPr>
+          <p:nvPr/>
+        </p:nvPicPr>
+        <p:blipFill>
+          <a:blip r:embed="rId4"/>
+          <a:stretch>
+            <a:fillRect/>
+          </a:stretch>
+        </p:blipFill>
+        <p:spPr>
+          <a:xfrm>
+            <a:off x="479376" y="4387617"/>
+            <a:ext cx="9962810" cy="1468490"/>
+          </a:xfrm>
+          <a:prstGeom prst="rect">
+            <a:avLst/>
+          </a:prstGeom>
+        </p:spPr>
+      </p:pic>
+    </p:spTree>
+    <p:extLst>
+      <p:ext uri="{BB962C8B-B14F-4D97-AF65-F5344CB8AC3E}">
+        <p14:creationId xmlns:p14="http://schemas.microsoft.com/office/powerpoint/2010/main" val="2036433284"/>
+      </p:ext>
+    </p:extLst>
+  </p:cSld>
+  <p:clrMapOvr>
+    <a:masterClrMapping/>
+  </p:clrMapOvr>
+</p:sld>
+</file>
+
+<file path=ppt/slides/slide31.xml><?xml version="1.0" encoding="utf-8"?>
+<p:sld xmlns:a="http://schemas.openxmlformats.org/drawingml/2006/main" xmlns:r="http://schemas.openxmlformats.org/officeDocument/2006/relationships" xmlns:p="http://schemas.openxmlformats.org/presentationml/2006/main">
+  <p:cSld>
+    <p:spTree>
+      <p:nvGrpSpPr>
+        <p:cNvPr id="1" name=""/>
+        <p:cNvGrpSpPr/>
+        <p:nvPr/>
+      </p:nvGrpSpPr>
+      <p:grpSpPr>
+        <a:xfrm>
+          <a:off x="0" y="0"/>
+          <a:ext cx="0" cy="0"/>
+          <a:chOff x="0" y="0"/>
+          <a:chExt cx="0" cy="0"/>
+        </a:xfrm>
+      </p:grpSpPr>
+      <p:sp>
+        <p:nvSpPr>
+          <p:cNvPr id="12" name="Прямоугольник 11"/>
+          <p:cNvSpPr/>
+          <p:nvPr/>
+        </p:nvSpPr>
+        <p:spPr>
+          <a:xfrm>
+            <a:off x="4064746" y="342584"/>
+            <a:ext cx="4286751" cy="646331"/>
+          </a:xfrm>
+          <a:prstGeom prst="rect">
+            <a:avLst/>
+          </a:prstGeom>
+        </p:spPr>
+        <p:txBody>
+          <a:bodyPr wrap="none">
+            <a:spAutoFit/>
+          </a:bodyPr>
+          <a:lstStyle/>
+          <a:p>
+            <a:pPr algn="ctr">
+              <a:spcBef>
+                <a:spcPts val="1800"/>
+              </a:spcBef>
+              <a:buClr>
+                <a:schemeClr val="accent2">
+                  <a:lumMod val="75000"/>
+                </a:schemeClr>
+              </a:buClr>
+              <a:defRPr/>
+            </a:pPr>
+            <a:r>
+              <a:rPr lang="ru-RU" sz="3600" dirty="0">
+                <a:solidFill>
+                  <a:srgbClr val="8A0000"/>
+                </a:solidFill>
+                <a:latin typeface="Segoe UI" panose="020B0502040204020203" pitchFamily="34" charset="0"/>
+                <a:ea typeface="Tahoma" panose="020B0604030504040204" pitchFamily="34" charset="0"/>
+                <a:cs typeface="Segoe UI" panose="020B0502040204020203" pitchFamily="34" charset="0"/>
+              </a:rPr>
+              <a:t>Домашнее задание</a:t>
+            </a:r>
+            <a:endParaRPr lang="en-US" sz="3600" dirty="0">
+              <a:solidFill>
+                <a:srgbClr val="8A0000"/>
+              </a:solidFill>
+              <a:latin typeface="Segoe UI" panose="020B0502040204020203" pitchFamily="34" charset="0"/>
+              <a:ea typeface="Tahoma" panose="020B0604030504040204" pitchFamily="34" charset="0"/>
+              <a:cs typeface="Segoe UI" panose="020B0502040204020203" pitchFamily="34" charset="0"/>
+            </a:endParaRPr>
+          </a:p>
+        </p:txBody>
+      </p:sp>
+      <p:sp>
+        <p:nvSpPr>
+          <p:cNvPr id="3" name="Slide Number Placeholder 2">
+            <a:extLst>
+              <a:ext uri="{FF2B5EF4-FFF2-40B4-BE49-F238E27FC236}">
+                <a16:creationId xmlns:a16="http://schemas.microsoft.com/office/drawing/2014/main" id="{6321BABD-98A4-4C81-896B-674D1A8BEE76}"/>
+              </a:ext>
+            </a:extLst>
+          </p:cNvPr>
+          <p:cNvSpPr>
+            <a:spLocks noGrp="1"/>
+          </p:cNvSpPr>
+          <p:nvPr>
+            <p:ph type="sldNum" sz="quarter" idx="4"/>
+          </p:nvPr>
+        </p:nvSpPr>
+        <p:spPr/>
+        <p:txBody>
+          <a:bodyPr/>
+          <a:lstStyle/>
+          <a:p>
+            <a:fld id="{804AB9DF-E7AE-468D-8B4C-48ED25F9C89B}" type="slidenum">
+              <a:rPr lang="ru-RU" smtClean="0"/>
+              <a:t>31</a:t>
+            </a:fld>
+            <a:endParaRPr lang="ru-RU"/>
+          </a:p>
+        </p:txBody>
+      </p:sp>
+      <p:sp>
+        <p:nvSpPr>
+          <p:cNvPr id="4" name="Rectangle 3">
+            <a:extLst>
+              <a:ext uri="{FF2B5EF4-FFF2-40B4-BE49-F238E27FC236}">
+                <a16:creationId xmlns:a16="http://schemas.microsoft.com/office/drawing/2014/main" id="{2F52B730-23BD-4568-89A8-0A1474852FED}"/>
+              </a:ext>
+            </a:extLst>
+          </p:cNvPr>
+          <p:cNvSpPr/>
+          <p:nvPr/>
+        </p:nvSpPr>
+        <p:spPr>
+          <a:xfrm>
+            <a:off x="627483" y="1377960"/>
+            <a:ext cx="11161240" cy="646331"/>
+          </a:xfrm>
+          <a:prstGeom prst="rect">
+            <a:avLst/>
+          </a:prstGeom>
+        </p:spPr>
+        <p:txBody>
+          <a:bodyPr wrap="square">
+            <a:spAutoFit/>
+          </a:bodyPr>
+          <a:lstStyle/>
+          <a:p>
+            <a:pPr marL="285750" indent="-285750" algn="ctr">
+              <a:buFont typeface="Arial" panose="020B0604020202020204" pitchFamily="34" charset="0"/>
+              <a:buChar char="•"/>
+            </a:pPr>
+            <a:endParaRPr lang="ru-RU" dirty="0"/>
+          </a:p>
+          <a:p>
+            <a:pPr marL="285750" indent="-285750" algn="ctr">
+              <a:buFont typeface="Arial" panose="020B0604020202020204" pitchFamily="34" charset="0"/>
+              <a:buChar char="•"/>
+            </a:pPr>
+            <a:endParaRPr lang="ru-RU" dirty="0"/>
+          </a:p>
+        </p:txBody>
+      </p:sp>
+      <p:sp>
+        <p:nvSpPr>
+          <p:cNvPr id="2" name="Rectangle 1">
+            <a:extLst>
+              <a:ext uri="{FF2B5EF4-FFF2-40B4-BE49-F238E27FC236}">
+                <a16:creationId xmlns:a16="http://schemas.microsoft.com/office/drawing/2014/main" id="{667B87AE-BDB9-45D9-B99C-80DD44D77169}"/>
+              </a:ext>
+            </a:extLst>
+          </p:cNvPr>
+          <p:cNvSpPr/>
+          <p:nvPr/>
+        </p:nvSpPr>
+        <p:spPr>
+          <a:xfrm>
+            <a:off x="627483" y="988915"/>
+            <a:ext cx="6836669" cy="3477875"/>
+          </a:xfrm>
+          <a:prstGeom prst="rect">
+            <a:avLst/>
+          </a:prstGeom>
+        </p:spPr>
+        <p:txBody>
+          <a:bodyPr wrap="square">
+            <a:spAutoFit/>
+          </a:bodyPr>
+          <a:lstStyle/>
+          <a:p>
+            <a:r>
+              <a:rPr lang="ru-RU" sz="2000" dirty="0">
+                <a:solidFill>
+                  <a:srgbClr val="911010"/>
+                </a:solidFill>
+              </a:rPr>
+              <a:t>Н</a:t>
+            </a:r>
+            <a:r>
+              <a:rPr lang="ru-RU" sz="2000" dirty="0"/>
+              <a:t>ырнём глубже.</a:t>
+            </a:r>
+          </a:p>
+          <a:p>
+            <a:pPr marL="342900" indent="-342900">
+              <a:buFont typeface="Arial" panose="020B0604020202020204" pitchFamily="34" charset="0"/>
+              <a:buChar char="•"/>
+            </a:pPr>
+            <a:r>
+              <a:rPr lang="ru-RU" sz="2000" dirty="0">
+                <a:solidFill>
+                  <a:srgbClr val="911010"/>
+                </a:solidFill>
+              </a:rPr>
+              <a:t>З</a:t>
+            </a:r>
+            <a:r>
+              <a:rPr lang="ru-RU" sz="2000" dirty="0"/>
+              <a:t>арегистрироваться на </a:t>
+            </a:r>
+            <a:r>
+              <a:rPr lang="en-US" sz="2000" dirty="0">
+                <a:hlinkClick r:id="rId3"/>
+              </a:rPr>
+              <a:t>http://qa-course-ci.rubius.com</a:t>
+            </a:r>
+            <a:r>
+              <a:rPr lang="ru-RU" sz="2000" dirty="0"/>
+              <a:t>.</a:t>
+            </a:r>
+          </a:p>
+          <a:p>
+            <a:pPr marL="342900" indent="-342900">
+              <a:buFont typeface="Arial" panose="020B0604020202020204" pitchFamily="34" charset="0"/>
+              <a:buChar char="•"/>
+            </a:pPr>
+            <a:r>
+              <a:rPr lang="ru-RU" sz="2000" dirty="0">
+                <a:solidFill>
+                  <a:srgbClr val="911010"/>
+                </a:solidFill>
+              </a:rPr>
+              <a:t>З</a:t>
+            </a:r>
+            <a:r>
+              <a:rPr lang="ru-RU" sz="2000" dirty="0"/>
+              <a:t>апросить доступ к проекту </a:t>
+            </a:r>
+            <a:r>
+              <a:rPr lang="en-US" sz="2000" dirty="0"/>
+              <a:t>Application</a:t>
+            </a:r>
+            <a:r>
+              <a:rPr lang="ru-RU" sz="2000" dirty="0"/>
+              <a:t>.</a:t>
+            </a:r>
+            <a:endParaRPr lang="en-US" sz="2000" dirty="0"/>
+          </a:p>
+          <a:p>
+            <a:pPr marL="342900" indent="-342900">
+              <a:buFont typeface="Arial" panose="020B0604020202020204" pitchFamily="34" charset="0"/>
+              <a:buChar char="•"/>
+            </a:pPr>
+            <a:r>
+              <a:rPr lang="ru-RU" sz="2000" dirty="0">
+                <a:solidFill>
+                  <a:srgbClr val="911010"/>
+                </a:solidFill>
+              </a:rPr>
+              <a:t>У</a:t>
+            </a:r>
+            <a:r>
+              <a:rPr lang="ru-RU" sz="2000" dirty="0"/>
+              <a:t>видеть, что что-то не так.</a:t>
+            </a:r>
+          </a:p>
+          <a:p>
+            <a:pPr marL="342900" indent="-342900">
+              <a:buFont typeface="Arial" panose="020B0604020202020204" pitchFamily="34" charset="0"/>
+              <a:buChar char="•"/>
+            </a:pPr>
+            <a:r>
+              <a:rPr lang="ru-RU" sz="2000" dirty="0">
+                <a:solidFill>
+                  <a:srgbClr val="911010"/>
+                </a:solidFill>
+              </a:rPr>
+              <a:t>Н</a:t>
+            </a:r>
+            <a:r>
+              <a:rPr lang="ru-RU" sz="2000" dirty="0"/>
+              <a:t>айти </a:t>
+            </a:r>
+            <a:r>
+              <a:rPr lang="ru-RU" sz="2000" dirty="0" err="1"/>
+              <a:t>билд</a:t>
+            </a:r>
+            <a:r>
+              <a:rPr lang="en-US" sz="2000" dirty="0"/>
+              <a:t>,</a:t>
+            </a:r>
+            <a:r>
+              <a:rPr lang="ru-RU" sz="2000" dirty="0"/>
+              <a:t> сломавший тесты. </a:t>
+            </a:r>
+            <a:endParaRPr lang="en-US" sz="2000" dirty="0"/>
+          </a:p>
+          <a:p>
+            <a:pPr marL="342900" indent="-342900">
+              <a:buFont typeface="Arial" panose="020B0604020202020204" pitchFamily="34" charset="0"/>
+              <a:buChar char="•"/>
+            </a:pPr>
+            <a:r>
+              <a:rPr lang="ru-RU" sz="2000" dirty="0">
+                <a:solidFill>
+                  <a:srgbClr val="911010"/>
+                </a:solidFill>
+              </a:rPr>
+              <a:t>Н</a:t>
+            </a:r>
+            <a:r>
+              <a:rPr lang="ru-RU" sz="2000" dirty="0"/>
+              <a:t>айти коммит</a:t>
+            </a:r>
+            <a:r>
+              <a:rPr lang="en-US" sz="2000" dirty="0"/>
+              <a:t>,</a:t>
+            </a:r>
+            <a:r>
+              <a:rPr lang="ru-RU" sz="2000" dirty="0"/>
+              <a:t> сломавший тесты.</a:t>
+            </a:r>
+          </a:p>
+          <a:p>
+            <a:pPr marL="342900" indent="-342900">
+              <a:buFont typeface="Arial" panose="020B0604020202020204" pitchFamily="34" charset="0"/>
+              <a:buChar char="•"/>
+            </a:pPr>
+            <a:r>
+              <a:rPr lang="ru-RU" sz="2000" dirty="0">
+                <a:solidFill>
+                  <a:srgbClr val="911010"/>
+                </a:solidFill>
+              </a:rPr>
+              <a:t>Н</a:t>
+            </a:r>
+            <a:r>
+              <a:rPr lang="ru-RU" sz="2000" dirty="0"/>
+              <a:t>айти код</a:t>
+            </a:r>
+            <a:r>
+              <a:rPr lang="en-US" sz="2000" dirty="0"/>
+              <a:t>,</a:t>
+            </a:r>
+            <a:r>
+              <a:rPr lang="ru-RU" sz="2000" dirty="0"/>
+              <a:t> сломавший тесты.</a:t>
+            </a:r>
+          </a:p>
+          <a:p>
+            <a:pPr marL="342900" indent="-342900">
+              <a:buFont typeface="Arial" panose="020B0604020202020204" pitchFamily="34" charset="0"/>
+              <a:buChar char="•"/>
+            </a:pPr>
+            <a:r>
+              <a:rPr lang="ru-RU" sz="2000" dirty="0">
+                <a:solidFill>
+                  <a:srgbClr val="911010"/>
+                </a:solidFill>
+              </a:rPr>
+              <a:t>О</a:t>
+            </a:r>
+            <a:r>
+              <a:rPr lang="ru-RU" sz="2000" dirty="0"/>
+              <a:t>писать как </a:t>
+            </a:r>
+            <a:r>
+              <a:rPr lang="ru-RU" sz="2000" dirty="0" err="1"/>
+              <a:t>пофиксить</a:t>
+            </a:r>
+            <a:r>
+              <a:rPr lang="ru-RU" sz="2000" dirty="0"/>
+              <a:t> тесты/код</a:t>
+            </a:r>
+            <a:r>
+              <a:rPr lang="en-US" sz="2000" dirty="0"/>
+              <a:t>.</a:t>
+            </a:r>
+            <a:endParaRPr lang="ru-RU" sz="2000" dirty="0"/>
+          </a:p>
+          <a:p>
+            <a:pPr marL="342900" indent="-342900">
+              <a:buFont typeface="Arial" panose="020B0604020202020204" pitchFamily="34" charset="0"/>
+              <a:buChar char="•"/>
+            </a:pPr>
+            <a:r>
+              <a:rPr lang="ru-RU" sz="2000" dirty="0">
+                <a:solidFill>
+                  <a:srgbClr val="911010"/>
+                </a:solidFill>
+              </a:rPr>
+              <a:t>О</a:t>
+            </a:r>
+            <a:r>
+              <a:rPr lang="ru-RU" sz="2000" dirty="0"/>
+              <a:t>писать процесс.</a:t>
+            </a:r>
+          </a:p>
+          <a:p>
+            <a:endParaRPr lang="ru-RU" sz="2000" dirty="0"/>
+          </a:p>
+          <a:p>
+            <a:r>
+              <a:rPr lang="ru-RU" sz="2000" dirty="0">
+                <a:solidFill>
+                  <a:srgbClr val="911010"/>
+                </a:solidFill>
+              </a:rPr>
+              <a:t>П</a:t>
+            </a:r>
+            <a:r>
+              <a:rPr lang="ru-RU" sz="2000" dirty="0"/>
+              <a:t>одробные инструкции по адресу:</a:t>
+            </a:r>
+          </a:p>
+        </p:txBody>
+      </p:sp>
+      <p:pic>
+        <p:nvPicPr>
+          <p:cNvPr id="5126" name="Picture 6" descr="Image result for futurama">
+            <a:extLst>
+              <a:ext uri="{FF2B5EF4-FFF2-40B4-BE49-F238E27FC236}">
+                <a16:creationId xmlns:a16="http://schemas.microsoft.com/office/drawing/2014/main" id="{3F5F152C-A714-41F2-B952-3D6CE20EBFBD}"/>
+              </a:ext>
+            </a:extLst>
+          </p:cNvPr>
+          <p:cNvPicPr>
+            <a:picLocks noChangeAspect="1" noChangeArrowheads="1"/>
           </p:cNvPicPr>
           <p:nvPr/>
         </p:nvPicPr>
@@ -27580,149 +29189,8 @@
         </p:blipFill>
         <p:spPr bwMode="auto">
           <a:xfrm>
-            <a:off x="6451600" y="1156286"/>
-            <a:ext cx="4572000" cy="2571750"/>
-          </a:xfrm>
-          <a:prstGeom prst="rect">
-            <a:avLst/>
-          </a:prstGeom>
-          <a:noFill/>
-          <a:extLst>
-            <a:ext uri="{909E8E84-426E-40DD-AFC4-6F175D3DCCD1}">
-              <a14:hiddenFill xmlns:a14="http://schemas.microsoft.com/office/drawing/2010/main">
-                <a:solidFill>
-                  <a:srgbClr val="FFFFFF"/>
-                </a:solidFill>
-              </a14:hiddenFill>
-            </a:ext>
-          </a:extLst>
-        </p:spPr>
-      </p:pic>
-      <p:pic>
-        <p:nvPicPr>
-          <p:cNvPr id="5124" name="Picture 4" descr="Image result for futurama stop">
-            <a:extLst>
-              <a:ext uri="{FF2B5EF4-FFF2-40B4-BE49-F238E27FC236}">
-                <a16:creationId xmlns:a16="http://schemas.microsoft.com/office/drawing/2014/main" id="{0E130E51-73A0-482C-8B31-AE6EACC2B987}"/>
-              </a:ext>
-            </a:extLst>
-          </p:cNvPr>
-          <p:cNvPicPr>
-            <a:picLocks noChangeAspect="1" noChangeArrowheads="1"/>
-          </p:cNvPicPr>
-          <p:nvPr/>
-        </p:nvPicPr>
-        <p:blipFill>
-          <a:blip r:embed="rId5">
-            <a:extLst>
-              <a:ext uri="{28A0092B-C50C-407E-A947-70E740481C1C}">
-                <a14:useLocalDpi xmlns:a14="http://schemas.microsoft.com/office/drawing/2010/main" val="0"/>
-              </a:ext>
-            </a:extLst>
-          </a:blip>
-          <a:srcRect/>
-          <a:stretch>
-            <a:fillRect/>
-          </a:stretch>
-        </p:blipFill>
-        <p:spPr bwMode="auto">
-          <a:xfrm>
-            <a:off x="7176120" y="4037657"/>
-            <a:ext cx="4762500" cy="2676525"/>
-          </a:xfrm>
-          <a:prstGeom prst="rect">
-            <a:avLst/>
-          </a:prstGeom>
-          <a:noFill/>
-          <a:extLst>
-            <a:ext uri="{909E8E84-426E-40DD-AFC4-6F175D3DCCD1}">
-              <a14:hiddenFill xmlns:a14="http://schemas.microsoft.com/office/drawing/2010/main">
-                <a:solidFill>
-                  <a:srgbClr val="FFFFFF"/>
-                </a:solidFill>
-              </a14:hiddenFill>
-            </a:ext>
-          </a:extLst>
-        </p:spPr>
-      </p:pic>
-      <p:pic>
-        <p:nvPicPr>
-          <p:cNvPr id="5126" name="Picture 6" descr="Image result for futurama">
-            <a:extLst>
-              <a:ext uri="{FF2B5EF4-FFF2-40B4-BE49-F238E27FC236}">
-                <a16:creationId xmlns:a16="http://schemas.microsoft.com/office/drawing/2014/main" id="{3F5F152C-A714-41F2-B952-3D6CE20EBFBD}"/>
-              </a:ext>
-            </a:extLst>
-          </p:cNvPr>
-          <p:cNvPicPr>
-            <a:picLocks noChangeAspect="1" noChangeArrowheads="1"/>
-          </p:cNvPicPr>
-          <p:nvPr/>
-        </p:nvPicPr>
-        <p:blipFill>
-          <a:blip r:embed="rId6">
-            <a:extLst>
-              <a:ext uri="{28A0092B-C50C-407E-A947-70E740481C1C}">
-                <a14:useLocalDpi xmlns:a14="http://schemas.microsoft.com/office/drawing/2010/main" val="0"/>
-              </a:ext>
-            </a:extLst>
-          </a:blip>
-          <a:srcRect/>
-          <a:stretch>
-            <a:fillRect/>
-          </a:stretch>
-        </p:blipFill>
-        <p:spPr bwMode="auto">
-          <a:xfrm>
-            <a:off x="-3409056" y="665749"/>
-            <a:ext cx="5145087" cy="6858000"/>
-          </a:xfrm>
-          <a:prstGeom prst="rect">
-            <a:avLst/>
-          </a:prstGeom>
-          <a:noFill/>
-          <a:extLst>
-            <a:ext uri="{909E8E84-426E-40DD-AFC4-6F175D3DCCD1}">
-              <a14:hiddenFill xmlns:a14="http://schemas.microsoft.com/office/drawing/2010/main">
-                <a:solidFill>
-                  <a:srgbClr val="FFFFFF"/>
-                </a:solidFill>
-              </a14:hiddenFill>
-            </a:ext>
-          </a:extLst>
-        </p:spPr>
-      </p:pic>
-      <p:pic>
-        <p:nvPicPr>
-          <p:cNvPr id="5128" name="Picture 8" descr="Image result for futurama meme">
-            <a:extLst>
-              <a:ext uri="{FF2B5EF4-FFF2-40B4-BE49-F238E27FC236}">
-                <a16:creationId xmlns:a16="http://schemas.microsoft.com/office/drawing/2014/main" id="{89867D67-50A6-42B5-8D72-8D8CEE260744}"/>
-              </a:ext>
-            </a:extLst>
-          </p:cNvPr>
-          <p:cNvPicPr>
-            <a:picLocks noChangeAspect="1" noChangeArrowheads="1"/>
-          </p:cNvPicPr>
-          <p:nvPr/>
-        </p:nvPicPr>
-        <p:blipFill>
-          <a:blip r:embed="rId7">
-            <a:extLst>
-              <a:ext uri="{28A0092B-C50C-407E-A947-70E740481C1C}">
-                <a14:useLocalDpi xmlns:a14="http://schemas.microsoft.com/office/drawing/2010/main" val="0"/>
-              </a:ext>
-            </a:extLst>
-          </a:blip>
-          <a:srcRect/>
-          <a:stretch>
-            <a:fillRect/>
-          </a:stretch>
-        </p:blipFill>
-        <p:spPr bwMode="auto">
-          <a:xfrm>
-            <a:off x="4424363" y="2300288"/>
-            <a:ext cx="3343275" cy="2257425"/>
+            <a:off x="7629682" y="988915"/>
+            <a:ext cx="3864749" cy="5151409"/>
           </a:xfrm>
           <a:prstGeom prst="rect">
             <a:avLst/>
@@ -27752,7 +29220,7 @@
 </p:sld>
 </file>
 
-<file path=ppt/slides/slide28.xml><?xml version="1.0" encoding="utf-8"?>
+<file path=ppt/slides/slide32.xml><?xml version="1.0" encoding="utf-8"?>
 <p:sld xmlns:a="http://schemas.openxmlformats.org/drawingml/2006/main" xmlns:r="http://schemas.openxmlformats.org/officeDocument/2006/relationships" xmlns:p="http://schemas.openxmlformats.org/presentationml/2006/main">
   <p:cSld>
     <p:spTree>
@@ -27970,7 +29438,7 @@
 </p:sld>
 </file>
 
-<file path=ppt/slides/slide3.xml><?xml version="1.0" encoding="utf-8"?>
+<file path=ppt/slides/slide33.xml><?xml version="1.0" encoding="utf-8"?>
 <p:sld xmlns:a="http://schemas.openxmlformats.org/drawingml/2006/main" xmlns:r="http://schemas.openxmlformats.org/officeDocument/2006/relationships" xmlns:p="http://schemas.openxmlformats.org/presentationml/2006/main">
   <p:cSld>
     <p:spTree>
@@ -27989,64 +29457,10 @@
       </p:grpSpPr>
       <p:sp>
         <p:nvSpPr>
-          <p:cNvPr id="12" name="Прямоугольник 11"/>
-          <p:cNvSpPr/>
-          <p:nvPr/>
-        </p:nvSpPr>
-        <p:spPr>
-          <a:xfrm>
-            <a:off x="3428137" y="342584"/>
-            <a:ext cx="5559984" cy="646331"/>
-          </a:xfrm>
-          <a:prstGeom prst="rect">
-            <a:avLst/>
-          </a:prstGeom>
-        </p:spPr>
-        <p:txBody>
-          <a:bodyPr wrap="none">
-            <a:spAutoFit/>
-          </a:bodyPr>
-          <a:lstStyle/>
-          <a:p>
-            <a:pPr algn="ctr">
-              <a:spcBef>
-                <a:spcPts val="1800"/>
-              </a:spcBef>
-              <a:buClr>
-                <a:schemeClr val="accent2">
-                  <a:lumMod val="75000"/>
-                </a:schemeClr>
-              </a:buClr>
-              <a:defRPr/>
-            </a:pPr>
-            <a:r>
-              <a:rPr lang="ru-RU" sz="3600" dirty="0">
-                <a:solidFill>
-                  <a:srgbClr val="8A0000"/>
-                </a:solidFill>
-                <a:latin typeface="Segoe UI" panose="020B0502040204020203" pitchFamily="34" charset="0"/>
-                <a:ea typeface="Tahoma" panose="020B0604030504040204" pitchFamily="34" charset="0"/>
-                <a:cs typeface="Segoe UI" panose="020B0502040204020203" pitchFamily="34" charset="0"/>
-              </a:rPr>
-              <a:t>Я тестировщик! Или нет…</a:t>
-            </a:r>
-            <a:endParaRPr lang="en-US" sz="3600" dirty="0">
-              <a:solidFill>
-                <a:srgbClr val="8A0000"/>
-              </a:solidFill>
-              <a:latin typeface="Segoe UI" panose="020B0502040204020203" pitchFamily="34" charset="0"/>
-              <a:ea typeface="Tahoma" panose="020B0604030504040204" pitchFamily="34" charset="0"/>
-              <a:cs typeface="Segoe UI" panose="020B0502040204020203" pitchFamily="34" charset="0"/>
-            </a:endParaRPr>
-          </a:p>
-        </p:txBody>
-      </p:sp>
-      <p:sp>
-        <p:nvSpPr>
-          <p:cNvPr id="3" name="Slide Number Placeholder 2">
+          <p:cNvPr id="2" name="Slide Number Placeholder 1">
             <a:extLst>
               <a:ext uri="{FF2B5EF4-FFF2-40B4-BE49-F238E27FC236}">
-                <a16:creationId xmlns:a16="http://schemas.microsoft.com/office/drawing/2014/main" id="{6321BABD-98A4-4C81-896B-674D1A8BEE76}"/>
+                <a16:creationId xmlns:a16="http://schemas.microsoft.com/office/drawing/2014/main" id="{D35B0B0F-F36D-4760-B623-0DC0EEAAF56E}"/>
               </a:ext>
             </a:extLst>
           </p:cNvPr>
@@ -28064,229 +29478,71 @@
           <a:p>
             <a:fld id="{804AB9DF-E7AE-468D-8B4C-48ED25F9C89B}" type="slidenum">
               <a:rPr lang="ru-RU" smtClean="0"/>
-              <a:t>3</a:t>
+              <a:pPr/>
+              <a:t>33</a:t>
             </a:fld>
-            <a:endParaRPr lang="ru-RU"/>
+            <a:endParaRPr lang="ru-RU" dirty="0"/>
           </a:p>
         </p:txBody>
       </p:sp>
-      <p:sp>
-        <p:nvSpPr>
-          <p:cNvPr id="4" name="Rectangle 3">
+      <p:pic>
+        <p:nvPicPr>
+          <p:cNvPr id="3" name="Picture 2" descr="Image result for futurama meme">
             <a:extLst>
               <a:ext uri="{FF2B5EF4-FFF2-40B4-BE49-F238E27FC236}">
-                <a16:creationId xmlns:a16="http://schemas.microsoft.com/office/drawing/2014/main" id="{2F52B730-23BD-4568-89A8-0A1474852FED}"/>
+                <a16:creationId xmlns:a16="http://schemas.microsoft.com/office/drawing/2014/main" id="{FE8C5FF7-3F4E-4A42-845D-B8736229A5A6}"/>
               </a:ext>
             </a:extLst>
           </p:cNvPr>
-          <p:cNvSpPr/>
+          <p:cNvPicPr>
+            <a:picLocks noChangeAspect="1" noChangeArrowheads="1" noCrop="1"/>
+          </p:cNvPicPr>
           <p:nvPr/>
-        </p:nvSpPr>
-        <p:spPr>
+        </p:nvPicPr>
+        <p:blipFill>
+          <a:blip r:embed="rId2">
+            <a:extLst>
+              <a:ext uri="{28A0092B-C50C-407E-A947-70E740481C1C}">
+                <a14:useLocalDpi xmlns:a14="http://schemas.microsoft.com/office/drawing/2010/main" val="0"/>
+              </a:ext>
+            </a:extLst>
+          </a:blip>
+          <a:srcRect/>
+          <a:stretch>
+            <a:fillRect/>
+          </a:stretch>
+        </p:blipFill>
+        <p:spPr bwMode="auto">
           <a:xfrm>
-            <a:off x="627483" y="1377960"/>
-            <a:ext cx="11161240" cy="646331"/>
+            <a:off x="6240016" y="3569013"/>
+            <a:ext cx="4762500" cy="2667000"/>
           </a:xfrm>
           <a:prstGeom prst="rect">
             <a:avLst/>
           </a:prstGeom>
+          <a:noFill/>
+          <a:extLst>
+            <a:ext uri="{909E8E84-426E-40DD-AFC4-6F175D3DCCD1}">
+              <a14:hiddenFill xmlns:a14="http://schemas.microsoft.com/office/drawing/2010/main">
+                <a:solidFill>
+                  <a:srgbClr val="FFFFFF"/>
+                </a:solidFill>
+              </a14:hiddenFill>
+            </a:ext>
+          </a:extLst>
         </p:spPr>
-        <p:txBody>
-          <a:bodyPr wrap="square">
-            <a:spAutoFit/>
-          </a:bodyPr>
-          <a:lstStyle/>
-          <a:p>
-            <a:pPr marL="285750" indent="-285750" algn="ctr">
-              <a:buFont typeface="Arial" panose="020B0604020202020204" pitchFamily="34" charset="0"/>
-              <a:buChar char="•"/>
-            </a:pPr>
-            <a:endParaRPr lang="ru-RU" dirty="0"/>
-          </a:p>
-          <a:p>
-            <a:pPr marL="285750" indent="-285750" algn="ctr">
-              <a:buFont typeface="Arial" panose="020B0604020202020204" pitchFamily="34" charset="0"/>
-              <a:buChar char="•"/>
-            </a:pPr>
-            <a:endParaRPr lang="ru-RU" dirty="0"/>
-          </a:p>
-        </p:txBody>
-      </p:sp>
-      <p:sp>
-        <p:nvSpPr>
-          <p:cNvPr id="2" name="Rectangle 1">
+      </p:pic>
+      <p:pic>
+        <p:nvPicPr>
+          <p:cNvPr id="4" name="Picture 2" descr="Image result for futurama stop">
             <a:extLst>
               <a:ext uri="{FF2B5EF4-FFF2-40B4-BE49-F238E27FC236}">
-                <a16:creationId xmlns:a16="http://schemas.microsoft.com/office/drawing/2014/main" id="{667B87AE-BDB9-45D9-B99C-80DD44D77169}"/>
+                <a16:creationId xmlns:a16="http://schemas.microsoft.com/office/drawing/2014/main" id="{E9692C64-546F-4816-837D-0439A7DE51B7}"/>
               </a:ext>
             </a:extLst>
           </p:cNvPr>
-          <p:cNvSpPr/>
-          <p:nvPr/>
-        </p:nvSpPr>
-        <p:spPr>
-          <a:xfrm>
-            <a:off x="335360" y="1377960"/>
-            <a:ext cx="5688632" cy="2554545"/>
-          </a:xfrm>
-          <a:prstGeom prst="rect">
-            <a:avLst/>
-          </a:prstGeom>
-        </p:spPr>
-        <p:txBody>
-          <a:bodyPr wrap="square">
-            <a:spAutoFit/>
-          </a:bodyPr>
-          <a:lstStyle/>
-          <a:p>
-            <a:r>
-              <a:rPr lang="ru-RU" sz="2000" dirty="0">
-                <a:solidFill>
-                  <a:srgbClr val="911010"/>
-                </a:solidFill>
-              </a:rPr>
-              <a:t>Н</a:t>
-            </a:r>
-            <a:r>
-              <a:rPr lang="ru-RU" sz="2000" dirty="0"/>
-              <a:t>е задавались вопросами: </a:t>
-            </a:r>
-          </a:p>
-          <a:p>
-            <a:pPr marL="342900" indent="-342900">
-              <a:buFont typeface="Arial" panose="020B0604020202020204" pitchFamily="34" charset="0"/>
-              <a:buChar char="•"/>
-            </a:pPr>
-            <a:r>
-              <a:rPr lang="ru-RU" sz="2000" dirty="0">
-                <a:solidFill>
-                  <a:srgbClr val="911010"/>
-                </a:solidFill>
-              </a:rPr>
-              <a:t>«Н</a:t>
-            </a:r>
-            <a:r>
-              <a:rPr lang="ru-RU" sz="2000" dirty="0"/>
-              <a:t>у вот теперь я умею тестировать. И что?»</a:t>
-            </a:r>
-          </a:p>
-          <a:p>
-            <a:pPr marL="342900" indent="-342900">
-              <a:buFont typeface="Arial" panose="020B0604020202020204" pitchFamily="34" charset="0"/>
-              <a:buChar char="•"/>
-            </a:pPr>
-            <a:r>
-              <a:rPr lang="en-US" sz="2000" dirty="0">
-                <a:solidFill>
-                  <a:srgbClr val="911010"/>
-                </a:solidFill>
-              </a:rPr>
-              <a:t> </a:t>
-            </a:r>
-            <a:r>
-              <a:rPr lang="ru-RU" sz="2000" dirty="0">
-                <a:solidFill>
-                  <a:srgbClr val="911010"/>
-                </a:solidFill>
-              </a:rPr>
-              <a:t>«К</a:t>
-            </a:r>
-            <a:r>
-              <a:rPr lang="ru-RU" sz="2000" dirty="0"/>
-              <a:t>то</a:t>
-            </a:r>
-            <a:r>
-              <a:rPr lang="en-US" sz="2000" dirty="0"/>
-              <a:t> </a:t>
-            </a:r>
-            <a:r>
-              <a:rPr lang="ru-RU" sz="2000" dirty="0"/>
-              <a:t>все эти аналитики, админы, менеджеры, </a:t>
-            </a:r>
-            <a:r>
-              <a:rPr lang="ru-RU" sz="2000" dirty="0" err="1"/>
-              <a:t>девопсы</a:t>
-            </a:r>
-            <a:r>
-              <a:rPr lang="ru-RU" sz="2000" dirty="0"/>
-              <a:t>, </a:t>
-            </a:r>
-            <a:r>
-              <a:rPr lang="ru-RU" sz="2000" dirty="0" err="1"/>
-              <a:t>тимлиды</a:t>
-            </a:r>
-            <a:r>
-              <a:rPr lang="ru-RU" sz="2000" dirty="0"/>
-              <a:t>, </a:t>
-            </a:r>
-            <a:r>
-              <a:rPr lang="ru-RU" sz="2000" dirty="0" err="1"/>
-              <a:t>фронтэндеры</a:t>
-            </a:r>
-            <a:r>
-              <a:rPr lang="ru-RU" sz="2000" dirty="0"/>
-              <a:t>, </a:t>
-            </a:r>
-            <a:r>
-              <a:rPr lang="ru-RU" sz="2000" dirty="0" err="1"/>
-              <a:t>бекэндеры</a:t>
-            </a:r>
-            <a:r>
-              <a:rPr lang="ru-RU" sz="2000" dirty="0"/>
-              <a:t>, ДБА и вот тот чувак в свитере? И что они делают в команде?»</a:t>
-            </a:r>
-          </a:p>
-          <a:p>
-            <a:pPr marL="342900" indent="-342900">
-              <a:buFont typeface="Arial" panose="020B0604020202020204" pitchFamily="34" charset="0"/>
-              <a:buChar char="•"/>
-            </a:pPr>
-            <a:r>
-              <a:rPr lang="ru-RU" sz="2000" dirty="0">
-                <a:solidFill>
-                  <a:srgbClr val="911010"/>
-                </a:solidFill>
-              </a:rPr>
-              <a:t>«К</a:t>
-            </a:r>
-            <a:r>
-              <a:rPr lang="ru-RU" sz="2000" dirty="0"/>
-              <a:t>ак мне запустить приложение?»</a:t>
-            </a:r>
-          </a:p>
-          <a:p>
-            <a:pPr marL="342900" indent="-342900">
-              <a:buFont typeface="Arial" panose="020B0604020202020204" pitchFamily="34" charset="0"/>
-              <a:buChar char="•"/>
-            </a:pPr>
-            <a:r>
-              <a:rPr lang="ru-RU" sz="2000" dirty="0">
-                <a:solidFill>
-                  <a:srgbClr val="911010"/>
-                </a:solidFill>
-              </a:rPr>
-              <a:t>«А</a:t>
-            </a:r>
-            <a:r>
-              <a:rPr lang="ru-RU" sz="2000" dirty="0"/>
-              <a:t> как делаются новые </a:t>
-            </a:r>
-            <a:r>
-              <a:rPr lang="ru-RU" sz="2000" strike="sngStrike" dirty="0"/>
-              <a:t>баги</a:t>
-            </a:r>
-            <a:r>
-              <a:rPr lang="ru-RU" sz="2000" dirty="0"/>
-              <a:t> фичи?»</a:t>
-            </a:r>
-          </a:p>
-        </p:txBody>
-      </p:sp>
-      <p:pic>
-        <p:nvPicPr>
-          <p:cNvPr id="7" name="Рисунок 6"/>
           <p:cNvPicPr>
-            <a:picLocks noChangeAspect="1"/>
+            <a:picLocks noChangeAspect="1" noChangeArrowheads="1" noCrop="1"/>
           </p:cNvPicPr>
           <p:nvPr/>
         </p:nvPicPr>
@@ -28298,24 +29554,129 @@
               </a:ext>
             </a:extLst>
           </a:blip>
+          <a:srcRect/>
           <a:stretch>
             <a:fillRect/>
           </a:stretch>
         </p:blipFill>
-        <p:spPr>
+        <p:spPr bwMode="auto">
           <a:xfrm>
-            <a:off x="6852905" y="1736177"/>
-            <a:ext cx="4806395" cy="3604796"/>
+            <a:off x="3215680" y="857250"/>
+            <a:ext cx="4572000" cy="2571750"/>
           </a:xfrm>
           <a:prstGeom prst="rect">
             <a:avLst/>
           </a:prstGeom>
+          <a:noFill/>
+          <a:extLst>
+            <a:ext uri="{909E8E84-426E-40DD-AFC4-6F175D3DCCD1}">
+              <a14:hiddenFill xmlns:a14="http://schemas.microsoft.com/office/drawing/2010/main">
+                <a:solidFill>
+                  <a:srgbClr val="FFFFFF"/>
+                </a:solidFill>
+              </a14:hiddenFill>
+            </a:ext>
+          </a:extLst>
+        </p:spPr>
+      </p:pic>
+      <p:pic>
+        <p:nvPicPr>
+          <p:cNvPr id="5" name="Picture 4" descr="Image result for futurama stop">
+            <a:extLst>
+              <a:ext uri="{FF2B5EF4-FFF2-40B4-BE49-F238E27FC236}">
+                <a16:creationId xmlns:a16="http://schemas.microsoft.com/office/drawing/2014/main" id="{6E6C5B7C-BFCA-4AEA-9276-96DF99CA15EE}"/>
+              </a:ext>
+            </a:extLst>
+          </p:cNvPr>
+          <p:cNvPicPr>
+            <a:picLocks noChangeAspect="1" noChangeArrowheads="1"/>
+          </p:cNvPicPr>
+          <p:nvPr/>
+        </p:nvPicPr>
+        <p:blipFill>
+          <a:blip r:embed="rId4">
+            <a:extLst>
+              <a:ext uri="{28A0092B-C50C-407E-A947-70E740481C1C}">
+                <a14:useLocalDpi xmlns:a14="http://schemas.microsoft.com/office/drawing/2010/main" val="0"/>
+              </a:ext>
+            </a:extLst>
+          </a:blip>
+          <a:srcRect/>
+          <a:stretch>
+            <a:fillRect/>
+          </a:stretch>
+        </p:blipFill>
+        <p:spPr bwMode="auto">
+          <a:xfrm>
+            <a:off x="1991544" y="3569677"/>
+            <a:ext cx="4762500" cy="2676525"/>
+          </a:xfrm>
+          <a:prstGeom prst="rect">
+            <a:avLst/>
+          </a:prstGeom>
+          <a:noFill/>
+          <a:extLst>
+            <a:ext uri="{909E8E84-426E-40DD-AFC4-6F175D3DCCD1}">
+              <a14:hiddenFill xmlns:a14="http://schemas.microsoft.com/office/drawing/2010/main">
+                <a:solidFill>
+                  <a:srgbClr val="FFFFFF"/>
+                </a:solidFill>
+              </a14:hiddenFill>
+            </a:ext>
+          </a:extLst>
+        </p:spPr>
+      </p:pic>
+      <p:pic>
+        <p:nvPicPr>
+          <p:cNvPr id="6" name="Picture 8" descr="Image result for futurama meme">
+            <a:extLst>
+              <a:ext uri="{FF2B5EF4-FFF2-40B4-BE49-F238E27FC236}">
+                <a16:creationId xmlns:a16="http://schemas.microsoft.com/office/drawing/2014/main" id="{3E98FD39-94C2-4547-A69B-A11215C4D689}"/>
+              </a:ext>
+            </a:extLst>
+          </p:cNvPr>
+          <p:cNvPicPr>
+            <a:picLocks noChangeAspect="1" noChangeArrowheads="1"/>
+          </p:cNvPicPr>
+          <p:nvPr/>
+        </p:nvPicPr>
+        <p:blipFill>
+          <a:blip r:embed="rId5">
+            <a:extLst>
+              <a:ext uri="{28A0092B-C50C-407E-A947-70E740481C1C}">
+                <a14:useLocalDpi xmlns:a14="http://schemas.microsoft.com/office/drawing/2010/main" val="0"/>
+              </a:ext>
+            </a:extLst>
+          </a:blip>
+          <a:srcRect/>
+          <a:stretch>
+            <a:fillRect/>
+          </a:stretch>
+        </p:blipFill>
+        <p:spPr bwMode="auto">
+          <a:xfrm>
+            <a:off x="7520707" y="2027946"/>
+            <a:ext cx="3343275" cy="2257425"/>
+          </a:xfrm>
+          <a:prstGeom prst="rect">
+            <a:avLst/>
+          </a:prstGeom>
+          <a:noFill/>
+          <a:extLst>
+            <a:ext uri="{909E8E84-426E-40DD-AFC4-6F175D3DCCD1}">
+              <a14:hiddenFill xmlns:a14="http://schemas.microsoft.com/office/drawing/2010/main">
+                <a:solidFill>
+                  <a:srgbClr val="FFFFFF"/>
+                </a:solidFill>
+              </a14:hiddenFill>
+            </a:ext>
+          </a:extLst>
         </p:spPr>
       </p:pic>
     </p:spTree>
     <p:extLst>
       <p:ext uri="{BB962C8B-B14F-4D97-AF65-F5344CB8AC3E}">
-        <p14:creationId xmlns:p14="http://schemas.microsoft.com/office/powerpoint/2010/main" val="2271399517"/>
+        <p14:creationId xmlns:p14="http://schemas.microsoft.com/office/powerpoint/2010/main" val="4157100123"/>
       </p:ext>
     </p:extLst>
   </p:cSld>
@@ -32036,12 +33397,11 @@
 </file>
 
 <file path=customXml/item1.xml><?xml version="1.0" encoding="utf-8"?>
-<?mso-contentType ?>
-<FormTemplates xmlns="http://schemas.microsoft.com/sharepoint/v3/contenttype/forms">
-  <Display>DocumentLibraryForm</Display>
-  <Edit>DocumentLibraryForm</Edit>
-  <New>DocumentLibraryForm</New>
-</FormTemplates>
+<p:properties xmlns:p="http://schemas.microsoft.com/office/2006/metadata/properties" xmlns:xsi="http://www.w3.org/2001/XMLSchema-instance" xmlns:pc="http://schemas.microsoft.com/office/infopath/2007/PartnerControls">
+  <documentManagement>
+    <IconOverlay xmlns="http://schemas.microsoft.com/sharepoint/v4" xsi:nil="true"/>
+  </documentManagement>
+</p:properties>
 </file>
 
 <file path=customXml/item2.xml><?xml version="1.0" encoding="utf-8"?>
@@ -32196,17 +33556,27 @@
 </file>
 
 <file path=customXml/item3.xml><?xml version="1.0" encoding="utf-8"?>
-<p:properties xmlns:p="http://schemas.microsoft.com/office/2006/metadata/properties" xmlns:xsi="http://www.w3.org/2001/XMLSchema-instance" xmlns:pc="http://schemas.microsoft.com/office/infopath/2007/PartnerControls">
-  <documentManagement>
-    <IconOverlay xmlns="http://schemas.microsoft.com/sharepoint/v4" xsi:nil="true"/>
-  </documentManagement>
-</p:properties>
+<?mso-contentType ?>
+<FormTemplates xmlns="http://schemas.microsoft.com/sharepoint/v3/contenttype/forms">
+  <Display>DocumentLibraryForm</Display>
+  <Edit>DocumentLibraryForm</Edit>
+  <New>DocumentLibraryForm</New>
+</FormTemplates>
 </file>
 
 <file path=customXml/itemProps1.xml><?xml version="1.0" encoding="utf-8"?>
-<ds:datastoreItem xmlns:ds="http://schemas.openxmlformats.org/officeDocument/2006/customXml" ds:itemID="{A00A4731-6033-41B0-9BCA-97B963316050}">
+<ds:datastoreItem xmlns:ds="http://schemas.openxmlformats.org/officeDocument/2006/customXml" ds:itemID="{6A2F26BD-ADA1-49C0-9754-11B244691855}">
   <ds:schemaRefs>
-    <ds:schemaRef ds:uri="http://schemas.microsoft.com/sharepoint/v3/contenttype/forms"/>
+    <ds:schemaRef ds:uri="http://schemas.microsoft.com/sharepoint/v4"/>
+    <ds:schemaRef ds:uri="http://schemas.openxmlformats.org/package/2006/metadata/core-properties"/>
+    <ds:schemaRef ds:uri="http://purl.org/dc/terms/"/>
+    <ds:schemaRef ds:uri="http://www.w3.org/XML/1998/namespace"/>
+    <ds:schemaRef ds:uri="http://schemas.microsoft.com/office/infopath/2007/PartnerControls"/>
+    <ds:schemaRef ds:uri="http://schemas.microsoft.com/office/2006/documentManagement/types"/>
+    <ds:schemaRef ds:uri="http://schemas.microsoft.com/office/2006/metadata/properties"/>
+    <ds:schemaRef ds:uri="http://purl.org/dc/elements/1.1/"/>
+    <ds:schemaRef ds:uri="4761da96-199c-4abc-88e7-ee2ba8670048"/>
+    <ds:schemaRef ds:uri="http://purl.org/dc/dcmitype/"/>
   </ds:schemaRefs>
 </ds:datastoreItem>
 </file>
@@ -32231,18 +33601,9 @@
 </file>
 
 <file path=customXml/itemProps3.xml><?xml version="1.0" encoding="utf-8"?>
-<ds:datastoreItem xmlns:ds="http://schemas.openxmlformats.org/officeDocument/2006/customXml" ds:itemID="{6A2F26BD-ADA1-49C0-9754-11B244691855}">
+<ds:datastoreItem xmlns:ds="http://schemas.openxmlformats.org/officeDocument/2006/customXml" ds:itemID="{A00A4731-6033-41B0-9BCA-97B963316050}">
   <ds:schemaRefs>
-    <ds:schemaRef ds:uri="http://schemas.microsoft.com/sharepoint/v4"/>
-    <ds:schemaRef ds:uri="http://schemas.openxmlformats.org/package/2006/metadata/core-properties"/>
-    <ds:schemaRef ds:uri="http://purl.org/dc/terms/"/>
-    <ds:schemaRef ds:uri="http://www.w3.org/XML/1998/namespace"/>
-    <ds:schemaRef ds:uri="http://schemas.microsoft.com/office/infopath/2007/PartnerControls"/>
-    <ds:schemaRef ds:uri="http://schemas.microsoft.com/office/2006/documentManagement/types"/>
-    <ds:schemaRef ds:uri="http://schemas.microsoft.com/office/2006/metadata/properties"/>
-    <ds:schemaRef ds:uri="http://purl.org/dc/elements/1.1/"/>
-    <ds:schemaRef ds:uri="4761da96-199c-4abc-88e7-ee2ba8670048"/>
-    <ds:schemaRef ds:uri="http://purl.org/dc/dcmitype/"/>
+    <ds:schemaRef ds:uri="http://schemas.microsoft.com/sharepoint/v3/contenttype/forms"/>
   </ds:schemaRefs>
 </ds:datastoreItem>
 </file>
--- a/lection.pptx
+++ b/lection.pptx
@@ -10417,7 +10417,7 @@
           <a:p>
             <a:fld id="{A8AA0BDA-687D-42F8-92A5-D4A5D5177E2B}" type="datetimeFigureOut">
               <a:rPr lang="ru-RU" smtClean="0"/>
-              <a:t>18.02.2019</a:t>
+              <a:t>21.02.2019</a:t>
             </a:fld>
             <a:endParaRPr lang="ru-RU"/>
           </a:p>
@@ -29103,23 +29103,15 @@
                   <a:srgbClr val="911010"/>
                 </a:solidFill>
               </a:rPr>
-              <a:t>О</a:t>
+              <a:t>С</a:t>
             </a:r>
             <a:r>
               <a:rPr lang="ru-RU" sz="2000" dirty="0"/>
-              <a:t>писать как </a:t>
-            </a:r>
-            <a:r>
-              <a:rPr lang="ru-RU" sz="2000" dirty="0" err="1"/>
-              <a:t>пофиксить</a:t>
-            </a:r>
-            <a:r>
-              <a:rPr lang="ru-RU" sz="2000" dirty="0"/>
-              <a:t> тесты/код</a:t>
+              <a:t>оздать  </a:t>
             </a:r>
             <a:r>
               <a:rPr lang="en-US" sz="2000" dirty="0"/>
-              <a:t>.</a:t>
+              <a:t>bug report.</a:t>
             </a:r>
             <a:endParaRPr lang="ru-RU" sz="2000" dirty="0"/>
           </a:p>
@@ -33397,11 +33389,12 @@
 </file>
 
 <file path=customXml/item1.xml><?xml version="1.0" encoding="utf-8"?>
-<p:properties xmlns:p="http://schemas.microsoft.com/office/2006/metadata/properties" xmlns:xsi="http://www.w3.org/2001/XMLSchema-instance" xmlns:pc="http://schemas.microsoft.com/office/infopath/2007/PartnerControls">
-  <documentManagement>
-    <IconOverlay xmlns="http://schemas.microsoft.com/sharepoint/v4" xsi:nil="true"/>
-  </documentManagement>
-</p:properties>
+<?mso-contentType ?>
+<FormTemplates xmlns="http://schemas.microsoft.com/sharepoint/v3/contenttype/forms">
+  <Display>DocumentLibraryForm</Display>
+  <Edit>DocumentLibraryForm</Edit>
+  <New>DocumentLibraryForm</New>
+</FormTemplates>
 </file>
 
 <file path=customXml/item2.xml><?xml version="1.0" encoding="utf-8"?>
@@ -33556,27 +33549,17 @@
 </file>
 
 <file path=customXml/item3.xml><?xml version="1.0" encoding="utf-8"?>
-<?mso-contentType ?>
-<FormTemplates xmlns="http://schemas.microsoft.com/sharepoint/v3/contenttype/forms">
-  <Display>DocumentLibraryForm</Display>
-  <Edit>DocumentLibraryForm</Edit>
-  <New>DocumentLibraryForm</New>
-</FormTemplates>
+<p:properties xmlns:p="http://schemas.microsoft.com/office/2006/metadata/properties" xmlns:xsi="http://www.w3.org/2001/XMLSchema-instance" xmlns:pc="http://schemas.microsoft.com/office/infopath/2007/PartnerControls">
+  <documentManagement>
+    <IconOverlay xmlns="http://schemas.microsoft.com/sharepoint/v4" xsi:nil="true"/>
+  </documentManagement>
+</p:properties>
 </file>
 
 <file path=customXml/itemProps1.xml><?xml version="1.0" encoding="utf-8"?>
-<ds:datastoreItem xmlns:ds="http://schemas.openxmlformats.org/officeDocument/2006/customXml" ds:itemID="{6A2F26BD-ADA1-49C0-9754-11B244691855}">
+<ds:datastoreItem xmlns:ds="http://schemas.openxmlformats.org/officeDocument/2006/customXml" ds:itemID="{A00A4731-6033-41B0-9BCA-97B963316050}">
   <ds:schemaRefs>
-    <ds:schemaRef ds:uri="http://schemas.microsoft.com/sharepoint/v4"/>
-    <ds:schemaRef ds:uri="http://schemas.openxmlformats.org/package/2006/metadata/core-properties"/>
-    <ds:schemaRef ds:uri="http://purl.org/dc/terms/"/>
-    <ds:schemaRef ds:uri="http://www.w3.org/XML/1998/namespace"/>
-    <ds:schemaRef ds:uri="http://schemas.microsoft.com/office/infopath/2007/PartnerControls"/>
-    <ds:schemaRef ds:uri="http://schemas.microsoft.com/office/2006/documentManagement/types"/>
-    <ds:schemaRef ds:uri="http://schemas.microsoft.com/office/2006/metadata/properties"/>
-    <ds:schemaRef ds:uri="http://purl.org/dc/elements/1.1/"/>
-    <ds:schemaRef ds:uri="4761da96-199c-4abc-88e7-ee2ba8670048"/>
-    <ds:schemaRef ds:uri="http://purl.org/dc/dcmitype/"/>
+    <ds:schemaRef ds:uri="http://schemas.microsoft.com/sharepoint/v3/contenttype/forms"/>
   </ds:schemaRefs>
 </ds:datastoreItem>
 </file>
@@ -33601,9 +33584,18 @@
 </file>
 
 <file path=customXml/itemProps3.xml><?xml version="1.0" encoding="utf-8"?>
-<ds:datastoreItem xmlns:ds="http://schemas.openxmlformats.org/officeDocument/2006/customXml" ds:itemID="{A00A4731-6033-41B0-9BCA-97B963316050}">
+<ds:datastoreItem xmlns:ds="http://schemas.openxmlformats.org/officeDocument/2006/customXml" ds:itemID="{6A2F26BD-ADA1-49C0-9754-11B244691855}">
   <ds:schemaRefs>
-    <ds:schemaRef ds:uri="http://schemas.microsoft.com/sharepoint/v3/contenttype/forms"/>
+    <ds:schemaRef ds:uri="http://schemas.microsoft.com/sharepoint/v4"/>
+    <ds:schemaRef ds:uri="http://schemas.openxmlformats.org/package/2006/metadata/core-properties"/>
+    <ds:schemaRef ds:uri="http://purl.org/dc/terms/"/>
+    <ds:schemaRef ds:uri="http://www.w3.org/XML/1998/namespace"/>
+    <ds:schemaRef ds:uri="http://schemas.microsoft.com/office/infopath/2007/PartnerControls"/>
+    <ds:schemaRef ds:uri="http://schemas.microsoft.com/office/2006/documentManagement/types"/>
+    <ds:schemaRef ds:uri="http://schemas.microsoft.com/office/2006/metadata/properties"/>
+    <ds:schemaRef ds:uri="http://purl.org/dc/elements/1.1/"/>
+    <ds:schemaRef ds:uri="4761da96-199c-4abc-88e7-ee2ba8670048"/>
+    <ds:schemaRef ds:uri="http://purl.org/dc/dcmitype/"/>
   </ds:schemaRefs>
 </ds:datastoreItem>
 </file>
--- a/lection.pptx
+++ b/lection.pptx
@@ -10251,7 +10251,7 @@
           <a:p>
             <a:fld id="{384266DF-7150-4860-AC0A-B99D436C8C22}" type="datetimeFigureOut">
               <a:rPr lang="ru-RU" smtClean="0"/>
-              <a:t>21.02.2019</a:t>
+              <a:t>12.03.2019</a:t>
             </a:fld>
             <a:endParaRPr lang="ru-RU"/>
           </a:p>
@@ -10417,7 +10417,7 @@
           <a:p>
             <a:fld id="{A8AA0BDA-687D-42F8-92A5-D4A5D5177E2B}" type="datetimeFigureOut">
               <a:rPr lang="ru-RU" smtClean="0"/>
-              <a:t>21.02.2019</a:t>
+              <a:t>12.03.2019</a:t>
             </a:fld>
             <a:endParaRPr lang="ru-RU"/>
           </a:p>
@@ -13407,24 +13407,128 @@
           <a:bodyPr/>
           <a:lstStyle/>
           <a:p>
-            <a:r>
-              <a:rPr lang="en-US" dirty="0"/>
-              <a:t>Demo. </a:t>
+            <a:pPr marL="228600" indent="-228600">
+              <a:buAutoNum type="arabicPeriod"/>
+            </a:pPr>
+            <a:r>
+              <a:rPr lang="ru-RU" dirty="0" err="1"/>
+              <a:t>Логинимся</a:t>
             </a:r>
             <a:r>
               <a:rPr lang="ru-RU" dirty="0"/>
-              <a:t>На живом репозитории или просто показать настоящий </a:t>
+              <a:t> на </a:t>
             </a:r>
             <a:r>
               <a:rPr lang="ru-RU" dirty="0" err="1"/>
-              <a:t>репо</a:t>
-            </a:r>
+              <a:t>гитхаб</a:t>
+            </a:r>
+            <a:endParaRPr lang="ru-RU" dirty="0"/>
+          </a:p>
+          <a:p>
+            <a:pPr marL="228600" indent="-228600">
+              <a:buAutoNum type="arabicPeriod"/>
+            </a:pPr>
             <a:r>
               <a:rPr lang="ru-RU" dirty="0"/>
-              <a:t>.</a:t>
-            </a:r>
-          </a:p>
-          <a:p>
+              <a:t>Создаём новый репозиторий</a:t>
+            </a:r>
+          </a:p>
+          <a:p>
+            <a:pPr marL="228600" indent="-228600">
+              <a:buAutoNum type="arabicPeriod"/>
+            </a:pPr>
+            <a:r>
+              <a:rPr lang="ru-RU" dirty="0"/>
+              <a:t>Клонируем его локальную машину.</a:t>
+            </a:r>
+          </a:p>
+          <a:p>
+            <a:pPr marL="228600" indent="-228600">
+              <a:buAutoNum type="arabicPeriod"/>
+            </a:pPr>
+            <a:r>
+              <a:rPr lang="ru-RU" dirty="0"/>
+              <a:t>Делаем коммит</a:t>
+            </a:r>
+          </a:p>
+          <a:p>
+            <a:pPr marL="228600" indent="-228600">
+              <a:buAutoNum type="arabicPeriod"/>
+            </a:pPr>
+            <a:r>
+              <a:rPr lang="ru-RU" dirty="0"/>
+              <a:t>Делаем ещё один коммит</a:t>
+            </a:r>
+          </a:p>
+          <a:p>
+            <a:pPr marL="228600" indent="-228600">
+              <a:buAutoNum type="arabicPeriod"/>
+            </a:pPr>
+            <a:r>
+              <a:rPr lang="ru-RU" dirty="0"/>
+              <a:t>Пушим в мастер</a:t>
+            </a:r>
+          </a:p>
+          <a:p>
+            <a:pPr marL="228600" indent="-228600">
+              <a:buAutoNum type="arabicPeriod"/>
+            </a:pPr>
+            <a:r>
+              <a:rPr lang="ru-RU" dirty="0"/>
+              <a:t>Создаём новую ветку.</a:t>
+            </a:r>
+          </a:p>
+          <a:p>
+            <a:pPr marL="228600" indent="-228600">
+              <a:buAutoNum type="arabicPeriod"/>
+            </a:pPr>
+            <a:r>
+              <a:rPr lang="ru-RU" dirty="0"/>
+              <a:t>Еще один коммит + </a:t>
+            </a:r>
+            <a:r>
+              <a:rPr lang="ru-RU" dirty="0" err="1"/>
+              <a:t>пуш</a:t>
+            </a:r>
+            <a:endParaRPr lang="ru-RU" dirty="0"/>
+          </a:p>
+          <a:p>
+            <a:pPr marL="228600" indent="-228600">
+              <a:buAutoNum type="arabicPeriod"/>
+            </a:pPr>
+            <a:r>
+              <a:rPr lang="ru-RU" dirty="0"/>
+              <a:t>Пул </a:t>
+            </a:r>
+            <a:r>
+              <a:rPr lang="ru-RU" dirty="0" err="1"/>
+              <a:t>реквест</a:t>
+            </a:r>
+            <a:endParaRPr lang="ru-RU" dirty="0"/>
+          </a:p>
+          <a:p>
+            <a:pPr marL="228600" indent="-228600">
+              <a:buAutoNum type="arabicPeriod"/>
+            </a:pPr>
+            <a:r>
+              <a:rPr lang="ru-RU" dirty="0" err="1"/>
+              <a:t>Мерже</a:t>
+            </a:r>
+            <a:endParaRPr lang="ru-RU" dirty="0"/>
+          </a:p>
+          <a:p>
+            <a:pPr marL="228600" indent="-228600">
+              <a:buAutoNum type="arabicPeriod"/>
+            </a:pPr>
+            <a:r>
+              <a:rPr lang="ru-RU" dirty="0"/>
+              <a:t>Пул</a:t>
+            </a:r>
+          </a:p>
+          <a:p>
+            <a:pPr marL="228600" indent="-228600">
+              <a:buAutoNum type="arabicPeriod"/>
+            </a:pPr>
             <a:endParaRPr lang="ru-RU" dirty="0"/>
           </a:p>
         </p:txBody>
@@ -18231,20 +18335,28 @@
           </a:p>
           <a:p>
             <a:r>
-              <a:rPr lang="ru-RU" sz="2000" dirty="0" err="1">
+              <a:rPr lang="ru-RU" sz="2000" dirty="0">
                 <a:solidFill>
                   <a:srgbClr val="911010"/>
                 </a:solidFill>
               </a:rPr>
-              <a:t>С</a:t>
-            </a:r>
-            <a:r>
-              <a:rPr lang="ru-RU" sz="2000" dirty="0" err="1"/>
-              <a:t>тайджинг</a:t>
+              <a:t>Т</a:t>
             </a:r>
             <a:r>
               <a:rPr lang="ru-RU" sz="2000" dirty="0"/>
-              <a:t> окружение (</a:t>
+              <a:t>естовый стенд</a:t>
+            </a:r>
+            <a:r>
+              <a:rPr lang="ru-RU" sz="2000" dirty="0">
+                <a:solidFill>
+                  <a:srgbClr val="911010"/>
+                </a:solidFill>
+              </a:rPr>
+              <a:t> </a:t>
+            </a:r>
+            <a:r>
+              <a:rPr lang="ru-RU" sz="2000" dirty="0"/>
+              <a:t>(</a:t>
             </a:r>
             <a:r>
               <a:rPr lang="en-US" sz="2000" dirty="0"/>
@@ -28911,7 +29023,7 @@
         <p:spPr>
           <a:xfrm>
             <a:off x="627483" y="988915"/>
-            <a:ext cx="6836669" cy="3477875"/>
+            <a:ext cx="6836669" cy="2862322"/>
           </a:xfrm>
           <a:prstGeom prst="rect">
             <a:avLst/>
@@ -28975,21 +29087,25 @@
                   <a:srgbClr val="911010"/>
                 </a:solidFill>
               </a:rPr>
-              <a:t>З</a:t>
+              <a:t>П</a:t>
             </a:r>
             <a:r>
               <a:rPr lang="ru-RU" sz="2000" dirty="0"/>
-              <a:t>апросить доступ к проекту </a:t>
+              <a:t>осмотреть на проект </a:t>
             </a:r>
             <a:r>
               <a:rPr lang="en-US" sz="2000" dirty="0"/>
-              <a:t>Application</a:t>
+              <a:t>discussion-board-</a:t>
+            </a:r>
+            <a:r>
+              <a:rPr lang="en-US" sz="2000" dirty="0" err="1"/>
+              <a:t>api</a:t>
             </a:r>
             <a:r>
               <a:rPr lang="ru-RU" sz="2000" dirty="0"/>
               <a:t>.</a:t>
             </a:r>
-            <a:endParaRPr lang="en-US" sz="2000" dirty="0"/>
+            <a:endParaRPr lang="en-US" sz="2000"/>
           </a:p>
           <a:p>
             <a:pPr marL="342900" indent="-342900">
@@ -28997,7 +29113,7 @@
               <a:buChar char="•"/>
             </a:pPr>
             <a:r>
-              <a:rPr lang="ru-RU" sz="2000" dirty="0">
+              <a:rPr lang="ru-RU" sz="2000">
                 <a:solidFill>
                   <a:srgbClr val="911010"/>
                 </a:solidFill>
@@ -29005,8 +29121,12 @@
               <a:t>У</a:t>
             </a:r>
             <a:r>
+              <a:rPr lang="ru-RU" sz="2000"/>
+              <a:t>видеть</a:t>
+            </a:r>
+            <a:r>
               <a:rPr lang="ru-RU" sz="2000" dirty="0"/>
-              <a:t>видеть, что что-то не так.</a:t>
+              <a:t>, что что-то не так.</a:t>
             </a:r>
           </a:p>
           <a:p>
@@ -29131,23 +29251,6 @@
             <a:r>
               <a:rPr lang="ru-RU" sz="2000" dirty="0"/>
               <a:t>писать процесс.</a:t>
-            </a:r>
-          </a:p>
-          <a:p>
-            <a:endParaRPr lang="ru-RU" sz="2000" dirty="0"/>
-          </a:p>
-          <a:p>
-            <a:r>
-              <a:rPr lang="ru-RU" sz="2000" dirty="0">
-                <a:solidFill>
-                  <a:srgbClr val="911010"/>
-                </a:solidFill>
-              </a:rPr>
-              <a:t>П</a:t>
-            </a:r>
-            <a:r>
-              <a:rPr lang="ru-RU" sz="2000" dirty="0"/>
-              <a:t>одробные инструкции по адресу:</a:t>
             </a:r>
           </a:p>
         </p:txBody>
@@ -32133,7 +32236,7 @@
         <p:spPr>
           <a:xfrm>
             <a:off x="617332" y="2449919"/>
-            <a:ext cx="6096000" cy="3139321"/>
+            <a:ext cx="9223084" cy="2862322"/>
           </a:xfrm>
           <a:prstGeom prst="rect">
             <a:avLst/>
@@ -32146,7 +32249,7 @@
           </a:solidFill>
         </p:spPr>
         <p:txBody>
-          <a:bodyPr>
+          <a:bodyPr wrap="square">
             <a:spAutoFit/>
           </a:bodyPr>
           <a:lstStyle/>
@@ -32233,7 +32336,7 @@
                 </a:solidFill>
                 <a:latin typeface="Consolas" panose="020B0609020204030204" pitchFamily="49" charset="0"/>
               </a:rPr>
-              <a:t>git</a:t>
+              <a:t>    git</a:t>
             </a:r>
             <a:r>
               <a:rPr lang="en-US" dirty="0">
@@ -32333,7 +32436,25 @@
                 </a:solidFill>
                 <a:latin typeface="Consolas" panose="020B0609020204030204" pitchFamily="49" charset="0"/>
               </a:rPr>
-              <a:t>apt install </a:t>
+              <a:t>    </a:t>
+            </a:r>
+            <a:r>
+              <a:rPr lang="en-US" dirty="0" err="1">
+                <a:solidFill>
+                  <a:srgbClr val="D4D4D4"/>
+                </a:solidFill>
+                <a:latin typeface="Consolas" panose="020B0609020204030204" pitchFamily="49" charset="0"/>
+              </a:rPr>
+              <a:t>sudo</a:t>
+            </a:r>
+            <a:r>
+              <a:rPr lang="en-US" dirty="0">
+                <a:solidFill>
+                  <a:srgbClr val="D4D4D4"/>
+                </a:solidFill>
+                <a:latin typeface="Consolas" panose="020B0609020204030204" pitchFamily="49" charset="0"/>
+              </a:rPr>
+              <a:t> apt install </a:t>
             </a:r>
             <a:r>
               <a:rPr lang="en-US" dirty="0" err="1">
@@ -32415,7 +32536,7 @@
                 </a:solidFill>
                 <a:latin typeface="Consolas" panose="020B0609020204030204" pitchFamily="49" charset="0"/>
               </a:rPr>
-              <a:t>cd node-chat &amp;&amp; </a:t>
+              <a:t>    cd node-chat &amp;&amp; </a:t>
             </a:r>
             <a:r>
               <a:rPr lang="en-US" dirty="0" err="1">
@@ -32464,7 +32585,7 @@
                 </a:solidFill>
                 <a:latin typeface="Consolas" panose="020B0609020204030204" pitchFamily="49" charset="0"/>
               </a:rPr>
-              <a:t>cd node-chat &amp;&amp; REDIS_HOST=localhost REDIS_PORT=6379 node index.js</a:t>
+              <a:t>    cd node-chat &amp;&amp; REDIS_HOST=localhost REDIS_PORT=6379 node index.js</a:t>
             </a:r>
           </a:p>
         </p:txBody>
